--- a/proposal-workshop/images/scheme.pptx
+++ b/proposal-workshop/images/scheme.pptx
@@ -4,10 +4,16 @@
   <p:sldMasterIdLst>
     <p:sldMasterId id="2147483768" r:id="rId1"/>
   </p:sldMasterIdLst>
+  <p:notesMasterIdLst>
+    <p:notesMasterId r:id="rId8"/>
+  </p:notesMasterIdLst>
   <p:sldIdLst>
     <p:sldId id="257" r:id="rId2"/>
     <p:sldId id="258" r:id="rId3"/>
     <p:sldId id="259" r:id="rId4"/>
+    <p:sldId id="260" r:id="rId5"/>
+    <p:sldId id="261" r:id="rId6"/>
+    <p:sldId id="262" r:id="rId7"/>
   </p:sldIdLst>
   <p:sldSz cx="5400675" cy="3600450"/>
   <p:notesSz cx="6858000" cy="9144000"/>
@@ -114,6 +120,524 @@
 </p:presentation>
 </file>
 
+<file path=ppt/notesMasters/notesMaster1.xml><?xml version="1.0" encoding="utf-8"?>
+<p:notesMaster xmlns:a="http://schemas.openxmlformats.org/drawingml/2006/main" xmlns:r="http://schemas.openxmlformats.org/officeDocument/2006/relationships" xmlns:p="http://schemas.openxmlformats.org/presentationml/2006/main">
+  <p:cSld>
+    <p:bg>
+      <p:bgRef idx="1001">
+        <a:schemeClr val="bg1"/>
+      </p:bgRef>
+    </p:bg>
+    <p:spTree>
+      <p:nvGrpSpPr>
+        <p:cNvPr id="1" name=""/>
+        <p:cNvGrpSpPr/>
+        <p:nvPr/>
+      </p:nvGrpSpPr>
+      <p:grpSpPr>
+        <a:xfrm>
+          <a:off x="0" y="0"/>
+          <a:ext cx="0" cy="0"/>
+          <a:chOff x="0" y="0"/>
+          <a:chExt cx="0" cy="0"/>
+        </a:xfrm>
+      </p:grpSpPr>
+      <p:sp>
+        <p:nvSpPr>
+          <p:cNvPr id="2" name="Header Placeholder 1"/>
+          <p:cNvSpPr>
+            <a:spLocks noGrp="1"/>
+          </p:cNvSpPr>
+          <p:nvPr>
+            <p:ph type="hdr" sz="quarter"/>
+          </p:nvPr>
+        </p:nvSpPr>
+        <p:spPr>
+          <a:xfrm>
+            <a:off x="0" y="0"/>
+            <a:ext cx="2971800" cy="458788"/>
+          </a:xfrm>
+          <a:prstGeom prst="rect">
+            <a:avLst/>
+          </a:prstGeom>
+        </p:spPr>
+        <p:txBody>
+          <a:bodyPr vert="horz" lIns="91440" tIns="45720" rIns="91440" bIns="45720" rtlCol="0"/>
+          <a:lstStyle>
+            <a:lvl1pPr algn="l">
+              <a:defRPr sz="1200"/>
+            </a:lvl1pPr>
+          </a:lstStyle>
+          <a:p>
+            <a:endParaRPr lang="en-GB"/>
+          </a:p>
+        </p:txBody>
+      </p:sp>
+      <p:sp>
+        <p:nvSpPr>
+          <p:cNvPr id="3" name="Date Placeholder 2"/>
+          <p:cNvSpPr>
+            <a:spLocks noGrp="1"/>
+          </p:cNvSpPr>
+          <p:nvPr>
+            <p:ph type="dt" idx="1"/>
+          </p:nvPr>
+        </p:nvSpPr>
+        <p:spPr>
+          <a:xfrm>
+            <a:off x="3884613" y="0"/>
+            <a:ext cx="2971800" cy="458788"/>
+          </a:xfrm>
+          <a:prstGeom prst="rect">
+            <a:avLst/>
+          </a:prstGeom>
+        </p:spPr>
+        <p:txBody>
+          <a:bodyPr vert="horz" lIns="91440" tIns="45720" rIns="91440" bIns="45720" rtlCol="0"/>
+          <a:lstStyle>
+            <a:lvl1pPr algn="r">
+              <a:defRPr sz="1200"/>
+            </a:lvl1pPr>
+          </a:lstStyle>
+          <a:p>
+            <a:fld id="{98DB4DC7-1920-4675-8E83-442C7712BA7E}" type="datetimeFigureOut">
+              <a:rPr lang="en-GB" smtClean="0"/>
+              <a:t>18/01/2023</a:t>
+            </a:fld>
+            <a:endParaRPr lang="en-GB"/>
+          </a:p>
+        </p:txBody>
+      </p:sp>
+      <p:sp>
+        <p:nvSpPr>
+          <p:cNvPr id="4" name="Slide Image Placeholder 3"/>
+          <p:cNvSpPr>
+            <a:spLocks noGrp="1" noRot="1" noChangeAspect="1"/>
+          </p:cNvSpPr>
+          <p:nvPr>
+            <p:ph type="sldImg" idx="2"/>
+          </p:nvPr>
+        </p:nvSpPr>
+        <p:spPr>
+          <a:xfrm>
+            <a:off x="1114425" y="1143000"/>
+            <a:ext cx="4629150" cy="3086100"/>
+          </a:xfrm>
+          <a:prstGeom prst="rect">
+            <a:avLst/>
+          </a:prstGeom>
+          <a:noFill/>
+          <a:ln w="12700">
+            <a:solidFill>
+              <a:prstClr val="black"/>
+            </a:solidFill>
+          </a:ln>
+        </p:spPr>
+        <p:txBody>
+          <a:bodyPr vert="horz" lIns="91440" tIns="45720" rIns="91440" bIns="45720" rtlCol="0" anchor="ctr"/>
+          <a:lstStyle/>
+          <a:p>
+            <a:endParaRPr lang="en-GB"/>
+          </a:p>
+        </p:txBody>
+      </p:sp>
+      <p:sp>
+        <p:nvSpPr>
+          <p:cNvPr id="5" name="Notes Placeholder 4"/>
+          <p:cNvSpPr>
+            <a:spLocks noGrp="1"/>
+          </p:cNvSpPr>
+          <p:nvPr>
+            <p:ph type="body" sz="quarter" idx="3"/>
+          </p:nvPr>
+        </p:nvSpPr>
+        <p:spPr>
+          <a:xfrm>
+            <a:off x="685800" y="4400550"/>
+            <a:ext cx="5486400" cy="3600450"/>
+          </a:xfrm>
+          <a:prstGeom prst="rect">
+            <a:avLst/>
+          </a:prstGeom>
+        </p:spPr>
+        <p:txBody>
+          <a:bodyPr vert="horz" lIns="91440" tIns="45720" rIns="91440" bIns="45720" rtlCol="0"/>
+          <a:lstStyle/>
+          <a:p>
+            <a:pPr lvl="0"/>
+            <a:r>
+              <a:rPr lang="en-US" smtClean="0"/>
+              <a:t>Click to edit Master text styles</a:t>
+            </a:r>
+          </a:p>
+          <a:p>
+            <a:pPr lvl="1"/>
+            <a:r>
+              <a:rPr lang="en-US" smtClean="0"/>
+              <a:t>Second level</a:t>
+            </a:r>
+          </a:p>
+          <a:p>
+            <a:pPr lvl="2"/>
+            <a:r>
+              <a:rPr lang="en-US" smtClean="0"/>
+              <a:t>Third level</a:t>
+            </a:r>
+          </a:p>
+          <a:p>
+            <a:pPr lvl="3"/>
+            <a:r>
+              <a:rPr lang="en-US" smtClean="0"/>
+              <a:t>Fourth level</a:t>
+            </a:r>
+          </a:p>
+          <a:p>
+            <a:pPr lvl="4"/>
+            <a:r>
+              <a:rPr lang="en-US" smtClean="0"/>
+              <a:t>Fifth level</a:t>
+            </a:r>
+            <a:endParaRPr lang="en-GB"/>
+          </a:p>
+        </p:txBody>
+      </p:sp>
+      <p:sp>
+        <p:nvSpPr>
+          <p:cNvPr id="6" name="Footer Placeholder 5"/>
+          <p:cNvSpPr>
+            <a:spLocks noGrp="1"/>
+          </p:cNvSpPr>
+          <p:nvPr>
+            <p:ph type="ftr" sz="quarter" idx="4"/>
+          </p:nvPr>
+        </p:nvSpPr>
+        <p:spPr>
+          <a:xfrm>
+            <a:off x="0" y="8685213"/>
+            <a:ext cx="2971800" cy="458787"/>
+          </a:xfrm>
+          <a:prstGeom prst="rect">
+            <a:avLst/>
+          </a:prstGeom>
+        </p:spPr>
+        <p:txBody>
+          <a:bodyPr vert="horz" lIns="91440" tIns="45720" rIns="91440" bIns="45720" rtlCol="0" anchor="b"/>
+          <a:lstStyle>
+            <a:lvl1pPr algn="l">
+              <a:defRPr sz="1200"/>
+            </a:lvl1pPr>
+          </a:lstStyle>
+          <a:p>
+            <a:endParaRPr lang="en-GB"/>
+          </a:p>
+        </p:txBody>
+      </p:sp>
+      <p:sp>
+        <p:nvSpPr>
+          <p:cNvPr id="7" name="Slide Number Placeholder 6"/>
+          <p:cNvSpPr>
+            <a:spLocks noGrp="1"/>
+          </p:cNvSpPr>
+          <p:nvPr>
+            <p:ph type="sldNum" sz="quarter" idx="5"/>
+          </p:nvPr>
+        </p:nvSpPr>
+        <p:spPr>
+          <a:xfrm>
+            <a:off x="3884613" y="8685213"/>
+            <a:ext cx="2971800" cy="458787"/>
+          </a:xfrm>
+          <a:prstGeom prst="rect">
+            <a:avLst/>
+          </a:prstGeom>
+        </p:spPr>
+        <p:txBody>
+          <a:bodyPr vert="horz" lIns="91440" tIns="45720" rIns="91440" bIns="45720" rtlCol="0" anchor="b"/>
+          <a:lstStyle>
+            <a:lvl1pPr algn="r">
+              <a:defRPr sz="1200"/>
+            </a:lvl1pPr>
+          </a:lstStyle>
+          <a:p>
+            <a:fld id="{E1C404CB-79B5-4CE3-A2B5-ED889D3C0A00}" type="slidenum">
+              <a:rPr lang="en-GB" smtClean="0"/>
+              <a:t>‹#›</a:t>
+            </a:fld>
+            <a:endParaRPr lang="en-GB"/>
+          </a:p>
+        </p:txBody>
+      </p:sp>
+    </p:spTree>
+    <p:extLst>
+      <p:ext uri="{BB962C8B-B14F-4D97-AF65-F5344CB8AC3E}">
+        <p14:creationId xmlns:p14="http://schemas.microsoft.com/office/powerpoint/2010/main" val="2384428927"/>
+      </p:ext>
+    </p:extLst>
+  </p:cSld>
+  <p:clrMap bg1="lt1" tx1="dk1" bg2="lt2" tx2="dk2" accent1="accent1" accent2="accent2" accent3="accent3" accent4="accent4" accent5="accent5" accent6="accent6" hlink="hlink" folHlink="folHlink"/>
+  <p:notesStyle>
+    <a:lvl1pPr marL="0" algn="l" defTabSz="914400" rtl="0" eaLnBrk="1" latinLnBrk="0" hangingPunct="1">
+      <a:defRPr sz="1200" kern="1200">
+        <a:solidFill>
+          <a:schemeClr val="tx1"/>
+        </a:solidFill>
+        <a:latin typeface="+mn-lt"/>
+        <a:ea typeface="+mn-ea"/>
+        <a:cs typeface="+mn-cs"/>
+      </a:defRPr>
+    </a:lvl1pPr>
+    <a:lvl2pPr marL="457200" algn="l" defTabSz="914400" rtl="0" eaLnBrk="1" latinLnBrk="0" hangingPunct="1">
+      <a:defRPr sz="1200" kern="1200">
+        <a:solidFill>
+          <a:schemeClr val="tx1"/>
+        </a:solidFill>
+        <a:latin typeface="+mn-lt"/>
+        <a:ea typeface="+mn-ea"/>
+        <a:cs typeface="+mn-cs"/>
+      </a:defRPr>
+    </a:lvl2pPr>
+    <a:lvl3pPr marL="914400" algn="l" defTabSz="914400" rtl="0" eaLnBrk="1" latinLnBrk="0" hangingPunct="1">
+      <a:defRPr sz="1200" kern="1200">
+        <a:solidFill>
+          <a:schemeClr val="tx1"/>
+        </a:solidFill>
+        <a:latin typeface="+mn-lt"/>
+        <a:ea typeface="+mn-ea"/>
+        <a:cs typeface="+mn-cs"/>
+      </a:defRPr>
+    </a:lvl3pPr>
+    <a:lvl4pPr marL="1371600" algn="l" defTabSz="914400" rtl="0" eaLnBrk="1" latinLnBrk="0" hangingPunct="1">
+      <a:defRPr sz="1200" kern="1200">
+        <a:solidFill>
+          <a:schemeClr val="tx1"/>
+        </a:solidFill>
+        <a:latin typeface="+mn-lt"/>
+        <a:ea typeface="+mn-ea"/>
+        <a:cs typeface="+mn-cs"/>
+      </a:defRPr>
+    </a:lvl4pPr>
+    <a:lvl5pPr marL="1828800" algn="l" defTabSz="914400" rtl="0" eaLnBrk="1" latinLnBrk="0" hangingPunct="1">
+      <a:defRPr sz="1200" kern="1200">
+        <a:solidFill>
+          <a:schemeClr val="tx1"/>
+        </a:solidFill>
+        <a:latin typeface="+mn-lt"/>
+        <a:ea typeface="+mn-ea"/>
+        <a:cs typeface="+mn-cs"/>
+      </a:defRPr>
+    </a:lvl5pPr>
+    <a:lvl6pPr marL="2286000" algn="l" defTabSz="914400" rtl="0" eaLnBrk="1" latinLnBrk="0" hangingPunct="1">
+      <a:defRPr sz="1200" kern="1200">
+        <a:solidFill>
+          <a:schemeClr val="tx1"/>
+        </a:solidFill>
+        <a:latin typeface="+mn-lt"/>
+        <a:ea typeface="+mn-ea"/>
+        <a:cs typeface="+mn-cs"/>
+      </a:defRPr>
+    </a:lvl6pPr>
+    <a:lvl7pPr marL="2743200" algn="l" defTabSz="914400" rtl="0" eaLnBrk="1" latinLnBrk="0" hangingPunct="1">
+      <a:defRPr sz="1200" kern="1200">
+        <a:solidFill>
+          <a:schemeClr val="tx1"/>
+        </a:solidFill>
+        <a:latin typeface="+mn-lt"/>
+        <a:ea typeface="+mn-ea"/>
+        <a:cs typeface="+mn-cs"/>
+      </a:defRPr>
+    </a:lvl7pPr>
+    <a:lvl8pPr marL="3200400" algn="l" defTabSz="914400" rtl="0" eaLnBrk="1" latinLnBrk="0" hangingPunct="1">
+      <a:defRPr sz="1200" kern="1200">
+        <a:solidFill>
+          <a:schemeClr val="tx1"/>
+        </a:solidFill>
+        <a:latin typeface="+mn-lt"/>
+        <a:ea typeface="+mn-ea"/>
+        <a:cs typeface="+mn-cs"/>
+      </a:defRPr>
+    </a:lvl8pPr>
+    <a:lvl9pPr marL="3657600" algn="l" defTabSz="914400" rtl="0" eaLnBrk="1" latinLnBrk="0" hangingPunct="1">
+      <a:defRPr sz="1200" kern="1200">
+        <a:solidFill>
+          <a:schemeClr val="tx1"/>
+        </a:solidFill>
+        <a:latin typeface="+mn-lt"/>
+        <a:ea typeface="+mn-ea"/>
+        <a:cs typeface="+mn-cs"/>
+      </a:defRPr>
+    </a:lvl9pPr>
+  </p:notesStyle>
+</p:notesMaster>
+</file>
+
+<file path=ppt/notesSlides/notesSlide1.xml><?xml version="1.0" encoding="utf-8"?>
+<p:notes xmlns:a="http://schemas.openxmlformats.org/drawingml/2006/main" xmlns:r="http://schemas.openxmlformats.org/officeDocument/2006/relationships" xmlns:p="http://schemas.openxmlformats.org/presentationml/2006/main">
+  <p:cSld>
+    <p:spTree>
+      <p:nvGrpSpPr>
+        <p:cNvPr id="1" name=""/>
+        <p:cNvGrpSpPr/>
+        <p:nvPr/>
+      </p:nvGrpSpPr>
+      <p:grpSpPr>
+        <a:xfrm>
+          <a:off x="0" y="0"/>
+          <a:ext cx="0" cy="0"/>
+          <a:chOff x="0" y="0"/>
+          <a:chExt cx="0" cy="0"/>
+        </a:xfrm>
+      </p:grpSpPr>
+      <p:sp>
+        <p:nvSpPr>
+          <p:cNvPr id="2" name="Slide Image Placeholder 1"/>
+          <p:cNvSpPr>
+            <a:spLocks noGrp="1" noRot="1" noChangeAspect="1"/>
+          </p:cNvSpPr>
+          <p:nvPr>
+            <p:ph type="sldImg"/>
+          </p:nvPr>
+        </p:nvSpPr>
+        <p:spPr/>
+      </p:sp>
+      <p:sp>
+        <p:nvSpPr>
+          <p:cNvPr id="3" name="Notes Placeholder 2"/>
+          <p:cNvSpPr>
+            <a:spLocks noGrp="1"/>
+          </p:cNvSpPr>
+          <p:nvPr>
+            <p:ph type="body" idx="1"/>
+          </p:nvPr>
+        </p:nvSpPr>
+        <p:spPr/>
+        <p:txBody>
+          <a:bodyPr/>
+          <a:lstStyle/>
+          <a:p>
+            <a:endParaRPr lang="en-GB" dirty="0"/>
+          </a:p>
+        </p:txBody>
+      </p:sp>
+      <p:sp>
+        <p:nvSpPr>
+          <p:cNvPr id="4" name="Slide Number Placeholder 3"/>
+          <p:cNvSpPr>
+            <a:spLocks noGrp="1"/>
+          </p:cNvSpPr>
+          <p:nvPr>
+            <p:ph type="sldNum" sz="quarter" idx="10"/>
+          </p:nvPr>
+        </p:nvSpPr>
+        <p:spPr/>
+        <p:txBody>
+          <a:bodyPr/>
+          <a:lstStyle/>
+          <a:p>
+            <a:fld id="{E1C404CB-79B5-4CE3-A2B5-ED889D3C0A00}" type="slidenum">
+              <a:rPr lang="en-GB" smtClean="0"/>
+              <a:t>5</a:t>
+            </a:fld>
+            <a:endParaRPr lang="en-GB"/>
+          </a:p>
+        </p:txBody>
+      </p:sp>
+    </p:spTree>
+    <p:extLst>
+      <p:ext uri="{BB962C8B-B14F-4D97-AF65-F5344CB8AC3E}">
+        <p14:creationId xmlns:p14="http://schemas.microsoft.com/office/powerpoint/2010/main" val="3618787173"/>
+      </p:ext>
+    </p:extLst>
+  </p:cSld>
+  <p:clrMapOvr>
+    <a:masterClrMapping/>
+  </p:clrMapOvr>
+</p:notes>
+</file>
+
+<file path=ppt/notesSlides/notesSlide2.xml><?xml version="1.0" encoding="utf-8"?>
+<p:notes xmlns:a="http://schemas.openxmlformats.org/drawingml/2006/main" xmlns:r="http://schemas.openxmlformats.org/officeDocument/2006/relationships" xmlns:p="http://schemas.openxmlformats.org/presentationml/2006/main">
+  <p:cSld>
+    <p:spTree>
+      <p:nvGrpSpPr>
+        <p:cNvPr id="1" name=""/>
+        <p:cNvGrpSpPr/>
+        <p:nvPr/>
+      </p:nvGrpSpPr>
+      <p:grpSpPr>
+        <a:xfrm>
+          <a:off x="0" y="0"/>
+          <a:ext cx="0" cy="0"/>
+          <a:chOff x="0" y="0"/>
+          <a:chExt cx="0" cy="0"/>
+        </a:xfrm>
+      </p:grpSpPr>
+      <p:sp>
+        <p:nvSpPr>
+          <p:cNvPr id="2" name="Slide Image Placeholder 1"/>
+          <p:cNvSpPr>
+            <a:spLocks noGrp="1" noRot="1" noChangeAspect="1"/>
+          </p:cNvSpPr>
+          <p:nvPr>
+            <p:ph type="sldImg"/>
+          </p:nvPr>
+        </p:nvSpPr>
+        <p:spPr/>
+      </p:sp>
+      <p:sp>
+        <p:nvSpPr>
+          <p:cNvPr id="3" name="Notes Placeholder 2"/>
+          <p:cNvSpPr>
+            <a:spLocks noGrp="1"/>
+          </p:cNvSpPr>
+          <p:nvPr>
+            <p:ph type="body" idx="1"/>
+          </p:nvPr>
+        </p:nvSpPr>
+        <p:spPr/>
+        <p:txBody>
+          <a:bodyPr/>
+          <a:lstStyle/>
+          <a:p>
+            <a:endParaRPr lang="en-GB" dirty="0"/>
+          </a:p>
+        </p:txBody>
+      </p:sp>
+      <p:sp>
+        <p:nvSpPr>
+          <p:cNvPr id="4" name="Slide Number Placeholder 3"/>
+          <p:cNvSpPr>
+            <a:spLocks noGrp="1"/>
+          </p:cNvSpPr>
+          <p:nvPr>
+            <p:ph type="sldNum" sz="quarter" idx="10"/>
+          </p:nvPr>
+        </p:nvSpPr>
+        <p:spPr/>
+        <p:txBody>
+          <a:bodyPr/>
+          <a:lstStyle/>
+          <a:p>
+            <a:fld id="{E1C404CB-79B5-4CE3-A2B5-ED889D3C0A00}" type="slidenum">
+              <a:rPr lang="en-GB" smtClean="0"/>
+              <a:t>6</a:t>
+            </a:fld>
+            <a:endParaRPr lang="en-GB"/>
+          </a:p>
+        </p:txBody>
+      </p:sp>
+    </p:spTree>
+    <p:extLst>
+      <p:ext uri="{BB962C8B-B14F-4D97-AF65-F5344CB8AC3E}">
+        <p14:creationId xmlns:p14="http://schemas.microsoft.com/office/powerpoint/2010/main" val="2429703015"/>
+      </p:ext>
+    </p:extLst>
+  </p:cSld>
+  <p:clrMapOvr>
+    <a:masterClrMapping/>
+  </p:clrMapOvr>
+</p:notes>
+</file>
+
 <file path=ppt/slideLayouts/slideLayout1.xml><?xml version="1.0" encoding="utf-8"?>
 <p:sldLayout xmlns:a="http://schemas.openxmlformats.org/drawingml/2006/main" xmlns:r="http://schemas.openxmlformats.org/officeDocument/2006/relationships" xmlns:p="http://schemas.openxmlformats.org/presentationml/2006/main" type="title" preserve="1">
   <p:cSld name="Diapositiva de título">
@@ -245,7 +769,7 @@
           <a:p>
             <a:fld id="{7C809603-0A2B-4FAA-8CCA-C215CBD5387F}" type="datetimeFigureOut">
               <a:rPr lang="en-US" smtClean="0"/>
-              <a:t>11/1/2022</a:t>
+              <a:t>1/18/2023</a:t>
             </a:fld>
             <a:endParaRPr lang="en-US"/>
           </a:p>
@@ -287,7 +811,7 @@
           <a:p>
             <a:fld id="{4E4E81BB-19A5-49FF-9E34-285101875A54}" type="slidenum">
               <a:rPr lang="en-US" smtClean="0"/>
-              <a:t>‹Nr.›</a:t>
+              <a:t>‹#›</a:t>
             </a:fld>
             <a:endParaRPr lang="en-US"/>
           </a:p>
@@ -415,7 +939,7 @@
           <a:p>
             <a:fld id="{7C809603-0A2B-4FAA-8CCA-C215CBD5387F}" type="datetimeFigureOut">
               <a:rPr lang="en-US" smtClean="0"/>
-              <a:t>11/1/2022</a:t>
+              <a:t>1/18/2023</a:t>
             </a:fld>
             <a:endParaRPr lang="en-US"/>
           </a:p>
@@ -457,7 +981,7 @@
           <a:p>
             <a:fld id="{4E4E81BB-19A5-49FF-9E34-285101875A54}" type="slidenum">
               <a:rPr lang="en-US" smtClean="0"/>
-              <a:t>‹Nr.›</a:t>
+              <a:t>‹#›</a:t>
             </a:fld>
             <a:endParaRPr lang="en-US"/>
           </a:p>
@@ -595,7 +1119,7 @@
           <a:p>
             <a:fld id="{7C809603-0A2B-4FAA-8CCA-C215CBD5387F}" type="datetimeFigureOut">
               <a:rPr lang="en-US" smtClean="0"/>
-              <a:t>11/1/2022</a:t>
+              <a:t>1/18/2023</a:t>
             </a:fld>
             <a:endParaRPr lang="en-US"/>
           </a:p>
@@ -637,7 +1161,7 @@
           <a:p>
             <a:fld id="{4E4E81BB-19A5-49FF-9E34-285101875A54}" type="slidenum">
               <a:rPr lang="en-US" smtClean="0"/>
-              <a:t>‹Nr.›</a:t>
+              <a:t>‹#›</a:t>
             </a:fld>
             <a:endParaRPr lang="en-US"/>
           </a:p>
@@ -765,7 +1289,7 @@
           <a:p>
             <a:fld id="{7C809603-0A2B-4FAA-8CCA-C215CBD5387F}" type="datetimeFigureOut">
               <a:rPr lang="en-US" smtClean="0"/>
-              <a:t>11/1/2022</a:t>
+              <a:t>1/18/2023</a:t>
             </a:fld>
             <a:endParaRPr lang="en-US"/>
           </a:p>
@@ -807,7 +1331,7 @@
           <a:p>
             <a:fld id="{4E4E81BB-19A5-49FF-9E34-285101875A54}" type="slidenum">
               <a:rPr lang="en-US" smtClean="0"/>
-              <a:t>‹Nr.›</a:t>
+              <a:t>‹#›</a:t>
             </a:fld>
             <a:endParaRPr lang="en-US"/>
           </a:p>
@@ -1009,7 +1533,7 @@
           <a:p>
             <a:fld id="{7C809603-0A2B-4FAA-8CCA-C215CBD5387F}" type="datetimeFigureOut">
               <a:rPr lang="en-US" smtClean="0"/>
-              <a:t>11/1/2022</a:t>
+              <a:t>1/18/2023</a:t>
             </a:fld>
             <a:endParaRPr lang="en-US"/>
           </a:p>
@@ -1051,7 +1575,7 @@
           <a:p>
             <a:fld id="{4E4E81BB-19A5-49FF-9E34-285101875A54}" type="slidenum">
               <a:rPr lang="en-US" smtClean="0"/>
-              <a:t>‹Nr.›</a:t>
+              <a:t>‹#›</a:t>
             </a:fld>
             <a:endParaRPr lang="en-US"/>
           </a:p>
@@ -1241,7 +1765,7 @@
           <a:p>
             <a:fld id="{7C809603-0A2B-4FAA-8CCA-C215CBD5387F}" type="datetimeFigureOut">
               <a:rPr lang="en-US" smtClean="0"/>
-              <a:t>11/1/2022</a:t>
+              <a:t>1/18/2023</a:t>
             </a:fld>
             <a:endParaRPr lang="en-US"/>
           </a:p>
@@ -1283,7 +1807,7 @@
           <a:p>
             <a:fld id="{4E4E81BB-19A5-49FF-9E34-285101875A54}" type="slidenum">
               <a:rPr lang="en-US" smtClean="0"/>
-              <a:t>‹Nr.›</a:t>
+              <a:t>‹#›</a:t>
             </a:fld>
             <a:endParaRPr lang="en-US"/>
           </a:p>
@@ -1608,7 +2132,7 @@
           <a:p>
             <a:fld id="{7C809603-0A2B-4FAA-8CCA-C215CBD5387F}" type="datetimeFigureOut">
               <a:rPr lang="en-US" smtClean="0"/>
-              <a:t>11/1/2022</a:t>
+              <a:t>1/18/2023</a:t>
             </a:fld>
             <a:endParaRPr lang="en-US"/>
           </a:p>
@@ -1650,7 +2174,7 @@
           <a:p>
             <a:fld id="{4E4E81BB-19A5-49FF-9E34-285101875A54}" type="slidenum">
               <a:rPr lang="en-US" smtClean="0"/>
-              <a:t>‹Nr.›</a:t>
+              <a:t>‹#›</a:t>
             </a:fld>
             <a:endParaRPr lang="en-US"/>
           </a:p>
@@ -1726,7 +2250,7 @@
           <a:p>
             <a:fld id="{7C809603-0A2B-4FAA-8CCA-C215CBD5387F}" type="datetimeFigureOut">
               <a:rPr lang="en-US" smtClean="0"/>
-              <a:t>11/1/2022</a:t>
+              <a:t>1/18/2023</a:t>
             </a:fld>
             <a:endParaRPr lang="en-US"/>
           </a:p>
@@ -1768,7 +2292,7 @@
           <a:p>
             <a:fld id="{4E4E81BB-19A5-49FF-9E34-285101875A54}" type="slidenum">
               <a:rPr lang="en-US" smtClean="0"/>
-              <a:t>‹Nr.›</a:t>
+              <a:t>‹#›</a:t>
             </a:fld>
             <a:endParaRPr lang="en-US"/>
           </a:p>
@@ -1821,7 +2345,7 @@
           <a:p>
             <a:fld id="{7C809603-0A2B-4FAA-8CCA-C215CBD5387F}" type="datetimeFigureOut">
               <a:rPr lang="en-US" smtClean="0"/>
-              <a:t>11/1/2022</a:t>
+              <a:t>1/18/2023</a:t>
             </a:fld>
             <a:endParaRPr lang="en-US"/>
           </a:p>
@@ -1863,7 +2387,7 @@
           <a:p>
             <a:fld id="{4E4E81BB-19A5-49FF-9E34-285101875A54}" type="slidenum">
               <a:rPr lang="en-US" smtClean="0"/>
-              <a:t>‹Nr.›</a:t>
+              <a:t>‹#›</a:t>
             </a:fld>
             <a:endParaRPr lang="en-US"/>
           </a:p>
@@ -2098,7 +2622,7 @@
           <a:p>
             <a:fld id="{7C809603-0A2B-4FAA-8CCA-C215CBD5387F}" type="datetimeFigureOut">
               <a:rPr lang="en-US" smtClean="0"/>
-              <a:t>11/1/2022</a:t>
+              <a:t>1/18/2023</a:t>
             </a:fld>
             <a:endParaRPr lang="en-US"/>
           </a:p>
@@ -2140,7 +2664,7 @@
           <a:p>
             <a:fld id="{4E4E81BB-19A5-49FF-9E34-285101875A54}" type="slidenum">
               <a:rPr lang="en-US" smtClean="0"/>
-              <a:t>‹Nr.›</a:t>
+              <a:t>‹#›</a:t>
             </a:fld>
             <a:endParaRPr lang="en-US"/>
           </a:p>
@@ -2355,7 +2879,7 @@
           <a:p>
             <a:fld id="{7C809603-0A2B-4FAA-8CCA-C215CBD5387F}" type="datetimeFigureOut">
               <a:rPr lang="en-US" smtClean="0"/>
-              <a:t>11/1/2022</a:t>
+              <a:t>1/18/2023</a:t>
             </a:fld>
             <a:endParaRPr lang="en-US"/>
           </a:p>
@@ -2397,7 +2921,7 @@
           <a:p>
             <a:fld id="{4E4E81BB-19A5-49FF-9E34-285101875A54}" type="slidenum">
               <a:rPr lang="en-US" smtClean="0"/>
-              <a:t>‹Nr.›</a:t>
+              <a:t>‹#›</a:t>
             </a:fld>
             <a:endParaRPr lang="en-US"/>
           </a:p>
@@ -2568,7 +3092,7 @@
           <a:p>
             <a:fld id="{7C809603-0A2B-4FAA-8CCA-C215CBD5387F}" type="datetimeFigureOut">
               <a:rPr lang="en-US" smtClean="0"/>
-              <a:t>11/1/2022</a:t>
+              <a:t>1/18/2023</a:t>
             </a:fld>
             <a:endParaRPr lang="en-US"/>
           </a:p>
@@ -2646,7 +3170,7 @@
           <a:p>
             <a:fld id="{4E4E81BB-19A5-49FF-9E34-285101875A54}" type="slidenum">
               <a:rPr lang="en-US" smtClean="0"/>
-              <a:t>‹Nr.›</a:t>
+              <a:t>‹#›</a:t>
             </a:fld>
             <a:endParaRPr lang="en-US"/>
           </a:p>
@@ -3013,7 +3537,7 @@
           <a:p>
             <a:pPr algn="ctr"/>
             <a:r>
-              <a:rPr lang="es-CL" sz="800" dirty="0" smtClean="0">
+              <a:rPr lang="es-CL" sz="800" dirty="0">
                 <a:latin typeface="Times New Roman" panose="02020603050405020304" pitchFamily="18" charset="0"/>
                 <a:cs typeface="Times New Roman" panose="02020603050405020304" pitchFamily="18" charset="0"/>
               </a:rPr>
@@ -3023,16 +3547,12 @@
           <a:p>
             <a:pPr algn="ctr"/>
             <a:r>
-              <a:rPr lang="es-CL" sz="800" dirty="0" smtClean="0">
+              <a:rPr lang="es-CL" sz="800" dirty="0">
                 <a:latin typeface="Times New Roman" panose="02020603050405020304" pitchFamily="18" charset="0"/>
                 <a:cs typeface="Times New Roman" panose="02020603050405020304" pitchFamily="18" charset="0"/>
               </a:rPr>
               <a:t>Comparison</a:t>
             </a:r>
-            <a:endParaRPr lang="es-CL" sz="800" dirty="0">
-              <a:latin typeface="Times New Roman" panose="02020603050405020304" pitchFamily="18" charset="0"/>
-              <a:cs typeface="Times New Roman" panose="02020603050405020304" pitchFamily="18" charset="0"/>
-            </a:endParaRPr>
           </a:p>
         </p:txBody>
       </p:sp>
@@ -3076,7 +3596,7 @@
           <a:p>
             <a:pPr algn="ctr"/>
             <a:r>
-              <a:rPr lang="es-CL" sz="800" dirty="0" smtClean="0">
+              <a:rPr lang="es-CL" sz="800" dirty="0">
                 <a:latin typeface="Times New Roman" panose="02020603050405020304" pitchFamily="18" charset="0"/>
                 <a:cs typeface="Times New Roman" panose="02020603050405020304" pitchFamily="18" charset="0"/>
               </a:rPr>
@@ -3086,16 +3606,12 @@
           <a:p>
             <a:pPr algn="ctr"/>
             <a:r>
-              <a:rPr lang="es-CL" sz="800" dirty="0" smtClean="0">
+              <a:rPr lang="es-CL" sz="800" dirty="0">
                 <a:latin typeface="Times New Roman" panose="02020603050405020304" pitchFamily="18" charset="0"/>
                 <a:cs typeface="Times New Roman" panose="02020603050405020304" pitchFamily="18" charset="0"/>
               </a:rPr>
               <a:t>Preferences</a:t>
             </a:r>
-            <a:endParaRPr lang="es-CL" sz="800" dirty="0">
-              <a:latin typeface="Times New Roman" panose="02020603050405020304" pitchFamily="18" charset="0"/>
-              <a:cs typeface="Times New Roman" panose="02020603050405020304" pitchFamily="18" charset="0"/>
-            </a:endParaRPr>
           </a:p>
         </p:txBody>
       </p:sp>
@@ -3139,7 +3655,7 @@
           <a:p>
             <a:pPr algn="ctr"/>
             <a:r>
-              <a:rPr lang="es-CL" sz="800" dirty="0" smtClean="0">
+              <a:rPr lang="es-CL" sz="800" dirty="0">
                 <a:latin typeface="Times New Roman" panose="02020603050405020304" pitchFamily="18" charset="0"/>
                 <a:cs typeface="Times New Roman" panose="02020603050405020304" pitchFamily="18" charset="0"/>
               </a:rPr>
@@ -3149,7 +3665,7 @@
           <a:p>
             <a:pPr algn="ctr"/>
             <a:r>
-              <a:rPr lang="es-CL" sz="800" dirty="0" smtClean="0">
+              <a:rPr lang="es-CL" sz="800" dirty="0">
                 <a:latin typeface="Times New Roman" panose="02020603050405020304" pitchFamily="18" charset="0"/>
                 <a:cs typeface="Times New Roman" panose="02020603050405020304" pitchFamily="18" charset="0"/>
               </a:rPr>
@@ -3205,25 +3721,11 @@
           <a:lstStyle/>
           <a:p>
             <a:r>
-              <a:rPr lang="es-CL" sz="700" dirty="0" smtClean="0">
-                <a:latin typeface="Times New Roman" panose="02020603050405020304" pitchFamily="18" charset="0"/>
-                <a:cs typeface="Times New Roman" panose="02020603050405020304" pitchFamily="18" charset="0"/>
-              </a:rPr>
-              <a:t>Level 2</a:t>
-            </a:r>
-            <a:r>
               <a:rPr lang="es-CL" sz="700" dirty="0">
                 <a:latin typeface="Times New Roman" panose="02020603050405020304" pitchFamily="18" charset="0"/>
                 <a:cs typeface="Times New Roman" panose="02020603050405020304" pitchFamily="18" charset="0"/>
               </a:rPr>
-              <a:t>: </a:t>
-            </a:r>
-            <a:r>
-              <a:rPr lang="es-CL" sz="700" dirty="0" smtClean="0">
-                <a:latin typeface="Times New Roman" panose="02020603050405020304" pitchFamily="18" charset="0"/>
-                <a:cs typeface="Times New Roman" panose="02020603050405020304" pitchFamily="18" charset="0"/>
-              </a:rPr>
-              <a:t>Country-Year</a:t>
+              <a:t>Level 2: Country-Year</a:t>
             </a:r>
             <a:endParaRPr lang="en-US" sz="700" dirty="0">
               <a:latin typeface="Times New Roman" panose="02020603050405020304" pitchFamily="18" charset="0"/>
@@ -3275,7 +3777,7 @@
           <a:lstStyle/>
           <a:p>
             <a:r>
-              <a:rPr lang="es-CL" sz="700" dirty="0" smtClean="0">
+              <a:rPr lang="es-CL" sz="700" dirty="0">
                 <a:latin typeface="Times New Roman" panose="02020603050405020304" pitchFamily="18" charset="0"/>
                 <a:cs typeface="Times New Roman" panose="02020603050405020304" pitchFamily="18" charset="0"/>
               </a:rPr>
@@ -3331,7 +3833,7 @@
           <a:lstStyle/>
           <a:p>
             <a:r>
-              <a:rPr lang="es-CL" sz="700" dirty="0" smtClean="0">
+              <a:rPr lang="es-CL" sz="700" dirty="0">
                 <a:latin typeface="Times New Roman" panose="02020603050405020304" pitchFamily="18" charset="0"/>
                 <a:cs typeface="Times New Roman" panose="02020603050405020304" pitchFamily="18" charset="0"/>
               </a:rPr>
@@ -3384,7 +3886,7 @@
           <a:p>
             <a:pPr algn="ctr"/>
             <a:r>
-              <a:rPr lang="es-CL" sz="800" dirty="0" smtClean="0">
+              <a:rPr lang="es-CL" sz="800" dirty="0">
                 <a:latin typeface="Times New Roman" panose="02020603050405020304" pitchFamily="18" charset="0"/>
                 <a:cs typeface="Times New Roman" panose="02020603050405020304" pitchFamily="18" charset="0"/>
               </a:rPr>
@@ -3394,16 +3896,12 @@
           <a:p>
             <a:pPr algn="ctr"/>
             <a:r>
-              <a:rPr lang="es-CL" sz="800" dirty="0" smtClean="0">
+              <a:rPr lang="es-CL" sz="800" dirty="0">
                 <a:latin typeface="Times New Roman" panose="02020603050405020304" pitchFamily="18" charset="0"/>
                 <a:cs typeface="Times New Roman" panose="02020603050405020304" pitchFamily="18" charset="0"/>
               </a:rPr>
               <a:t>Social Status</a:t>
             </a:r>
-            <a:endParaRPr lang="es-CL" sz="800" dirty="0">
-              <a:latin typeface="Times New Roman" panose="02020603050405020304" pitchFamily="18" charset="0"/>
-              <a:cs typeface="Times New Roman" panose="02020603050405020304" pitchFamily="18" charset="0"/>
-            </a:endParaRPr>
           </a:p>
         </p:txBody>
       </p:sp>
@@ -3690,13 +4188,6 @@
   <p:clrMapOvr>
     <a:masterClrMapping/>
   </p:clrMapOvr>
-  <p:timing>
-    <p:tnLst>
-      <p:par>
-        <p:cTn id="1" dur="indefinite" restart="never" nodeType="tmRoot"/>
-      </p:par>
-    </p:tnLst>
-  </p:timing>
 </p:sld>
 </file>
 
@@ -3751,7 +4242,7 @@
           <a:lstStyle/>
           <a:p>
             <a:r>
-              <a:rPr lang="es-CL" sz="1200" dirty="0" smtClean="0">
+              <a:rPr lang="es-CL" sz="1200" dirty="0">
                 <a:latin typeface="Times New Roman" panose="02020603050405020304" pitchFamily="18" charset="0"/>
                 <a:cs typeface="Times New Roman" panose="02020603050405020304" pitchFamily="18" charset="0"/>
               </a:rPr>
@@ -3760,7 +4251,7 @@
           </a:p>
           <a:p>
             <a:r>
-              <a:rPr lang="es-CL" sz="1000" dirty="0" smtClean="0">
+              <a:rPr lang="es-CL" sz="1000" dirty="0">
                 <a:latin typeface="Times New Roman" panose="02020603050405020304" pitchFamily="18" charset="0"/>
                 <a:cs typeface="Times New Roman" panose="02020603050405020304" pitchFamily="18" charset="0"/>
               </a:rPr>
@@ -3813,7 +4304,7 @@
           <a:p>
             <a:pPr algn="ctr"/>
             <a:r>
-              <a:rPr lang="es-CL" sz="800" dirty="0" smtClean="0">
+              <a:rPr lang="es-CL" sz="800" dirty="0">
                 <a:latin typeface="Times New Roman" panose="02020603050405020304" pitchFamily="18" charset="0"/>
                 <a:cs typeface="Times New Roman" panose="02020603050405020304" pitchFamily="18" charset="0"/>
               </a:rPr>
@@ -3823,16 +4314,12 @@
           <a:p>
             <a:pPr algn="ctr"/>
             <a:r>
-              <a:rPr lang="es-CL" sz="800" dirty="0" smtClean="0">
+              <a:rPr lang="es-CL" sz="800" dirty="0">
                 <a:latin typeface="Times New Roman" panose="02020603050405020304" pitchFamily="18" charset="0"/>
                 <a:cs typeface="Times New Roman" panose="02020603050405020304" pitchFamily="18" charset="0"/>
               </a:rPr>
               <a:t>Comparison</a:t>
             </a:r>
-            <a:endParaRPr lang="es-CL" sz="800" dirty="0">
-              <a:latin typeface="Times New Roman" panose="02020603050405020304" pitchFamily="18" charset="0"/>
-              <a:cs typeface="Times New Roman" panose="02020603050405020304" pitchFamily="18" charset="0"/>
-            </a:endParaRPr>
           </a:p>
         </p:txBody>
       </p:sp>
@@ -3876,16 +4363,12 @@
           <a:p>
             <a:pPr algn="ctr"/>
             <a:r>
-              <a:rPr lang="es-CL" sz="800" dirty="0" smtClean="0">
+              <a:rPr lang="es-CL" sz="800" dirty="0">
                 <a:latin typeface="Times New Roman" panose="02020603050405020304" pitchFamily="18" charset="0"/>
                 <a:cs typeface="Times New Roman" panose="02020603050405020304" pitchFamily="18" charset="0"/>
               </a:rPr>
               <a:t>Policy Preferences</a:t>
             </a:r>
-            <a:endParaRPr lang="es-CL" sz="800" dirty="0">
-              <a:latin typeface="Times New Roman" panose="02020603050405020304" pitchFamily="18" charset="0"/>
-              <a:cs typeface="Times New Roman" panose="02020603050405020304" pitchFamily="18" charset="0"/>
-            </a:endParaRPr>
           </a:p>
         </p:txBody>
       </p:sp>
@@ -3932,25 +4415,11 @@
           <a:lstStyle/>
           <a:p>
             <a:r>
-              <a:rPr lang="es-CL" sz="700" dirty="0" smtClean="0">
-                <a:latin typeface="Times New Roman" panose="02020603050405020304" pitchFamily="18" charset="0"/>
-                <a:cs typeface="Times New Roman" panose="02020603050405020304" pitchFamily="18" charset="0"/>
-              </a:rPr>
-              <a:t>Level 2</a:t>
-            </a:r>
-            <a:r>
               <a:rPr lang="es-CL" sz="700" dirty="0">
                 <a:latin typeface="Times New Roman" panose="02020603050405020304" pitchFamily="18" charset="0"/>
                 <a:cs typeface="Times New Roman" panose="02020603050405020304" pitchFamily="18" charset="0"/>
               </a:rPr>
-              <a:t>: </a:t>
-            </a:r>
-            <a:r>
-              <a:rPr lang="es-CL" sz="700" dirty="0" smtClean="0">
-                <a:latin typeface="Times New Roman" panose="02020603050405020304" pitchFamily="18" charset="0"/>
-                <a:cs typeface="Times New Roman" panose="02020603050405020304" pitchFamily="18" charset="0"/>
-              </a:rPr>
-              <a:t>Individual</a:t>
+              <a:t>Level 2: Individual</a:t>
             </a:r>
             <a:endParaRPr lang="en-US" sz="700" dirty="0">
               <a:latin typeface="Times New Roman" panose="02020603050405020304" pitchFamily="18" charset="0"/>
@@ -4002,7 +4471,7 @@
           <a:lstStyle/>
           <a:p>
             <a:r>
-              <a:rPr lang="es-CL" sz="700" dirty="0" smtClean="0">
+              <a:rPr lang="es-CL" sz="700" dirty="0">
                 <a:latin typeface="Times New Roman" panose="02020603050405020304" pitchFamily="18" charset="0"/>
                 <a:cs typeface="Times New Roman" panose="02020603050405020304" pitchFamily="18" charset="0"/>
               </a:rPr>
@@ -4055,7 +4524,7 @@
           <a:p>
             <a:pPr algn="ctr"/>
             <a:r>
-              <a:rPr lang="es-CL" sz="800" dirty="0" smtClean="0">
+              <a:rPr lang="es-CL" sz="800" dirty="0">
                 <a:latin typeface="Times New Roman" panose="02020603050405020304" pitchFamily="18" charset="0"/>
                 <a:cs typeface="Times New Roman" panose="02020603050405020304" pitchFamily="18" charset="0"/>
               </a:rPr>
@@ -4065,16 +4534,12 @@
           <a:p>
             <a:pPr algn="ctr"/>
             <a:r>
-              <a:rPr lang="es-CL" sz="800" dirty="0" smtClean="0">
+              <a:rPr lang="es-CL" sz="800" dirty="0">
                 <a:latin typeface="Times New Roman" panose="02020603050405020304" pitchFamily="18" charset="0"/>
                 <a:cs typeface="Times New Roman" panose="02020603050405020304" pitchFamily="18" charset="0"/>
               </a:rPr>
               <a:t>Social Status</a:t>
             </a:r>
-            <a:endParaRPr lang="es-CL" sz="800" dirty="0">
-              <a:latin typeface="Times New Roman" panose="02020603050405020304" pitchFamily="18" charset="0"/>
-              <a:cs typeface="Times New Roman" panose="02020603050405020304" pitchFamily="18" charset="0"/>
-            </a:endParaRPr>
           </a:p>
         </p:txBody>
       </p:sp>
@@ -4273,16 +4738,12 @@
           <a:p>
             <a:pPr algn="ctr"/>
             <a:r>
-              <a:rPr lang="es-CL" sz="800" dirty="0" smtClean="0">
+              <a:rPr lang="es-CL" sz="800" dirty="0">
                 <a:latin typeface="Times New Roman" panose="02020603050405020304" pitchFamily="18" charset="0"/>
                 <a:cs typeface="Times New Roman" panose="02020603050405020304" pitchFamily="18" charset="0"/>
               </a:rPr>
               <a:t>Time</a:t>
             </a:r>
-            <a:endParaRPr lang="es-CL" sz="800" dirty="0">
-              <a:latin typeface="Times New Roman" panose="02020603050405020304" pitchFamily="18" charset="0"/>
-              <a:cs typeface="Times New Roman" panose="02020603050405020304" pitchFamily="18" charset="0"/>
-            </a:endParaRPr>
           </a:p>
         </p:txBody>
       </p:sp>
@@ -4375,13 +4836,6 @@
   <p:clrMapOvr>
     <a:masterClrMapping/>
   </p:clrMapOvr>
-  <p:timing>
-    <p:tnLst>
-      <p:par>
-        <p:cTn id="1" dur="indefinite" restart="never" nodeType="tmRoot"/>
-      </p:par>
-    </p:tnLst>
-  </p:timing>
 </p:sld>
 </file>
 
@@ -4410,8 +4864,8 @@
         </p:nvSpPr>
         <p:spPr>
           <a:xfrm>
-            <a:off x="176362" y="180109"/>
-            <a:ext cx="5084618" cy="3297382"/>
+            <a:off x="162508" y="661447"/>
+            <a:ext cx="5084618" cy="2373745"/>
           </a:xfrm>
           <a:prstGeom prst="rect">
             <a:avLst/>
@@ -4435,23 +4889,7 @@
           <a:bodyPr rtlCol="0" anchor="t"/>
           <a:lstStyle/>
           <a:p>
-            <a:r>
-              <a:rPr lang="es-CL" sz="1200" dirty="0" smtClean="0">
-                <a:latin typeface="Times New Roman" panose="02020603050405020304" pitchFamily="18" charset="0"/>
-                <a:cs typeface="Times New Roman" panose="02020603050405020304" pitchFamily="18" charset="0"/>
-              </a:rPr>
-              <a:t>Country</a:t>
-            </a:r>
-          </a:p>
-          <a:p>
-            <a:r>
-              <a:rPr lang="es-CL" sz="1000" dirty="0" smtClean="0">
-                <a:latin typeface="Times New Roman" panose="02020603050405020304" pitchFamily="18" charset="0"/>
-                <a:cs typeface="Times New Roman" panose="02020603050405020304" pitchFamily="18" charset="0"/>
-              </a:rPr>
-              <a:t>(not defined)</a:t>
-            </a:r>
-            <a:endParaRPr lang="es-CL" sz="1200" dirty="0" smtClean="0">
+            <a:endParaRPr lang="es-CL" sz="1200" dirty="0">
               <a:latin typeface="Times New Roman" panose="02020603050405020304" pitchFamily="18" charset="0"/>
               <a:cs typeface="Times New Roman" panose="02020603050405020304" pitchFamily="18" charset="0"/>
             </a:endParaRPr>
@@ -4466,7 +4904,7 @@
         </p:nvSpPr>
         <p:spPr>
           <a:xfrm>
-            <a:off x="3819501" y="1712412"/>
+            <a:off x="3787175" y="1924848"/>
             <a:ext cx="1100158" cy="326522"/>
           </a:xfrm>
           <a:prstGeom prst="rect">
@@ -4498,23 +4936,13 @@
           <a:p>
             <a:pPr algn="ctr"/>
             <a:r>
-              <a:rPr lang="es-CL" sz="800" dirty="0" smtClean="0">
+              <a:rPr lang="en-GB" sz="800" dirty="0" smtClean="0">
                 <a:latin typeface="Times New Roman" panose="02020603050405020304" pitchFamily="18" charset="0"/>
                 <a:cs typeface="Times New Roman" panose="02020603050405020304" pitchFamily="18" charset="0"/>
               </a:rPr>
-              <a:t>Policy preference </a:t>
-            </a:r>
-          </a:p>
-          <a:p>
-            <a:pPr algn="ctr"/>
-            <a:r>
-              <a:rPr lang="es-CL" sz="800" dirty="0" smtClean="0">
-                <a:latin typeface="Times New Roman" panose="02020603050405020304" pitchFamily="18" charset="0"/>
-                <a:cs typeface="Times New Roman" panose="02020603050405020304" pitchFamily="18" charset="0"/>
-              </a:rPr>
-              <a:t>(recipient)</a:t>
-            </a:r>
-            <a:endParaRPr lang="es-CL" sz="800" dirty="0">
+              <a:t>Policy recipient | Increase taxes</a:t>
+            </a:r>
+            <a:endParaRPr lang="en-GB" sz="800" dirty="0">
               <a:latin typeface="Times New Roman" panose="02020603050405020304" pitchFamily="18" charset="0"/>
               <a:cs typeface="Times New Roman" panose="02020603050405020304" pitchFamily="18" charset="0"/>
             </a:endParaRPr>
@@ -4529,7 +4957,7 @@
         </p:nvSpPr>
         <p:spPr>
           <a:xfrm>
-            <a:off x="309231" y="1055863"/>
+            <a:off x="276905" y="1268299"/>
             <a:ext cx="1067728" cy="156851"/>
           </a:xfrm>
           <a:prstGeom prst="rect">
@@ -4564,25 +4992,11 @@
           <a:lstStyle/>
           <a:p>
             <a:r>
-              <a:rPr lang="es-CL" sz="700" dirty="0" smtClean="0">
-                <a:latin typeface="Times New Roman" panose="02020603050405020304" pitchFamily="18" charset="0"/>
-                <a:cs typeface="Times New Roman" panose="02020603050405020304" pitchFamily="18" charset="0"/>
-              </a:rPr>
-              <a:t>Level 2</a:t>
-            </a:r>
-            <a:r>
               <a:rPr lang="es-CL" sz="700" dirty="0">
                 <a:latin typeface="Times New Roman" panose="02020603050405020304" pitchFamily="18" charset="0"/>
                 <a:cs typeface="Times New Roman" panose="02020603050405020304" pitchFamily="18" charset="0"/>
               </a:rPr>
-              <a:t>: </a:t>
-            </a:r>
-            <a:r>
-              <a:rPr lang="es-CL" sz="700" dirty="0" smtClean="0">
-                <a:latin typeface="Times New Roman" panose="02020603050405020304" pitchFamily="18" charset="0"/>
-                <a:cs typeface="Times New Roman" panose="02020603050405020304" pitchFamily="18" charset="0"/>
-              </a:rPr>
-              <a:t>Individual</a:t>
+              <a:t>Level 2: Individual</a:t>
             </a:r>
             <a:endParaRPr lang="en-US" sz="700" dirty="0">
               <a:latin typeface="Times New Roman" panose="02020603050405020304" pitchFamily="18" charset="0"/>
@@ -4599,7 +5013,7 @@
         </p:nvSpPr>
         <p:spPr>
           <a:xfrm>
-            <a:off x="309232" y="1455220"/>
+            <a:off x="276906" y="1667656"/>
             <a:ext cx="1004727" cy="180664"/>
           </a:xfrm>
           <a:prstGeom prst="rect">
@@ -4634,7 +5048,7 @@
           <a:lstStyle/>
           <a:p>
             <a:r>
-              <a:rPr lang="es-CL" sz="700" dirty="0" smtClean="0">
+              <a:rPr lang="es-CL" sz="700" dirty="0">
                 <a:latin typeface="Times New Roman" panose="02020603050405020304" pitchFamily="18" charset="0"/>
                 <a:cs typeface="Times New Roman" panose="02020603050405020304" pitchFamily="18" charset="0"/>
               </a:rPr>
@@ -4655,7 +5069,7 @@
         </p:nvSpPr>
         <p:spPr>
           <a:xfrm>
-            <a:off x="1518747" y="1712412"/>
+            <a:off x="1486421" y="1924848"/>
             <a:ext cx="903558" cy="315211"/>
           </a:xfrm>
           <a:prstGeom prst="rect">
@@ -4687,30 +5101,12 @@
           <a:p>
             <a:pPr algn="ctr"/>
             <a:r>
-              <a:rPr lang="es-CL" sz="800" dirty="0">
+              <a:rPr lang="en-GB" sz="800" dirty="0" smtClean="0">
                 <a:latin typeface="Times New Roman" panose="02020603050405020304" pitchFamily="18" charset="0"/>
                 <a:cs typeface="Times New Roman" panose="02020603050405020304" pitchFamily="18" charset="0"/>
               </a:rPr>
-              <a:t>SSS </a:t>
-            </a:r>
-            <a:endParaRPr lang="es-CL" sz="800" dirty="0" smtClean="0">
-              <a:latin typeface="Times New Roman" panose="02020603050405020304" pitchFamily="18" charset="0"/>
-              <a:cs typeface="Times New Roman" panose="02020603050405020304" pitchFamily="18" charset="0"/>
-            </a:endParaRPr>
-          </a:p>
-          <a:p>
-            <a:pPr algn="ctr"/>
-            <a:r>
-              <a:rPr lang="es-CL" sz="800" dirty="0" smtClean="0">
-                <a:latin typeface="Times New Roman" panose="02020603050405020304" pitchFamily="18" charset="0"/>
-                <a:cs typeface="Times New Roman" panose="02020603050405020304" pitchFamily="18" charset="0"/>
-              </a:rPr>
-              <a:t>(vignette)</a:t>
-            </a:r>
-            <a:endParaRPr lang="es-CL" sz="800" dirty="0">
-              <a:latin typeface="Times New Roman" panose="02020603050405020304" pitchFamily="18" charset="0"/>
-              <a:cs typeface="Times New Roman" panose="02020603050405020304" pitchFamily="18" charset="0"/>
-            </a:endParaRPr>
+              <a:t>Income</a:t>
+            </a:r>
           </a:p>
         </p:txBody>
       </p:sp>
@@ -4726,7 +5122,7 @@
         </p:nvCxnSpPr>
         <p:spPr>
           <a:xfrm>
-            <a:off x="2422305" y="1870018"/>
+            <a:off x="2389979" y="2082454"/>
             <a:ext cx="1397196" cy="5655"/>
           </a:xfrm>
           <a:prstGeom prst="straightConnector1">
@@ -4759,7 +5155,7 @@
         </p:nvCxnSpPr>
         <p:spPr>
           <a:xfrm flipV="1">
-            <a:off x="309231" y="1332035"/>
+            <a:off x="276905" y="1619244"/>
             <a:ext cx="4789241" cy="3863"/>
           </a:xfrm>
           <a:prstGeom prst="line">
@@ -4798,7 +5194,7 @@
         </p:nvSpPr>
         <p:spPr>
           <a:xfrm>
-            <a:off x="1518747" y="570931"/>
+            <a:off x="1486421" y="841098"/>
             <a:ext cx="903558" cy="315211"/>
           </a:xfrm>
           <a:prstGeom prst="rect">
@@ -4830,23 +5226,13 @@
           <a:p>
             <a:pPr algn="ctr"/>
             <a:r>
-              <a:rPr lang="es-CL" sz="800" dirty="0" smtClean="0">
+              <a:rPr lang="en-GB" sz="800" dirty="0" smtClean="0">
                 <a:latin typeface="Times New Roman" panose="02020603050405020304" pitchFamily="18" charset="0"/>
                 <a:cs typeface="Times New Roman" panose="02020603050405020304" pitchFamily="18" charset="0"/>
               </a:rPr>
-              <a:t>SSS </a:t>
-            </a:r>
-          </a:p>
-          <a:p>
-            <a:pPr algn="ctr"/>
-            <a:r>
-              <a:rPr lang="es-CL" sz="800" dirty="0" smtClean="0">
-                <a:latin typeface="Times New Roman" panose="02020603050405020304" pitchFamily="18" charset="0"/>
-                <a:cs typeface="Times New Roman" panose="02020603050405020304" pitchFamily="18" charset="0"/>
-              </a:rPr>
-              <a:t>(Ind.)</a:t>
-            </a:r>
-            <a:endParaRPr lang="es-CL" sz="800" dirty="0">
+              <a:t>Income</a:t>
+            </a:r>
+            <a:endParaRPr lang="en-GB" sz="800" dirty="0">
               <a:latin typeface="Times New Roman" panose="02020603050405020304" pitchFamily="18" charset="0"/>
               <a:cs typeface="Times New Roman" panose="02020603050405020304" pitchFamily="18" charset="0"/>
             </a:endParaRPr>
@@ -4865,8 +5251,8 @@
         </p:nvCxnSpPr>
         <p:spPr>
           <a:xfrm>
-            <a:off x="2422305" y="728537"/>
-            <a:ext cx="1947275" cy="983875"/>
+            <a:off x="2389979" y="998704"/>
+            <a:ext cx="1947275" cy="926144"/>
           </a:xfrm>
           <a:prstGeom prst="straightConnector1">
             <a:avLst/>
@@ -4890,9 +5276,211 @@
           </a:fontRef>
         </p:style>
       </p:cxnSp>
+      <p:sp>
+        <p:nvSpPr>
+          <p:cNvPr id="47" name="Rectángulo 3"/>
+          <p:cNvSpPr/>
+          <p:nvPr/>
+        </p:nvSpPr>
+        <p:spPr>
+          <a:xfrm>
+            <a:off x="1486421" y="2397665"/>
+            <a:ext cx="903558" cy="315211"/>
+          </a:xfrm>
+          <a:prstGeom prst="rect">
+            <a:avLst/>
+          </a:prstGeom>
+        </p:spPr>
+        <p:style>
+          <a:lnRef idx="2">
+            <a:schemeClr val="dk1"/>
+          </a:lnRef>
+          <a:fillRef idx="1">
+            <a:schemeClr val="lt1"/>
+          </a:fillRef>
+          <a:effectRef idx="0">
+            <a:schemeClr val="dk1"/>
+          </a:effectRef>
+          <a:fontRef idx="minor">
+            <a:schemeClr val="dk1"/>
+          </a:fontRef>
+        </p:style>
+        <p:txBody>
+          <a:bodyPr rot="0" spcFirstLastPara="0" vertOverflow="overflow" horzOverflow="overflow" vert="horz" wrap="square" lIns="58852" tIns="29427" rIns="58852" bIns="29427" numCol="1" spcCol="0" rtlCol="0" fromWordArt="0" anchor="ctr" anchorCtr="0" forceAA="0" compatLnSpc="1">
+            <a:prstTxWarp prst="textNoShape">
+              <a:avLst/>
+            </a:prstTxWarp>
+            <a:noAutofit/>
+          </a:bodyPr>
+          <a:lstStyle/>
+          <a:p>
+            <a:pPr algn="ctr"/>
+            <a:r>
+              <a:rPr lang="en-GB" sz="600" dirty="0" smtClean="0">
+                <a:latin typeface="Times New Roman" panose="02020603050405020304" pitchFamily="18" charset="0"/>
+                <a:cs typeface="Times New Roman" panose="02020603050405020304" pitchFamily="18" charset="0"/>
+              </a:rPr>
+              <a:t>Labour  | Health </a:t>
+            </a:r>
+          </a:p>
+          <a:p>
+            <a:pPr algn="ctr"/>
+            <a:r>
+              <a:rPr lang="en-GB" sz="600" dirty="0" smtClean="0">
+                <a:latin typeface="Times New Roman" panose="02020603050405020304" pitchFamily="18" charset="0"/>
+                <a:cs typeface="Times New Roman" panose="02020603050405020304" pitchFamily="18" charset="0"/>
+              </a:rPr>
+              <a:t>Status </a:t>
+            </a:r>
+            <a:endParaRPr lang="en-GB" sz="600" dirty="0">
+              <a:latin typeface="Times New Roman" panose="02020603050405020304" pitchFamily="18" charset="0"/>
+              <a:cs typeface="Times New Roman" panose="02020603050405020304" pitchFamily="18" charset="0"/>
+            </a:endParaRPr>
+          </a:p>
+        </p:txBody>
+      </p:sp>
       <p:cxnSp>
         <p:nvCxnSpPr>
-          <p:cNvPr id="44" name="Conector recto de flecha 11"/>
+          <p:cNvPr id="49" name="Conector recto de flecha 11"/>
+          <p:cNvCxnSpPr>
+            <a:cxnSpLocks/>
+            <a:endCxn id="55" idx="1"/>
+          </p:cNvCxnSpPr>
+          <p:nvPr/>
+        </p:nvCxnSpPr>
+        <p:spPr>
+          <a:xfrm flipV="1">
+            <a:off x="2389979" y="2088109"/>
+            <a:ext cx="1397196" cy="474982"/>
+          </a:xfrm>
+          <a:prstGeom prst="straightConnector1">
+            <a:avLst/>
+          </a:prstGeom>
+          <a:ln>
+            <a:tailEnd type="triangle"/>
+          </a:ln>
+        </p:spPr>
+        <p:style>
+          <a:lnRef idx="3">
+            <a:schemeClr val="dk1"/>
+          </a:lnRef>
+          <a:fillRef idx="0">
+            <a:schemeClr val="dk1"/>
+          </a:fillRef>
+          <a:effectRef idx="2">
+            <a:schemeClr val="dk1"/>
+          </a:effectRef>
+          <a:fontRef idx="minor">
+            <a:schemeClr val="tx1"/>
+          </a:fontRef>
+        </p:style>
+      </p:cxnSp>
+      <p:sp>
+        <p:nvSpPr>
+          <p:cNvPr id="24" name="Rectángulo 3"/>
+          <p:cNvSpPr/>
+          <p:nvPr/>
+        </p:nvSpPr>
+        <p:spPr>
+          <a:xfrm>
+            <a:off x="1486421" y="1198592"/>
+            <a:ext cx="903558" cy="315211"/>
+          </a:xfrm>
+          <a:prstGeom prst="rect">
+            <a:avLst/>
+          </a:prstGeom>
+        </p:spPr>
+        <p:style>
+          <a:lnRef idx="2">
+            <a:schemeClr val="dk1"/>
+          </a:lnRef>
+          <a:fillRef idx="1">
+            <a:schemeClr val="lt1"/>
+          </a:fillRef>
+          <a:effectRef idx="0">
+            <a:schemeClr val="dk1"/>
+          </a:effectRef>
+          <a:fontRef idx="minor">
+            <a:schemeClr val="dk1"/>
+          </a:fontRef>
+        </p:style>
+        <p:txBody>
+          <a:bodyPr rot="0" spcFirstLastPara="0" vertOverflow="overflow" horzOverflow="overflow" vert="horz" wrap="square" lIns="58852" tIns="29427" rIns="58852" bIns="29427" numCol="1" spcCol="0" rtlCol="0" fromWordArt="0" anchor="ctr" anchorCtr="0" forceAA="0" compatLnSpc="1">
+            <a:prstTxWarp prst="textNoShape">
+              <a:avLst/>
+            </a:prstTxWarp>
+            <a:noAutofit/>
+          </a:bodyPr>
+          <a:lstStyle/>
+          <a:p>
+            <a:pPr algn="ctr"/>
+            <a:r>
+              <a:rPr lang="en-GB" sz="800" dirty="0" smtClean="0">
+                <a:latin typeface="Times New Roman" panose="02020603050405020304" pitchFamily="18" charset="0"/>
+                <a:cs typeface="Times New Roman" panose="02020603050405020304" pitchFamily="18" charset="0"/>
+              </a:rPr>
+              <a:t>Subjective</a:t>
+            </a:r>
+            <a:r>
+              <a:rPr lang="es-CL" sz="800" dirty="0" smtClean="0">
+                <a:latin typeface="Times New Roman" panose="02020603050405020304" pitchFamily="18" charset="0"/>
+                <a:cs typeface="Times New Roman" panose="02020603050405020304" pitchFamily="18" charset="0"/>
+              </a:rPr>
+              <a:t> social status</a:t>
+            </a:r>
+            <a:endParaRPr lang="es-CL" sz="800" dirty="0">
+              <a:latin typeface="Times New Roman" panose="02020603050405020304" pitchFamily="18" charset="0"/>
+              <a:cs typeface="Times New Roman" panose="02020603050405020304" pitchFamily="18" charset="0"/>
+            </a:endParaRPr>
+          </a:p>
+        </p:txBody>
+      </p:sp>
+      <p:cxnSp>
+        <p:nvCxnSpPr>
+          <p:cNvPr id="25" name="Conector recto de flecha 11"/>
+          <p:cNvCxnSpPr>
+            <a:cxnSpLocks/>
+            <a:stCxn id="24" idx="3"/>
+            <a:endCxn id="55" idx="0"/>
+          </p:cNvCxnSpPr>
+          <p:nvPr/>
+        </p:nvCxnSpPr>
+        <p:spPr>
+          <a:xfrm>
+            <a:off x="2389979" y="1356198"/>
+            <a:ext cx="1947275" cy="568650"/>
+          </a:xfrm>
+          <a:prstGeom prst="straightConnector1">
+            <a:avLst/>
+          </a:prstGeom>
+          <a:ln>
+            <a:tailEnd type="triangle"/>
+          </a:ln>
+        </p:spPr>
+        <p:style>
+          <a:lnRef idx="3">
+            <a:schemeClr val="dk1"/>
+          </a:lnRef>
+          <a:fillRef idx="0">
+            <a:schemeClr val="dk1"/>
+          </a:fillRef>
+          <a:effectRef idx="2">
+            <a:schemeClr val="dk1"/>
+          </a:effectRef>
+          <a:fontRef idx="minor">
+            <a:schemeClr val="tx1"/>
+          </a:fontRef>
+        </p:style>
+      </p:cxnSp>
+      <p:cxnSp>
+        <p:nvCxnSpPr>
+          <p:cNvPr id="31" name="Conector recto de flecha 11">
+            <a:extLst>
+              <a:ext uri="{FF2B5EF4-FFF2-40B4-BE49-F238E27FC236}">
+                <a16:creationId xmlns:a16="http://schemas.microsoft.com/office/drawing/2014/main" xmlns="" id="{71AABB3E-E93A-0EF3-F735-3F1F9FA7F3AC}"/>
+              </a:ext>
+            </a:extLst>
+          </p:cNvPr>
           <p:cNvCxnSpPr>
             <a:cxnSpLocks/>
           </p:cNvCxnSpPr>
@@ -4900,8 +5488,8 @@
         </p:nvCxnSpPr>
         <p:spPr>
           <a:xfrm>
-            <a:off x="2422305" y="728537"/>
-            <a:ext cx="561040" cy="1141481"/>
+            <a:off x="2405619" y="1373385"/>
+            <a:ext cx="682958" cy="709068"/>
           </a:xfrm>
           <a:prstGeom prst="straightConnector1">
             <a:avLst/>
@@ -4933,140 +5521,115 @@
       </p:cxnSp>
       <p:sp>
         <p:nvSpPr>
-          <p:cNvPr id="47" name="Rectángulo 3"/>
-          <p:cNvSpPr/>
-          <p:nvPr/>
-        </p:nvSpPr>
-        <p:spPr>
-          <a:xfrm>
-            <a:off x="1518747" y="2185229"/>
-            <a:ext cx="903558" cy="315211"/>
+          <p:cNvPr id="14" name="TextBox 13"/>
+          <p:cNvSpPr txBox="1"/>
+          <p:nvPr/>
+        </p:nvSpPr>
+        <p:spPr>
+          <a:xfrm>
+            <a:off x="2747098" y="1586710"/>
+            <a:ext cx="247184" cy="261610"/>
           </a:xfrm>
           <a:prstGeom prst="rect">
             <a:avLst/>
           </a:prstGeom>
-        </p:spPr>
-        <p:style>
-          <a:lnRef idx="2">
-            <a:schemeClr val="dk1"/>
-          </a:lnRef>
-          <a:fillRef idx="1">
-            <a:schemeClr val="lt1"/>
-          </a:fillRef>
-          <a:effectRef idx="0">
-            <a:schemeClr val="dk1"/>
-          </a:effectRef>
-          <a:fontRef idx="minor">
-            <a:schemeClr val="dk1"/>
-          </a:fontRef>
-        </p:style>
-        <p:txBody>
-          <a:bodyPr rot="0" spcFirstLastPara="0" vertOverflow="overflow" horzOverflow="overflow" vert="horz" wrap="square" lIns="58852" tIns="29427" rIns="58852" bIns="29427" numCol="1" spcCol="0" rtlCol="0" fromWordArt="0" anchor="ctr" anchorCtr="0" forceAA="0" compatLnSpc="1">
-            <a:prstTxWarp prst="textNoShape">
-              <a:avLst/>
-            </a:prstTxWarp>
-            <a:noAutofit/>
+          <a:noFill/>
+        </p:spPr>
+        <p:txBody>
+          <a:bodyPr wrap="none" rtlCol="0">
+            <a:spAutoFit/>
           </a:bodyPr>
           <a:lstStyle/>
           <a:p>
-            <a:pPr algn="ctr"/>
-            <a:r>
-              <a:rPr lang="es-CL" sz="600" dirty="0" smtClean="0">
+            <a:r>
+              <a:rPr lang="es-CL" sz="1050" dirty="0" smtClean="0">
                 <a:latin typeface="Times New Roman" panose="02020603050405020304" pitchFamily="18" charset="0"/>
                 <a:cs typeface="Times New Roman" panose="02020603050405020304" pitchFamily="18" charset="0"/>
               </a:rPr>
-              <a:t>Labour | Health </a:t>
-            </a:r>
-          </a:p>
-          <a:p>
-            <a:pPr algn="ctr"/>
-            <a:r>
-              <a:rPr lang="es-CL" sz="600" dirty="0" smtClean="0">
+              <a:t>?</a:t>
+            </a:r>
+            <a:endParaRPr lang="en-GB" sz="1050" dirty="0">
+              <a:latin typeface="Times New Roman" panose="02020603050405020304" pitchFamily="18" charset="0"/>
+              <a:cs typeface="Times New Roman" panose="02020603050405020304" pitchFamily="18" charset="0"/>
+            </a:endParaRPr>
+          </a:p>
+        </p:txBody>
+      </p:sp>
+      <p:sp>
+        <p:nvSpPr>
+          <p:cNvPr id="19" name="Rectangle 18"/>
+          <p:cNvSpPr/>
+          <p:nvPr/>
+        </p:nvSpPr>
+        <p:spPr>
+          <a:xfrm>
+            <a:off x="123192" y="2809073"/>
+            <a:ext cx="3317354" cy="215444"/>
+          </a:xfrm>
+          <a:prstGeom prst="rect">
+            <a:avLst/>
+          </a:prstGeom>
+        </p:spPr>
+        <p:txBody>
+          <a:bodyPr wrap="square">
+            <a:spAutoFit/>
+          </a:bodyPr>
+          <a:lstStyle/>
+          <a:p>
+            <a:r>
+              <a:rPr lang="en-US" sz="800" i="1" dirty="0">
                 <a:latin typeface="Times New Roman" panose="02020603050405020304" pitchFamily="18" charset="0"/>
                 <a:cs typeface="Times New Roman" panose="02020603050405020304" pitchFamily="18" charset="0"/>
               </a:rPr>
-              <a:t>Status </a:t>
-            </a:r>
-          </a:p>
-        </p:txBody>
-      </p:sp>
-      <p:cxnSp>
-        <p:nvCxnSpPr>
-          <p:cNvPr id="49" name="Conector recto de flecha 11"/>
-          <p:cNvCxnSpPr>
-            <a:cxnSpLocks/>
-            <a:endCxn id="55" idx="1"/>
-          </p:cNvCxnSpPr>
-          <p:nvPr/>
-        </p:nvCxnSpPr>
-        <p:spPr>
-          <a:xfrm flipV="1">
-            <a:off x="2422305" y="1875673"/>
-            <a:ext cx="1397196" cy="474982"/>
-          </a:xfrm>
-          <a:prstGeom prst="straightConnector1">
-            <a:avLst/>
-          </a:prstGeom>
-          <a:ln>
-            <a:tailEnd type="triangle"/>
-          </a:ln>
-        </p:spPr>
-        <p:style>
-          <a:lnRef idx="3">
-            <a:schemeClr val="dk1"/>
-          </a:lnRef>
-          <a:fillRef idx="0">
-            <a:schemeClr val="dk1"/>
-          </a:fillRef>
-          <a:effectRef idx="2">
-            <a:schemeClr val="dk1"/>
-          </a:effectRef>
-          <a:fontRef idx="minor">
-            <a:schemeClr val="tx1"/>
-          </a:fontRef>
-        </p:style>
-      </p:cxnSp>
-      <p:cxnSp>
-        <p:nvCxnSpPr>
-          <p:cNvPr id="66" name="Conector recto de flecha 11"/>
-          <p:cNvCxnSpPr>
-            <a:cxnSpLocks/>
-          </p:cNvCxnSpPr>
-          <p:nvPr/>
-        </p:nvCxnSpPr>
-        <p:spPr>
-          <a:xfrm>
-            <a:off x="2422305" y="730743"/>
-            <a:ext cx="561040" cy="1454486"/>
-          </a:xfrm>
-          <a:prstGeom prst="straightConnector1">
-            <a:avLst/>
-          </a:prstGeom>
-          <a:ln>
-            <a:solidFill>
-              <a:schemeClr val="bg1">
-                <a:lumMod val="65000"/>
-              </a:schemeClr>
-            </a:solidFill>
-            <a:prstDash val="dash"/>
-            <a:tailEnd type="triangle"/>
-          </a:ln>
-        </p:spPr>
-        <p:style>
-          <a:lnRef idx="3">
-            <a:schemeClr val="dk1"/>
-          </a:lnRef>
-          <a:fillRef idx="0">
-            <a:schemeClr val="dk1"/>
-          </a:fillRef>
-          <a:effectRef idx="2">
-            <a:schemeClr val="dk1"/>
-          </a:effectRef>
-          <a:fontRef idx="minor">
-            <a:schemeClr val="tx1"/>
-          </a:fontRef>
-        </p:style>
-      </p:cxnSp>
+              <a:t>Note</a:t>
+            </a:r>
+            <a:r>
+              <a:rPr lang="en-US" sz="800" dirty="0">
+                <a:latin typeface="Times New Roman" panose="02020603050405020304" pitchFamily="18" charset="0"/>
+                <a:cs typeface="Times New Roman" panose="02020603050405020304" pitchFamily="18" charset="0"/>
+              </a:rPr>
+              <a:t>: </a:t>
+            </a:r>
+            <a:r>
+              <a:rPr lang="en-US" sz="800" dirty="0" smtClean="0">
+                <a:latin typeface="Times New Roman" panose="02020603050405020304" pitchFamily="18" charset="0"/>
+                <a:cs typeface="Times New Roman" panose="02020603050405020304" pitchFamily="18" charset="0"/>
+              </a:rPr>
+              <a:t>own data (not yet produced </a:t>
+            </a:r>
+            <a:r>
+              <a:rPr lang="en-US" sz="800" dirty="0" smtClean="0">
+                <a:latin typeface="Times New Roman" panose="02020603050405020304" pitchFamily="18" charset="0"/>
+                <a:cs typeface="Times New Roman" panose="02020603050405020304" pitchFamily="18" charset="0"/>
+                <a:sym typeface="Wingdings" panose="05000000000000000000" pitchFamily="2" charset="2"/>
+              </a:rPr>
+              <a:t>)</a:t>
+            </a:r>
+            <a:r>
+              <a:rPr lang="en-US" sz="800" dirty="0" smtClean="0">
+                <a:latin typeface="Times New Roman" panose="02020603050405020304" pitchFamily="18" charset="0"/>
+                <a:cs typeface="Times New Roman" panose="02020603050405020304" pitchFamily="18" charset="0"/>
+              </a:rPr>
+              <a:t>. </a:t>
+            </a:r>
+            <a:r>
+              <a:rPr lang="en-US" sz="800" dirty="0">
+                <a:latin typeface="Times New Roman" panose="02020603050405020304" pitchFamily="18" charset="0"/>
+                <a:cs typeface="Times New Roman" panose="02020603050405020304" pitchFamily="18" charset="0"/>
+              </a:rPr>
+              <a:t>Multilevel </a:t>
+            </a:r>
+            <a:r>
+              <a:rPr lang="en-US" sz="800" dirty="0" smtClean="0">
+                <a:latin typeface="Times New Roman" panose="02020603050405020304" pitchFamily="18" charset="0"/>
+                <a:cs typeface="Times New Roman" panose="02020603050405020304" pitchFamily="18" charset="0"/>
+              </a:rPr>
+              <a:t>model.</a:t>
+            </a:r>
+            <a:endParaRPr lang="en-GB" dirty="0"/>
+          </a:p>
+        </p:txBody>
+      </p:sp>
     </p:spTree>
     <p:extLst>
       <p:ext uri="{BB962C8B-B14F-4D97-AF65-F5344CB8AC3E}">
@@ -5077,13 +5640,3697 @@
   <p:clrMapOvr>
     <a:masterClrMapping/>
   </p:clrMapOvr>
-  <p:timing>
-    <p:tnLst>
-      <p:par>
-        <p:cTn id="1" dur="indefinite" restart="never" nodeType="tmRoot"/>
-      </p:par>
-    </p:tnLst>
-  </p:timing>
+</p:sld>
+</file>
+
+<file path=ppt/slides/slide4.xml><?xml version="1.0" encoding="utf-8"?>
+<p:sld xmlns:a="http://schemas.openxmlformats.org/drawingml/2006/main" xmlns:r="http://schemas.openxmlformats.org/officeDocument/2006/relationships" xmlns:p="http://schemas.openxmlformats.org/presentationml/2006/main">
+  <p:cSld>
+    <p:spTree>
+      <p:nvGrpSpPr>
+        <p:cNvPr id="1" name=""/>
+        <p:cNvGrpSpPr/>
+        <p:nvPr/>
+      </p:nvGrpSpPr>
+      <p:grpSpPr>
+        <a:xfrm>
+          <a:off x="0" y="0"/>
+          <a:ext cx="0" cy="0"/>
+          <a:chOff x="0" y="0"/>
+          <a:chExt cx="0" cy="0"/>
+        </a:xfrm>
+      </p:grpSpPr>
+      <p:sp>
+        <p:nvSpPr>
+          <p:cNvPr id="4" name="Rectángulo 3"/>
+          <p:cNvSpPr/>
+          <p:nvPr/>
+        </p:nvSpPr>
+        <p:spPr>
+          <a:xfrm>
+            <a:off x="615948" y="1290689"/>
+            <a:ext cx="903558" cy="315211"/>
+          </a:xfrm>
+          <a:prstGeom prst="rect">
+            <a:avLst/>
+          </a:prstGeom>
+        </p:spPr>
+        <p:style>
+          <a:lnRef idx="2">
+            <a:schemeClr val="dk1"/>
+          </a:lnRef>
+          <a:fillRef idx="1">
+            <a:schemeClr val="lt1"/>
+          </a:fillRef>
+          <a:effectRef idx="0">
+            <a:schemeClr val="dk1"/>
+          </a:effectRef>
+          <a:fontRef idx="minor">
+            <a:schemeClr val="dk1"/>
+          </a:fontRef>
+        </p:style>
+        <p:txBody>
+          <a:bodyPr rot="0" spcFirstLastPara="0" vertOverflow="overflow" horzOverflow="overflow" vert="horz" wrap="square" lIns="58852" tIns="29427" rIns="58852" bIns="29427" numCol="1" spcCol="0" rtlCol="0" fromWordArt="0" anchor="ctr" anchorCtr="0" forceAA="0" compatLnSpc="1">
+            <a:prstTxWarp prst="textNoShape">
+              <a:avLst/>
+            </a:prstTxWarp>
+            <a:noAutofit/>
+          </a:bodyPr>
+          <a:lstStyle/>
+          <a:p>
+            <a:pPr algn="ctr"/>
+            <a:r>
+              <a:rPr lang="en-GB" sz="800" dirty="0">
+                <a:latin typeface="Times New Roman" panose="02020603050405020304" pitchFamily="18" charset="0"/>
+                <a:cs typeface="Times New Roman" panose="02020603050405020304" pitchFamily="18" charset="0"/>
+              </a:rPr>
+              <a:t>Upward</a:t>
+            </a:r>
+            <a:r>
+              <a:rPr lang="es-CL" sz="800" dirty="0">
+                <a:latin typeface="Times New Roman" panose="02020603050405020304" pitchFamily="18" charset="0"/>
+                <a:cs typeface="Times New Roman" panose="02020603050405020304" pitchFamily="18" charset="0"/>
+              </a:rPr>
+              <a:t> </a:t>
+            </a:r>
+            <a:r>
+              <a:rPr lang="es-CL" sz="800" dirty="0" smtClean="0">
+                <a:latin typeface="Times New Roman" panose="02020603050405020304" pitchFamily="18" charset="0"/>
+                <a:cs typeface="Times New Roman" panose="02020603050405020304" pitchFamily="18" charset="0"/>
+              </a:rPr>
+              <a:t>Social </a:t>
+            </a:r>
+          </a:p>
+          <a:p>
+            <a:pPr algn="ctr"/>
+            <a:r>
+              <a:rPr lang="en-GB" sz="800" dirty="0" smtClean="0">
+                <a:latin typeface="Times New Roman" panose="02020603050405020304" pitchFamily="18" charset="0"/>
+                <a:cs typeface="Times New Roman" panose="02020603050405020304" pitchFamily="18" charset="0"/>
+              </a:rPr>
+              <a:t>Comparison</a:t>
+            </a:r>
+            <a:endParaRPr lang="en-GB" sz="800" dirty="0">
+              <a:latin typeface="Times New Roman" panose="02020603050405020304" pitchFamily="18" charset="0"/>
+              <a:cs typeface="Times New Roman" panose="02020603050405020304" pitchFamily="18" charset="0"/>
+            </a:endParaRPr>
+          </a:p>
+        </p:txBody>
+      </p:sp>
+      <p:sp>
+        <p:nvSpPr>
+          <p:cNvPr id="7" name="Rectángulo 6"/>
+          <p:cNvSpPr/>
+          <p:nvPr/>
+        </p:nvSpPr>
+        <p:spPr>
+          <a:xfrm>
+            <a:off x="3824769" y="3044484"/>
+            <a:ext cx="903558" cy="326522"/>
+          </a:xfrm>
+          <a:prstGeom prst="rect">
+            <a:avLst/>
+          </a:prstGeom>
+        </p:spPr>
+        <p:style>
+          <a:lnRef idx="2">
+            <a:schemeClr val="dk1"/>
+          </a:lnRef>
+          <a:fillRef idx="1">
+            <a:schemeClr val="lt1"/>
+          </a:fillRef>
+          <a:effectRef idx="0">
+            <a:schemeClr val="dk1"/>
+          </a:effectRef>
+          <a:fontRef idx="minor">
+            <a:schemeClr val="dk1"/>
+          </a:fontRef>
+        </p:style>
+        <p:txBody>
+          <a:bodyPr rot="0" spcFirstLastPara="0" vertOverflow="overflow" horzOverflow="overflow" vert="horz" wrap="square" lIns="58852" tIns="29427" rIns="58852" bIns="29427" numCol="1" spcCol="0" rtlCol="0" fromWordArt="0" anchor="ctr" anchorCtr="0" forceAA="0" compatLnSpc="1">
+            <a:prstTxWarp prst="textNoShape">
+              <a:avLst/>
+            </a:prstTxWarp>
+            <a:noAutofit/>
+          </a:bodyPr>
+          <a:lstStyle/>
+          <a:p>
+            <a:pPr algn="ctr"/>
+            <a:r>
+              <a:rPr lang="es-CL" sz="800" dirty="0">
+                <a:latin typeface="Times New Roman" panose="02020603050405020304" pitchFamily="18" charset="0"/>
+                <a:cs typeface="Times New Roman" panose="02020603050405020304" pitchFamily="18" charset="0"/>
+              </a:rPr>
+              <a:t>Redistributive</a:t>
+            </a:r>
+          </a:p>
+          <a:p>
+            <a:pPr algn="ctr"/>
+            <a:r>
+              <a:rPr lang="es-CL" sz="800" dirty="0">
+                <a:latin typeface="Times New Roman" panose="02020603050405020304" pitchFamily="18" charset="0"/>
+                <a:cs typeface="Times New Roman" panose="02020603050405020304" pitchFamily="18" charset="0"/>
+              </a:rPr>
+              <a:t>Preferences</a:t>
+            </a:r>
+          </a:p>
+        </p:txBody>
+      </p:sp>
+      <p:sp>
+        <p:nvSpPr>
+          <p:cNvPr id="14" name="Rectángulo 52"/>
+          <p:cNvSpPr/>
+          <p:nvPr/>
+        </p:nvSpPr>
+        <p:spPr>
+          <a:xfrm>
+            <a:off x="299129" y="78894"/>
+            <a:ext cx="1067728" cy="156851"/>
+          </a:xfrm>
+          <a:prstGeom prst="rect">
+            <a:avLst/>
+          </a:prstGeom>
+          <a:noFill/>
+          <a:ln>
+            <a:noFill/>
+          </a:ln>
+        </p:spPr>
+        <p:style>
+          <a:lnRef idx="0">
+            <a:scrgbClr r="0" g="0" b="0"/>
+          </a:lnRef>
+          <a:fillRef idx="0">
+            <a:scrgbClr r="0" g="0" b="0"/>
+          </a:fillRef>
+          <a:effectRef idx="0">
+            <a:scrgbClr r="0" g="0" b="0"/>
+          </a:effectRef>
+          <a:fontRef idx="minor">
+            <a:schemeClr val="dk1"/>
+          </a:fontRef>
+        </p:style>
+        <p:txBody>
+          <a:bodyPr rot="0" spcFirstLastPara="0" vertOverflow="overflow" horzOverflow="overflow" vert="horz" wrap="square" lIns="58852" tIns="29427" rIns="58852" bIns="29427" numCol="1" spcCol="0" rtlCol="0" fromWordArt="0" anchor="ctr" anchorCtr="0" forceAA="0" compatLnSpc="1">
+            <a:prstTxWarp prst="textNoShape">
+              <a:avLst/>
+            </a:prstTxWarp>
+            <a:noAutofit/>
+          </a:bodyPr>
+          <a:lstStyle/>
+          <a:p>
+            <a:r>
+              <a:rPr lang="en-US" sz="700" dirty="0">
+                <a:latin typeface="Times New Roman" panose="02020603050405020304" pitchFamily="18" charset="0"/>
+                <a:cs typeface="Times New Roman" panose="02020603050405020304" pitchFamily="18" charset="0"/>
+              </a:rPr>
+              <a:t>Study 1</a:t>
+            </a:r>
+          </a:p>
+        </p:txBody>
+      </p:sp>
+      <p:sp>
+        <p:nvSpPr>
+          <p:cNvPr id="17" name="Rectángulo 3"/>
+          <p:cNvSpPr/>
+          <p:nvPr/>
+        </p:nvSpPr>
+        <p:spPr>
+          <a:xfrm>
+            <a:off x="615893" y="3044484"/>
+            <a:ext cx="903558" cy="315211"/>
+          </a:xfrm>
+          <a:prstGeom prst="rect">
+            <a:avLst/>
+          </a:prstGeom>
+        </p:spPr>
+        <p:style>
+          <a:lnRef idx="2">
+            <a:schemeClr val="dk1"/>
+          </a:lnRef>
+          <a:fillRef idx="1">
+            <a:schemeClr val="lt1"/>
+          </a:fillRef>
+          <a:effectRef idx="0">
+            <a:schemeClr val="dk1"/>
+          </a:effectRef>
+          <a:fontRef idx="minor">
+            <a:schemeClr val="dk1"/>
+          </a:fontRef>
+        </p:style>
+        <p:txBody>
+          <a:bodyPr rot="0" spcFirstLastPara="0" vertOverflow="overflow" horzOverflow="overflow" vert="horz" wrap="square" lIns="58852" tIns="29427" rIns="58852" bIns="29427" numCol="1" spcCol="0" rtlCol="0" fromWordArt="0" anchor="ctr" anchorCtr="0" forceAA="0" compatLnSpc="1">
+            <a:prstTxWarp prst="textNoShape">
+              <a:avLst/>
+            </a:prstTxWarp>
+            <a:noAutofit/>
+          </a:bodyPr>
+          <a:lstStyle/>
+          <a:p>
+            <a:pPr algn="ctr"/>
+            <a:r>
+              <a:rPr lang="es-CL" sz="800" dirty="0">
+                <a:latin typeface="Times New Roman" panose="02020603050405020304" pitchFamily="18" charset="0"/>
+                <a:cs typeface="Times New Roman" panose="02020603050405020304" pitchFamily="18" charset="0"/>
+              </a:rPr>
+              <a:t>Subjective </a:t>
+            </a:r>
+          </a:p>
+          <a:p>
+            <a:pPr algn="ctr"/>
+            <a:r>
+              <a:rPr lang="es-CL" sz="800" dirty="0">
+                <a:latin typeface="Times New Roman" panose="02020603050405020304" pitchFamily="18" charset="0"/>
+                <a:cs typeface="Times New Roman" panose="02020603050405020304" pitchFamily="18" charset="0"/>
+              </a:rPr>
+              <a:t>Social Status</a:t>
+            </a:r>
+          </a:p>
+        </p:txBody>
+      </p:sp>
+      <p:cxnSp>
+        <p:nvCxnSpPr>
+          <p:cNvPr id="18" name="Conector recto de flecha 11"/>
+          <p:cNvCxnSpPr>
+            <a:cxnSpLocks/>
+            <a:stCxn id="4" idx="3"/>
+            <a:endCxn id="10" idx="1"/>
+          </p:cNvCxnSpPr>
+          <p:nvPr/>
+        </p:nvCxnSpPr>
+        <p:spPr>
+          <a:xfrm>
+            <a:off x="1519506" y="1448295"/>
+            <a:ext cx="2187461" cy="2603"/>
+          </a:xfrm>
+          <a:prstGeom prst="straightConnector1">
+            <a:avLst/>
+          </a:prstGeom>
+          <a:ln>
+            <a:tailEnd type="triangle"/>
+          </a:ln>
+        </p:spPr>
+        <p:style>
+          <a:lnRef idx="3">
+            <a:schemeClr val="dk1"/>
+          </a:lnRef>
+          <a:fillRef idx="0">
+            <a:schemeClr val="dk1"/>
+          </a:fillRef>
+          <a:effectRef idx="2">
+            <a:schemeClr val="dk1"/>
+          </a:effectRef>
+          <a:fontRef idx="minor">
+            <a:schemeClr val="tx1"/>
+          </a:fontRef>
+        </p:style>
+      </p:cxnSp>
+      <p:sp>
+        <p:nvSpPr>
+          <p:cNvPr id="10" name="Rectángulo 3">
+            <a:extLst>
+              <a:ext uri="{FF2B5EF4-FFF2-40B4-BE49-F238E27FC236}">
+                <a16:creationId xmlns:a16="http://schemas.microsoft.com/office/drawing/2014/main" xmlns="" id="{70261B79-5D89-227D-9429-3BF0A8DD0692}"/>
+              </a:ext>
+            </a:extLst>
+          </p:cNvPr>
+          <p:cNvSpPr/>
+          <p:nvPr/>
+        </p:nvSpPr>
+        <p:spPr>
+          <a:xfrm>
+            <a:off x="3706967" y="1293292"/>
+            <a:ext cx="903558" cy="315211"/>
+          </a:xfrm>
+          <a:prstGeom prst="rect">
+            <a:avLst/>
+          </a:prstGeom>
+        </p:spPr>
+        <p:style>
+          <a:lnRef idx="2">
+            <a:schemeClr val="dk1"/>
+          </a:lnRef>
+          <a:fillRef idx="1">
+            <a:schemeClr val="lt1"/>
+          </a:fillRef>
+          <a:effectRef idx="0">
+            <a:schemeClr val="dk1"/>
+          </a:effectRef>
+          <a:fontRef idx="minor">
+            <a:schemeClr val="dk1"/>
+          </a:fontRef>
+        </p:style>
+        <p:txBody>
+          <a:bodyPr rot="0" spcFirstLastPara="0" vertOverflow="overflow" horzOverflow="overflow" vert="horz" wrap="square" lIns="58852" tIns="29427" rIns="58852" bIns="29427" numCol="1" spcCol="0" rtlCol="0" fromWordArt="0" anchor="ctr" anchorCtr="0" forceAA="0" compatLnSpc="1">
+            <a:prstTxWarp prst="textNoShape">
+              <a:avLst/>
+            </a:prstTxWarp>
+            <a:noAutofit/>
+          </a:bodyPr>
+          <a:lstStyle/>
+          <a:p>
+            <a:pPr algn="ctr"/>
+            <a:r>
+              <a:rPr lang="es-CL" sz="800" dirty="0">
+                <a:latin typeface="Times New Roman" panose="02020603050405020304" pitchFamily="18" charset="0"/>
+                <a:cs typeface="Times New Roman" panose="02020603050405020304" pitchFamily="18" charset="0"/>
+              </a:rPr>
+              <a:t>Subjective </a:t>
+            </a:r>
+          </a:p>
+          <a:p>
+            <a:pPr algn="ctr"/>
+            <a:r>
+              <a:rPr lang="es-CL" sz="800" dirty="0">
+                <a:latin typeface="Times New Roman" panose="02020603050405020304" pitchFamily="18" charset="0"/>
+                <a:cs typeface="Times New Roman" panose="02020603050405020304" pitchFamily="18" charset="0"/>
+              </a:rPr>
+              <a:t>Social Status</a:t>
+            </a:r>
+          </a:p>
+        </p:txBody>
+      </p:sp>
+      <p:cxnSp>
+        <p:nvCxnSpPr>
+          <p:cNvPr id="19" name="Gerader Verbinder 59">
+            <a:extLst>
+              <a:ext uri="{FF2B5EF4-FFF2-40B4-BE49-F238E27FC236}">
+                <a16:creationId xmlns:a16="http://schemas.microsoft.com/office/drawing/2014/main" xmlns="" id="{2CA8DE99-D937-8967-E83A-308251492C09}"/>
+              </a:ext>
+            </a:extLst>
+          </p:cNvPr>
+          <p:cNvCxnSpPr>
+            <a:cxnSpLocks/>
+            <a:stCxn id="75" idx="1"/>
+            <a:endCxn id="75" idx="3"/>
+          </p:cNvCxnSpPr>
+          <p:nvPr/>
+        </p:nvCxnSpPr>
+        <p:spPr>
+          <a:xfrm>
+            <a:off x="299129" y="2767255"/>
+            <a:ext cx="4819941" cy="0"/>
+          </a:xfrm>
+          <a:prstGeom prst="line">
+            <a:avLst/>
+          </a:prstGeom>
+          <a:ln w="9525">
+            <a:solidFill>
+              <a:schemeClr val="tx1">
+                <a:lumMod val="95000"/>
+                <a:lumOff val="5000"/>
+              </a:schemeClr>
+            </a:solidFill>
+            <a:prstDash val="sysDash"/>
+          </a:ln>
+        </p:spPr>
+        <p:style>
+          <a:lnRef idx="1">
+            <a:schemeClr val="accent1"/>
+          </a:lnRef>
+          <a:fillRef idx="0">
+            <a:schemeClr val="accent1"/>
+          </a:fillRef>
+          <a:effectRef idx="0">
+            <a:schemeClr val="accent1"/>
+          </a:effectRef>
+          <a:fontRef idx="minor">
+            <a:schemeClr val="tx1"/>
+          </a:fontRef>
+        </p:style>
+      </p:cxnSp>
+      <p:sp>
+        <p:nvSpPr>
+          <p:cNvPr id="23" name="Rectángulo 52">
+            <a:extLst>
+              <a:ext uri="{FF2B5EF4-FFF2-40B4-BE49-F238E27FC236}">
+                <a16:creationId xmlns:a16="http://schemas.microsoft.com/office/drawing/2014/main" xmlns="" id="{F1023B6F-004F-3D07-9B30-B20137043B7F}"/>
+              </a:ext>
+            </a:extLst>
+          </p:cNvPr>
+          <p:cNvSpPr/>
+          <p:nvPr/>
+        </p:nvSpPr>
+        <p:spPr>
+          <a:xfrm>
+            <a:off x="305716" y="1826745"/>
+            <a:ext cx="1067728" cy="156851"/>
+          </a:xfrm>
+          <a:prstGeom prst="rect">
+            <a:avLst/>
+          </a:prstGeom>
+          <a:noFill/>
+          <a:ln>
+            <a:noFill/>
+          </a:ln>
+        </p:spPr>
+        <p:style>
+          <a:lnRef idx="0">
+            <a:scrgbClr r="0" g="0" b="0"/>
+          </a:lnRef>
+          <a:fillRef idx="0">
+            <a:scrgbClr r="0" g="0" b="0"/>
+          </a:fillRef>
+          <a:effectRef idx="0">
+            <a:scrgbClr r="0" g="0" b="0"/>
+          </a:effectRef>
+          <a:fontRef idx="minor">
+            <a:schemeClr val="dk1"/>
+          </a:fontRef>
+        </p:style>
+        <p:txBody>
+          <a:bodyPr rot="0" spcFirstLastPara="0" vertOverflow="overflow" horzOverflow="overflow" vert="horz" wrap="square" lIns="58852" tIns="29427" rIns="58852" bIns="29427" numCol="1" spcCol="0" rtlCol="0" fromWordArt="0" anchor="ctr" anchorCtr="0" forceAA="0" compatLnSpc="1">
+            <a:prstTxWarp prst="textNoShape">
+              <a:avLst/>
+            </a:prstTxWarp>
+            <a:noAutofit/>
+          </a:bodyPr>
+          <a:lstStyle/>
+          <a:p>
+            <a:r>
+              <a:rPr lang="en-US" sz="700" dirty="0">
+                <a:latin typeface="Times New Roman" panose="02020603050405020304" pitchFamily="18" charset="0"/>
+                <a:cs typeface="Times New Roman" panose="02020603050405020304" pitchFamily="18" charset="0"/>
+              </a:rPr>
+              <a:t>Study 2</a:t>
+            </a:r>
+          </a:p>
+        </p:txBody>
+      </p:sp>
+      <p:cxnSp>
+        <p:nvCxnSpPr>
+          <p:cNvPr id="25" name="Conector recto de flecha 11">
+            <a:extLst>
+              <a:ext uri="{FF2B5EF4-FFF2-40B4-BE49-F238E27FC236}">
+                <a16:creationId xmlns:a16="http://schemas.microsoft.com/office/drawing/2014/main" xmlns="" id="{05A5006A-9855-BBE3-ACD0-6DA1E72904FE}"/>
+              </a:ext>
+            </a:extLst>
+          </p:cNvPr>
+          <p:cNvCxnSpPr>
+            <a:cxnSpLocks/>
+          </p:cNvCxnSpPr>
+          <p:nvPr/>
+        </p:nvCxnSpPr>
+        <p:spPr>
+          <a:xfrm>
+            <a:off x="1519451" y="3202089"/>
+            <a:ext cx="2305318" cy="5655"/>
+          </a:xfrm>
+          <a:prstGeom prst="straightConnector1">
+            <a:avLst/>
+          </a:prstGeom>
+          <a:ln>
+            <a:tailEnd type="triangle"/>
+          </a:ln>
+        </p:spPr>
+        <p:style>
+          <a:lnRef idx="3">
+            <a:schemeClr val="dk1"/>
+          </a:lnRef>
+          <a:fillRef idx="0">
+            <a:schemeClr val="dk1"/>
+          </a:fillRef>
+          <a:effectRef idx="2">
+            <a:schemeClr val="dk1"/>
+          </a:effectRef>
+          <a:fontRef idx="minor">
+            <a:schemeClr val="tx1"/>
+          </a:fontRef>
+        </p:style>
+      </p:cxnSp>
+      <p:cxnSp>
+        <p:nvCxnSpPr>
+          <p:cNvPr id="42" name="Conector recto de flecha 11">
+            <a:extLst>
+              <a:ext uri="{FF2B5EF4-FFF2-40B4-BE49-F238E27FC236}">
+                <a16:creationId xmlns:a16="http://schemas.microsoft.com/office/drawing/2014/main" xmlns="" id="{3F143E24-9875-90FC-FC0F-2941CD5BFB6F}"/>
+              </a:ext>
+            </a:extLst>
+          </p:cNvPr>
+          <p:cNvCxnSpPr>
+            <a:cxnSpLocks/>
+            <a:stCxn id="61" idx="3"/>
+          </p:cNvCxnSpPr>
+          <p:nvPr/>
+        </p:nvCxnSpPr>
+        <p:spPr>
+          <a:xfrm>
+            <a:off x="1519451" y="2329821"/>
+            <a:ext cx="1183939" cy="872268"/>
+          </a:xfrm>
+          <a:prstGeom prst="straightConnector1">
+            <a:avLst/>
+          </a:prstGeom>
+          <a:ln>
+            <a:solidFill>
+              <a:schemeClr val="bg1">
+                <a:lumMod val="65000"/>
+              </a:schemeClr>
+            </a:solidFill>
+            <a:prstDash val="dash"/>
+            <a:tailEnd type="triangle"/>
+          </a:ln>
+        </p:spPr>
+        <p:style>
+          <a:lnRef idx="3">
+            <a:schemeClr val="dk1"/>
+          </a:lnRef>
+          <a:fillRef idx="0">
+            <a:schemeClr val="dk1"/>
+          </a:fillRef>
+          <a:effectRef idx="2">
+            <a:schemeClr val="dk1"/>
+          </a:effectRef>
+          <a:fontRef idx="minor">
+            <a:schemeClr val="tx1"/>
+          </a:fontRef>
+        </p:style>
+      </p:cxnSp>
+      <p:sp>
+        <p:nvSpPr>
+          <p:cNvPr id="61" name="Rectángulo 3">
+            <a:extLst>
+              <a:ext uri="{FF2B5EF4-FFF2-40B4-BE49-F238E27FC236}">
+                <a16:creationId xmlns:a16="http://schemas.microsoft.com/office/drawing/2014/main" xmlns="" id="{25642009-CFC3-3E57-0DE5-D537F497EC2E}"/>
+              </a:ext>
+            </a:extLst>
+          </p:cNvPr>
+          <p:cNvSpPr/>
+          <p:nvPr/>
+        </p:nvSpPr>
+        <p:spPr>
+          <a:xfrm>
+            <a:off x="615892" y="2180608"/>
+            <a:ext cx="903559" cy="298425"/>
+          </a:xfrm>
+          <a:prstGeom prst="rect">
+            <a:avLst/>
+          </a:prstGeom>
+        </p:spPr>
+        <p:style>
+          <a:lnRef idx="2">
+            <a:schemeClr val="dk1"/>
+          </a:lnRef>
+          <a:fillRef idx="1">
+            <a:schemeClr val="lt1"/>
+          </a:fillRef>
+          <a:effectRef idx="0">
+            <a:schemeClr val="dk1"/>
+          </a:effectRef>
+          <a:fontRef idx="minor">
+            <a:schemeClr val="dk1"/>
+          </a:fontRef>
+        </p:style>
+        <p:txBody>
+          <a:bodyPr rot="0" spcFirstLastPara="0" vertOverflow="overflow" horzOverflow="overflow" vert="horz" wrap="square" lIns="58852" tIns="29427" rIns="58852" bIns="29427" numCol="1" spcCol="0" rtlCol="0" fromWordArt="0" anchor="ctr" anchorCtr="0" forceAA="0" compatLnSpc="1">
+            <a:prstTxWarp prst="textNoShape">
+              <a:avLst/>
+            </a:prstTxWarp>
+            <a:noAutofit/>
+          </a:bodyPr>
+          <a:lstStyle/>
+          <a:p>
+            <a:pPr algn="ctr"/>
+            <a:r>
+              <a:rPr lang="en-GB" sz="800" dirty="0">
+                <a:latin typeface="Times New Roman" panose="02020603050405020304" pitchFamily="18" charset="0"/>
+                <a:cs typeface="Times New Roman" panose="02020603050405020304" pitchFamily="18" charset="0"/>
+              </a:rPr>
+              <a:t>Income</a:t>
+            </a:r>
+            <a:r>
+              <a:rPr lang="es-CL" sz="800" dirty="0">
+                <a:latin typeface="Times New Roman" panose="02020603050405020304" pitchFamily="18" charset="0"/>
+                <a:cs typeface="Times New Roman" panose="02020603050405020304" pitchFamily="18" charset="0"/>
+              </a:rPr>
+              <a:t> </a:t>
+            </a:r>
+          </a:p>
+          <a:p>
+            <a:pPr algn="ctr"/>
+            <a:r>
+              <a:rPr lang="en-GB" sz="800" dirty="0">
+                <a:latin typeface="Times New Roman" panose="02020603050405020304" pitchFamily="18" charset="0"/>
+                <a:cs typeface="Times New Roman" panose="02020603050405020304" pitchFamily="18" charset="0"/>
+              </a:rPr>
+              <a:t>Inequality</a:t>
+            </a:r>
+          </a:p>
+        </p:txBody>
+      </p:sp>
+      <p:cxnSp>
+        <p:nvCxnSpPr>
+          <p:cNvPr id="67" name="Conector recto de flecha 11">
+            <a:extLst>
+              <a:ext uri="{FF2B5EF4-FFF2-40B4-BE49-F238E27FC236}">
+                <a16:creationId xmlns:a16="http://schemas.microsoft.com/office/drawing/2014/main" xmlns="" id="{71AABB3E-E93A-0EF3-F735-3F1F9FA7F3AC}"/>
+              </a:ext>
+            </a:extLst>
+          </p:cNvPr>
+          <p:cNvCxnSpPr>
+            <a:cxnSpLocks/>
+            <a:stCxn id="68" idx="3"/>
+          </p:cNvCxnSpPr>
+          <p:nvPr/>
+        </p:nvCxnSpPr>
+        <p:spPr>
+          <a:xfrm>
+            <a:off x="1519507" y="627286"/>
+            <a:ext cx="1121957" cy="811258"/>
+          </a:xfrm>
+          <a:prstGeom prst="straightConnector1">
+            <a:avLst/>
+          </a:prstGeom>
+          <a:ln>
+            <a:solidFill>
+              <a:schemeClr val="bg1">
+                <a:lumMod val="65000"/>
+              </a:schemeClr>
+            </a:solidFill>
+            <a:prstDash val="dash"/>
+            <a:tailEnd type="triangle"/>
+          </a:ln>
+        </p:spPr>
+        <p:style>
+          <a:lnRef idx="3">
+            <a:schemeClr val="dk1"/>
+          </a:lnRef>
+          <a:fillRef idx="0">
+            <a:schemeClr val="dk1"/>
+          </a:fillRef>
+          <a:effectRef idx="2">
+            <a:schemeClr val="dk1"/>
+          </a:effectRef>
+          <a:fontRef idx="minor">
+            <a:schemeClr val="tx1"/>
+          </a:fontRef>
+        </p:style>
+      </p:cxnSp>
+      <p:sp>
+        <p:nvSpPr>
+          <p:cNvPr id="68" name="Rectángulo 3">
+            <a:extLst>
+              <a:ext uri="{FF2B5EF4-FFF2-40B4-BE49-F238E27FC236}">
+                <a16:creationId xmlns:a16="http://schemas.microsoft.com/office/drawing/2014/main" xmlns="" id="{E31A5746-F1A5-5630-3C80-8673A03BD393}"/>
+              </a:ext>
+            </a:extLst>
+          </p:cNvPr>
+          <p:cNvSpPr/>
+          <p:nvPr/>
+        </p:nvSpPr>
+        <p:spPr>
+          <a:xfrm>
+            <a:off x="615948" y="478073"/>
+            <a:ext cx="903559" cy="298425"/>
+          </a:xfrm>
+          <a:prstGeom prst="rect">
+            <a:avLst/>
+          </a:prstGeom>
+        </p:spPr>
+        <p:style>
+          <a:lnRef idx="2">
+            <a:schemeClr val="dk1"/>
+          </a:lnRef>
+          <a:fillRef idx="1">
+            <a:schemeClr val="lt1"/>
+          </a:fillRef>
+          <a:effectRef idx="0">
+            <a:schemeClr val="dk1"/>
+          </a:effectRef>
+          <a:fontRef idx="minor">
+            <a:schemeClr val="dk1"/>
+          </a:fontRef>
+        </p:style>
+        <p:txBody>
+          <a:bodyPr rot="0" spcFirstLastPara="0" vertOverflow="overflow" horzOverflow="overflow" vert="horz" wrap="square" lIns="58852" tIns="29427" rIns="58852" bIns="29427" numCol="1" spcCol="0" rtlCol="0" fromWordArt="0" anchor="ctr" anchorCtr="0" forceAA="0" compatLnSpc="1">
+            <a:prstTxWarp prst="textNoShape">
+              <a:avLst/>
+            </a:prstTxWarp>
+            <a:noAutofit/>
+          </a:bodyPr>
+          <a:lstStyle/>
+          <a:p>
+            <a:pPr algn="ctr"/>
+            <a:r>
+              <a:rPr lang="en-GB" sz="800" dirty="0">
+                <a:latin typeface="Times New Roman" panose="02020603050405020304" pitchFamily="18" charset="0"/>
+                <a:cs typeface="Times New Roman" panose="02020603050405020304" pitchFamily="18" charset="0"/>
+              </a:rPr>
+              <a:t>Income</a:t>
+            </a:r>
+            <a:r>
+              <a:rPr lang="es-CL" sz="800" dirty="0">
+                <a:latin typeface="Times New Roman" panose="02020603050405020304" pitchFamily="18" charset="0"/>
+                <a:cs typeface="Times New Roman" panose="02020603050405020304" pitchFamily="18" charset="0"/>
+              </a:rPr>
+              <a:t> </a:t>
+            </a:r>
+          </a:p>
+          <a:p>
+            <a:pPr algn="ctr"/>
+            <a:r>
+              <a:rPr lang="en-GB" sz="800" dirty="0">
+                <a:latin typeface="Times New Roman" panose="02020603050405020304" pitchFamily="18" charset="0"/>
+                <a:cs typeface="Times New Roman" panose="02020603050405020304" pitchFamily="18" charset="0"/>
+              </a:rPr>
+              <a:t>Inequality</a:t>
+            </a:r>
+          </a:p>
+        </p:txBody>
+      </p:sp>
+      <p:cxnSp>
+        <p:nvCxnSpPr>
+          <p:cNvPr id="71" name="Gerader Verbinder 59">
+            <a:extLst>
+              <a:ext uri="{FF2B5EF4-FFF2-40B4-BE49-F238E27FC236}">
+                <a16:creationId xmlns:a16="http://schemas.microsoft.com/office/drawing/2014/main" xmlns="" id="{5A1C758A-9219-2BFA-7EA2-1086CDD480AF}"/>
+              </a:ext>
+            </a:extLst>
+          </p:cNvPr>
+          <p:cNvCxnSpPr>
+            <a:cxnSpLocks/>
+            <a:stCxn id="73" idx="1"/>
+            <a:endCxn id="73" idx="3"/>
+          </p:cNvCxnSpPr>
+          <p:nvPr/>
+        </p:nvCxnSpPr>
+        <p:spPr>
+          <a:xfrm>
+            <a:off x="305716" y="1007438"/>
+            <a:ext cx="4819941" cy="0"/>
+          </a:xfrm>
+          <a:prstGeom prst="line">
+            <a:avLst/>
+          </a:prstGeom>
+          <a:ln w="9525">
+            <a:solidFill>
+              <a:schemeClr val="tx1">
+                <a:lumMod val="95000"/>
+                <a:lumOff val="5000"/>
+              </a:schemeClr>
+            </a:solidFill>
+            <a:prstDash val="sysDash"/>
+          </a:ln>
+        </p:spPr>
+        <p:style>
+          <a:lnRef idx="1">
+            <a:schemeClr val="accent1"/>
+          </a:lnRef>
+          <a:fillRef idx="0">
+            <a:schemeClr val="accent1"/>
+          </a:fillRef>
+          <a:effectRef idx="0">
+            <a:schemeClr val="accent1"/>
+          </a:effectRef>
+          <a:fontRef idx="minor">
+            <a:schemeClr val="tx1"/>
+          </a:fontRef>
+        </p:style>
+      </p:cxnSp>
+      <p:sp>
+        <p:nvSpPr>
+          <p:cNvPr id="73" name="Rectángulo 3">
+            <a:extLst>
+              <a:ext uri="{FF2B5EF4-FFF2-40B4-BE49-F238E27FC236}">
+                <a16:creationId xmlns:a16="http://schemas.microsoft.com/office/drawing/2014/main" xmlns="" id="{45F24945-A4EB-D27D-DEE6-909F68D05586}"/>
+              </a:ext>
+            </a:extLst>
+          </p:cNvPr>
+          <p:cNvSpPr/>
+          <p:nvPr/>
+        </p:nvSpPr>
+        <p:spPr>
+          <a:xfrm>
+            <a:off x="305716" y="240755"/>
+            <a:ext cx="4819941" cy="1533365"/>
+          </a:xfrm>
+          <a:prstGeom prst="rect">
+            <a:avLst/>
+          </a:prstGeom>
+          <a:noFill/>
+          <a:ln w="9525" cap="flat" cmpd="sng" algn="ctr">
+            <a:solidFill>
+              <a:schemeClr val="dk1"/>
+            </a:solidFill>
+            <a:prstDash val="solid"/>
+            <a:round/>
+            <a:headEnd type="none" w="med" len="med"/>
+            <a:tailEnd type="none" w="med" len="med"/>
+          </a:ln>
+        </p:spPr>
+        <p:style>
+          <a:lnRef idx="0">
+            <a:scrgbClr r="0" g="0" b="0"/>
+          </a:lnRef>
+          <a:fillRef idx="0">
+            <a:scrgbClr r="0" g="0" b="0"/>
+          </a:fillRef>
+          <a:effectRef idx="0">
+            <a:scrgbClr r="0" g="0" b="0"/>
+          </a:effectRef>
+          <a:fontRef idx="minor">
+            <a:schemeClr val="dk1"/>
+          </a:fontRef>
+        </p:style>
+        <p:txBody>
+          <a:bodyPr rot="0" spcFirstLastPara="0" vertOverflow="overflow" horzOverflow="overflow" vert="horz" wrap="square" lIns="58852" tIns="29427" rIns="58852" bIns="29427" numCol="1" spcCol="0" rtlCol="0" fromWordArt="0" anchor="ctr" anchorCtr="0" forceAA="0" compatLnSpc="1">
+            <a:prstTxWarp prst="textNoShape">
+              <a:avLst/>
+            </a:prstTxWarp>
+            <a:noAutofit/>
+          </a:bodyPr>
+          <a:lstStyle/>
+          <a:p>
+            <a:pPr algn="ctr"/>
+            <a:endParaRPr lang="es-CL" sz="800" dirty="0">
+              <a:latin typeface="Times New Roman" panose="02020603050405020304" pitchFamily="18" charset="0"/>
+              <a:cs typeface="Times New Roman" panose="02020603050405020304" pitchFamily="18" charset="0"/>
+            </a:endParaRPr>
+          </a:p>
+        </p:txBody>
+      </p:sp>
+      <p:sp>
+        <p:nvSpPr>
+          <p:cNvPr id="75" name="Rectángulo 3">
+            <a:extLst>
+              <a:ext uri="{FF2B5EF4-FFF2-40B4-BE49-F238E27FC236}">
+                <a16:creationId xmlns:a16="http://schemas.microsoft.com/office/drawing/2014/main" xmlns="" id="{ED2B76FC-2ECE-CFC5-DC11-01936C9A30A5}"/>
+              </a:ext>
+            </a:extLst>
+          </p:cNvPr>
+          <p:cNvSpPr/>
+          <p:nvPr/>
+        </p:nvSpPr>
+        <p:spPr>
+          <a:xfrm>
+            <a:off x="299129" y="1996983"/>
+            <a:ext cx="4819941" cy="1540544"/>
+          </a:xfrm>
+          <a:prstGeom prst="rect">
+            <a:avLst/>
+          </a:prstGeom>
+          <a:noFill/>
+          <a:ln w="9525" cap="flat" cmpd="sng" algn="ctr">
+            <a:solidFill>
+              <a:schemeClr val="dk1"/>
+            </a:solidFill>
+            <a:prstDash val="solid"/>
+            <a:round/>
+            <a:headEnd type="none" w="med" len="med"/>
+            <a:tailEnd type="none" w="med" len="med"/>
+          </a:ln>
+        </p:spPr>
+        <p:style>
+          <a:lnRef idx="0">
+            <a:scrgbClr r="0" g="0" b="0"/>
+          </a:lnRef>
+          <a:fillRef idx="0">
+            <a:scrgbClr r="0" g="0" b="0"/>
+          </a:fillRef>
+          <a:effectRef idx="0">
+            <a:scrgbClr r="0" g="0" b="0"/>
+          </a:effectRef>
+          <a:fontRef idx="minor">
+            <a:schemeClr val="dk1"/>
+          </a:fontRef>
+        </p:style>
+        <p:txBody>
+          <a:bodyPr rot="0" spcFirstLastPara="0" vertOverflow="overflow" horzOverflow="overflow" vert="horz" wrap="square" lIns="58852" tIns="29427" rIns="58852" bIns="29427" numCol="1" spcCol="0" rtlCol="0" fromWordArt="0" anchor="ctr" anchorCtr="0" forceAA="0" compatLnSpc="1">
+            <a:prstTxWarp prst="textNoShape">
+              <a:avLst/>
+            </a:prstTxWarp>
+            <a:noAutofit/>
+          </a:bodyPr>
+          <a:lstStyle/>
+          <a:p>
+            <a:pPr algn="ctr"/>
+            <a:endParaRPr lang="es-CL" sz="800" dirty="0">
+              <a:latin typeface="Times New Roman" panose="02020603050405020304" pitchFamily="18" charset="0"/>
+              <a:cs typeface="Times New Roman" panose="02020603050405020304" pitchFamily="18" charset="0"/>
+            </a:endParaRPr>
+          </a:p>
+        </p:txBody>
+      </p:sp>
+      <p:sp>
+        <p:nvSpPr>
+          <p:cNvPr id="82" name="Rectángulo 52">
+            <a:extLst>
+              <a:ext uri="{FF2B5EF4-FFF2-40B4-BE49-F238E27FC236}">
+                <a16:creationId xmlns:a16="http://schemas.microsoft.com/office/drawing/2014/main" xmlns="" id="{77331BC4-B8A3-6B88-45F5-A77F51AC0F79}"/>
+              </a:ext>
+            </a:extLst>
+          </p:cNvPr>
+          <p:cNvSpPr/>
+          <p:nvPr/>
+        </p:nvSpPr>
+        <p:spPr>
+          <a:xfrm>
+            <a:off x="288249" y="794965"/>
+            <a:ext cx="1067728" cy="156851"/>
+          </a:xfrm>
+          <a:prstGeom prst="rect">
+            <a:avLst/>
+          </a:prstGeom>
+          <a:noFill/>
+          <a:ln>
+            <a:noFill/>
+          </a:ln>
+        </p:spPr>
+        <p:style>
+          <a:lnRef idx="0">
+            <a:scrgbClr r="0" g="0" b="0"/>
+          </a:lnRef>
+          <a:fillRef idx="0">
+            <a:scrgbClr r="0" g="0" b="0"/>
+          </a:fillRef>
+          <a:effectRef idx="0">
+            <a:scrgbClr r="0" g="0" b="0"/>
+          </a:effectRef>
+          <a:fontRef idx="minor">
+            <a:schemeClr val="dk1"/>
+          </a:fontRef>
+        </p:style>
+        <p:txBody>
+          <a:bodyPr rot="0" spcFirstLastPara="0" vertOverflow="overflow" horzOverflow="overflow" vert="horz" wrap="square" lIns="58852" tIns="29427" rIns="58852" bIns="29427" numCol="1" spcCol="0" rtlCol="0" fromWordArt="0" anchor="ctr" anchorCtr="0" forceAA="0" compatLnSpc="1">
+            <a:prstTxWarp prst="textNoShape">
+              <a:avLst/>
+            </a:prstTxWarp>
+            <a:noAutofit/>
+          </a:bodyPr>
+          <a:lstStyle/>
+          <a:p>
+            <a:r>
+              <a:rPr lang="en-US" sz="700" dirty="0">
+                <a:latin typeface="Times New Roman" panose="02020603050405020304" pitchFamily="18" charset="0"/>
+                <a:cs typeface="Times New Roman" panose="02020603050405020304" pitchFamily="18" charset="0"/>
+              </a:rPr>
+              <a:t>Country (BE | WE)</a:t>
+            </a:r>
+          </a:p>
+        </p:txBody>
+      </p:sp>
+      <p:sp>
+        <p:nvSpPr>
+          <p:cNvPr id="83" name="Rectángulo 52">
+            <a:extLst>
+              <a:ext uri="{FF2B5EF4-FFF2-40B4-BE49-F238E27FC236}">
+                <a16:creationId xmlns:a16="http://schemas.microsoft.com/office/drawing/2014/main" xmlns="" id="{970ED338-973C-A14E-DBF9-09A25F83A816}"/>
+              </a:ext>
+            </a:extLst>
+          </p:cNvPr>
+          <p:cNvSpPr/>
+          <p:nvPr/>
+        </p:nvSpPr>
+        <p:spPr>
+          <a:xfrm>
+            <a:off x="288249" y="982464"/>
+            <a:ext cx="1067728" cy="156851"/>
+          </a:xfrm>
+          <a:prstGeom prst="rect">
+            <a:avLst/>
+          </a:prstGeom>
+          <a:noFill/>
+          <a:ln>
+            <a:noFill/>
+          </a:ln>
+        </p:spPr>
+        <p:style>
+          <a:lnRef idx="0">
+            <a:scrgbClr r="0" g="0" b="0"/>
+          </a:lnRef>
+          <a:fillRef idx="0">
+            <a:scrgbClr r="0" g="0" b="0"/>
+          </a:fillRef>
+          <a:effectRef idx="0">
+            <a:scrgbClr r="0" g="0" b="0"/>
+          </a:effectRef>
+          <a:fontRef idx="minor">
+            <a:schemeClr val="dk1"/>
+          </a:fontRef>
+        </p:style>
+        <p:txBody>
+          <a:bodyPr rot="0" spcFirstLastPara="0" vertOverflow="overflow" horzOverflow="overflow" vert="horz" wrap="square" lIns="58852" tIns="29427" rIns="58852" bIns="29427" numCol="1" spcCol="0" rtlCol="0" fromWordArt="0" anchor="ctr" anchorCtr="0" forceAA="0" compatLnSpc="1">
+            <a:prstTxWarp prst="textNoShape">
+              <a:avLst/>
+            </a:prstTxWarp>
+            <a:noAutofit/>
+          </a:bodyPr>
+          <a:lstStyle/>
+          <a:p>
+            <a:r>
+              <a:rPr lang="en-US" sz="700" dirty="0">
+                <a:latin typeface="Times New Roman" panose="02020603050405020304" pitchFamily="18" charset="0"/>
+                <a:cs typeface="Times New Roman" panose="02020603050405020304" pitchFamily="18" charset="0"/>
+              </a:rPr>
+              <a:t>Individual</a:t>
+            </a:r>
+          </a:p>
+        </p:txBody>
+      </p:sp>
+      <p:sp>
+        <p:nvSpPr>
+          <p:cNvPr id="84" name="Rectángulo 52">
+            <a:extLst>
+              <a:ext uri="{FF2B5EF4-FFF2-40B4-BE49-F238E27FC236}">
+                <a16:creationId xmlns:a16="http://schemas.microsoft.com/office/drawing/2014/main" xmlns="" id="{4D1571BE-22C3-3228-2866-B9465B6CC493}"/>
+              </a:ext>
+            </a:extLst>
+          </p:cNvPr>
+          <p:cNvSpPr/>
+          <p:nvPr/>
+        </p:nvSpPr>
+        <p:spPr>
+          <a:xfrm>
+            <a:off x="289786" y="2544391"/>
+            <a:ext cx="1067728" cy="156851"/>
+          </a:xfrm>
+          <a:prstGeom prst="rect">
+            <a:avLst/>
+          </a:prstGeom>
+          <a:noFill/>
+          <a:ln>
+            <a:noFill/>
+          </a:ln>
+        </p:spPr>
+        <p:style>
+          <a:lnRef idx="0">
+            <a:scrgbClr r="0" g="0" b="0"/>
+          </a:lnRef>
+          <a:fillRef idx="0">
+            <a:scrgbClr r="0" g="0" b="0"/>
+          </a:fillRef>
+          <a:effectRef idx="0">
+            <a:scrgbClr r="0" g="0" b="0"/>
+          </a:effectRef>
+          <a:fontRef idx="minor">
+            <a:schemeClr val="dk1"/>
+          </a:fontRef>
+        </p:style>
+        <p:txBody>
+          <a:bodyPr rot="0" spcFirstLastPara="0" vertOverflow="overflow" horzOverflow="overflow" vert="horz" wrap="square" lIns="58852" tIns="29427" rIns="58852" bIns="29427" numCol="1" spcCol="0" rtlCol="0" fromWordArt="0" anchor="ctr" anchorCtr="0" forceAA="0" compatLnSpc="1">
+            <a:prstTxWarp prst="textNoShape">
+              <a:avLst/>
+            </a:prstTxWarp>
+            <a:noAutofit/>
+          </a:bodyPr>
+          <a:lstStyle/>
+          <a:p>
+            <a:r>
+              <a:rPr lang="en-US" sz="700" dirty="0">
+                <a:latin typeface="Times New Roman" panose="02020603050405020304" pitchFamily="18" charset="0"/>
+                <a:cs typeface="Times New Roman" panose="02020603050405020304" pitchFamily="18" charset="0"/>
+              </a:rPr>
+              <a:t>Country (BE | WE)</a:t>
+            </a:r>
+          </a:p>
+        </p:txBody>
+      </p:sp>
+      <p:sp>
+        <p:nvSpPr>
+          <p:cNvPr id="85" name="Rectángulo 52">
+            <a:extLst>
+              <a:ext uri="{FF2B5EF4-FFF2-40B4-BE49-F238E27FC236}">
+                <a16:creationId xmlns:a16="http://schemas.microsoft.com/office/drawing/2014/main" xmlns="" id="{49E05CA0-E904-03BE-B418-60F317D27851}"/>
+              </a:ext>
+            </a:extLst>
+          </p:cNvPr>
+          <p:cNvSpPr/>
+          <p:nvPr/>
+        </p:nvSpPr>
+        <p:spPr>
+          <a:xfrm>
+            <a:off x="289786" y="2731890"/>
+            <a:ext cx="1067728" cy="156851"/>
+          </a:xfrm>
+          <a:prstGeom prst="rect">
+            <a:avLst/>
+          </a:prstGeom>
+          <a:noFill/>
+          <a:ln>
+            <a:noFill/>
+          </a:ln>
+        </p:spPr>
+        <p:style>
+          <a:lnRef idx="0">
+            <a:scrgbClr r="0" g="0" b="0"/>
+          </a:lnRef>
+          <a:fillRef idx="0">
+            <a:scrgbClr r="0" g="0" b="0"/>
+          </a:fillRef>
+          <a:effectRef idx="0">
+            <a:scrgbClr r="0" g="0" b="0"/>
+          </a:effectRef>
+          <a:fontRef idx="minor">
+            <a:schemeClr val="dk1"/>
+          </a:fontRef>
+        </p:style>
+        <p:txBody>
+          <a:bodyPr rot="0" spcFirstLastPara="0" vertOverflow="overflow" horzOverflow="overflow" vert="horz" wrap="square" lIns="58852" tIns="29427" rIns="58852" bIns="29427" numCol="1" spcCol="0" rtlCol="0" fromWordArt="0" anchor="ctr" anchorCtr="0" forceAA="0" compatLnSpc="1">
+            <a:prstTxWarp prst="textNoShape">
+              <a:avLst/>
+            </a:prstTxWarp>
+            <a:noAutofit/>
+          </a:bodyPr>
+          <a:lstStyle/>
+          <a:p>
+            <a:r>
+              <a:rPr lang="en-US" sz="700" dirty="0">
+                <a:latin typeface="Times New Roman" panose="02020603050405020304" pitchFamily="18" charset="0"/>
+                <a:cs typeface="Times New Roman" panose="02020603050405020304" pitchFamily="18" charset="0"/>
+              </a:rPr>
+              <a:t>Individual</a:t>
+            </a:r>
+          </a:p>
+        </p:txBody>
+      </p:sp>
+      <p:sp>
+        <p:nvSpPr>
+          <p:cNvPr id="24" name="TextBox 23"/>
+          <p:cNvSpPr txBox="1"/>
+          <p:nvPr/>
+        </p:nvSpPr>
+        <p:spPr>
+          <a:xfrm>
+            <a:off x="234787" y="3373034"/>
+            <a:ext cx="4813354" cy="184666"/>
+          </a:xfrm>
+          <a:prstGeom prst="rect">
+            <a:avLst/>
+          </a:prstGeom>
+          <a:noFill/>
+        </p:spPr>
+        <p:txBody>
+          <a:bodyPr wrap="square" rtlCol="0">
+            <a:spAutoFit/>
+          </a:bodyPr>
+          <a:lstStyle/>
+          <a:p>
+            <a:r>
+              <a:rPr lang="en-US" sz="600" i="1" dirty="0" smtClean="0">
+                <a:latin typeface="Times New Roman" panose="02020603050405020304" pitchFamily="18" charset="0"/>
+                <a:cs typeface="Times New Roman" panose="02020603050405020304" pitchFamily="18" charset="0"/>
+              </a:rPr>
+              <a:t>Note</a:t>
+            </a:r>
+            <a:r>
+              <a:rPr lang="en-US" sz="600" dirty="0" smtClean="0">
+                <a:latin typeface="Times New Roman" panose="02020603050405020304" pitchFamily="18" charset="0"/>
+                <a:cs typeface="Times New Roman" panose="02020603050405020304" pitchFamily="18" charset="0"/>
+              </a:rPr>
+              <a:t>: data from the ISSP 1999 – 2019. Multilevel hybrid models.</a:t>
+            </a:r>
+            <a:endParaRPr lang="en-US" sz="600" dirty="0">
+              <a:latin typeface="Times New Roman" panose="02020603050405020304" pitchFamily="18" charset="0"/>
+              <a:cs typeface="Times New Roman" panose="02020603050405020304" pitchFamily="18" charset="0"/>
+            </a:endParaRPr>
+          </a:p>
+        </p:txBody>
+      </p:sp>
+      <p:sp>
+        <p:nvSpPr>
+          <p:cNvPr id="26" name="TextBox 25"/>
+          <p:cNvSpPr txBox="1"/>
+          <p:nvPr/>
+        </p:nvSpPr>
+        <p:spPr>
+          <a:xfrm>
+            <a:off x="265433" y="1599746"/>
+            <a:ext cx="4813354" cy="184666"/>
+          </a:xfrm>
+          <a:prstGeom prst="rect">
+            <a:avLst/>
+          </a:prstGeom>
+          <a:noFill/>
+        </p:spPr>
+        <p:txBody>
+          <a:bodyPr wrap="square" rtlCol="0">
+            <a:spAutoFit/>
+          </a:bodyPr>
+          <a:lstStyle/>
+          <a:p>
+            <a:r>
+              <a:rPr lang="en-US" sz="600" i="1" dirty="0" smtClean="0">
+                <a:latin typeface="Times New Roman" panose="02020603050405020304" pitchFamily="18" charset="0"/>
+                <a:cs typeface="Times New Roman" panose="02020603050405020304" pitchFamily="18" charset="0"/>
+              </a:rPr>
+              <a:t>Note</a:t>
+            </a:r>
+            <a:r>
+              <a:rPr lang="en-US" sz="600" dirty="0" smtClean="0">
+                <a:latin typeface="Times New Roman" panose="02020603050405020304" pitchFamily="18" charset="0"/>
+                <a:cs typeface="Times New Roman" panose="02020603050405020304" pitchFamily="18" charset="0"/>
+              </a:rPr>
+              <a:t>: data from the ISSP 1999 – 2019. Multilevel hybrid models.</a:t>
+            </a:r>
+            <a:endParaRPr lang="en-US" sz="600" dirty="0">
+              <a:latin typeface="Times New Roman" panose="02020603050405020304" pitchFamily="18" charset="0"/>
+              <a:cs typeface="Times New Roman" panose="02020603050405020304" pitchFamily="18" charset="0"/>
+            </a:endParaRPr>
+          </a:p>
+        </p:txBody>
+      </p:sp>
+    </p:spTree>
+    <p:extLst>
+      <p:ext uri="{BB962C8B-B14F-4D97-AF65-F5344CB8AC3E}">
+        <p14:creationId xmlns:p14="http://schemas.microsoft.com/office/powerpoint/2010/main" val="3111962264"/>
+      </p:ext>
+    </p:extLst>
+  </p:cSld>
+  <p:clrMapOvr>
+    <a:masterClrMapping/>
+  </p:clrMapOvr>
+</p:sld>
+</file>
+
+<file path=ppt/slides/slide5.xml><?xml version="1.0" encoding="utf-8"?>
+<p:sld xmlns:a="http://schemas.openxmlformats.org/drawingml/2006/main" xmlns:r="http://schemas.openxmlformats.org/officeDocument/2006/relationships" xmlns:p="http://schemas.openxmlformats.org/presentationml/2006/main">
+  <p:cSld>
+    <p:spTree>
+      <p:nvGrpSpPr>
+        <p:cNvPr id="1" name=""/>
+        <p:cNvGrpSpPr/>
+        <p:nvPr/>
+      </p:nvGrpSpPr>
+      <p:grpSpPr>
+        <a:xfrm>
+          <a:off x="0" y="0"/>
+          <a:ext cx="0" cy="0"/>
+          <a:chOff x="0" y="0"/>
+          <a:chExt cx="0" cy="0"/>
+        </a:xfrm>
+      </p:grpSpPr>
+      <p:sp>
+        <p:nvSpPr>
+          <p:cNvPr id="52" name="Rectángulo 3"/>
+          <p:cNvSpPr/>
+          <p:nvPr/>
+        </p:nvSpPr>
+        <p:spPr>
+          <a:xfrm>
+            <a:off x="665874" y="2976849"/>
+            <a:ext cx="903558" cy="315211"/>
+          </a:xfrm>
+          <a:prstGeom prst="rect">
+            <a:avLst/>
+          </a:prstGeom>
+        </p:spPr>
+        <p:style>
+          <a:lnRef idx="2">
+            <a:schemeClr val="dk1"/>
+          </a:lnRef>
+          <a:fillRef idx="1">
+            <a:schemeClr val="lt1"/>
+          </a:fillRef>
+          <a:effectRef idx="0">
+            <a:schemeClr val="dk1"/>
+          </a:effectRef>
+          <a:fontRef idx="minor">
+            <a:schemeClr val="dk1"/>
+          </a:fontRef>
+        </p:style>
+        <p:txBody>
+          <a:bodyPr rot="0" spcFirstLastPara="0" vertOverflow="overflow" horzOverflow="overflow" vert="horz" wrap="square" lIns="58852" tIns="29427" rIns="58852" bIns="29427" numCol="1" spcCol="0" rtlCol="0" fromWordArt="0" anchor="ctr" anchorCtr="0" forceAA="0" compatLnSpc="1">
+            <a:prstTxWarp prst="textNoShape">
+              <a:avLst/>
+            </a:prstTxWarp>
+            <a:noAutofit/>
+          </a:bodyPr>
+          <a:lstStyle/>
+          <a:p>
+            <a:pPr algn="ctr"/>
+            <a:r>
+              <a:rPr lang="en-GB" sz="800" dirty="0" smtClean="0">
+                <a:latin typeface="Times New Roman" panose="02020603050405020304" pitchFamily="18" charset="0"/>
+                <a:cs typeface="Times New Roman" panose="02020603050405020304" pitchFamily="18" charset="0"/>
+              </a:rPr>
+              <a:t>Contact higher status </a:t>
+            </a:r>
+            <a:endParaRPr lang="en-GB" sz="800" dirty="0">
+              <a:latin typeface="Times New Roman" panose="02020603050405020304" pitchFamily="18" charset="0"/>
+              <a:cs typeface="Times New Roman" panose="02020603050405020304" pitchFamily="18" charset="0"/>
+            </a:endParaRPr>
+          </a:p>
+        </p:txBody>
+      </p:sp>
+      <p:sp>
+        <p:nvSpPr>
+          <p:cNvPr id="55" name="Rectángulo 6"/>
+          <p:cNvSpPr/>
+          <p:nvPr/>
+        </p:nvSpPr>
+        <p:spPr>
+          <a:xfrm>
+            <a:off x="3797424" y="2965538"/>
+            <a:ext cx="864043" cy="326522"/>
+          </a:xfrm>
+          <a:prstGeom prst="rect">
+            <a:avLst/>
+          </a:prstGeom>
+        </p:spPr>
+        <p:style>
+          <a:lnRef idx="2">
+            <a:schemeClr val="dk1"/>
+          </a:lnRef>
+          <a:fillRef idx="1">
+            <a:schemeClr val="lt1"/>
+          </a:fillRef>
+          <a:effectRef idx="0">
+            <a:schemeClr val="dk1"/>
+          </a:effectRef>
+          <a:fontRef idx="minor">
+            <a:schemeClr val="dk1"/>
+          </a:fontRef>
+        </p:style>
+        <p:txBody>
+          <a:bodyPr rot="0" spcFirstLastPara="0" vertOverflow="overflow" horzOverflow="overflow" vert="horz" wrap="square" lIns="58852" tIns="29427" rIns="58852" bIns="29427" numCol="1" spcCol="0" rtlCol="0" fromWordArt="0" anchor="ctr" anchorCtr="0" forceAA="0" compatLnSpc="1">
+            <a:prstTxWarp prst="textNoShape">
+              <a:avLst/>
+            </a:prstTxWarp>
+            <a:noAutofit/>
+          </a:bodyPr>
+          <a:lstStyle/>
+          <a:p>
+            <a:pPr algn="ctr"/>
+            <a:r>
+              <a:rPr lang="es-CL" sz="800" dirty="0">
+                <a:latin typeface="Times New Roman" panose="02020603050405020304" pitchFamily="18" charset="0"/>
+                <a:cs typeface="Times New Roman" panose="02020603050405020304" pitchFamily="18" charset="0"/>
+              </a:rPr>
+              <a:t>Policy Preferences</a:t>
+            </a:r>
+          </a:p>
+        </p:txBody>
+      </p:sp>
+      <p:sp>
+        <p:nvSpPr>
+          <p:cNvPr id="56" name="Rectángulo 52"/>
+          <p:cNvSpPr/>
+          <p:nvPr/>
+        </p:nvSpPr>
+        <p:spPr>
+          <a:xfrm>
+            <a:off x="283888" y="2496122"/>
+            <a:ext cx="1160713" cy="156851"/>
+          </a:xfrm>
+          <a:prstGeom prst="rect">
+            <a:avLst/>
+          </a:prstGeom>
+          <a:noFill/>
+          <a:ln>
+            <a:noFill/>
+          </a:ln>
+        </p:spPr>
+        <p:style>
+          <a:lnRef idx="0">
+            <a:scrgbClr r="0" g="0" b="0"/>
+          </a:lnRef>
+          <a:fillRef idx="0">
+            <a:scrgbClr r="0" g="0" b="0"/>
+          </a:fillRef>
+          <a:effectRef idx="0">
+            <a:scrgbClr r="0" g="0" b="0"/>
+          </a:effectRef>
+          <a:fontRef idx="minor">
+            <a:schemeClr val="dk1"/>
+          </a:fontRef>
+        </p:style>
+        <p:txBody>
+          <a:bodyPr rot="0" spcFirstLastPara="0" vertOverflow="overflow" horzOverflow="overflow" vert="horz" wrap="square" lIns="58852" tIns="29427" rIns="58852" bIns="29427" numCol="1" spcCol="0" rtlCol="0" fromWordArt="0" anchor="ctr" anchorCtr="0" forceAA="0" compatLnSpc="1">
+            <a:prstTxWarp prst="textNoShape">
+              <a:avLst/>
+            </a:prstTxWarp>
+            <a:noAutofit/>
+          </a:bodyPr>
+          <a:lstStyle/>
+          <a:p>
+            <a:r>
+              <a:rPr lang="es-CL" sz="700" dirty="0" smtClean="0">
+                <a:latin typeface="Times New Roman" panose="02020603050405020304" pitchFamily="18" charset="0"/>
+                <a:cs typeface="Times New Roman" panose="02020603050405020304" pitchFamily="18" charset="0"/>
+              </a:rPr>
+              <a:t>Individual</a:t>
+            </a:r>
+            <a:endParaRPr lang="en-US" sz="700" dirty="0">
+              <a:latin typeface="Times New Roman" panose="02020603050405020304" pitchFamily="18" charset="0"/>
+              <a:cs typeface="Times New Roman" panose="02020603050405020304" pitchFamily="18" charset="0"/>
+            </a:endParaRPr>
+          </a:p>
+        </p:txBody>
+      </p:sp>
+      <p:sp>
+        <p:nvSpPr>
+          <p:cNvPr id="57" name="Rectángulo 53"/>
+          <p:cNvSpPr/>
+          <p:nvPr/>
+        </p:nvSpPr>
+        <p:spPr>
+          <a:xfrm>
+            <a:off x="283888" y="2698674"/>
+            <a:ext cx="1198615" cy="180664"/>
+          </a:xfrm>
+          <a:prstGeom prst="rect">
+            <a:avLst/>
+          </a:prstGeom>
+          <a:noFill/>
+          <a:ln>
+            <a:noFill/>
+          </a:ln>
+        </p:spPr>
+        <p:style>
+          <a:lnRef idx="0">
+            <a:scrgbClr r="0" g="0" b="0"/>
+          </a:lnRef>
+          <a:fillRef idx="0">
+            <a:scrgbClr r="0" g="0" b="0"/>
+          </a:fillRef>
+          <a:effectRef idx="0">
+            <a:scrgbClr r="0" g="0" b="0"/>
+          </a:effectRef>
+          <a:fontRef idx="minor">
+            <a:schemeClr val="dk1"/>
+          </a:fontRef>
+        </p:style>
+        <p:txBody>
+          <a:bodyPr rot="0" spcFirstLastPara="0" vertOverflow="overflow" horzOverflow="overflow" vert="horz" wrap="square" lIns="58852" tIns="29427" rIns="58852" bIns="29427" numCol="1" spcCol="0" rtlCol="0" fromWordArt="0" anchor="ctr" anchorCtr="0" forceAA="0" compatLnSpc="1">
+            <a:prstTxWarp prst="textNoShape">
+              <a:avLst/>
+            </a:prstTxWarp>
+            <a:noAutofit/>
+          </a:bodyPr>
+          <a:lstStyle/>
+          <a:p>
+            <a:r>
+              <a:rPr lang="en-GB" sz="700" dirty="0" smtClean="0">
+                <a:latin typeface="Times New Roman" panose="02020603050405020304" pitchFamily="18" charset="0"/>
+                <a:cs typeface="Times New Roman" panose="02020603050405020304" pitchFamily="18" charset="0"/>
+              </a:rPr>
+              <a:t>Observations</a:t>
+            </a:r>
+            <a:r>
+              <a:rPr lang="es-CL" sz="700" dirty="0" smtClean="0">
+                <a:latin typeface="Times New Roman" panose="02020603050405020304" pitchFamily="18" charset="0"/>
+                <a:cs typeface="Times New Roman" panose="02020603050405020304" pitchFamily="18" charset="0"/>
+              </a:rPr>
+              <a:t> (</a:t>
+            </a:r>
+            <a:r>
+              <a:rPr lang="es-CL" sz="700" dirty="0" smtClean="0">
+                <a:latin typeface="Times New Roman" panose="02020603050405020304" pitchFamily="18" charset="0"/>
+                <a:cs typeface="Times New Roman" panose="02020603050405020304" pitchFamily="18" charset="0"/>
+              </a:rPr>
+              <a:t>time)</a:t>
+            </a:r>
+            <a:endParaRPr lang="en-US" sz="700" dirty="0">
+              <a:latin typeface="Times New Roman" panose="02020603050405020304" pitchFamily="18" charset="0"/>
+              <a:cs typeface="Times New Roman" panose="02020603050405020304" pitchFamily="18" charset="0"/>
+            </a:endParaRPr>
+          </a:p>
+        </p:txBody>
+      </p:sp>
+      <p:cxnSp>
+        <p:nvCxnSpPr>
+          <p:cNvPr id="60" name="Gerader Verbinder 59"/>
+          <p:cNvCxnSpPr>
+            <a:cxnSpLocks/>
+          </p:cNvCxnSpPr>
+          <p:nvPr/>
+        </p:nvCxnSpPr>
+        <p:spPr>
+          <a:xfrm flipV="1">
+            <a:off x="330170" y="2678693"/>
+            <a:ext cx="4789241" cy="3863"/>
+          </a:xfrm>
+          <a:prstGeom prst="line">
+            <a:avLst/>
+          </a:prstGeom>
+          <a:ln w="9525">
+            <a:solidFill>
+              <a:schemeClr val="tx1">
+                <a:lumMod val="95000"/>
+                <a:lumOff val="5000"/>
+              </a:schemeClr>
+            </a:solidFill>
+            <a:prstDash val="sysDash"/>
+          </a:ln>
+        </p:spPr>
+        <p:style>
+          <a:lnRef idx="1">
+            <a:schemeClr val="accent1"/>
+          </a:lnRef>
+          <a:fillRef idx="0">
+            <a:schemeClr val="accent1"/>
+          </a:fillRef>
+          <a:effectRef idx="0">
+            <a:schemeClr val="accent1"/>
+          </a:effectRef>
+          <a:fontRef idx="minor">
+            <a:schemeClr val="tx1"/>
+          </a:fontRef>
+        </p:style>
+      </p:cxnSp>
+      <p:cxnSp>
+        <p:nvCxnSpPr>
+          <p:cNvPr id="61" name="Conector recto de flecha 11"/>
+          <p:cNvCxnSpPr>
+            <a:cxnSpLocks/>
+            <a:stCxn id="52" idx="3"/>
+            <a:endCxn id="55" idx="1"/>
+          </p:cNvCxnSpPr>
+          <p:nvPr/>
+        </p:nvCxnSpPr>
+        <p:spPr>
+          <a:xfrm flipV="1">
+            <a:off x="1569432" y="3128799"/>
+            <a:ext cx="2227992" cy="5656"/>
+          </a:xfrm>
+          <a:prstGeom prst="straightConnector1">
+            <a:avLst/>
+          </a:prstGeom>
+          <a:ln>
+            <a:tailEnd type="triangle"/>
+          </a:ln>
+        </p:spPr>
+        <p:style>
+          <a:lnRef idx="3">
+            <a:schemeClr val="dk1"/>
+          </a:lnRef>
+          <a:fillRef idx="0">
+            <a:schemeClr val="dk1"/>
+          </a:fillRef>
+          <a:effectRef idx="2">
+            <a:schemeClr val="dk1"/>
+          </a:effectRef>
+          <a:fontRef idx="minor">
+            <a:schemeClr val="tx1"/>
+          </a:fontRef>
+        </p:style>
+      </p:cxnSp>
+      <p:sp>
+        <p:nvSpPr>
+          <p:cNvPr id="25" name="Rectángulo 3">
+            <a:extLst>
+              <a:ext uri="{FF2B5EF4-FFF2-40B4-BE49-F238E27FC236}">
+                <a16:creationId xmlns:a16="http://schemas.microsoft.com/office/drawing/2014/main" xmlns="" id="{178A0B07-5338-E334-D379-7F983CCE9E03}"/>
+              </a:ext>
+            </a:extLst>
+          </p:cNvPr>
+          <p:cNvSpPr/>
+          <p:nvPr/>
+        </p:nvSpPr>
+        <p:spPr>
+          <a:xfrm>
+            <a:off x="207046" y="1906072"/>
+            <a:ext cx="4913008" cy="1608364"/>
+          </a:xfrm>
+          <a:prstGeom prst="rect">
+            <a:avLst/>
+          </a:prstGeom>
+          <a:noFill/>
+          <a:ln w="9525" cap="flat" cmpd="sng" algn="ctr">
+            <a:solidFill>
+              <a:schemeClr val="dk1"/>
+            </a:solidFill>
+            <a:prstDash val="solid"/>
+            <a:round/>
+            <a:headEnd type="none" w="med" len="med"/>
+            <a:tailEnd type="none" w="med" len="med"/>
+          </a:ln>
+        </p:spPr>
+        <p:style>
+          <a:lnRef idx="0">
+            <a:scrgbClr r="0" g="0" b="0"/>
+          </a:lnRef>
+          <a:fillRef idx="0">
+            <a:scrgbClr r="0" g="0" b="0"/>
+          </a:fillRef>
+          <a:effectRef idx="0">
+            <a:scrgbClr r="0" g="0" b="0"/>
+          </a:effectRef>
+          <a:fontRef idx="minor">
+            <a:schemeClr val="dk1"/>
+          </a:fontRef>
+        </p:style>
+        <p:txBody>
+          <a:bodyPr rot="0" spcFirstLastPara="0" vertOverflow="overflow" horzOverflow="overflow" vert="horz" wrap="square" lIns="58852" tIns="29427" rIns="58852" bIns="29427" numCol="1" spcCol="0" rtlCol="0" fromWordArt="0" anchor="ctr" anchorCtr="0" forceAA="0" compatLnSpc="1">
+            <a:prstTxWarp prst="textNoShape">
+              <a:avLst/>
+            </a:prstTxWarp>
+            <a:noAutofit/>
+          </a:bodyPr>
+          <a:lstStyle/>
+          <a:p>
+            <a:pPr algn="ctr"/>
+            <a:endParaRPr lang="es-CL" sz="800" dirty="0">
+              <a:latin typeface="Times New Roman" panose="02020603050405020304" pitchFamily="18" charset="0"/>
+              <a:cs typeface="Times New Roman" panose="02020603050405020304" pitchFamily="18" charset="0"/>
+            </a:endParaRPr>
+          </a:p>
+        </p:txBody>
+      </p:sp>
+      <p:sp>
+        <p:nvSpPr>
+          <p:cNvPr id="27" name="Rectángulo 3">
+            <a:extLst>
+              <a:ext uri="{FF2B5EF4-FFF2-40B4-BE49-F238E27FC236}">
+                <a16:creationId xmlns:a16="http://schemas.microsoft.com/office/drawing/2014/main" xmlns="" id="{A2E8440D-11EB-B0F3-F777-B51FE7CBC879}"/>
+              </a:ext>
+            </a:extLst>
+          </p:cNvPr>
+          <p:cNvSpPr/>
+          <p:nvPr/>
+        </p:nvSpPr>
+        <p:spPr>
+          <a:xfrm>
+            <a:off x="665874" y="1091106"/>
+            <a:ext cx="903558" cy="315211"/>
+          </a:xfrm>
+          <a:prstGeom prst="rect">
+            <a:avLst/>
+          </a:prstGeom>
+        </p:spPr>
+        <p:style>
+          <a:lnRef idx="2">
+            <a:schemeClr val="dk1"/>
+          </a:lnRef>
+          <a:fillRef idx="1">
+            <a:schemeClr val="lt1"/>
+          </a:fillRef>
+          <a:effectRef idx="0">
+            <a:schemeClr val="dk1"/>
+          </a:effectRef>
+          <a:fontRef idx="minor">
+            <a:schemeClr val="dk1"/>
+          </a:fontRef>
+        </p:style>
+        <p:txBody>
+          <a:bodyPr rot="0" spcFirstLastPara="0" vertOverflow="overflow" horzOverflow="overflow" vert="horz" wrap="square" lIns="58852" tIns="29427" rIns="58852" bIns="29427" numCol="1" spcCol="0" rtlCol="0" fromWordArt="0" anchor="ctr" anchorCtr="0" forceAA="0" compatLnSpc="1">
+            <a:prstTxWarp prst="textNoShape">
+              <a:avLst/>
+            </a:prstTxWarp>
+            <a:noAutofit/>
+          </a:bodyPr>
+          <a:lstStyle/>
+          <a:p>
+            <a:pPr algn="ctr"/>
+            <a:r>
+              <a:rPr lang="en-GB" sz="800" dirty="0" smtClean="0">
+                <a:latin typeface="Times New Roman" panose="02020603050405020304" pitchFamily="18" charset="0"/>
+                <a:cs typeface="Times New Roman" panose="02020603050405020304" pitchFamily="18" charset="0"/>
+              </a:rPr>
+              <a:t>Contact higher status</a:t>
+            </a:r>
+            <a:endParaRPr lang="en-GB" sz="800" dirty="0">
+              <a:latin typeface="Times New Roman" panose="02020603050405020304" pitchFamily="18" charset="0"/>
+              <a:cs typeface="Times New Roman" panose="02020603050405020304" pitchFamily="18" charset="0"/>
+            </a:endParaRPr>
+          </a:p>
+        </p:txBody>
+      </p:sp>
+      <p:sp>
+        <p:nvSpPr>
+          <p:cNvPr id="29" name="Rectángulo 3">
+            <a:extLst>
+              <a:ext uri="{FF2B5EF4-FFF2-40B4-BE49-F238E27FC236}">
+                <a16:creationId xmlns:a16="http://schemas.microsoft.com/office/drawing/2014/main" xmlns="" id="{26AE38DC-5387-AF9C-761D-CEE07739F45C}"/>
+              </a:ext>
+            </a:extLst>
+          </p:cNvPr>
+          <p:cNvSpPr/>
+          <p:nvPr/>
+        </p:nvSpPr>
+        <p:spPr>
+          <a:xfrm>
+            <a:off x="3777666" y="1096668"/>
+            <a:ext cx="903558" cy="315211"/>
+          </a:xfrm>
+          <a:prstGeom prst="rect">
+            <a:avLst/>
+          </a:prstGeom>
+        </p:spPr>
+        <p:style>
+          <a:lnRef idx="2">
+            <a:schemeClr val="dk1"/>
+          </a:lnRef>
+          <a:fillRef idx="1">
+            <a:schemeClr val="lt1"/>
+          </a:fillRef>
+          <a:effectRef idx="0">
+            <a:schemeClr val="dk1"/>
+          </a:effectRef>
+          <a:fontRef idx="minor">
+            <a:schemeClr val="dk1"/>
+          </a:fontRef>
+        </p:style>
+        <p:txBody>
+          <a:bodyPr rot="0" spcFirstLastPara="0" vertOverflow="overflow" horzOverflow="overflow" vert="horz" wrap="square" lIns="58852" tIns="29427" rIns="58852" bIns="29427" numCol="1" spcCol="0" rtlCol="0" fromWordArt="0" anchor="ctr" anchorCtr="0" forceAA="0" compatLnSpc="1">
+            <a:prstTxWarp prst="textNoShape">
+              <a:avLst/>
+            </a:prstTxWarp>
+            <a:noAutofit/>
+          </a:bodyPr>
+          <a:lstStyle/>
+          <a:p>
+            <a:pPr algn="ctr"/>
+            <a:r>
+              <a:rPr lang="en-GB" sz="800" dirty="0" smtClean="0">
+                <a:latin typeface="Times New Roman" panose="02020603050405020304" pitchFamily="18" charset="0"/>
+                <a:cs typeface="Times New Roman" panose="02020603050405020304" pitchFamily="18" charset="0"/>
+              </a:rPr>
+              <a:t>Policy </a:t>
+            </a:r>
+          </a:p>
+          <a:p>
+            <a:pPr algn="ctr"/>
+            <a:r>
+              <a:rPr lang="en-GB" sz="800" dirty="0" smtClean="0">
+                <a:latin typeface="Times New Roman" panose="02020603050405020304" pitchFamily="18" charset="0"/>
+                <a:cs typeface="Times New Roman" panose="02020603050405020304" pitchFamily="18" charset="0"/>
+              </a:rPr>
+              <a:t>preferences</a:t>
+            </a:r>
+            <a:endParaRPr lang="en-GB" sz="800" dirty="0">
+              <a:latin typeface="Times New Roman" panose="02020603050405020304" pitchFamily="18" charset="0"/>
+              <a:cs typeface="Times New Roman" panose="02020603050405020304" pitchFamily="18" charset="0"/>
+            </a:endParaRPr>
+          </a:p>
+        </p:txBody>
+      </p:sp>
+      <p:sp>
+        <p:nvSpPr>
+          <p:cNvPr id="31" name="Rectángulo 3">
+            <a:extLst>
+              <a:ext uri="{FF2B5EF4-FFF2-40B4-BE49-F238E27FC236}">
+                <a16:creationId xmlns:a16="http://schemas.microsoft.com/office/drawing/2014/main" xmlns="" id="{19266BBE-96DE-FCCF-2D32-85ECC591EEA6}"/>
+              </a:ext>
+            </a:extLst>
+          </p:cNvPr>
+          <p:cNvSpPr/>
+          <p:nvPr/>
+        </p:nvSpPr>
+        <p:spPr>
+          <a:xfrm>
+            <a:off x="690125" y="367425"/>
+            <a:ext cx="903559" cy="298425"/>
+          </a:xfrm>
+          <a:prstGeom prst="rect">
+            <a:avLst/>
+          </a:prstGeom>
+        </p:spPr>
+        <p:style>
+          <a:lnRef idx="2">
+            <a:schemeClr val="dk1"/>
+          </a:lnRef>
+          <a:fillRef idx="1">
+            <a:schemeClr val="lt1"/>
+          </a:fillRef>
+          <a:effectRef idx="0">
+            <a:schemeClr val="dk1"/>
+          </a:effectRef>
+          <a:fontRef idx="minor">
+            <a:schemeClr val="dk1"/>
+          </a:fontRef>
+        </p:style>
+        <p:txBody>
+          <a:bodyPr rot="0" spcFirstLastPara="0" vertOverflow="overflow" horzOverflow="overflow" vert="horz" wrap="square" lIns="58852" tIns="29427" rIns="58852" bIns="29427" numCol="1" spcCol="0" rtlCol="0" fromWordArt="0" anchor="ctr" anchorCtr="0" forceAA="0" compatLnSpc="1">
+            <a:prstTxWarp prst="textNoShape">
+              <a:avLst/>
+            </a:prstTxWarp>
+            <a:noAutofit/>
+          </a:bodyPr>
+          <a:lstStyle/>
+          <a:p>
+            <a:pPr algn="ctr"/>
+            <a:r>
+              <a:rPr lang="en-US" sz="800" dirty="0" smtClean="0">
+                <a:latin typeface="Times New Roman" panose="02020603050405020304" pitchFamily="18" charset="0"/>
+                <a:cs typeface="Times New Roman" panose="02020603050405020304" pitchFamily="18" charset="0"/>
+              </a:rPr>
+              <a:t>Economic Segregation</a:t>
+            </a:r>
+            <a:endParaRPr lang="en-GB" sz="800" dirty="0">
+              <a:latin typeface="Times New Roman" panose="02020603050405020304" pitchFamily="18" charset="0"/>
+              <a:cs typeface="Times New Roman" panose="02020603050405020304" pitchFamily="18" charset="0"/>
+            </a:endParaRPr>
+          </a:p>
+        </p:txBody>
+      </p:sp>
+      <p:cxnSp>
+        <p:nvCxnSpPr>
+          <p:cNvPr id="32" name="Gerader Verbinder 59">
+            <a:extLst>
+              <a:ext uri="{FF2B5EF4-FFF2-40B4-BE49-F238E27FC236}">
+                <a16:creationId xmlns:a16="http://schemas.microsoft.com/office/drawing/2014/main" xmlns="" id="{6A40253C-955C-5475-5F5A-6FDC5734E200}"/>
+              </a:ext>
+            </a:extLst>
+          </p:cNvPr>
+          <p:cNvCxnSpPr>
+            <a:cxnSpLocks/>
+          </p:cNvCxnSpPr>
+          <p:nvPr/>
+        </p:nvCxnSpPr>
+        <p:spPr>
+          <a:xfrm>
+            <a:off x="207045" y="905181"/>
+            <a:ext cx="4819941" cy="0"/>
+          </a:xfrm>
+          <a:prstGeom prst="line">
+            <a:avLst/>
+          </a:prstGeom>
+          <a:ln w="9525">
+            <a:solidFill>
+              <a:schemeClr val="tx1">
+                <a:lumMod val="95000"/>
+                <a:lumOff val="5000"/>
+              </a:schemeClr>
+            </a:solidFill>
+            <a:prstDash val="sysDash"/>
+          </a:ln>
+        </p:spPr>
+        <p:style>
+          <a:lnRef idx="1">
+            <a:schemeClr val="accent1"/>
+          </a:lnRef>
+          <a:fillRef idx="0">
+            <a:schemeClr val="accent1"/>
+          </a:fillRef>
+          <a:effectRef idx="0">
+            <a:schemeClr val="accent1"/>
+          </a:effectRef>
+          <a:fontRef idx="minor">
+            <a:schemeClr val="tx1"/>
+          </a:fontRef>
+        </p:style>
+      </p:cxnSp>
+      <p:sp>
+        <p:nvSpPr>
+          <p:cNvPr id="33" name="Rectángulo 3">
+            <a:extLst>
+              <a:ext uri="{FF2B5EF4-FFF2-40B4-BE49-F238E27FC236}">
+                <a16:creationId xmlns:a16="http://schemas.microsoft.com/office/drawing/2014/main" xmlns="" id="{6CACCB34-5745-AEA5-1ADB-45641C727DC7}"/>
+              </a:ext>
+            </a:extLst>
+          </p:cNvPr>
+          <p:cNvSpPr/>
+          <p:nvPr/>
+        </p:nvSpPr>
+        <p:spPr>
+          <a:xfrm>
+            <a:off x="207046" y="262807"/>
+            <a:ext cx="4913008" cy="1475389"/>
+          </a:xfrm>
+          <a:prstGeom prst="rect">
+            <a:avLst/>
+          </a:prstGeom>
+          <a:noFill/>
+          <a:ln w="9525" cap="flat" cmpd="sng" algn="ctr">
+            <a:solidFill>
+              <a:schemeClr val="dk1"/>
+            </a:solidFill>
+            <a:prstDash val="solid"/>
+            <a:round/>
+            <a:headEnd type="none" w="med" len="med"/>
+            <a:tailEnd type="none" w="med" len="med"/>
+          </a:ln>
+        </p:spPr>
+        <p:style>
+          <a:lnRef idx="0">
+            <a:scrgbClr r="0" g="0" b="0"/>
+          </a:lnRef>
+          <a:fillRef idx="0">
+            <a:scrgbClr r="0" g="0" b="0"/>
+          </a:fillRef>
+          <a:effectRef idx="0">
+            <a:scrgbClr r="0" g="0" b="0"/>
+          </a:effectRef>
+          <a:fontRef idx="minor">
+            <a:schemeClr val="dk1"/>
+          </a:fontRef>
+        </p:style>
+        <p:txBody>
+          <a:bodyPr rot="0" spcFirstLastPara="0" vertOverflow="overflow" horzOverflow="overflow" vert="horz" wrap="square" lIns="58852" tIns="29427" rIns="58852" bIns="29427" numCol="1" spcCol="0" rtlCol="0" fromWordArt="0" anchor="ctr" anchorCtr="0" forceAA="0" compatLnSpc="1">
+            <a:prstTxWarp prst="textNoShape">
+              <a:avLst/>
+            </a:prstTxWarp>
+            <a:noAutofit/>
+          </a:bodyPr>
+          <a:lstStyle/>
+          <a:p>
+            <a:pPr algn="ctr"/>
+            <a:endParaRPr lang="es-CL" sz="800" dirty="0">
+              <a:latin typeface="Times New Roman" panose="02020603050405020304" pitchFamily="18" charset="0"/>
+              <a:cs typeface="Times New Roman" panose="02020603050405020304" pitchFamily="18" charset="0"/>
+            </a:endParaRPr>
+          </a:p>
+        </p:txBody>
+      </p:sp>
+      <p:sp>
+        <p:nvSpPr>
+          <p:cNvPr id="34" name="Rectángulo 52">
+            <a:extLst>
+              <a:ext uri="{FF2B5EF4-FFF2-40B4-BE49-F238E27FC236}">
+                <a16:creationId xmlns:a16="http://schemas.microsoft.com/office/drawing/2014/main" xmlns="" id="{7AABBC93-9C33-C770-9BE2-C0ACFA5AA149}"/>
+              </a:ext>
+            </a:extLst>
+          </p:cNvPr>
+          <p:cNvSpPr/>
+          <p:nvPr/>
+        </p:nvSpPr>
+        <p:spPr>
+          <a:xfrm>
+            <a:off x="228144" y="704675"/>
+            <a:ext cx="1067728" cy="156851"/>
+          </a:xfrm>
+          <a:prstGeom prst="rect">
+            <a:avLst/>
+          </a:prstGeom>
+          <a:noFill/>
+          <a:ln>
+            <a:noFill/>
+          </a:ln>
+        </p:spPr>
+        <p:style>
+          <a:lnRef idx="0">
+            <a:scrgbClr r="0" g="0" b="0"/>
+          </a:lnRef>
+          <a:fillRef idx="0">
+            <a:scrgbClr r="0" g="0" b="0"/>
+          </a:fillRef>
+          <a:effectRef idx="0">
+            <a:scrgbClr r="0" g="0" b="0"/>
+          </a:effectRef>
+          <a:fontRef idx="minor">
+            <a:schemeClr val="dk1"/>
+          </a:fontRef>
+        </p:style>
+        <p:txBody>
+          <a:bodyPr rot="0" spcFirstLastPara="0" vertOverflow="overflow" horzOverflow="overflow" vert="horz" wrap="square" lIns="58852" tIns="29427" rIns="58852" bIns="29427" numCol="1" spcCol="0" rtlCol="0" fromWordArt="0" anchor="ctr" anchorCtr="0" forceAA="0" compatLnSpc="1">
+            <a:prstTxWarp prst="textNoShape">
+              <a:avLst/>
+            </a:prstTxWarp>
+            <a:noAutofit/>
+          </a:bodyPr>
+          <a:lstStyle/>
+          <a:p>
+            <a:r>
+              <a:rPr lang="en-US" sz="700" dirty="0" smtClean="0">
+                <a:latin typeface="Times New Roman" panose="02020603050405020304" pitchFamily="18" charset="0"/>
+                <a:cs typeface="Times New Roman" panose="02020603050405020304" pitchFamily="18" charset="0"/>
+              </a:rPr>
+              <a:t>Country</a:t>
+            </a:r>
+            <a:endParaRPr lang="en-US" sz="700" dirty="0">
+              <a:latin typeface="Times New Roman" panose="02020603050405020304" pitchFamily="18" charset="0"/>
+              <a:cs typeface="Times New Roman" panose="02020603050405020304" pitchFamily="18" charset="0"/>
+            </a:endParaRPr>
+          </a:p>
+        </p:txBody>
+      </p:sp>
+      <p:sp>
+        <p:nvSpPr>
+          <p:cNvPr id="35" name="Rectángulo 52">
+            <a:extLst>
+              <a:ext uri="{FF2B5EF4-FFF2-40B4-BE49-F238E27FC236}">
+                <a16:creationId xmlns:a16="http://schemas.microsoft.com/office/drawing/2014/main" xmlns="" id="{D5D6D77D-1B51-5ECE-3AF7-8A18F5E4946E}"/>
+              </a:ext>
+            </a:extLst>
+          </p:cNvPr>
+          <p:cNvSpPr/>
+          <p:nvPr/>
+        </p:nvSpPr>
+        <p:spPr>
+          <a:xfrm>
+            <a:off x="228144" y="909864"/>
+            <a:ext cx="1067728" cy="156851"/>
+          </a:xfrm>
+          <a:prstGeom prst="rect">
+            <a:avLst/>
+          </a:prstGeom>
+          <a:noFill/>
+          <a:ln>
+            <a:noFill/>
+          </a:ln>
+        </p:spPr>
+        <p:style>
+          <a:lnRef idx="0">
+            <a:scrgbClr r="0" g="0" b="0"/>
+          </a:lnRef>
+          <a:fillRef idx="0">
+            <a:scrgbClr r="0" g="0" b="0"/>
+          </a:fillRef>
+          <a:effectRef idx="0">
+            <a:scrgbClr r="0" g="0" b="0"/>
+          </a:effectRef>
+          <a:fontRef idx="minor">
+            <a:schemeClr val="dk1"/>
+          </a:fontRef>
+        </p:style>
+        <p:txBody>
+          <a:bodyPr rot="0" spcFirstLastPara="0" vertOverflow="overflow" horzOverflow="overflow" vert="horz" wrap="square" lIns="58852" tIns="29427" rIns="58852" bIns="29427" numCol="1" spcCol="0" rtlCol="0" fromWordArt="0" anchor="ctr" anchorCtr="0" forceAA="0" compatLnSpc="1">
+            <a:prstTxWarp prst="textNoShape">
+              <a:avLst/>
+            </a:prstTxWarp>
+            <a:noAutofit/>
+          </a:bodyPr>
+          <a:lstStyle/>
+          <a:p>
+            <a:r>
+              <a:rPr lang="en-US" sz="700" dirty="0">
+                <a:latin typeface="Times New Roman" panose="02020603050405020304" pitchFamily="18" charset="0"/>
+                <a:cs typeface="Times New Roman" panose="02020603050405020304" pitchFamily="18" charset="0"/>
+              </a:rPr>
+              <a:t>Individual</a:t>
+            </a:r>
+          </a:p>
+        </p:txBody>
+      </p:sp>
+      <p:cxnSp>
+        <p:nvCxnSpPr>
+          <p:cNvPr id="46" name="Conector recto de flecha 11">
+            <a:extLst>
+              <a:ext uri="{FF2B5EF4-FFF2-40B4-BE49-F238E27FC236}">
+                <a16:creationId xmlns:a16="http://schemas.microsoft.com/office/drawing/2014/main" xmlns="" id="{902E2582-94E1-F8C9-AE62-A3A142CDF5A6}"/>
+              </a:ext>
+            </a:extLst>
+          </p:cNvPr>
+          <p:cNvCxnSpPr>
+            <a:cxnSpLocks/>
+            <a:stCxn id="27" idx="3"/>
+            <a:endCxn id="29" idx="1"/>
+          </p:cNvCxnSpPr>
+          <p:nvPr/>
+        </p:nvCxnSpPr>
+        <p:spPr>
+          <a:xfrm>
+            <a:off x="1569432" y="1248712"/>
+            <a:ext cx="2208234" cy="5562"/>
+          </a:xfrm>
+          <a:prstGeom prst="straightConnector1">
+            <a:avLst/>
+          </a:prstGeom>
+          <a:ln>
+            <a:tailEnd type="triangle"/>
+          </a:ln>
+        </p:spPr>
+        <p:style>
+          <a:lnRef idx="3">
+            <a:schemeClr val="dk1"/>
+          </a:lnRef>
+          <a:fillRef idx="0">
+            <a:schemeClr val="dk1"/>
+          </a:fillRef>
+          <a:effectRef idx="2">
+            <a:schemeClr val="dk1"/>
+          </a:effectRef>
+          <a:fontRef idx="minor">
+            <a:schemeClr val="tx1"/>
+          </a:fontRef>
+        </p:style>
+      </p:cxnSp>
+      <p:cxnSp>
+        <p:nvCxnSpPr>
+          <p:cNvPr id="73" name="Conector recto de flecha 11">
+            <a:extLst>
+              <a:ext uri="{FF2B5EF4-FFF2-40B4-BE49-F238E27FC236}">
+                <a16:creationId xmlns:a16="http://schemas.microsoft.com/office/drawing/2014/main" xmlns="" id="{3646B39E-DFA3-BE18-3DC9-8ADDEFBEB103}"/>
+              </a:ext>
+            </a:extLst>
+          </p:cNvPr>
+          <p:cNvCxnSpPr>
+            <a:cxnSpLocks/>
+            <a:stCxn id="31" idx="3"/>
+          </p:cNvCxnSpPr>
+          <p:nvPr/>
+        </p:nvCxnSpPr>
+        <p:spPr>
+          <a:xfrm>
+            <a:off x="1593684" y="516638"/>
+            <a:ext cx="1033418" cy="710955"/>
+          </a:xfrm>
+          <a:prstGeom prst="straightConnector1">
+            <a:avLst/>
+          </a:prstGeom>
+          <a:ln>
+            <a:solidFill>
+              <a:schemeClr val="bg1">
+                <a:lumMod val="65000"/>
+              </a:schemeClr>
+            </a:solidFill>
+            <a:prstDash val="dash"/>
+            <a:tailEnd type="triangle"/>
+          </a:ln>
+        </p:spPr>
+        <p:style>
+          <a:lnRef idx="3">
+            <a:schemeClr val="dk1"/>
+          </a:lnRef>
+          <a:fillRef idx="0">
+            <a:schemeClr val="dk1"/>
+          </a:fillRef>
+          <a:effectRef idx="2">
+            <a:schemeClr val="dk1"/>
+          </a:effectRef>
+          <a:fontRef idx="minor">
+            <a:schemeClr val="tx1"/>
+          </a:fontRef>
+        </p:style>
+      </p:cxnSp>
+      <p:sp>
+        <p:nvSpPr>
+          <p:cNvPr id="23" name="Rectángulo 52"/>
+          <p:cNvSpPr/>
+          <p:nvPr/>
+        </p:nvSpPr>
+        <p:spPr>
+          <a:xfrm>
+            <a:off x="189579" y="115839"/>
+            <a:ext cx="1067728" cy="156851"/>
+          </a:xfrm>
+          <a:prstGeom prst="rect">
+            <a:avLst/>
+          </a:prstGeom>
+          <a:noFill/>
+          <a:ln>
+            <a:noFill/>
+          </a:ln>
+        </p:spPr>
+        <p:style>
+          <a:lnRef idx="0">
+            <a:scrgbClr r="0" g="0" b="0"/>
+          </a:lnRef>
+          <a:fillRef idx="0">
+            <a:scrgbClr r="0" g="0" b="0"/>
+          </a:fillRef>
+          <a:effectRef idx="0">
+            <a:scrgbClr r="0" g="0" b="0"/>
+          </a:effectRef>
+          <a:fontRef idx="minor">
+            <a:schemeClr val="dk1"/>
+          </a:fontRef>
+        </p:style>
+        <p:txBody>
+          <a:bodyPr rot="0" spcFirstLastPara="0" vertOverflow="overflow" horzOverflow="overflow" vert="horz" wrap="square" lIns="58852" tIns="29427" rIns="58852" bIns="29427" numCol="1" spcCol="0" rtlCol="0" fromWordArt="0" anchor="ctr" anchorCtr="0" forceAA="0" compatLnSpc="1">
+            <a:prstTxWarp prst="textNoShape">
+              <a:avLst/>
+            </a:prstTxWarp>
+            <a:noAutofit/>
+          </a:bodyPr>
+          <a:lstStyle/>
+          <a:p>
+            <a:r>
+              <a:rPr lang="en-US" sz="700" dirty="0">
+                <a:latin typeface="Times New Roman" panose="02020603050405020304" pitchFamily="18" charset="0"/>
+                <a:cs typeface="Times New Roman" panose="02020603050405020304" pitchFamily="18" charset="0"/>
+              </a:rPr>
+              <a:t>Study </a:t>
+            </a:r>
+            <a:r>
+              <a:rPr lang="en-US" sz="700" dirty="0" smtClean="0">
+                <a:latin typeface="Times New Roman" panose="02020603050405020304" pitchFamily="18" charset="0"/>
+                <a:cs typeface="Times New Roman" panose="02020603050405020304" pitchFamily="18" charset="0"/>
+              </a:rPr>
+              <a:t>1</a:t>
+            </a:r>
+            <a:endParaRPr lang="en-US" sz="700" dirty="0">
+              <a:latin typeface="Times New Roman" panose="02020603050405020304" pitchFamily="18" charset="0"/>
+              <a:cs typeface="Times New Roman" panose="02020603050405020304" pitchFamily="18" charset="0"/>
+            </a:endParaRPr>
+          </a:p>
+        </p:txBody>
+      </p:sp>
+      <p:sp>
+        <p:nvSpPr>
+          <p:cNvPr id="24" name="Rectángulo 52"/>
+          <p:cNvSpPr/>
+          <p:nvPr/>
+        </p:nvSpPr>
+        <p:spPr>
+          <a:xfrm>
+            <a:off x="189579" y="1749221"/>
+            <a:ext cx="1067728" cy="156851"/>
+          </a:xfrm>
+          <a:prstGeom prst="rect">
+            <a:avLst/>
+          </a:prstGeom>
+          <a:noFill/>
+          <a:ln>
+            <a:noFill/>
+          </a:ln>
+        </p:spPr>
+        <p:style>
+          <a:lnRef idx="0">
+            <a:scrgbClr r="0" g="0" b="0"/>
+          </a:lnRef>
+          <a:fillRef idx="0">
+            <a:scrgbClr r="0" g="0" b="0"/>
+          </a:fillRef>
+          <a:effectRef idx="0">
+            <a:scrgbClr r="0" g="0" b="0"/>
+          </a:effectRef>
+          <a:fontRef idx="minor">
+            <a:schemeClr val="dk1"/>
+          </a:fontRef>
+        </p:style>
+        <p:txBody>
+          <a:bodyPr rot="0" spcFirstLastPara="0" vertOverflow="overflow" horzOverflow="overflow" vert="horz" wrap="square" lIns="58852" tIns="29427" rIns="58852" bIns="29427" numCol="1" spcCol="0" rtlCol="0" fromWordArt="0" anchor="ctr" anchorCtr="0" forceAA="0" compatLnSpc="1">
+            <a:prstTxWarp prst="textNoShape">
+              <a:avLst/>
+            </a:prstTxWarp>
+            <a:noAutofit/>
+          </a:bodyPr>
+          <a:lstStyle/>
+          <a:p>
+            <a:r>
+              <a:rPr lang="en-US" sz="700" dirty="0">
+                <a:latin typeface="Times New Roman" panose="02020603050405020304" pitchFamily="18" charset="0"/>
+                <a:cs typeface="Times New Roman" panose="02020603050405020304" pitchFamily="18" charset="0"/>
+              </a:rPr>
+              <a:t>Study </a:t>
+            </a:r>
+            <a:r>
+              <a:rPr lang="en-US" sz="700" dirty="0" smtClean="0">
+                <a:latin typeface="Times New Roman" panose="02020603050405020304" pitchFamily="18" charset="0"/>
+                <a:cs typeface="Times New Roman" panose="02020603050405020304" pitchFamily="18" charset="0"/>
+              </a:rPr>
+              <a:t>2</a:t>
+            </a:r>
+            <a:endParaRPr lang="en-US" sz="700" dirty="0">
+              <a:latin typeface="Times New Roman" panose="02020603050405020304" pitchFamily="18" charset="0"/>
+              <a:cs typeface="Times New Roman" panose="02020603050405020304" pitchFamily="18" charset="0"/>
+            </a:endParaRPr>
+          </a:p>
+        </p:txBody>
+      </p:sp>
+      <p:cxnSp>
+        <p:nvCxnSpPr>
+          <p:cNvPr id="26" name="Gerader Verbinder 59"/>
+          <p:cNvCxnSpPr>
+            <a:cxnSpLocks/>
+          </p:cNvCxnSpPr>
+          <p:nvPr/>
+        </p:nvCxnSpPr>
+        <p:spPr>
+          <a:xfrm flipV="1">
+            <a:off x="288807" y="2450863"/>
+            <a:ext cx="4789241" cy="3863"/>
+          </a:xfrm>
+          <a:prstGeom prst="line">
+            <a:avLst/>
+          </a:prstGeom>
+          <a:ln w="9525">
+            <a:solidFill>
+              <a:schemeClr val="tx1">
+                <a:lumMod val="95000"/>
+                <a:lumOff val="5000"/>
+              </a:schemeClr>
+            </a:solidFill>
+            <a:prstDash val="sysDash"/>
+          </a:ln>
+        </p:spPr>
+        <p:style>
+          <a:lnRef idx="1">
+            <a:schemeClr val="accent1"/>
+          </a:lnRef>
+          <a:fillRef idx="0">
+            <a:schemeClr val="accent1"/>
+          </a:fillRef>
+          <a:effectRef idx="0">
+            <a:schemeClr val="accent1"/>
+          </a:effectRef>
+          <a:fontRef idx="minor">
+            <a:schemeClr val="tx1"/>
+          </a:fontRef>
+        </p:style>
+      </p:cxnSp>
+      <p:sp>
+        <p:nvSpPr>
+          <p:cNvPr id="28" name="Rectángulo 3">
+            <a:extLst>
+              <a:ext uri="{FF2B5EF4-FFF2-40B4-BE49-F238E27FC236}">
+                <a16:creationId xmlns:a16="http://schemas.microsoft.com/office/drawing/2014/main" xmlns="" id="{19266BBE-96DE-FCCF-2D32-85ECC591EEA6}"/>
+              </a:ext>
+            </a:extLst>
+          </p:cNvPr>
+          <p:cNvSpPr/>
+          <p:nvPr/>
+        </p:nvSpPr>
+        <p:spPr>
+          <a:xfrm>
+            <a:off x="665873" y="1980826"/>
+            <a:ext cx="903559" cy="298425"/>
+          </a:xfrm>
+          <a:prstGeom prst="rect">
+            <a:avLst/>
+          </a:prstGeom>
+        </p:spPr>
+        <p:style>
+          <a:lnRef idx="2">
+            <a:schemeClr val="dk1"/>
+          </a:lnRef>
+          <a:fillRef idx="1">
+            <a:schemeClr val="lt1"/>
+          </a:fillRef>
+          <a:effectRef idx="0">
+            <a:schemeClr val="dk1"/>
+          </a:effectRef>
+          <a:fontRef idx="minor">
+            <a:schemeClr val="dk1"/>
+          </a:fontRef>
+        </p:style>
+        <p:txBody>
+          <a:bodyPr rot="0" spcFirstLastPara="0" vertOverflow="overflow" horzOverflow="overflow" vert="horz" wrap="square" lIns="58852" tIns="29427" rIns="58852" bIns="29427" numCol="1" spcCol="0" rtlCol="0" fromWordArt="0" anchor="ctr" anchorCtr="0" forceAA="0" compatLnSpc="1">
+            <a:prstTxWarp prst="textNoShape">
+              <a:avLst/>
+            </a:prstTxWarp>
+            <a:noAutofit/>
+          </a:bodyPr>
+          <a:lstStyle/>
+          <a:p>
+            <a:pPr algn="ctr"/>
+            <a:r>
+              <a:rPr lang="en-US" sz="800" dirty="0" smtClean="0">
+                <a:latin typeface="Times New Roman" panose="02020603050405020304" pitchFamily="18" charset="0"/>
+                <a:cs typeface="Times New Roman" panose="02020603050405020304" pitchFamily="18" charset="0"/>
+              </a:rPr>
+              <a:t>Economic Segregation</a:t>
+            </a:r>
+            <a:endParaRPr lang="en-GB" sz="800" dirty="0">
+              <a:latin typeface="Times New Roman" panose="02020603050405020304" pitchFamily="18" charset="0"/>
+              <a:cs typeface="Times New Roman" panose="02020603050405020304" pitchFamily="18" charset="0"/>
+            </a:endParaRPr>
+          </a:p>
+        </p:txBody>
+      </p:sp>
+      <p:cxnSp>
+        <p:nvCxnSpPr>
+          <p:cNvPr id="30" name="Conector recto de flecha 11">
+            <a:extLst>
+              <a:ext uri="{FF2B5EF4-FFF2-40B4-BE49-F238E27FC236}">
+                <a16:creationId xmlns:a16="http://schemas.microsoft.com/office/drawing/2014/main" xmlns="" id="{3646B39E-DFA3-BE18-3DC9-8ADDEFBEB103}"/>
+              </a:ext>
+            </a:extLst>
+          </p:cNvPr>
+          <p:cNvCxnSpPr>
+            <a:cxnSpLocks/>
+            <a:stCxn id="28" idx="3"/>
+          </p:cNvCxnSpPr>
+          <p:nvPr/>
+        </p:nvCxnSpPr>
+        <p:spPr>
+          <a:xfrm>
+            <a:off x="1569432" y="2130039"/>
+            <a:ext cx="1057670" cy="1007487"/>
+          </a:xfrm>
+          <a:prstGeom prst="straightConnector1">
+            <a:avLst/>
+          </a:prstGeom>
+          <a:ln>
+            <a:solidFill>
+              <a:schemeClr val="bg1">
+                <a:lumMod val="65000"/>
+              </a:schemeClr>
+            </a:solidFill>
+            <a:prstDash val="dash"/>
+            <a:tailEnd type="triangle"/>
+          </a:ln>
+        </p:spPr>
+        <p:style>
+          <a:lnRef idx="3">
+            <a:schemeClr val="dk1"/>
+          </a:lnRef>
+          <a:fillRef idx="0">
+            <a:schemeClr val="dk1"/>
+          </a:fillRef>
+          <a:effectRef idx="2">
+            <a:schemeClr val="dk1"/>
+          </a:effectRef>
+          <a:fontRef idx="minor">
+            <a:schemeClr val="tx1"/>
+          </a:fontRef>
+        </p:style>
+      </p:cxnSp>
+      <p:sp>
+        <p:nvSpPr>
+          <p:cNvPr id="36" name="Rectángulo 52"/>
+          <p:cNvSpPr/>
+          <p:nvPr/>
+        </p:nvSpPr>
+        <p:spPr>
+          <a:xfrm>
+            <a:off x="283888" y="2273918"/>
+            <a:ext cx="1067728" cy="156851"/>
+          </a:xfrm>
+          <a:prstGeom prst="rect">
+            <a:avLst/>
+          </a:prstGeom>
+          <a:noFill/>
+          <a:ln>
+            <a:noFill/>
+          </a:ln>
+        </p:spPr>
+        <p:style>
+          <a:lnRef idx="0">
+            <a:scrgbClr r="0" g="0" b="0"/>
+          </a:lnRef>
+          <a:fillRef idx="0">
+            <a:scrgbClr r="0" g="0" b="0"/>
+          </a:fillRef>
+          <a:effectRef idx="0">
+            <a:scrgbClr r="0" g="0" b="0"/>
+          </a:effectRef>
+          <a:fontRef idx="minor">
+            <a:schemeClr val="dk1"/>
+          </a:fontRef>
+        </p:style>
+        <p:txBody>
+          <a:bodyPr rot="0" spcFirstLastPara="0" vertOverflow="overflow" horzOverflow="overflow" vert="horz" wrap="square" lIns="58852" tIns="29427" rIns="58852" bIns="29427" numCol="1" spcCol="0" rtlCol="0" fromWordArt="0" anchor="ctr" anchorCtr="0" forceAA="0" compatLnSpc="1">
+            <a:prstTxWarp prst="textNoShape">
+              <a:avLst/>
+            </a:prstTxWarp>
+            <a:noAutofit/>
+          </a:bodyPr>
+          <a:lstStyle/>
+          <a:p>
+            <a:r>
+              <a:rPr lang="en-GB" sz="700" dirty="0" smtClean="0">
+                <a:latin typeface="Times New Roman" panose="02020603050405020304" pitchFamily="18" charset="0"/>
+                <a:cs typeface="Times New Roman" panose="02020603050405020304" pitchFamily="18" charset="0"/>
+              </a:rPr>
+              <a:t>Community</a:t>
+            </a:r>
+            <a:endParaRPr lang="en-GB" sz="700" dirty="0">
+              <a:latin typeface="Times New Roman" panose="02020603050405020304" pitchFamily="18" charset="0"/>
+              <a:cs typeface="Times New Roman" panose="02020603050405020304" pitchFamily="18" charset="0"/>
+            </a:endParaRPr>
+          </a:p>
+        </p:txBody>
+      </p:sp>
+      <p:sp>
+        <p:nvSpPr>
+          <p:cNvPr id="51" name="TextBox 50"/>
+          <p:cNvSpPr txBox="1"/>
+          <p:nvPr/>
+        </p:nvSpPr>
+        <p:spPr>
+          <a:xfrm>
+            <a:off x="137805" y="1567245"/>
+            <a:ext cx="4813354" cy="184666"/>
+          </a:xfrm>
+          <a:prstGeom prst="rect">
+            <a:avLst/>
+          </a:prstGeom>
+          <a:noFill/>
+        </p:spPr>
+        <p:txBody>
+          <a:bodyPr wrap="square" rtlCol="0">
+            <a:spAutoFit/>
+          </a:bodyPr>
+          <a:lstStyle/>
+          <a:p>
+            <a:r>
+              <a:rPr lang="en-US" sz="600" i="1" dirty="0" smtClean="0">
+                <a:latin typeface="Times New Roman" panose="02020603050405020304" pitchFamily="18" charset="0"/>
+                <a:cs typeface="Times New Roman" panose="02020603050405020304" pitchFamily="18" charset="0"/>
+              </a:rPr>
+              <a:t>Note</a:t>
+            </a:r>
+            <a:r>
+              <a:rPr lang="en-US" sz="600" dirty="0" smtClean="0">
+                <a:latin typeface="Times New Roman" panose="02020603050405020304" pitchFamily="18" charset="0"/>
+                <a:cs typeface="Times New Roman" panose="02020603050405020304" pitchFamily="18" charset="0"/>
+              </a:rPr>
+              <a:t>: data from ISSP 2019. Multilevel model</a:t>
+            </a:r>
+            <a:endParaRPr lang="en-US" sz="600" dirty="0">
+              <a:latin typeface="Times New Roman" panose="02020603050405020304" pitchFamily="18" charset="0"/>
+              <a:cs typeface="Times New Roman" panose="02020603050405020304" pitchFamily="18" charset="0"/>
+            </a:endParaRPr>
+          </a:p>
+        </p:txBody>
+      </p:sp>
+      <p:sp>
+        <p:nvSpPr>
+          <p:cNvPr id="53" name="TextBox 52"/>
+          <p:cNvSpPr txBox="1"/>
+          <p:nvPr/>
+        </p:nvSpPr>
+        <p:spPr>
+          <a:xfrm>
+            <a:off x="189579" y="3354249"/>
+            <a:ext cx="4813354" cy="184666"/>
+          </a:xfrm>
+          <a:prstGeom prst="rect">
+            <a:avLst/>
+          </a:prstGeom>
+          <a:noFill/>
+        </p:spPr>
+        <p:txBody>
+          <a:bodyPr wrap="square" rtlCol="0">
+            <a:spAutoFit/>
+          </a:bodyPr>
+          <a:lstStyle/>
+          <a:p>
+            <a:r>
+              <a:rPr lang="en-US" sz="600" i="1" dirty="0" smtClean="0">
+                <a:latin typeface="Times New Roman" panose="02020603050405020304" pitchFamily="18" charset="0"/>
+                <a:cs typeface="Times New Roman" panose="02020603050405020304" pitchFamily="18" charset="0"/>
+              </a:rPr>
+              <a:t>Note</a:t>
+            </a:r>
+            <a:r>
+              <a:rPr lang="en-US" sz="600" dirty="0" smtClean="0">
+                <a:latin typeface="Times New Roman" panose="02020603050405020304" pitchFamily="18" charset="0"/>
+                <a:cs typeface="Times New Roman" panose="02020603050405020304" pitchFamily="18" charset="0"/>
+              </a:rPr>
+              <a:t>: data from Chilean Longitudinal Social Survey (ELSOC). Longitudinal multilevel Model. </a:t>
+            </a:r>
+            <a:endParaRPr lang="en-US" sz="600" dirty="0">
+              <a:latin typeface="Times New Roman" panose="02020603050405020304" pitchFamily="18" charset="0"/>
+              <a:cs typeface="Times New Roman" panose="02020603050405020304" pitchFamily="18" charset="0"/>
+            </a:endParaRPr>
+          </a:p>
+        </p:txBody>
+      </p:sp>
+    </p:spTree>
+    <p:extLst>
+      <p:ext uri="{BB962C8B-B14F-4D97-AF65-F5344CB8AC3E}">
+        <p14:creationId xmlns:p14="http://schemas.microsoft.com/office/powerpoint/2010/main" val="3888238533"/>
+      </p:ext>
+    </p:extLst>
+  </p:cSld>
+  <p:clrMapOvr>
+    <a:masterClrMapping/>
+  </p:clrMapOvr>
+</p:sld>
+</file>
+
+<file path=ppt/slides/slide6.xml><?xml version="1.0" encoding="utf-8"?>
+<p:sld xmlns:a="http://schemas.openxmlformats.org/drawingml/2006/main" xmlns:r="http://schemas.openxmlformats.org/officeDocument/2006/relationships" xmlns:p="http://schemas.openxmlformats.org/presentationml/2006/main">
+  <p:cSld>
+    <p:spTree>
+      <p:nvGrpSpPr>
+        <p:cNvPr id="1" name=""/>
+        <p:cNvGrpSpPr/>
+        <p:nvPr/>
+      </p:nvGrpSpPr>
+      <p:grpSpPr>
+        <a:xfrm>
+          <a:off x="0" y="0"/>
+          <a:ext cx="0" cy="0"/>
+          <a:chOff x="0" y="0"/>
+          <a:chExt cx="0" cy="0"/>
+        </a:xfrm>
+      </p:grpSpPr>
+      <p:sp>
+        <p:nvSpPr>
+          <p:cNvPr id="6" name="Rectangle 5"/>
+          <p:cNvSpPr/>
+          <p:nvPr/>
+        </p:nvSpPr>
+        <p:spPr>
+          <a:xfrm>
+            <a:off x="346364" y="2717800"/>
+            <a:ext cx="798946" cy="461816"/>
+          </a:xfrm>
+          <a:prstGeom prst="rect">
+            <a:avLst/>
+          </a:prstGeom>
+          <a:ln w="12700">
+            <a:solidFill>
+              <a:schemeClr val="tx1"/>
+            </a:solidFill>
+          </a:ln>
+        </p:spPr>
+        <p:style>
+          <a:lnRef idx="2">
+            <a:schemeClr val="dk1"/>
+          </a:lnRef>
+          <a:fillRef idx="1">
+            <a:schemeClr val="lt1"/>
+          </a:fillRef>
+          <a:effectRef idx="0">
+            <a:schemeClr val="dk1"/>
+          </a:effectRef>
+          <a:fontRef idx="minor">
+            <a:schemeClr val="dk1"/>
+          </a:fontRef>
+        </p:style>
+        <p:txBody>
+          <a:bodyPr rtlCol="0" anchor="ctr"/>
+          <a:lstStyle/>
+          <a:p>
+            <a:pPr algn="ctr"/>
+            <a:endParaRPr lang="en-GB"/>
+          </a:p>
+        </p:txBody>
+      </p:sp>
+      <p:sp>
+        <p:nvSpPr>
+          <p:cNvPr id="7" name="Rectangle 6"/>
+          <p:cNvSpPr/>
+          <p:nvPr/>
+        </p:nvSpPr>
+        <p:spPr>
+          <a:xfrm>
+            <a:off x="1551711" y="331360"/>
+            <a:ext cx="798946" cy="835890"/>
+          </a:xfrm>
+          <a:prstGeom prst="rect">
+            <a:avLst/>
+          </a:prstGeom>
+          <a:ln w="12700">
+            <a:solidFill>
+              <a:schemeClr val="tx1"/>
+            </a:solidFill>
+          </a:ln>
+        </p:spPr>
+        <p:style>
+          <a:lnRef idx="2">
+            <a:schemeClr val="dk1"/>
+          </a:lnRef>
+          <a:fillRef idx="1">
+            <a:schemeClr val="lt1"/>
+          </a:fillRef>
+          <a:effectRef idx="0">
+            <a:schemeClr val="dk1"/>
+          </a:effectRef>
+          <a:fontRef idx="minor">
+            <a:schemeClr val="dk1"/>
+          </a:fontRef>
+        </p:style>
+        <p:txBody>
+          <a:bodyPr rtlCol="0" anchor="ctr"/>
+          <a:lstStyle/>
+          <a:p>
+            <a:pPr algn="ctr"/>
+            <a:endParaRPr lang="en-GB"/>
+          </a:p>
+        </p:txBody>
+      </p:sp>
+      <p:sp>
+        <p:nvSpPr>
+          <p:cNvPr id="8" name="Rectangle 7"/>
+          <p:cNvSpPr/>
+          <p:nvPr/>
+        </p:nvSpPr>
+        <p:spPr>
+          <a:xfrm>
+            <a:off x="4211784" y="1089892"/>
+            <a:ext cx="812800" cy="609601"/>
+          </a:xfrm>
+          <a:prstGeom prst="rect">
+            <a:avLst/>
+          </a:prstGeom>
+          <a:ln w="12700">
+            <a:solidFill>
+              <a:schemeClr val="tx1"/>
+            </a:solidFill>
+          </a:ln>
+        </p:spPr>
+        <p:style>
+          <a:lnRef idx="2">
+            <a:schemeClr val="dk1"/>
+          </a:lnRef>
+          <a:fillRef idx="1">
+            <a:schemeClr val="lt1"/>
+          </a:fillRef>
+          <a:effectRef idx="0">
+            <a:schemeClr val="dk1"/>
+          </a:effectRef>
+          <a:fontRef idx="minor">
+            <a:schemeClr val="dk1"/>
+          </a:fontRef>
+        </p:style>
+        <p:txBody>
+          <a:bodyPr rtlCol="0" anchor="ctr"/>
+          <a:lstStyle/>
+          <a:p>
+            <a:pPr algn="ctr"/>
+            <a:endParaRPr lang="en-GB"/>
+          </a:p>
+        </p:txBody>
+      </p:sp>
+      <p:sp>
+        <p:nvSpPr>
+          <p:cNvPr id="10" name="Rectangle 9"/>
+          <p:cNvSpPr/>
+          <p:nvPr/>
+        </p:nvSpPr>
+        <p:spPr>
+          <a:xfrm>
+            <a:off x="101600" y="152402"/>
+            <a:ext cx="2452255" cy="3283526"/>
+          </a:xfrm>
+          <a:prstGeom prst="rect">
+            <a:avLst/>
+          </a:prstGeom>
+          <a:noFill/>
+          <a:ln w="12700">
+            <a:solidFill>
+              <a:schemeClr val="tx1"/>
+            </a:solidFill>
+          </a:ln>
+        </p:spPr>
+        <p:style>
+          <a:lnRef idx="2">
+            <a:schemeClr val="accent1">
+              <a:shade val="50000"/>
+            </a:schemeClr>
+          </a:lnRef>
+          <a:fillRef idx="1">
+            <a:schemeClr val="accent1"/>
+          </a:fillRef>
+          <a:effectRef idx="0">
+            <a:schemeClr val="accent1"/>
+          </a:effectRef>
+          <a:fontRef idx="minor">
+            <a:schemeClr val="lt1"/>
+          </a:fontRef>
+        </p:style>
+        <p:txBody>
+          <a:bodyPr rtlCol="0" anchor="ctr"/>
+          <a:lstStyle/>
+          <a:p>
+            <a:pPr algn="ctr"/>
+            <a:endParaRPr lang="en-GB"/>
+          </a:p>
+        </p:txBody>
+      </p:sp>
+      <p:sp>
+        <p:nvSpPr>
+          <p:cNvPr id="11" name="Rectangle 10"/>
+          <p:cNvSpPr/>
+          <p:nvPr/>
+        </p:nvSpPr>
+        <p:spPr>
+          <a:xfrm>
+            <a:off x="2826327" y="152400"/>
+            <a:ext cx="2452255" cy="3283528"/>
+          </a:xfrm>
+          <a:prstGeom prst="rect">
+            <a:avLst/>
+          </a:prstGeom>
+          <a:noFill/>
+          <a:ln w="12700">
+            <a:solidFill>
+              <a:schemeClr val="tx1"/>
+            </a:solidFill>
+          </a:ln>
+        </p:spPr>
+        <p:style>
+          <a:lnRef idx="2">
+            <a:schemeClr val="accent1">
+              <a:shade val="50000"/>
+            </a:schemeClr>
+          </a:lnRef>
+          <a:fillRef idx="1">
+            <a:schemeClr val="accent1"/>
+          </a:fillRef>
+          <a:effectRef idx="0">
+            <a:schemeClr val="accent1"/>
+          </a:effectRef>
+          <a:fontRef idx="minor">
+            <a:schemeClr val="lt1"/>
+          </a:fontRef>
+        </p:style>
+        <p:txBody>
+          <a:bodyPr rtlCol="0" anchor="ctr"/>
+          <a:lstStyle/>
+          <a:p>
+            <a:pPr algn="ctr"/>
+            <a:endParaRPr lang="en-GB"/>
+          </a:p>
+        </p:txBody>
+      </p:sp>
+      <p:cxnSp>
+        <p:nvCxnSpPr>
+          <p:cNvPr id="15" name="Straight Connector 14"/>
+          <p:cNvCxnSpPr/>
+          <p:nvPr/>
+        </p:nvCxnSpPr>
+        <p:spPr>
+          <a:xfrm>
+            <a:off x="101599" y="2094407"/>
+            <a:ext cx="2452255" cy="0"/>
+          </a:xfrm>
+          <a:prstGeom prst="line">
+            <a:avLst/>
+          </a:prstGeom>
+          <a:ln w="12700">
+            <a:solidFill>
+              <a:schemeClr val="tx1"/>
+            </a:solidFill>
+            <a:prstDash val="dash"/>
+          </a:ln>
+        </p:spPr>
+        <p:style>
+          <a:lnRef idx="1">
+            <a:schemeClr val="accent1"/>
+          </a:lnRef>
+          <a:fillRef idx="0">
+            <a:schemeClr val="accent1"/>
+          </a:fillRef>
+          <a:effectRef idx="0">
+            <a:schemeClr val="accent1"/>
+          </a:effectRef>
+          <a:fontRef idx="minor">
+            <a:schemeClr val="tx1"/>
+          </a:fontRef>
+        </p:style>
+      </p:cxnSp>
+      <p:cxnSp>
+        <p:nvCxnSpPr>
+          <p:cNvPr id="16" name="Straight Connector 15"/>
+          <p:cNvCxnSpPr/>
+          <p:nvPr/>
+        </p:nvCxnSpPr>
+        <p:spPr>
+          <a:xfrm>
+            <a:off x="2826327" y="1794164"/>
+            <a:ext cx="2452255" cy="0"/>
+          </a:xfrm>
+          <a:prstGeom prst="line">
+            <a:avLst/>
+          </a:prstGeom>
+          <a:ln w="12700">
+            <a:solidFill>
+              <a:schemeClr val="tx1"/>
+            </a:solidFill>
+            <a:prstDash val="dash"/>
+          </a:ln>
+        </p:spPr>
+        <p:style>
+          <a:lnRef idx="1">
+            <a:schemeClr val="accent1"/>
+          </a:lnRef>
+          <a:fillRef idx="0">
+            <a:schemeClr val="accent1"/>
+          </a:fillRef>
+          <a:effectRef idx="0">
+            <a:schemeClr val="accent1"/>
+          </a:effectRef>
+          <a:fontRef idx="minor">
+            <a:schemeClr val="tx1"/>
+          </a:fontRef>
+        </p:style>
+      </p:cxnSp>
+      <p:cxnSp>
+        <p:nvCxnSpPr>
+          <p:cNvPr id="23" name="Straight Connector 22"/>
+          <p:cNvCxnSpPr/>
+          <p:nvPr/>
+        </p:nvCxnSpPr>
+        <p:spPr>
+          <a:xfrm>
+            <a:off x="1551711" y="527633"/>
+            <a:ext cx="798946" cy="0"/>
+          </a:xfrm>
+          <a:prstGeom prst="line">
+            <a:avLst/>
+          </a:prstGeom>
+          <a:ln w="12700">
+            <a:solidFill>
+              <a:schemeClr val="tx1"/>
+            </a:solidFill>
+          </a:ln>
+        </p:spPr>
+        <p:style>
+          <a:lnRef idx="1">
+            <a:schemeClr val="accent1"/>
+          </a:lnRef>
+          <a:fillRef idx="0">
+            <a:schemeClr val="accent1"/>
+          </a:fillRef>
+          <a:effectRef idx="0">
+            <a:schemeClr val="accent1"/>
+          </a:effectRef>
+          <a:fontRef idx="minor">
+            <a:schemeClr val="tx1"/>
+          </a:fontRef>
+        </p:style>
+      </p:cxnSp>
+      <p:cxnSp>
+        <p:nvCxnSpPr>
+          <p:cNvPr id="24" name="Straight Connector 23"/>
+          <p:cNvCxnSpPr/>
+          <p:nvPr/>
+        </p:nvCxnSpPr>
+        <p:spPr>
+          <a:xfrm>
+            <a:off x="4211784" y="1300022"/>
+            <a:ext cx="812800" cy="0"/>
+          </a:xfrm>
+          <a:prstGeom prst="line">
+            <a:avLst/>
+          </a:prstGeom>
+          <a:ln w="12700">
+            <a:solidFill>
+              <a:schemeClr val="tx1"/>
+            </a:solidFill>
+          </a:ln>
+        </p:spPr>
+        <p:style>
+          <a:lnRef idx="1">
+            <a:schemeClr val="accent1"/>
+          </a:lnRef>
+          <a:fillRef idx="0">
+            <a:schemeClr val="accent1"/>
+          </a:fillRef>
+          <a:effectRef idx="0">
+            <a:schemeClr val="accent1"/>
+          </a:effectRef>
+          <a:fontRef idx="minor">
+            <a:schemeClr val="tx1"/>
+          </a:fontRef>
+        </p:style>
+      </p:cxnSp>
+      <p:cxnSp>
+        <p:nvCxnSpPr>
+          <p:cNvPr id="25" name="Straight Connector 24"/>
+          <p:cNvCxnSpPr/>
+          <p:nvPr/>
+        </p:nvCxnSpPr>
+        <p:spPr>
+          <a:xfrm>
+            <a:off x="346364" y="2895602"/>
+            <a:ext cx="798946" cy="0"/>
+          </a:xfrm>
+          <a:prstGeom prst="line">
+            <a:avLst/>
+          </a:prstGeom>
+          <a:ln w="12700">
+            <a:solidFill>
+              <a:schemeClr val="tx1"/>
+            </a:solidFill>
+          </a:ln>
+        </p:spPr>
+        <p:style>
+          <a:lnRef idx="1">
+            <a:schemeClr val="accent1"/>
+          </a:lnRef>
+          <a:fillRef idx="0">
+            <a:schemeClr val="accent1"/>
+          </a:fillRef>
+          <a:effectRef idx="0">
+            <a:schemeClr val="accent1"/>
+          </a:effectRef>
+          <a:fontRef idx="minor">
+            <a:schemeClr val="tx1"/>
+          </a:fontRef>
+        </p:style>
+      </p:cxnSp>
+      <p:sp>
+        <p:nvSpPr>
+          <p:cNvPr id="27" name="Oval 26"/>
+          <p:cNvSpPr/>
+          <p:nvPr/>
+        </p:nvSpPr>
+        <p:spPr>
+          <a:xfrm>
+            <a:off x="1898073" y="714666"/>
+            <a:ext cx="64654" cy="60036"/>
+          </a:xfrm>
+          <a:prstGeom prst="ellipse">
+            <a:avLst/>
+          </a:prstGeom>
+          <a:ln w="12700">
+            <a:solidFill>
+              <a:schemeClr val="tx1"/>
+            </a:solidFill>
+          </a:ln>
+        </p:spPr>
+        <p:style>
+          <a:lnRef idx="2">
+            <a:schemeClr val="accent1">
+              <a:shade val="50000"/>
+            </a:schemeClr>
+          </a:lnRef>
+          <a:fillRef idx="1">
+            <a:schemeClr val="accent1"/>
+          </a:fillRef>
+          <a:effectRef idx="0">
+            <a:schemeClr val="accent1"/>
+          </a:effectRef>
+          <a:fontRef idx="minor">
+            <a:schemeClr val="lt1"/>
+          </a:fontRef>
+        </p:style>
+        <p:txBody>
+          <a:bodyPr rtlCol="0" anchor="ctr"/>
+          <a:lstStyle/>
+          <a:p>
+            <a:pPr algn="ctr"/>
+            <a:endParaRPr lang="en-GB"/>
+          </a:p>
+        </p:txBody>
+      </p:sp>
+      <p:sp>
+        <p:nvSpPr>
+          <p:cNvPr id="28" name="Oval 27"/>
+          <p:cNvSpPr/>
+          <p:nvPr/>
+        </p:nvSpPr>
+        <p:spPr>
+          <a:xfrm>
+            <a:off x="713510" y="2948708"/>
+            <a:ext cx="64654" cy="60036"/>
+          </a:xfrm>
+          <a:prstGeom prst="ellipse">
+            <a:avLst/>
+          </a:prstGeom>
+          <a:ln w="12700">
+            <a:solidFill>
+              <a:schemeClr val="tx1"/>
+            </a:solidFill>
+          </a:ln>
+        </p:spPr>
+        <p:style>
+          <a:lnRef idx="2">
+            <a:schemeClr val="accent1">
+              <a:shade val="50000"/>
+            </a:schemeClr>
+          </a:lnRef>
+          <a:fillRef idx="1">
+            <a:schemeClr val="accent1"/>
+          </a:fillRef>
+          <a:effectRef idx="0">
+            <a:schemeClr val="accent1"/>
+          </a:effectRef>
+          <a:fontRef idx="minor">
+            <a:schemeClr val="lt1"/>
+          </a:fontRef>
+        </p:style>
+        <p:txBody>
+          <a:bodyPr rtlCol="0" anchor="ctr"/>
+          <a:lstStyle/>
+          <a:p>
+            <a:pPr algn="ctr"/>
+            <a:endParaRPr lang="en-GB"/>
+          </a:p>
+        </p:txBody>
+      </p:sp>
+      <p:sp>
+        <p:nvSpPr>
+          <p:cNvPr id="30" name="Oval 29"/>
+          <p:cNvSpPr/>
+          <p:nvPr/>
+        </p:nvSpPr>
+        <p:spPr>
+          <a:xfrm>
+            <a:off x="4591663" y="1325423"/>
+            <a:ext cx="65775" cy="60036"/>
+          </a:xfrm>
+          <a:prstGeom prst="ellipse">
+            <a:avLst/>
+          </a:prstGeom>
+          <a:ln w="12700">
+            <a:solidFill>
+              <a:schemeClr val="tx1"/>
+            </a:solidFill>
+          </a:ln>
+        </p:spPr>
+        <p:style>
+          <a:lnRef idx="2">
+            <a:schemeClr val="accent1">
+              <a:shade val="50000"/>
+            </a:schemeClr>
+          </a:lnRef>
+          <a:fillRef idx="1">
+            <a:schemeClr val="accent1"/>
+          </a:fillRef>
+          <a:effectRef idx="0">
+            <a:schemeClr val="accent1"/>
+          </a:effectRef>
+          <a:fontRef idx="minor">
+            <a:schemeClr val="lt1"/>
+          </a:fontRef>
+        </p:style>
+        <p:txBody>
+          <a:bodyPr rtlCol="0" anchor="ctr"/>
+          <a:lstStyle/>
+          <a:p>
+            <a:pPr algn="ctr"/>
+            <a:endParaRPr lang="en-GB"/>
+          </a:p>
+        </p:txBody>
+      </p:sp>
+      <p:cxnSp>
+        <p:nvCxnSpPr>
+          <p:cNvPr id="47" name="Straight Connector 46"/>
+          <p:cNvCxnSpPr/>
+          <p:nvPr/>
+        </p:nvCxnSpPr>
+        <p:spPr>
+          <a:xfrm>
+            <a:off x="745837" y="2536535"/>
+            <a:ext cx="0" cy="833580"/>
+          </a:xfrm>
+          <a:prstGeom prst="line">
+            <a:avLst/>
+          </a:prstGeom>
+          <a:ln cap="sq">
+            <a:headEnd type="diamond"/>
+            <a:tailEnd type="oval"/>
+          </a:ln>
+        </p:spPr>
+        <p:style>
+          <a:lnRef idx="3">
+            <a:schemeClr val="dk1"/>
+          </a:lnRef>
+          <a:fillRef idx="0">
+            <a:schemeClr val="dk1"/>
+          </a:fillRef>
+          <a:effectRef idx="2">
+            <a:schemeClr val="dk1"/>
+          </a:effectRef>
+          <a:fontRef idx="minor">
+            <a:schemeClr val="tx1"/>
+          </a:fontRef>
+        </p:style>
+      </p:cxnSp>
+      <p:cxnSp>
+        <p:nvCxnSpPr>
+          <p:cNvPr id="48" name="Straight Connector 47"/>
+          <p:cNvCxnSpPr/>
+          <p:nvPr/>
+        </p:nvCxnSpPr>
+        <p:spPr>
+          <a:xfrm>
+            <a:off x="1930400" y="189345"/>
+            <a:ext cx="0" cy="1620000"/>
+          </a:xfrm>
+          <a:prstGeom prst="line">
+            <a:avLst/>
+          </a:prstGeom>
+          <a:ln>
+            <a:headEnd type="diamond"/>
+            <a:tailEnd type="diamond"/>
+          </a:ln>
+        </p:spPr>
+        <p:style>
+          <a:lnRef idx="3">
+            <a:schemeClr val="dk1"/>
+          </a:lnRef>
+          <a:fillRef idx="0">
+            <a:schemeClr val="dk1"/>
+          </a:fillRef>
+          <a:effectRef idx="2">
+            <a:schemeClr val="dk1"/>
+          </a:effectRef>
+          <a:fontRef idx="minor">
+            <a:schemeClr val="tx1"/>
+          </a:fontRef>
+        </p:style>
+      </p:cxnSp>
+      <p:sp>
+        <p:nvSpPr>
+          <p:cNvPr id="53" name="Rectangle 52"/>
+          <p:cNvSpPr/>
+          <p:nvPr/>
+        </p:nvSpPr>
+        <p:spPr>
+          <a:xfrm>
+            <a:off x="3198092" y="2717800"/>
+            <a:ext cx="798946" cy="461816"/>
+          </a:xfrm>
+          <a:prstGeom prst="rect">
+            <a:avLst/>
+          </a:prstGeom>
+          <a:ln w="12700">
+            <a:solidFill>
+              <a:schemeClr val="tx1"/>
+            </a:solidFill>
+          </a:ln>
+        </p:spPr>
+        <p:style>
+          <a:lnRef idx="2">
+            <a:schemeClr val="dk1"/>
+          </a:lnRef>
+          <a:fillRef idx="1">
+            <a:schemeClr val="lt1"/>
+          </a:fillRef>
+          <a:effectRef idx="0">
+            <a:schemeClr val="dk1"/>
+          </a:effectRef>
+          <a:fontRef idx="minor">
+            <a:schemeClr val="dk1"/>
+          </a:fontRef>
+        </p:style>
+        <p:txBody>
+          <a:bodyPr rtlCol="0" anchor="ctr"/>
+          <a:lstStyle/>
+          <a:p>
+            <a:pPr algn="ctr"/>
+            <a:endParaRPr lang="en-GB"/>
+          </a:p>
+        </p:txBody>
+      </p:sp>
+      <p:cxnSp>
+        <p:nvCxnSpPr>
+          <p:cNvPr id="54" name="Straight Connector 53"/>
+          <p:cNvCxnSpPr/>
+          <p:nvPr/>
+        </p:nvCxnSpPr>
+        <p:spPr>
+          <a:xfrm>
+            <a:off x="3198092" y="2895602"/>
+            <a:ext cx="798946" cy="0"/>
+          </a:xfrm>
+          <a:prstGeom prst="line">
+            <a:avLst/>
+          </a:prstGeom>
+          <a:ln w="12700">
+            <a:solidFill>
+              <a:schemeClr val="tx1"/>
+            </a:solidFill>
+          </a:ln>
+        </p:spPr>
+        <p:style>
+          <a:lnRef idx="1">
+            <a:schemeClr val="accent1"/>
+          </a:lnRef>
+          <a:fillRef idx="0">
+            <a:schemeClr val="accent1"/>
+          </a:fillRef>
+          <a:effectRef idx="0">
+            <a:schemeClr val="accent1"/>
+          </a:effectRef>
+          <a:fontRef idx="minor">
+            <a:schemeClr val="tx1"/>
+          </a:fontRef>
+        </p:style>
+      </p:cxnSp>
+      <p:sp>
+        <p:nvSpPr>
+          <p:cNvPr id="55" name="Oval 54"/>
+          <p:cNvSpPr/>
+          <p:nvPr/>
+        </p:nvSpPr>
+        <p:spPr>
+          <a:xfrm>
+            <a:off x="3565238" y="2948708"/>
+            <a:ext cx="64654" cy="60036"/>
+          </a:xfrm>
+          <a:prstGeom prst="ellipse">
+            <a:avLst/>
+          </a:prstGeom>
+          <a:ln w="12700">
+            <a:solidFill>
+              <a:schemeClr val="tx1"/>
+            </a:solidFill>
+          </a:ln>
+        </p:spPr>
+        <p:style>
+          <a:lnRef idx="2">
+            <a:schemeClr val="accent1">
+              <a:shade val="50000"/>
+            </a:schemeClr>
+          </a:lnRef>
+          <a:fillRef idx="1">
+            <a:schemeClr val="accent1"/>
+          </a:fillRef>
+          <a:effectRef idx="0">
+            <a:schemeClr val="accent1"/>
+          </a:effectRef>
+          <a:fontRef idx="minor">
+            <a:schemeClr val="lt1"/>
+          </a:fontRef>
+        </p:style>
+        <p:txBody>
+          <a:bodyPr rtlCol="0" anchor="ctr"/>
+          <a:lstStyle/>
+          <a:p>
+            <a:pPr algn="ctr"/>
+            <a:endParaRPr lang="en-GB"/>
+          </a:p>
+        </p:txBody>
+      </p:sp>
+      <p:cxnSp>
+        <p:nvCxnSpPr>
+          <p:cNvPr id="56" name="Straight Connector 55"/>
+          <p:cNvCxnSpPr/>
+          <p:nvPr/>
+        </p:nvCxnSpPr>
+        <p:spPr>
+          <a:xfrm>
+            <a:off x="3597565" y="2536535"/>
+            <a:ext cx="0" cy="833580"/>
+          </a:xfrm>
+          <a:prstGeom prst="line">
+            <a:avLst/>
+          </a:prstGeom>
+          <a:ln>
+            <a:headEnd type="diamond"/>
+            <a:tailEnd type="diamond"/>
+          </a:ln>
+        </p:spPr>
+        <p:style>
+          <a:lnRef idx="3">
+            <a:schemeClr val="dk1"/>
+          </a:lnRef>
+          <a:fillRef idx="0">
+            <a:schemeClr val="dk1"/>
+          </a:fillRef>
+          <a:effectRef idx="2">
+            <a:schemeClr val="dk1"/>
+          </a:effectRef>
+          <a:fontRef idx="minor">
+            <a:schemeClr val="tx1"/>
+          </a:fontRef>
+        </p:style>
+      </p:cxnSp>
+      <p:cxnSp>
+        <p:nvCxnSpPr>
+          <p:cNvPr id="57" name="Straight Connector 56"/>
+          <p:cNvCxnSpPr/>
+          <p:nvPr/>
+        </p:nvCxnSpPr>
+        <p:spPr>
+          <a:xfrm>
+            <a:off x="4629170" y="630256"/>
+            <a:ext cx="279" cy="1152000"/>
+          </a:xfrm>
+          <a:prstGeom prst="line">
+            <a:avLst/>
+          </a:prstGeom>
+          <a:ln>
+            <a:headEnd type="diamond"/>
+            <a:tailEnd type="diamond"/>
+          </a:ln>
+        </p:spPr>
+        <p:style>
+          <a:lnRef idx="3">
+            <a:schemeClr val="dk1"/>
+          </a:lnRef>
+          <a:fillRef idx="0">
+            <a:schemeClr val="dk1"/>
+          </a:fillRef>
+          <a:effectRef idx="2">
+            <a:schemeClr val="dk1"/>
+          </a:effectRef>
+          <a:fontRef idx="minor">
+            <a:schemeClr val="tx1"/>
+          </a:fontRef>
+        </p:style>
+      </p:cxnSp>
+      <p:sp>
+        <p:nvSpPr>
+          <p:cNvPr id="59" name="TextBox 58"/>
+          <p:cNvSpPr txBox="1"/>
+          <p:nvPr/>
+        </p:nvSpPr>
+        <p:spPr>
+          <a:xfrm>
+            <a:off x="2780145" y="1514827"/>
+            <a:ext cx="1066800" cy="369332"/>
+          </a:xfrm>
+          <a:prstGeom prst="rect">
+            <a:avLst/>
+          </a:prstGeom>
+          <a:noFill/>
+        </p:spPr>
+        <p:txBody>
+          <a:bodyPr wrap="square" rtlCol="0">
+            <a:spAutoFit/>
+          </a:bodyPr>
+          <a:lstStyle/>
+          <a:p>
+            <a:r>
+              <a:rPr lang="es-CL" sz="700" dirty="0" smtClean="0">
+                <a:latin typeface="Times New Roman" panose="02020603050405020304" pitchFamily="18" charset="0"/>
+                <a:cs typeface="Times New Roman" panose="02020603050405020304" pitchFamily="18" charset="0"/>
+              </a:rPr>
+              <a:t>Mean</a:t>
+            </a:r>
+            <a:r>
+              <a:rPr lang="es-CL" dirty="0" smtClean="0"/>
+              <a:t> </a:t>
+            </a:r>
+            <a:endParaRPr lang="en-GB" dirty="0"/>
+          </a:p>
+        </p:txBody>
+      </p:sp>
+      <p:sp>
+        <p:nvSpPr>
+          <p:cNvPr id="62" name="TextBox 61"/>
+          <p:cNvSpPr txBox="1"/>
+          <p:nvPr/>
+        </p:nvSpPr>
+        <p:spPr>
+          <a:xfrm>
+            <a:off x="78510" y="1761474"/>
+            <a:ext cx="1066800" cy="369332"/>
+          </a:xfrm>
+          <a:prstGeom prst="rect">
+            <a:avLst/>
+          </a:prstGeom>
+          <a:noFill/>
+        </p:spPr>
+        <p:txBody>
+          <a:bodyPr wrap="square" rtlCol="0">
+            <a:spAutoFit/>
+          </a:bodyPr>
+          <a:lstStyle/>
+          <a:p>
+            <a:r>
+              <a:rPr lang="es-CL" sz="700" dirty="0" smtClean="0">
+                <a:latin typeface="Times New Roman" panose="02020603050405020304" pitchFamily="18" charset="0"/>
+                <a:cs typeface="Times New Roman" panose="02020603050405020304" pitchFamily="18" charset="0"/>
+              </a:rPr>
+              <a:t>Mean</a:t>
+            </a:r>
+            <a:r>
+              <a:rPr lang="es-CL" dirty="0" smtClean="0"/>
+              <a:t> </a:t>
+            </a:r>
+            <a:endParaRPr lang="en-GB" dirty="0"/>
+          </a:p>
+        </p:txBody>
+      </p:sp>
+      <p:sp>
+        <p:nvSpPr>
+          <p:cNvPr id="63" name="TextBox 62"/>
+          <p:cNvSpPr txBox="1"/>
+          <p:nvPr/>
+        </p:nvSpPr>
+        <p:spPr>
+          <a:xfrm>
+            <a:off x="441040" y="-56876"/>
+            <a:ext cx="1043710" cy="246221"/>
+          </a:xfrm>
+          <a:prstGeom prst="rect">
+            <a:avLst/>
+          </a:prstGeom>
+          <a:noFill/>
+        </p:spPr>
+        <p:txBody>
+          <a:bodyPr wrap="square" rtlCol="0">
+            <a:spAutoFit/>
+          </a:bodyPr>
+          <a:lstStyle/>
+          <a:p>
+            <a:r>
+              <a:rPr lang="en-GB" sz="1000" dirty="0" smtClean="0">
+                <a:latin typeface="Times New Roman" panose="02020603050405020304" pitchFamily="18" charset="0"/>
+                <a:cs typeface="Times New Roman" panose="02020603050405020304" pitchFamily="18" charset="0"/>
+              </a:rPr>
+              <a:t>Worker</a:t>
+            </a:r>
+            <a:endParaRPr lang="en-GB" sz="1000" dirty="0">
+              <a:latin typeface="Times New Roman" panose="02020603050405020304" pitchFamily="18" charset="0"/>
+              <a:cs typeface="Times New Roman" panose="02020603050405020304" pitchFamily="18" charset="0"/>
+            </a:endParaRPr>
+          </a:p>
+        </p:txBody>
+      </p:sp>
+      <p:sp>
+        <p:nvSpPr>
+          <p:cNvPr id="64" name="TextBox 63"/>
+          <p:cNvSpPr txBox="1"/>
+          <p:nvPr/>
+        </p:nvSpPr>
+        <p:spPr>
+          <a:xfrm>
+            <a:off x="1782620" y="-56876"/>
+            <a:ext cx="1136073" cy="246221"/>
+          </a:xfrm>
+          <a:prstGeom prst="rect">
+            <a:avLst/>
+          </a:prstGeom>
+          <a:noFill/>
+        </p:spPr>
+        <p:txBody>
+          <a:bodyPr wrap="square" rtlCol="0">
+            <a:spAutoFit/>
+          </a:bodyPr>
+          <a:lstStyle/>
+          <a:p>
+            <a:r>
+              <a:rPr lang="es-CL" sz="1000" dirty="0" smtClean="0">
+                <a:latin typeface="Times New Roman" panose="02020603050405020304" pitchFamily="18" charset="0"/>
+                <a:cs typeface="Times New Roman" panose="02020603050405020304" pitchFamily="18" charset="0"/>
+              </a:rPr>
+              <a:t>CEO</a:t>
+            </a:r>
+            <a:endParaRPr lang="en-GB" sz="1000" dirty="0">
+              <a:latin typeface="Times New Roman" panose="02020603050405020304" pitchFamily="18" charset="0"/>
+              <a:cs typeface="Times New Roman" panose="02020603050405020304" pitchFamily="18" charset="0"/>
+            </a:endParaRPr>
+          </a:p>
+        </p:txBody>
+      </p:sp>
+      <p:sp>
+        <p:nvSpPr>
+          <p:cNvPr id="71" name="TextBox 70"/>
+          <p:cNvSpPr txBox="1"/>
+          <p:nvPr/>
+        </p:nvSpPr>
+        <p:spPr>
+          <a:xfrm>
+            <a:off x="974445" y="3422905"/>
+            <a:ext cx="1336963" cy="200055"/>
+          </a:xfrm>
+          <a:prstGeom prst="rect">
+            <a:avLst/>
+          </a:prstGeom>
+          <a:noFill/>
+        </p:spPr>
+        <p:txBody>
+          <a:bodyPr wrap="square" rtlCol="0">
+            <a:spAutoFit/>
+          </a:bodyPr>
+          <a:lstStyle/>
+          <a:p>
+            <a:r>
+              <a:rPr lang="en-GB" sz="700" dirty="0" smtClean="0">
+                <a:latin typeface="Times New Roman" panose="02020603050405020304" pitchFamily="18" charset="0"/>
+                <a:cs typeface="Times New Roman" panose="02020603050405020304" pitchFamily="18" charset="0"/>
+              </a:rPr>
+              <a:t>Low-income</a:t>
+            </a:r>
+            <a:endParaRPr lang="en-GB" sz="700" dirty="0">
+              <a:latin typeface="Times New Roman" panose="02020603050405020304" pitchFamily="18" charset="0"/>
+              <a:cs typeface="Times New Roman" panose="02020603050405020304" pitchFamily="18" charset="0"/>
+            </a:endParaRPr>
+          </a:p>
+        </p:txBody>
+      </p:sp>
+      <p:sp>
+        <p:nvSpPr>
+          <p:cNvPr id="72" name="TextBox 71"/>
+          <p:cNvSpPr txBox="1"/>
+          <p:nvPr/>
+        </p:nvSpPr>
+        <p:spPr>
+          <a:xfrm>
+            <a:off x="3800764" y="3413675"/>
+            <a:ext cx="1336963" cy="200055"/>
+          </a:xfrm>
+          <a:prstGeom prst="rect">
+            <a:avLst/>
+          </a:prstGeom>
+          <a:noFill/>
+        </p:spPr>
+        <p:txBody>
+          <a:bodyPr wrap="square" rtlCol="0">
+            <a:spAutoFit/>
+          </a:bodyPr>
+          <a:lstStyle/>
+          <a:p>
+            <a:r>
+              <a:rPr lang="en-GB" sz="700" dirty="0" smtClean="0">
+                <a:latin typeface="Times New Roman" panose="02020603050405020304" pitchFamily="18" charset="0"/>
+                <a:cs typeface="Times New Roman" panose="02020603050405020304" pitchFamily="18" charset="0"/>
+              </a:rPr>
+              <a:t>High-income</a:t>
+            </a:r>
+            <a:endParaRPr lang="en-GB" sz="700" dirty="0">
+              <a:latin typeface="Times New Roman" panose="02020603050405020304" pitchFamily="18" charset="0"/>
+              <a:cs typeface="Times New Roman" panose="02020603050405020304" pitchFamily="18" charset="0"/>
+            </a:endParaRPr>
+          </a:p>
+        </p:txBody>
+      </p:sp>
+      <p:sp>
+        <p:nvSpPr>
+          <p:cNvPr id="73" name="TextBox 72"/>
+          <p:cNvSpPr txBox="1"/>
+          <p:nvPr/>
+        </p:nvSpPr>
+        <p:spPr>
+          <a:xfrm>
+            <a:off x="3068783" y="-58020"/>
+            <a:ext cx="1043710" cy="246221"/>
+          </a:xfrm>
+          <a:prstGeom prst="rect">
+            <a:avLst/>
+          </a:prstGeom>
+          <a:noFill/>
+        </p:spPr>
+        <p:txBody>
+          <a:bodyPr wrap="square" rtlCol="0">
+            <a:spAutoFit/>
+          </a:bodyPr>
+          <a:lstStyle/>
+          <a:p>
+            <a:r>
+              <a:rPr lang="en-GB" sz="1000" dirty="0" smtClean="0">
+                <a:latin typeface="Times New Roman" panose="02020603050405020304" pitchFamily="18" charset="0"/>
+                <a:cs typeface="Times New Roman" panose="02020603050405020304" pitchFamily="18" charset="0"/>
+              </a:rPr>
+              <a:t>Worker</a:t>
+            </a:r>
+            <a:endParaRPr lang="en-GB" sz="1000" dirty="0">
+              <a:latin typeface="Times New Roman" panose="02020603050405020304" pitchFamily="18" charset="0"/>
+              <a:cs typeface="Times New Roman" panose="02020603050405020304" pitchFamily="18" charset="0"/>
+            </a:endParaRPr>
+          </a:p>
+        </p:txBody>
+      </p:sp>
+      <p:sp>
+        <p:nvSpPr>
+          <p:cNvPr id="74" name="TextBox 73"/>
+          <p:cNvSpPr txBox="1"/>
+          <p:nvPr/>
+        </p:nvSpPr>
+        <p:spPr>
+          <a:xfrm>
+            <a:off x="4410363" y="-58020"/>
+            <a:ext cx="1136073" cy="246221"/>
+          </a:xfrm>
+          <a:prstGeom prst="rect">
+            <a:avLst/>
+          </a:prstGeom>
+          <a:noFill/>
+        </p:spPr>
+        <p:txBody>
+          <a:bodyPr wrap="square" rtlCol="0">
+            <a:spAutoFit/>
+          </a:bodyPr>
+          <a:lstStyle/>
+          <a:p>
+            <a:r>
+              <a:rPr lang="es-CL" sz="1000" dirty="0" smtClean="0">
+                <a:latin typeface="Times New Roman" panose="02020603050405020304" pitchFamily="18" charset="0"/>
+                <a:cs typeface="Times New Roman" panose="02020603050405020304" pitchFamily="18" charset="0"/>
+              </a:rPr>
+              <a:t>CEO</a:t>
+            </a:r>
+            <a:endParaRPr lang="en-GB" sz="1000" dirty="0">
+              <a:latin typeface="Times New Roman" panose="02020603050405020304" pitchFamily="18" charset="0"/>
+              <a:cs typeface="Times New Roman" panose="02020603050405020304" pitchFamily="18" charset="0"/>
+            </a:endParaRPr>
+          </a:p>
+        </p:txBody>
+      </p:sp>
+    </p:spTree>
+    <p:extLst>
+      <p:ext uri="{BB962C8B-B14F-4D97-AF65-F5344CB8AC3E}">
+        <p14:creationId xmlns:p14="http://schemas.microsoft.com/office/powerpoint/2010/main" val="147511291"/>
+      </p:ext>
+    </p:extLst>
+  </p:cSld>
+  <p:clrMapOvr>
+    <a:masterClrMapping/>
+  </p:clrMapOvr>
 </p:sld>
 </file>
 
@@ -5346,4 +9593,265 @@
     </a:ext>
   </a:extLst>
 </a:theme>
+</file>
+
+<file path=ppt/theme/theme2.xml><?xml version="1.0" encoding="utf-8"?>
+<a:theme xmlns:a="http://schemas.openxmlformats.org/drawingml/2006/main" name="Office Theme">
+  <a:themeElements>
+    <a:clrScheme name="Office">
+      <a:dk1>
+        <a:sysClr val="windowText" lastClr="000000"/>
+      </a:dk1>
+      <a:lt1>
+        <a:sysClr val="window" lastClr="FFFFFF"/>
+      </a:lt1>
+      <a:dk2>
+        <a:srgbClr val="44546A"/>
+      </a:dk2>
+      <a:lt2>
+        <a:srgbClr val="E7E6E6"/>
+      </a:lt2>
+      <a:accent1>
+        <a:srgbClr val="5B9BD5"/>
+      </a:accent1>
+      <a:accent2>
+        <a:srgbClr val="ED7D31"/>
+      </a:accent2>
+      <a:accent3>
+        <a:srgbClr val="A5A5A5"/>
+      </a:accent3>
+      <a:accent4>
+        <a:srgbClr val="FFC000"/>
+      </a:accent4>
+      <a:accent5>
+        <a:srgbClr val="4472C4"/>
+      </a:accent5>
+      <a:accent6>
+        <a:srgbClr val="70AD47"/>
+      </a:accent6>
+      <a:hlink>
+        <a:srgbClr val="0563C1"/>
+      </a:hlink>
+      <a:folHlink>
+        <a:srgbClr val="954F72"/>
+      </a:folHlink>
+    </a:clrScheme>
+    <a:fontScheme name="Office">
+      <a:majorFont>
+        <a:latin typeface="Calibri Light" panose="020F0302020204030204"/>
+        <a:ea typeface=""/>
+        <a:cs typeface=""/>
+        <a:font script="Jpan" typeface="ＭＳ Ｐゴシック"/>
+        <a:font script="Hang" typeface="맑은 고딕"/>
+        <a:font script="Hans" typeface="宋体"/>
+        <a:font script="Hant" typeface="新細明體"/>
+        <a:font script="Arab" typeface="Times New Roman"/>
+        <a:font script="Hebr" typeface="Times New Roman"/>
+        <a:font script="Thai" typeface="Angsana New"/>
+        <a:font script="Ethi" typeface="Nyala"/>
+        <a:font script="Beng" typeface="Vrinda"/>
+        <a:font script="Gujr" typeface="Shruti"/>
+        <a:font script="Khmr" typeface="MoolBoran"/>
+        <a:font script="Knda" typeface="Tunga"/>
+        <a:font script="Guru" typeface="Raavi"/>
+        <a:font script="Cans" typeface="Euphemia"/>
+        <a:font script="Cher" typeface="Plantagenet Cherokee"/>
+        <a:font script="Yiii" typeface="Microsoft Yi Baiti"/>
+        <a:font script="Tibt" typeface="Microsoft Himalaya"/>
+        <a:font script="Thaa" typeface="MV Boli"/>
+        <a:font script="Deva" typeface="Mangal"/>
+        <a:font script="Telu" typeface="Gautami"/>
+        <a:font script="Taml" typeface="Latha"/>
+        <a:font script="Syrc" typeface="Estrangelo Edessa"/>
+        <a:font script="Orya" typeface="Kalinga"/>
+        <a:font script="Mlym" typeface="Kartika"/>
+        <a:font script="Laoo" typeface="DokChampa"/>
+        <a:font script="Sinh" typeface="Iskoola Pota"/>
+        <a:font script="Mong" typeface="Mongolian Baiti"/>
+        <a:font script="Viet" typeface="Times New Roman"/>
+        <a:font script="Uigh" typeface="Microsoft Uighur"/>
+        <a:font script="Geor" typeface="Sylfaen"/>
+      </a:majorFont>
+      <a:minorFont>
+        <a:latin typeface="Calibri" panose="020F0502020204030204"/>
+        <a:ea typeface=""/>
+        <a:cs typeface=""/>
+        <a:font script="Jpan" typeface="ＭＳ Ｐゴシック"/>
+        <a:font script="Hang" typeface="맑은 고딕"/>
+        <a:font script="Hans" typeface="宋体"/>
+        <a:font script="Hant" typeface="新細明體"/>
+        <a:font script="Arab" typeface="Arial"/>
+        <a:font script="Hebr" typeface="Arial"/>
+        <a:font script="Thai" typeface="Cordia New"/>
+        <a:font script="Ethi" typeface="Nyala"/>
+        <a:font script="Beng" typeface="Vrinda"/>
+        <a:font script="Gujr" typeface="Shruti"/>
+        <a:font script="Khmr" typeface="DaunPenh"/>
+        <a:font script="Knda" typeface="Tunga"/>
+        <a:font script="Guru" typeface="Raavi"/>
+        <a:font script="Cans" typeface="Euphemia"/>
+        <a:font script="Cher" typeface="Plantagenet Cherokee"/>
+        <a:font script="Yiii" typeface="Microsoft Yi Baiti"/>
+        <a:font script="Tibt" typeface="Microsoft Himalaya"/>
+        <a:font script="Thaa" typeface="MV Boli"/>
+        <a:font script="Deva" typeface="Mangal"/>
+        <a:font script="Telu" typeface="Gautami"/>
+        <a:font script="Taml" typeface="Latha"/>
+        <a:font script="Syrc" typeface="Estrangelo Edessa"/>
+        <a:font script="Orya" typeface="Kalinga"/>
+        <a:font script="Mlym" typeface="Kartika"/>
+        <a:font script="Laoo" typeface="DokChampa"/>
+        <a:font script="Sinh" typeface="Iskoola Pota"/>
+        <a:font script="Mong" typeface="Mongolian Baiti"/>
+        <a:font script="Viet" typeface="Arial"/>
+        <a:font script="Uigh" typeface="Microsoft Uighur"/>
+        <a:font script="Geor" typeface="Sylfaen"/>
+      </a:minorFont>
+    </a:fontScheme>
+    <a:fmtScheme name="Office">
+      <a:fillStyleLst>
+        <a:solidFill>
+          <a:schemeClr val="phClr"/>
+        </a:solidFill>
+        <a:gradFill rotWithShape="1">
+          <a:gsLst>
+            <a:gs pos="0">
+              <a:schemeClr val="phClr">
+                <a:lumMod val="110000"/>
+                <a:satMod val="105000"/>
+                <a:tint val="67000"/>
+              </a:schemeClr>
+            </a:gs>
+            <a:gs pos="50000">
+              <a:schemeClr val="phClr">
+                <a:lumMod val="105000"/>
+                <a:satMod val="103000"/>
+                <a:tint val="73000"/>
+              </a:schemeClr>
+            </a:gs>
+            <a:gs pos="100000">
+              <a:schemeClr val="phClr">
+                <a:lumMod val="105000"/>
+                <a:satMod val="109000"/>
+                <a:tint val="81000"/>
+              </a:schemeClr>
+            </a:gs>
+          </a:gsLst>
+          <a:lin ang="5400000" scaled="0"/>
+        </a:gradFill>
+        <a:gradFill rotWithShape="1">
+          <a:gsLst>
+            <a:gs pos="0">
+              <a:schemeClr val="phClr">
+                <a:satMod val="103000"/>
+                <a:lumMod val="102000"/>
+                <a:tint val="94000"/>
+              </a:schemeClr>
+            </a:gs>
+            <a:gs pos="50000">
+              <a:schemeClr val="phClr">
+                <a:satMod val="110000"/>
+                <a:lumMod val="100000"/>
+                <a:shade val="100000"/>
+              </a:schemeClr>
+            </a:gs>
+            <a:gs pos="100000">
+              <a:schemeClr val="phClr">
+                <a:lumMod val="99000"/>
+                <a:satMod val="120000"/>
+                <a:shade val="78000"/>
+              </a:schemeClr>
+            </a:gs>
+          </a:gsLst>
+          <a:lin ang="5400000" scaled="0"/>
+        </a:gradFill>
+      </a:fillStyleLst>
+      <a:lnStyleLst>
+        <a:ln w="6350" cap="flat" cmpd="sng" algn="ctr">
+          <a:solidFill>
+            <a:schemeClr val="phClr"/>
+          </a:solidFill>
+          <a:prstDash val="solid"/>
+          <a:miter lim="800000"/>
+        </a:ln>
+        <a:ln w="12700" cap="flat" cmpd="sng" algn="ctr">
+          <a:solidFill>
+            <a:schemeClr val="phClr"/>
+          </a:solidFill>
+          <a:prstDash val="solid"/>
+          <a:miter lim="800000"/>
+        </a:ln>
+        <a:ln w="19050" cap="flat" cmpd="sng" algn="ctr">
+          <a:solidFill>
+            <a:schemeClr val="phClr"/>
+          </a:solidFill>
+          <a:prstDash val="solid"/>
+          <a:miter lim="800000"/>
+        </a:ln>
+      </a:lnStyleLst>
+      <a:effectStyleLst>
+        <a:effectStyle>
+          <a:effectLst/>
+        </a:effectStyle>
+        <a:effectStyle>
+          <a:effectLst/>
+        </a:effectStyle>
+        <a:effectStyle>
+          <a:effectLst>
+            <a:outerShdw blurRad="57150" dist="19050" dir="5400000" algn="ctr" rotWithShape="0">
+              <a:srgbClr val="000000">
+                <a:alpha val="63000"/>
+              </a:srgbClr>
+            </a:outerShdw>
+          </a:effectLst>
+        </a:effectStyle>
+      </a:effectStyleLst>
+      <a:bgFillStyleLst>
+        <a:solidFill>
+          <a:schemeClr val="phClr"/>
+        </a:solidFill>
+        <a:solidFill>
+          <a:schemeClr val="phClr">
+            <a:tint val="95000"/>
+            <a:satMod val="170000"/>
+          </a:schemeClr>
+        </a:solidFill>
+        <a:gradFill rotWithShape="1">
+          <a:gsLst>
+            <a:gs pos="0">
+              <a:schemeClr val="phClr">
+                <a:tint val="93000"/>
+                <a:satMod val="150000"/>
+                <a:shade val="98000"/>
+                <a:lumMod val="102000"/>
+              </a:schemeClr>
+            </a:gs>
+            <a:gs pos="50000">
+              <a:schemeClr val="phClr">
+                <a:tint val="98000"/>
+                <a:satMod val="130000"/>
+                <a:shade val="90000"/>
+                <a:lumMod val="103000"/>
+              </a:schemeClr>
+            </a:gs>
+            <a:gs pos="100000">
+              <a:schemeClr val="phClr">
+                <a:shade val="63000"/>
+                <a:satMod val="120000"/>
+              </a:schemeClr>
+            </a:gs>
+          </a:gsLst>
+          <a:lin ang="5400000" scaled="0"/>
+        </a:gradFill>
+      </a:bgFillStyleLst>
+    </a:fmtScheme>
+  </a:themeElements>
+  <a:objectDefaults/>
+  <a:extraClrSchemeLst/>
+  <a:extLst>
+    <a:ext uri="{05A4C25C-085E-4340-85A3-A5531E510DB2}">
+      <thm15:themeFamily xmlns:thm15="http://schemas.microsoft.com/office/thememl/2012/main" name="Office Theme" id="{62F939B6-93AF-4DB8-9C6B-D6C7DFDC589F}" vid="{4A3C46E8-61CC-4603-A589-7422A47A8E4A}"/>
+    </a:ext>
+  </a:extLst>
+</a:theme>
 </file>
--- a/proposal-workshop/images/scheme.pptx
+++ b/proposal-workshop/images/scheme.pptx
@@ -5,7 +5,7 @@
     <p:sldMasterId id="2147483768" r:id="rId1"/>
   </p:sldMasterIdLst>
   <p:notesMasterIdLst>
-    <p:notesMasterId r:id="rId8"/>
+    <p:notesMasterId r:id="rId9"/>
   </p:notesMasterIdLst>
   <p:sldIdLst>
     <p:sldId id="257" r:id="rId2"/>
@@ -14,6 +14,7 @@
     <p:sldId id="260" r:id="rId5"/>
     <p:sldId id="261" r:id="rId6"/>
     <p:sldId id="262" r:id="rId7"/>
+    <p:sldId id="263" r:id="rId8"/>
   </p:sldIdLst>
   <p:sldSz cx="5400675" cy="3600450"/>
   <p:notesSz cx="6858000" cy="9144000"/>
@@ -202,7 +203,7 @@
           <a:p>
             <a:fld id="{98DB4DC7-1920-4675-8E83-442C7712BA7E}" type="datetimeFigureOut">
               <a:rPr lang="en-GB" smtClean="0"/>
-              <a:t>18/01/2023</a:t>
+              <a:t>23/01/2023</a:t>
             </a:fld>
             <a:endParaRPr lang="en-GB"/>
           </a:p>
@@ -769,7 +770,7 @@
           <a:p>
             <a:fld id="{7C809603-0A2B-4FAA-8CCA-C215CBD5387F}" type="datetimeFigureOut">
               <a:rPr lang="en-US" smtClean="0"/>
-              <a:t>1/18/2023</a:t>
+              <a:t>1/23/2023</a:t>
             </a:fld>
             <a:endParaRPr lang="en-US"/>
           </a:p>
@@ -939,7 +940,7 @@
           <a:p>
             <a:fld id="{7C809603-0A2B-4FAA-8CCA-C215CBD5387F}" type="datetimeFigureOut">
               <a:rPr lang="en-US" smtClean="0"/>
-              <a:t>1/18/2023</a:t>
+              <a:t>1/23/2023</a:t>
             </a:fld>
             <a:endParaRPr lang="en-US"/>
           </a:p>
@@ -1119,7 +1120,7 @@
           <a:p>
             <a:fld id="{7C809603-0A2B-4FAA-8CCA-C215CBD5387F}" type="datetimeFigureOut">
               <a:rPr lang="en-US" smtClean="0"/>
-              <a:t>1/18/2023</a:t>
+              <a:t>1/23/2023</a:t>
             </a:fld>
             <a:endParaRPr lang="en-US"/>
           </a:p>
@@ -1289,7 +1290,7 @@
           <a:p>
             <a:fld id="{7C809603-0A2B-4FAA-8CCA-C215CBD5387F}" type="datetimeFigureOut">
               <a:rPr lang="en-US" smtClean="0"/>
-              <a:t>1/18/2023</a:t>
+              <a:t>1/23/2023</a:t>
             </a:fld>
             <a:endParaRPr lang="en-US"/>
           </a:p>
@@ -1533,7 +1534,7 @@
           <a:p>
             <a:fld id="{7C809603-0A2B-4FAA-8CCA-C215CBD5387F}" type="datetimeFigureOut">
               <a:rPr lang="en-US" smtClean="0"/>
-              <a:t>1/18/2023</a:t>
+              <a:t>1/23/2023</a:t>
             </a:fld>
             <a:endParaRPr lang="en-US"/>
           </a:p>
@@ -1765,7 +1766,7 @@
           <a:p>
             <a:fld id="{7C809603-0A2B-4FAA-8CCA-C215CBD5387F}" type="datetimeFigureOut">
               <a:rPr lang="en-US" smtClean="0"/>
-              <a:t>1/18/2023</a:t>
+              <a:t>1/23/2023</a:t>
             </a:fld>
             <a:endParaRPr lang="en-US"/>
           </a:p>
@@ -2132,7 +2133,7 @@
           <a:p>
             <a:fld id="{7C809603-0A2B-4FAA-8CCA-C215CBD5387F}" type="datetimeFigureOut">
               <a:rPr lang="en-US" smtClean="0"/>
-              <a:t>1/18/2023</a:t>
+              <a:t>1/23/2023</a:t>
             </a:fld>
             <a:endParaRPr lang="en-US"/>
           </a:p>
@@ -2250,7 +2251,7 @@
           <a:p>
             <a:fld id="{7C809603-0A2B-4FAA-8CCA-C215CBD5387F}" type="datetimeFigureOut">
               <a:rPr lang="en-US" smtClean="0"/>
-              <a:t>1/18/2023</a:t>
+              <a:t>1/23/2023</a:t>
             </a:fld>
             <a:endParaRPr lang="en-US"/>
           </a:p>
@@ -2345,7 +2346,7 @@
           <a:p>
             <a:fld id="{7C809603-0A2B-4FAA-8CCA-C215CBD5387F}" type="datetimeFigureOut">
               <a:rPr lang="en-US" smtClean="0"/>
-              <a:t>1/18/2023</a:t>
+              <a:t>1/23/2023</a:t>
             </a:fld>
             <a:endParaRPr lang="en-US"/>
           </a:p>
@@ -2622,7 +2623,7 @@
           <a:p>
             <a:fld id="{7C809603-0A2B-4FAA-8CCA-C215CBD5387F}" type="datetimeFigureOut">
               <a:rPr lang="en-US" smtClean="0"/>
-              <a:t>1/18/2023</a:t>
+              <a:t>1/23/2023</a:t>
             </a:fld>
             <a:endParaRPr lang="en-US"/>
           </a:p>
@@ -2879,7 +2880,7 @@
           <a:p>
             <a:fld id="{7C809603-0A2B-4FAA-8CCA-C215CBD5387F}" type="datetimeFigureOut">
               <a:rPr lang="en-US" smtClean="0"/>
-              <a:t>1/18/2023</a:t>
+              <a:t>1/23/2023</a:t>
             </a:fld>
             <a:endParaRPr lang="en-US"/>
           </a:p>
@@ -3092,7 +3093,7 @@
           <a:p>
             <a:fld id="{7C809603-0A2B-4FAA-8CCA-C215CBD5387F}" type="datetimeFigureOut">
               <a:rPr lang="en-US" smtClean="0"/>
-              <a:t>1/18/2023</a:t>
+              <a:t>1/23/2023</a:t>
             </a:fld>
             <a:endParaRPr lang="en-US"/>
           </a:p>
@@ -7130,14 +7131,7 @@
                 <a:latin typeface="Times New Roman" panose="02020603050405020304" pitchFamily="18" charset="0"/>
                 <a:cs typeface="Times New Roman" panose="02020603050405020304" pitchFamily="18" charset="0"/>
               </a:rPr>
-              <a:t> (</a:t>
-            </a:r>
-            <a:r>
-              <a:rPr lang="es-CL" sz="700" dirty="0" smtClean="0">
-                <a:latin typeface="Times New Roman" panose="02020603050405020304" pitchFamily="18" charset="0"/>
-                <a:cs typeface="Times New Roman" panose="02020603050405020304" pitchFamily="18" charset="0"/>
-              </a:rPr>
-              <a:t>time)</a:t>
+              <a:t> (time)</a:t>
             </a:r>
             <a:endParaRPr lang="en-US" sz="700" dirty="0">
               <a:latin typeface="Times New Roman" panose="02020603050405020304" pitchFamily="18" charset="0"/>
@@ -9331,6 +9325,955 @@
   <p:clrMapOvr>
     <a:masterClrMapping/>
   </p:clrMapOvr>
+  <p:timing>
+    <p:tnLst>
+      <p:par>
+        <p:cTn id="1" dur="indefinite" restart="never" nodeType="tmRoot"/>
+      </p:par>
+    </p:tnLst>
+  </p:timing>
+</p:sld>
+</file>
+
+<file path=ppt/slides/slide7.xml><?xml version="1.0" encoding="utf-8"?>
+<p:sld xmlns:a="http://schemas.openxmlformats.org/drawingml/2006/main" xmlns:r="http://schemas.openxmlformats.org/officeDocument/2006/relationships" xmlns:p="http://schemas.openxmlformats.org/presentationml/2006/main">
+  <p:cSld>
+    <p:spTree>
+      <p:nvGrpSpPr>
+        <p:cNvPr id="1" name=""/>
+        <p:cNvGrpSpPr/>
+        <p:nvPr/>
+      </p:nvGrpSpPr>
+      <p:grpSpPr>
+        <a:xfrm>
+          <a:off x="0" y="0"/>
+          <a:ext cx="0" cy="0"/>
+          <a:chOff x="0" y="0"/>
+          <a:chExt cx="0" cy="0"/>
+        </a:xfrm>
+      </p:grpSpPr>
+      <p:sp>
+        <p:nvSpPr>
+          <p:cNvPr id="4" name="Rectángulo 3"/>
+          <p:cNvSpPr/>
+          <p:nvPr/>
+        </p:nvSpPr>
+        <p:spPr>
+          <a:xfrm>
+            <a:off x="769526" y="2084156"/>
+            <a:ext cx="903558" cy="315211"/>
+          </a:xfrm>
+          <a:prstGeom prst="rect">
+            <a:avLst/>
+          </a:prstGeom>
+        </p:spPr>
+        <p:style>
+          <a:lnRef idx="2">
+            <a:schemeClr val="dk1"/>
+          </a:lnRef>
+          <a:fillRef idx="1">
+            <a:schemeClr val="lt1"/>
+          </a:fillRef>
+          <a:effectRef idx="0">
+            <a:schemeClr val="dk1"/>
+          </a:effectRef>
+          <a:fontRef idx="minor">
+            <a:schemeClr val="dk1"/>
+          </a:fontRef>
+        </p:style>
+        <p:txBody>
+          <a:bodyPr rot="0" spcFirstLastPara="0" vertOverflow="overflow" horzOverflow="overflow" vert="horz" wrap="square" lIns="58852" tIns="29427" rIns="58852" bIns="29427" numCol="1" spcCol="0" rtlCol="0" fromWordArt="0" anchor="ctr" anchorCtr="0" forceAA="0" compatLnSpc="1">
+            <a:prstTxWarp prst="textNoShape">
+              <a:avLst/>
+            </a:prstTxWarp>
+            <a:noAutofit/>
+          </a:bodyPr>
+          <a:lstStyle/>
+          <a:p>
+            <a:pPr algn="ctr"/>
+            <a:r>
+              <a:rPr lang="en-GB" sz="800" dirty="0" smtClean="0">
+                <a:latin typeface="Times New Roman" panose="02020603050405020304" pitchFamily="18" charset="0"/>
+                <a:cs typeface="Times New Roman" panose="02020603050405020304" pitchFamily="18" charset="0"/>
+              </a:rPr>
+              <a:t>Upward</a:t>
+            </a:r>
+            <a:r>
+              <a:rPr lang="es-CL" sz="800" dirty="0" smtClean="0">
+                <a:latin typeface="Times New Roman" panose="02020603050405020304" pitchFamily="18" charset="0"/>
+                <a:cs typeface="Times New Roman" panose="02020603050405020304" pitchFamily="18" charset="0"/>
+              </a:rPr>
+              <a:t> </a:t>
+            </a:r>
+            <a:r>
+              <a:rPr lang="es-CL" sz="800" dirty="0" smtClean="0">
+                <a:latin typeface="Times New Roman" panose="02020603050405020304" pitchFamily="18" charset="0"/>
+                <a:cs typeface="Times New Roman" panose="02020603050405020304" pitchFamily="18" charset="0"/>
+              </a:rPr>
+              <a:t>Social </a:t>
+            </a:r>
+            <a:endParaRPr lang="es-CL" sz="800" dirty="0" smtClean="0">
+              <a:latin typeface="Times New Roman" panose="02020603050405020304" pitchFamily="18" charset="0"/>
+              <a:cs typeface="Times New Roman" panose="02020603050405020304" pitchFamily="18" charset="0"/>
+            </a:endParaRPr>
+          </a:p>
+          <a:p>
+            <a:pPr algn="ctr"/>
+            <a:r>
+              <a:rPr lang="en-GB" sz="800" dirty="0" smtClean="0">
+                <a:latin typeface="Times New Roman" panose="02020603050405020304" pitchFamily="18" charset="0"/>
+                <a:cs typeface="Times New Roman" panose="02020603050405020304" pitchFamily="18" charset="0"/>
+              </a:rPr>
+              <a:t>Comparison</a:t>
+            </a:r>
+            <a:endParaRPr lang="en-GB" sz="800" dirty="0">
+              <a:latin typeface="Times New Roman" panose="02020603050405020304" pitchFamily="18" charset="0"/>
+              <a:cs typeface="Times New Roman" panose="02020603050405020304" pitchFamily="18" charset="0"/>
+            </a:endParaRPr>
+          </a:p>
+        </p:txBody>
+      </p:sp>
+      <p:cxnSp>
+        <p:nvCxnSpPr>
+          <p:cNvPr id="18" name="Conector recto de flecha 11"/>
+          <p:cNvCxnSpPr>
+            <a:cxnSpLocks/>
+            <a:stCxn id="4" idx="3"/>
+            <a:endCxn id="10" idx="1"/>
+          </p:cNvCxnSpPr>
+          <p:nvPr/>
+        </p:nvCxnSpPr>
+        <p:spPr>
+          <a:xfrm>
+            <a:off x="1673084" y="2241762"/>
+            <a:ext cx="677398" cy="350467"/>
+          </a:xfrm>
+          <a:prstGeom prst="straightConnector1">
+            <a:avLst/>
+          </a:prstGeom>
+          <a:ln w="12700">
+            <a:solidFill>
+              <a:schemeClr val="tx1"/>
+            </a:solidFill>
+            <a:prstDash val="sysDot"/>
+            <a:tailEnd type="triangle"/>
+          </a:ln>
+        </p:spPr>
+        <p:style>
+          <a:lnRef idx="3">
+            <a:schemeClr val="dk1"/>
+          </a:lnRef>
+          <a:fillRef idx="0">
+            <a:schemeClr val="dk1"/>
+          </a:fillRef>
+          <a:effectRef idx="2">
+            <a:schemeClr val="dk1"/>
+          </a:effectRef>
+          <a:fontRef idx="minor">
+            <a:schemeClr val="tx1"/>
+          </a:fontRef>
+        </p:style>
+      </p:cxnSp>
+      <p:sp>
+        <p:nvSpPr>
+          <p:cNvPr id="10" name="Rectángulo 3">
+            <a:extLst>
+              <a:ext uri="{FF2B5EF4-FFF2-40B4-BE49-F238E27FC236}">
+                <a16:creationId xmlns:a16="http://schemas.microsoft.com/office/drawing/2014/main" xmlns="" id="{70261B79-5D89-227D-9429-3BF0A8DD0692}"/>
+              </a:ext>
+            </a:extLst>
+          </p:cNvPr>
+          <p:cNvSpPr/>
+          <p:nvPr/>
+        </p:nvSpPr>
+        <p:spPr>
+          <a:xfrm>
+            <a:off x="2350482" y="2434623"/>
+            <a:ext cx="903558" cy="315211"/>
+          </a:xfrm>
+          <a:prstGeom prst="rect">
+            <a:avLst/>
+          </a:prstGeom>
+        </p:spPr>
+        <p:style>
+          <a:lnRef idx="2">
+            <a:schemeClr val="dk1"/>
+          </a:lnRef>
+          <a:fillRef idx="1">
+            <a:schemeClr val="lt1"/>
+          </a:fillRef>
+          <a:effectRef idx="0">
+            <a:schemeClr val="dk1"/>
+          </a:effectRef>
+          <a:fontRef idx="minor">
+            <a:schemeClr val="dk1"/>
+          </a:fontRef>
+        </p:style>
+        <p:txBody>
+          <a:bodyPr rot="0" spcFirstLastPara="0" vertOverflow="overflow" horzOverflow="overflow" vert="horz" wrap="square" lIns="58852" tIns="29427" rIns="58852" bIns="29427" numCol="1" spcCol="0" rtlCol="0" fromWordArt="0" anchor="ctr" anchorCtr="0" forceAA="0" compatLnSpc="1">
+            <a:prstTxWarp prst="textNoShape">
+              <a:avLst/>
+            </a:prstTxWarp>
+            <a:noAutofit/>
+          </a:bodyPr>
+          <a:lstStyle/>
+          <a:p>
+            <a:pPr algn="ctr"/>
+            <a:r>
+              <a:rPr lang="es-CL" sz="800" dirty="0">
+                <a:latin typeface="Times New Roman" panose="02020603050405020304" pitchFamily="18" charset="0"/>
+                <a:cs typeface="Times New Roman" panose="02020603050405020304" pitchFamily="18" charset="0"/>
+              </a:rPr>
+              <a:t>Subjective </a:t>
+            </a:r>
+          </a:p>
+          <a:p>
+            <a:pPr algn="ctr"/>
+            <a:r>
+              <a:rPr lang="es-CL" sz="800" dirty="0">
+                <a:latin typeface="Times New Roman" panose="02020603050405020304" pitchFamily="18" charset="0"/>
+                <a:cs typeface="Times New Roman" panose="02020603050405020304" pitchFamily="18" charset="0"/>
+              </a:rPr>
+              <a:t>Social Status</a:t>
+            </a:r>
+          </a:p>
+        </p:txBody>
+      </p:sp>
+      <p:sp>
+        <p:nvSpPr>
+          <p:cNvPr id="68" name="Rectángulo 3">
+            <a:extLst>
+              <a:ext uri="{FF2B5EF4-FFF2-40B4-BE49-F238E27FC236}">
+                <a16:creationId xmlns:a16="http://schemas.microsoft.com/office/drawing/2014/main" xmlns="" id="{E31A5746-F1A5-5630-3C80-8673A03BD393}"/>
+              </a:ext>
+            </a:extLst>
+          </p:cNvPr>
+          <p:cNvSpPr/>
+          <p:nvPr/>
+        </p:nvSpPr>
+        <p:spPr>
+          <a:xfrm>
+            <a:off x="769525" y="588839"/>
+            <a:ext cx="903559" cy="298425"/>
+          </a:xfrm>
+          <a:prstGeom prst="rect">
+            <a:avLst/>
+          </a:prstGeom>
+        </p:spPr>
+        <p:style>
+          <a:lnRef idx="2">
+            <a:schemeClr val="dk1"/>
+          </a:lnRef>
+          <a:fillRef idx="1">
+            <a:schemeClr val="lt1"/>
+          </a:fillRef>
+          <a:effectRef idx="0">
+            <a:schemeClr val="dk1"/>
+          </a:effectRef>
+          <a:fontRef idx="minor">
+            <a:schemeClr val="dk1"/>
+          </a:fontRef>
+        </p:style>
+        <p:txBody>
+          <a:bodyPr rot="0" spcFirstLastPara="0" vertOverflow="overflow" horzOverflow="overflow" vert="horz" wrap="square" lIns="58852" tIns="29427" rIns="58852" bIns="29427" numCol="1" spcCol="0" rtlCol="0" fromWordArt="0" anchor="ctr" anchorCtr="0" forceAA="0" compatLnSpc="1">
+            <a:prstTxWarp prst="textNoShape">
+              <a:avLst/>
+            </a:prstTxWarp>
+            <a:noAutofit/>
+          </a:bodyPr>
+          <a:lstStyle/>
+          <a:p>
+            <a:pPr algn="ctr"/>
+            <a:r>
+              <a:rPr lang="en-GB" sz="800" dirty="0">
+                <a:latin typeface="Times New Roman" panose="02020603050405020304" pitchFamily="18" charset="0"/>
+                <a:cs typeface="Times New Roman" panose="02020603050405020304" pitchFamily="18" charset="0"/>
+              </a:rPr>
+              <a:t>Income</a:t>
+            </a:r>
+            <a:r>
+              <a:rPr lang="es-CL" sz="800" dirty="0">
+                <a:latin typeface="Times New Roman" panose="02020603050405020304" pitchFamily="18" charset="0"/>
+                <a:cs typeface="Times New Roman" panose="02020603050405020304" pitchFamily="18" charset="0"/>
+              </a:rPr>
+              <a:t> </a:t>
+            </a:r>
+          </a:p>
+          <a:p>
+            <a:pPr algn="ctr"/>
+            <a:r>
+              <a:rPr lang="en-GB" sz="800" dirty="0">
+                <a:latin typeface="Times New Roman" panose="02020603050405020304" pitchFamily="18" charset="0"/>
+                <a:cs typeface="Times New Roman" panose="02020603050405020304" pitchFamily="18" charset="0"/>
+              </a:rPr>
+              <a:t>Inequality</a:t>
+            </a:r>
+          </a:p>
+        </p:txBody>
+      </p:sp>
+      <p:sp>
+        <p:nvSpPr>
+          <p:cNvPr id="73" name="Rectángulo 3">
+            <a:extLst>
+              <a:ext uri="{FF2B5EF4-FFF2-40B4-BE49-F238E27FC236}">
+                <a16:creationId xmlns:a16="http://schemas.microsoft.com/office/drawing/2014/main" xmlns="" id="{45F24945-A4EB-D27D-DEE6-909F68D05586}"/>
+              </a:ext>
+            </a:extLst>
+          </p:cNvPr>
+          <p:cNvSpPr/>
+          <p:nvPr/>
+        </p:nvSpPr>
+        <p:spPr>
+          <a:xfrm>
+            <a:off x="52128" y="40316"/>
+            <a:ext cx="5267430" cy="3159641"/>
+          </a:xfrm>
+          <a:prstGeom prst="rect">
+            <a:avLst/>
+          </a:prstGeom>
+          <a:noFill/>
+          <a:ln w="9525" cap="flat" cmpd="sng" algn="ctr">
+            <a:solidFill>
+              <a:schemeClr val="dk1"/>
+            </a:solidFill>
+            <a:prstDash val="solid"/>
+            <a:round/>
+            <a:headEnd type="none" w="med" len="med"/>
+            <a:tailEnd type="none" w="med" len="med"/>
+          </a:ln>
+        </p:spPr>
+        <p:style>
+          <a:lnRef idx="0">
+            <a:scrgbClr r="0" g="0" b="0"/>
+          </a:lnRef>
+          <a:fillRef idx="0">
+            <a:scrgbClr r="0" g="0" b="0"/>
+          </a:fillRef>
+          <a:effectRef idx="0">
+            <a:scrgbClr r="0" g="0" b="0"/>
+          </a:effectRef>
+          <a:fontRef idx="minor">
+            <a:schemeClr val="dk1"/>
+          </a:fontRef>
+        </p:style>
+        <p:txBody>
+          <a:bodyPr rot="0" spcFirstLastPara="0" vertOverflow="overflow" horzOverflow="overflow" vert="horz" wrap="square" lIns="58852" tIns="29427" rIns="58852" bIns="29427" numCol="1" spcCol="0" rtlCol="0" fromWordArt="0" anchor="ctr" anchorCtr="0" forceAA="0" compatLnSpc="1">
+            <a:prstTxWarp prst="textNoShape">
+              <a:avLst/>
+            </a:prstTxWarp>
+            <a:noAutofit/>
+          </a:bodyPr>
+          <a:lstStyle/>
+          <a:p>
+            <a:pPr algn="ctr"/>
+            <a:endParaRPr lang="es-CL" sz="800" dirty="0">
+              <a:latin typeface="Times New Roman" panose="02020603050405020304" pitchFamily="18" charset="0"/>
+              <a:cs typeface="Times New Roman" panose="02020603050405020304" pitchFamily="18" charset="0"/>
+            </a:endParaRPr>
+          </a:p>
+        </p:txBody>
+      </p:sp>
+      <p:sp>
+        <p:nvSpPr>
+          <p:cNvPr id="30" name="Rectángulo 3">
+            <a:extLst>
+              <a:ext uri="{FF2B5EF4-FFF2-40B4-BE49-F238E27FC236}">
+                <a16:creationId xmlns:a16="http://schemas.microsoft.com/office/drawing/2014/main" xmlns="" id="{70261B79-5D89-227D-9429-3BF0A8DD0692}"/>
+              </a:ext>
+            </a:extLst>
+          </p:cNvPr>
+          <p:cNvSpPr/>
+          <p:nvPr/>
+        </p:nvSpPr>
+        <p:spPr>
+          <a:xfrm>
+            <a:off x="3966420" y="2091280"/>
+            <a:ext cx="903558" cy="315211"/>
+          </a:xfrm>
+          <a:prstGeom prst="rect">
+            <a:avLst/>
+          </a:prstGeom>
+        </p:spPr>
+        <p:style>
+          <a:lnRef idx="2">
+            <a:schemeClr val="dk1"/>
+          </a:lnRef>
+          <a:fillRef idx="1">
+            <a:schemeClr val="lt1"/>
+          </a:fillRef>
+          <a:effectRef idx="0">
+            <a:schemeClr val="dk1"/>
+          </a:effectRef>
+          <a:fontRef idx="minor">
+            <a:schemeClr val="dk1"/>
+          </a:fontRef>
+        </p:style>
+        <p:txBody>
+          <a:bodyPr rot="0" spcFirstLastPara="0" vertOverflow="overflow" horzOverflow="overflow" vert="horz" wrap="square" lIns="58852" tIns="29427" rIns="58852" bIns="29427" numCol="1" spcCol="0" rtlCol="0" fromWordArt="0" anchor="ctr" anchorCtr="0" forceAA="0" compatLnSpc="1">
+            <a:prstTxWarp prst="textNoShape">
+              <a:avLst/>
+            </a:prstTxWarp>
+            <a:noAutofit/>
+          </a:bodyPr>
+          <a:lstStyle/>
+          <a:p>
+            <a:pPr algn="ctr"/>
+            <a:r>
+              <a:rPr lang="en-GB" sz="800" dirty="0" smtClean="0">
+                <a:latin typeface="Times New Roman" panose="02020603050405020304" pitchFamily="18" charset="0"/>
+                <a:cs typeface="Times New Roman" panose="02020603050405020304" pitchFamily="18" charset="0"/>
+              </a:rPr>
+              <a:t>Redistributive</a:t>
+            </a:r>
+          </a:p>
+          <a:p>
+            <a:pPr algn="ctr"/>
+            <a:r>
+              <a:rPr lang="en-GB" sz="800" dirty="0" smtClean="0">
+                <a:latin typeface="Times New Roman" panose="02020603050405020304" pitchFamily="18" charset="0"/>
+                <a:cs typeface="Times New Roman" panose="02020603050405020304" pitchFamily="18" charset="0"/>
+              </a:rPr>
+              <a:t>preferences</a:t>
+            </a:r>
+            <a:endParaRPr lang="en-GB" sz="800" dirty="0">
+              <a:latin typeface="Times New Roman" panose="02020603050405020304" pitchFamily="18" charset="0"/>
+              <a:cs typeface="Times New Roman" panose="02020603050405020304" pitchFamily="18" charset="0"/>
+            </a:endParaRPr>
+          </a:p>
+        </p:txBody>
+      </p:sp>
+      <p:cxnSp>
+        <p:nvCxnSpPr>
+          <p:cNvPr id="31" name="Conector recto de flecha 11"/>
+          <p:cNvCxnSpPr>
+            <a:cxnSpLocks/>
+            <a:stCxn id="10" idx="3"/>
+            <a:endCxn id="30" idx="1"/>
+          </p:cNvCxnSpPr>
+          <p:nvPr/>
+        </p:nvCxnSpPr>
+        <p:spPr>
+          <a:xfrm flipV="1">
+            <a:off x="3254040" y="2248886"/>
+            <a:ext cx="712380" cy="343343"/>
+          </a:xfrm>
+          <a:prstGeom prst="straightConnector1">
+            <a:avLst/>
+          </a:prstGeom>
+          <a:ln w="12700">
+            <a:solidFill>
+              <a:schemeClr val="tx1"/>
+            </a:solidFill>
+            <a:prstDash val="lgDash"/>
+            <a:tailEnd type="triangle"/>
+          </a:ln>
+        </p:spPr>
+        <p:style>
+          <a:lnRef idx="3">
+            <a:schemeClr val="dk1"/>
+          </a:lnRef>
+          <a:fillRef idx="0">
+            <a:schemeClr val="dk1"/>
+          </a:fillRef>
+          <a:effectRef idx="2">
+            <a:schemeClr val="dk1"/>
+          </a:effectRef>
+          <a:fontRef idx="minor">
+            <a:schemeClr val="tx1"/>
+          </a:fontRef>
+        </p:style>
+      </p:cxnSp>
+      <p:cxnSp>
+        <p:nvCxnSpPr>
+          <p:cNvPr id="46" name="Conector recto de flecha 11"/>
+          <p:cNvCxnSpPr>
+            <a:cxnSpLocks/>
+            <a:stCxn id="68" idx="2"/>
+          </p:cNvCxnSpPr>
+          <p:nvPr/>
+        </p:nvCxnSpPr>
+        <p:spPr>
+          <a:xfrm>
+            <a:off x="1221305" y="887264"/>
+            <a:ext cx="843520" cy="1550950"/>
+          </a:xfrm>
+          <a:prstGeom prst="straightConnector1">
+            <a:avLst/>
+          </a:prstGeom>
+          <a:ln w="12700">
+            <a:solidFill>
+              <a:schemeClr val="tx1"/>
+            </a:solidFill>
+            <a:prstDash val="sysDot"/>
+            <a:tailEnd type="triangle"/>
+          </a:ln>
+        </p:spPr>
+        <p:style>
+          <a:lnRef idx="3">
+            <a:schemeClr val="dk1"/>
+          </a:lnRef>
+          <a:fillRef idx="0">
+            <a:schemeClr val="dk1"/>
+          </a:fillRef>
+          <a:effectRef idx="2">
+            <a:schemeClr val="dk1"/>
+          </a:effectRef>
+          <a:fontRef idx="minor">
+            <a:schemeClr val="tx1"/>
+          </a:fontRef>
+        </p:style>
+      </p:cxnSp>
+      <p:cxnSp>
+        <p:nvCxnSpPr>
+          <p:cNvPr id="49" name="Conector recto de flecha 11"/>
+          <p:cNvCxnSpPr>
+            <a:cxnSpLocks/>
+            <a:stCxn id="68" idx="2"/>
+          </p:cNvCxnSpPr>
+          <p:nvPr/>
+        </p:nvCxnSpPr>
+        <p:spPr>
+          <a:xfrm>
+            <a:off x="1221305" y="887264"/>
+            <a:ext cx="2318393" cy="1550950"/>
+          </a:xfrm>
+          <a:prstGeom prst="straightConnector1">
+            <a:avLst/>
+          </a:prstGeom>
+          <a:ln w="12700">
+            <a:solidFill>
+              <a:schemeClr val="tx1"/>
+            </a:solidFill>
+            <a:prstDash val="lgDash"/>
+            <a:tailEnd type="triangle"/>
+          </a:ln>
+        </p:spPr>
+        <p:style>
+          <a:lnRef idx="3">
+            <a:schemeClr val="dk1"/>
+          </a:lnRef>
+          <a:fillRef idx="0">
+            <a:schemeClr val="dk1"/>
+          </a:fillRef>
+          <a:effectRef idx="2">
+            <a:schemeClr val="dk1"/>
+          </a:effectRef>
+          <a:fontRef idx="minor">
+            <a:schemeClr val="tx1"/>
+          </a:fontRef>
+        </p:style>
+      </p:cxnSp>
+      <p:cxnSp>
+        <p:nvCxnSpPr>
+          <p:cNvPr id="66" name="Conector recto de flecha 11"/>
+          <p:cNvCxnSpPr>
+            <a:cxnSpLocks/>
+          </p:cNvCxnSpPr>
+          <p:nvPr/>
+        </p:nvCxnSpPr>
+        <p:spPr>
+          <a:xfrm flipV="1">
+            <a:off x="546216" y="2973820"/>
+            <a:ext cx="552815" cy="3134"/>
+          </a:xfrm>
+          <a:prstGeom prst="straightConnector1">
+            <a:avLst/>
+          </a:prstGeom>
+          <a:ln cap="rnd">
+            <a:solidFill>
+              <a:schemeClr val="tx1"/>
+            </a:solidFill>
+            <a:prstDash val="sysDot"/>
+            <a:tailEnd type="none"/>
+          </a:ln>
+        </p:spPr>
+        <p:style>
+          <a:lnRef idx="3">
+            <a:schemeClr val="dk1"/>
+          </a:lnRef>
+          <a:fillRef idx="0">
+            <a:schemeClr val="dk1"/>
+          </a:fillRef>
+          <a:effectRef idx="2">
+            <a:schemeClr val="dk1"/>
+          </a:effectRef>
+          <a:fontRef idx="minor">
+            <a:schemeClr val="tx1"/>
+          </a:fontRef>
+        </p:style>
+      </p:cxnSp>
+      <p:cxnSp>
+        <p:nvCxnSpPr>
+          <p:cNvPr id="70" name="Conector recto de flecha 11"/>
+          <p:cNvCxnSpPr>
+            <a:cxnSpLocks/>
+          </p:cNvCxnSpPr>
+          <p:nvPr/>
+        </p:nvCxnSpPr>
+        <p:spPr>
+          <a:xfrm flipV="1">
+            <a:off x="546216" y="3087346"/>
+            <a:ext cx="552815" cy="1109"/>
+          </a:xfrm>
+          <a:prstGeom prst="straightConnector1">
+            <a:avLst/>
+          </a:prstGeom>
+          <a:ln cap="rnd">
+            <a:solidFill>
+              <a:schemeClr val="tx1"/>
+            </a:solidFill>
+            <a:prstDash val="lgDash"/>
+            <a:tailEnd type="none"/>
+          </a:ln>
+        </p:spPr>
+        <p:style>
+          <a:lnRef idx="3">
+            <a:schemeClr val="dk1"/>
+          </a:lnRef>
+          <a:fillRef idx="0">
+            <a:schemeClr val="dk1"/>
+          </a:fillRef>
+          <a:effectRef idx="2">
+            <a:schemeClr val="dk1"/>
+          </a:effectRef>
+          <a:fontRef idx="minor">
+            <a:schemeClr val="tx1"/>
+          </a:fontRef>
+        </p:style>
+      </p:cxnSp>
+      <p:sp>
+        <p:nvSpPr>
+          <p:cNvPr id="63" name="TextBox 62"/>
+          <p:cNvSpPr txBox="1"/>
+          <p:nvPr/>
+        </p:nvSpPr>
+        <p:spPr>
+          <a:xfrm>
+            <a:off x="52128" y="2861403"/>
+            <a:ext cx="616688" cy="338554"/>
+          </a:xfrm>
+          <a:prstGeom prst="rect">
+            <a:avLst/>
+          </a:prstGeom>
+          <a:noFill/>
+        </p:spPr>
+        <p:txBody>
+          <a:bodyPr wrap="square" rtlCol="0">
+            <a:spAutoFit/>
+          </a:bodyPr>
+          <a:lstStyle/>
+          <a:p>
+            <a:r>
+              <a:rPr lang="en-GB" sz="800" dirty="0" smtClean="0">
+                <a:latin typeface="Times New Roman" panose="02020603050405020304" pitchFamily="18" charset="0"/>
+                <a:cs typeface="Times New Roman" panose="02020603050405020304" pitchFamily="18" charset="0"/>
+              </a:rPr>
+              <a:t>Study 1</a:t>
+            </a:r>
+            <a:br>
+              <a:rPr lang="en-GB" sz="800" dirty="0" smtClean="0">
+                <a:latin typeface="Times New Roman" panose="02020603050405020304" pitchFamily="18" charset="0"/>
+                <a:cs typeface="Times New Roman" panose="02020603050405020304" pitchFamily="18" charset="0"/>
+              </a:rPr>
+            </a:br>
+            <a:r>
+              <a:rPr lang="en-GB" sz="800" dirty="0" smtClean="0">
+                <a:latin typeface="Times New Roman" panose="02020603050405020304" pitchFamily="18" charset="0"/>
+                <a:cs typeface="Times New Roman" panose="02020603050405020304" pitchFamily="18" charset="0"/>
+              </a:rPr>
+              <a:t>Study 2</a:t>
+            </a:r>
+            <a:endParaRPr lang="en-GB" sz="800" dirty="0">
+              <a:latin typeface="Times New Roman" panose="02020603050405020304" pitchFamily="18" charset="0"/>
+              <a:cs typeface="Times New Roman" panose="02020603050405020304" pitchFamily="18" charset="0"/>
+            </a:endParaRPr>
+          </a:p>
+        </p:txBody>
+      </p:sp>
+      <p:sp>
+        <p:nvSpPr>
+          <p:cNvPr id="76" name="TextBox 75"/>
+          <p:cNvSpPr txBox="1"/>
+          <p:nvPr/>
+        </p:nvSpPr>
+        <p:spPr>
+          <a:xfrm>
+            <a:off x="4420398" y="40316"/>
+            <a:ext cx="899160" cy="307777"/>
+          </a:xfrm>
+          <a:prstGeom prst="rect">
+            <a:avLst/>
+          </a:prstGeom>
+        </p:spPr>
+        <p:style>
+          <a:lnRef idx="2">
+            <a:schemeClr val="dk1"/>
+          </a:lnRef>
+          <a:fillRef idx="1">
+            <a:schemeClr val="lt1"/>
+          </a:fillRef>
+          <a:effectRef idx="0">
+            <a:schemeClr val="dk1"/>
+          </a:effectRef>
+          <a:fontRef idx="minor">
+            <a:schemeClr val="dk1"/>
+          </a:fontRef>
+        </p:style>
+        <p:txBody>
+          <a:bodyPr wrap="square" rtlCol="0">
+            <a:spAutoFit/>
+          </a:bodyPr>
+          <a:lstStyle/>
+          <a:p>
+            <a:pPr algn="ctr"/>
+            <a:r>
+              <a:rPr lang="en-GB" sz="1400" dirty="0" smtClean="0">
+                <a:latin typeface="Times New Roman" panose="02020603050405020304" pitchFamily="18" charset="0"/>
+                <a:cs typeface="Times New Roman" panose="02020603050405020304" pitchFamily="18" charset="0"/>
+              </a:rPr>
+              <a:t>Paper 1</a:t>
+            </a:r>
+            <a:endParaRPr lang="en-GB" sz="1400" dirty="0">
+              <a:latin typeface="Times New Roman" panose="02020603050405020304" pitchFamily="18" charset="0"/>
+              <a:cs typeface="Times New Roman" panose="02020603050405020304" pitchFamily="18" charset="0"/>
+            </a:endParaRPr>
+          </a:p>
+        </p:txBody>
+      </p:sp>
+      <p:sp>
+        <p:nvSpPr>
+          <p:cNvPr id="56" name="Rectángulo 3">
+            <a:extLst>
+              <a:ext uri="{FF2B5EF4-FFF2-40B4-BE49-F238E27FC236}">
+                <a16:creationId xmlns:a16="http://schemas.microsoft.com/office/drawing/2014/main" xmlns="" id="{70261B79-5D89-227D-9429-3BF0A8DD0692}"/>
+              </a:ext>
+            </a:extLst>
+          </p:cNvPr>
+          <p:cNvSpPr/>
+          <p:nvPr/>
+        </p:nvSpPr>
+        <p:spPr>
+          <a:xfrm>
+            <a:off x="1120595" y="2555014"/>
+            <a:ext cx="903558" cy="315211"/>
+          </a:xfrm>
+          <a:prstGeom prst="rect">
+            <a:avLst/>
+          </a:prstGeom>
+          <a:ln>
+            <a:noFill/>
+          </a:ln>
+        </p:spPr>
+        <p:style>
+          <a:lnRef idx="2">
+            <a:schemeClr val="dk1"/>
+          </a:lnRef>
+          <a:fillRef idx="1">
+            <a:schemeClr val="lt1"/>
+          </a:fillRef>
+          <a:effectRef idx="0">
+            <a:schemeClr val="dk1"/>
+          </a:effectRef>
+          <a:fontRef idx="minor">
+            <a:schemeClr val="dk1"/>
+          </a:fontRef>
+        </p:style>
+        <p:txBody>
+          <a:bodyPr rot="0" spcFirstLastPara="0" vertOverflow="overflow" horzOverflow="overflow" vert="horz" wrap="square" lIns="58852" tIns="29427" rIns="58852" bIns="29427" numCol="1" spcCol="0" rtlCol="0" fromWordArt="0" anchor="ctr" anchorCtr="0" forceAA="0" compatLnSpc="1">
+            <a:prstTxWarp prst="textNoShape">
+              <a:avLst/>
+            </a:prstTxWarp>
+            <a:noAutofit/>
+          </a:bodyPr>
+          <a:lstStyle/>
+          <a:p>
+            <a:pPr algn="ctr"/>
+            <a:r>
+              <a:rPr lang="en-GB" sz="500" i="1" dirty="0" smtClean="0">
+                <a:latin typeface="Times New Roman" panose="02020603050405020304" pitchFamily="18" charset="0"/>
+                <a:cs typeface="Times New Roman" panose="02020603050405020304" pitchFamily="18" charset="0"/>
+              </a:rPr>
+              <a:t>Relative deprivation </a:t>
+            </a:r>
+          </a:p>
+          <a:p>
+            <a:pPr algn="ctr"/>
+            <a:r>
+              <a:rPr lang="en-GB" sz="500" i="1" dirty="0" smtClean="0">
+                <a:latin typeface="Times New Roman" panose="02020603050405020304" pitchFamily="18" charset="0"/>
+                <a:cs typeface="Times New Roman" panose="02020603050405020304" pitchFamily="18" charset="0"/>
+              </a:rPr>
+              <a:t>Argument (-)</a:t>
+            </a:r>
+            <a:endParaRPr lang="en-GB" sz="500" i="1" dirty="0">
+              <a:latin typeface="Times New Roman" panose="02020603050405020304" pitchFamily="18" charset="0"/>
+              <a:cs typeface="Times New Roman" panose="02020603050405020304" pitchFamily="18" charset="0"/>
+            </a:endParaRPr>
+          </a:p>
+        </p:txBody>
+      </p:sp>
+      <p:sp>
+        <p:nvSpPr>
+          <p:cNvPr id="57" name="Rectángulo 3">
+            <a:extLst>
+              <a:ext uri="{FF2B5EF4-FFF2-40B4-BE49-F238E27FC236}">
+                <a16:creationId xmlns:a16="http://schemas.microsoft.com/office/drawing/2014/main" xmlns="" id="{70261B79-5D89-227D-9429-3BF0A8DD0692}"/>
+              </a:ext>
+            </a:extLst>
+          </p:cNvPr>
+          <p:cNvSpPr/>
+          <p:nvPr/>
+        </p:nvSpPr>
+        <p:spPr>
+          <a:xfrm>
+            <a:off x="3436642" y="2546192"/>
+            <a:ext cx="903558" cy="315211"/>
+          </a:xfrm>
+          <a:prstGeom prst="rect">
+            <a:avLst/>
+          </a:prstGeom>
+          <a:ln>
+            <a:noFill/>
+          </a:ln>
+        </p:spPr>
+        <p:style>
+          <a:lnRef idx="2">
+            <a:schemeClr val="dk1"/>
+          </a:lnRef>
+          <a:fillRef idx="1">
+            <a:schemeClr val="lt1"/>
+          </a:fillRef>
+          <a:effectRef idx="0">
+            <a:schemeClr val="dk1"/>
+          </a:effectRef>
+          <a:fontRef idx="minor">
+            <a:schemeClr val="dk1"/>
+          </a:fontRef>
+        </p:style>
+        <p:txBody>
+          <a:bodyPr rot="0" spcFirstLastPara="0" vertOverflow="overflow" horzOverflow="overflow" vert="horz" wrap="square" lIns="58852" tIns="29427" rIns="58852" bIns="29427" numCol="1" spcCol="0" rtlCol="0" fromWordArt="0" anchor="ctr" anchorCtr="0" forceAA="0" compatLnSpc="1">
+            <a:prstTxWarp prst="textNoShape">
+              <a:avLst/>
+            </a:prstTxWarp>
+            <a:noAutofit/>
+          </a:bodyPr>
+          <a:lstStyle/>
+          <a:p>
+            <a:pPr algn="ctr"/>
+            <a:r>
+              <a:rPr lang="en-GB" sz="500" i="1" dirty="0" smtClean="0">
+                <a:latin typeface="Times New Roman" panose="02020603050405020304" pitchFamily="18" charset="0"/>
+                <a:cs typeface="Times New Roman" panose="02020603050405020304" pitchFamily="18" charset="0"/>
+              </a:rPr>
+              <a:t>Subjective median voter</a:t>
+            </a:r>
+          </a:p>
+          <a:p>
+            <a:pPr algn="ctr"/>
+            <a:r>
+              <a:rPr lang="en-GB" sz="500" i="1" dirty="0" smtClean="0">
+                <a:latin typeface="Times New Roman" panose="02020603050405020304" pitchFamily="18" charset="0"/>
+                <a:cs typeface="Times New Roman" panose="02020603050405020304" pitchFamily="18" charset="0"/>
+              </a:rPr>
+              <a:t>Argument (-)</a:t>
+            </a:r>
+            <a:endParaRPr lang="en-GB" sz="500" i="1" dirty="0">
+              <a:latin typeface="Times New Roman" panose="02020603050405020304" pitchFamily="18" charset="0"/>
+              <a:cs typeface="Times New Roman" panose="02020603050405020304" pitchFamily="18" charset="0"/>
+            </a:endParaRPr>
+          </a:p>
+        </p:txBody>
+      </p:sp>
+      <p:sp>
+        <p:nvSpPr>
+          <p:cNvPr id="58" name="Rectángulo 3">
+            <a:extLst>
+              <a:ext uri="{FF2B5EF4-FFF2-40B4-BE49-F238E27FC236}">
+                <a16:creationId xmlns:a16="http://schemas.microsoft.com/office/drawing/2014/main" xmlns="" id="{70261B79-5D89-227D-9429-3BF0A8DD0692}"/>
+              </a:ext>
+            </a:extLst>
+          </p:cNvPr>
+          <p:cNvSpPr/>
+          <p:nvPr/>
+        </p:nvSpPr>
+        <p:spPr>
+          <a:xfrm>
+            <a:off x="1562932" y="1576606"/>
+            <a:ext cx="903558" cy="315211"/>
+          </a:xfrm>
+          <a:prstGeom prst="rect">
+            <a:avLst/>
+          </a:prstGeom>
+          <a:noFill/>
+          <a:ln>
+            <a:noFill/>
+          </a:ln>
+        </p:spPr>
+        <p:style>
+          <a:lnRef idx="2">
+            <a:schemeClr val="dk1"/>
+          </a:lnRef>
+          <a:fillRef idx="1">
+            <a:schemeClr val="lt1"/>
+          </a:fillRef>
+          <a:effectRef idx="0">
+            <a:schemeClr val="dk1"/>
+          </a:effectRef>
+          <a:fontRef idx="minor">
+            <a:schemeClr val="dk1"/>
+          </a:fontRef>
+        </p:style>
+        <p:txBody>
+          <a:bodyPr rot="0" spcFirstLastPara="0" vertOverflow="overflow" horzOverflow="overflow" vert="horz" wrap="square" lIns="58852" tIns="29427" rIns="58852" bIns="29427" numCol="1" spcCol="0" rtlCol="0" fromWordArt="0" anchor="ctr" anchorCtr="0" forceAA="0" compatLnSpc="1">
+            <a:prstTxWarp prst="textNoShape">
+              <a:avLst/>
+            </a:prstTxWarp>
+            <a:noAutofit/>
+          </a:bodyPr>
+          <a:lstStyle/>
+          <a:p>
+            <a:pPr algn="ctr"/>
+            <a:r>
+              <a:rPr lang="en-GB" sz="500" i="1" dirty="0" smtClean="0">
+                <a:latin typeface="Times New Roman" panose="02020603050405020304" pitchFamily="18" charset="0"/>
+                <a:cs typeface="Times New Roman" panose="02020603050405020304" pitchFamily="18" charset="0"/>
+              </a:rPr>
+              <a:t>Salience </a:t>
+            </a:r>
+          </a:p>
+          <a:p>
+            <a:pPr algn="ctr"/>
+            <a:r>
+              <a:rPr lang="en-GB" sz="500" i="1" dirty="0" smtClean="0">
+                <a:latin typeface="Times New Roman" panose="02020603050405020304" pitchFamily="18" charset="0"/>
+                <a:cs typeface="Times New Roman" panose="02020603050405020304" pitchFamily="18" charset="0"/>
+              </a:rPr>
+              <a:t>Argument (-)</a:t>
+            </a:r>
+            <a:endParaRPr lang="en-GB" sz="500" i="1" dirty="0">
+              <a:latin typeface="Times New Roman" panose="02020603050405020304" pitchFamily="18" charset="0"/>
+              <a:cs typeface="Times New Roman" panose="02020603050405020304" pitchFamily="18" charset="0"/>
+            </a:endParaRPr>
+          </a:p>
+        </p:txBody>
+      </p:sp>
+    </p:spTree>
+    <p:extLst>
+      <p:ext uri="{BB962C8B-B14F-4D97-AF65-F5344CB8AC3E}">
+        <p14:creationId xmlns:p14="http://schemas.microsoft.com/office/powerpoint/2010/main" val="3082306094"/>
+      </p:ext>
+    </p:extLst>
+  </p:cSld>
+  <p:clrMapOvr>
+    <a:masterClrMapping/>
+  </p:clrMapOvr>
+  <p:timing>
+    <p:tnLst>
+      <p:par>
+        <p:cTn id="1" dur="indefinite" restart="never" nodeType="tmRoot"/>
+      </p:par>
+    </p:tnLst>
+  </p:timing>
 </p:sld>
 </file>
 

--- a/proposal-workshop/images/scheme.pptx
+++ b/proposal-workshop/images/scheme.pptx
@@ -5,7 +5,7 @@
     <p:sldMasterId id="2147483768" r:id="rId1"/>
   </p:sldMasterIdLst>
   <p:notesMasterIdLst>
-    <p:notesMasterId r:id="rId9"/>
+    <p:notesMasterId r:id="rId12"/>
   </p:notesMasterIdLst>
   <p:sldIdLst>
     <p:sldId id="257" r:id="rId2"/>
@@ -15,6 +15,9 @@
     <p:sldId id="261" r:id="rId6"/>
     <p:sldId id="262" r:id="rId7"/>
     <p:sldId id="263" r:id="rId8"/>
+    <p:sldId id="264" r:id="rId9"/>
+    <p:sldId id="265" r:id="rId10"/>
+    <p:sldId id="266" r:id="rId11"/>
   </p:sldIdLst>
   <p:sldSz cx="5400675" cy="3600450"/>
   <p:notesSz cx="6858000" cy="9144000"/>
@@ -203,7 +206,7 @@
           <a:p>
             <a:fld id="{98DB4DC7-1920-4675-8E83-442C7712BA7E}" type="datetimeFigureOut">
               <a:rPr lang="en-GB" smtClean="0"/>
-              <a:t>23/01/2023</a:t>
+              <a:t>24/04/2023</a:t>
             </a:fld>
             <a:endParaRPr lang="en-GB"/>
           </a:p>
@@ -639,6 +642,90 @@
 </p:notes>
 </file>
 
+<file path=ppt/notesSlides/notesSlide3.xml><?xml version="1.0" encoding="utf-8"?>
+<p:notes xmlns:a="http://schemas.openxmlformats.org/drawingml/2006/main" xmlns:r="http://schemas.openxmlformats.org/officeDocument/2006/relationships" xmlns:p="http://schemas.openxmlformats.org/presentationml/2006/main">
+  <p:cSld>
+    <p:spTree>
+      <p:nvGrpSpPr>
+        <p:cNvPr id="1" name=""/>
+        <p:cNvGrpSpPr/>
+        <p:nvPr/>
+      </p:nvGrpSpPr>
+      <p:grpSpPr>
+        <a:xfrm>
+          <a:off x="0" y="0"/>
+          <a:ext cx="0" cy="0"/>
+          <a:chOff x="0" y="0"/>
+          <a:chExt cx="0" cy="0"/>
+        </a:xfrm>
+      </p:grpSpPr>
+      <p:sp>
+        <p:nvSpPr>
+          <p:cNvPr id="2" name="Slide Image Placeholder 1"/>
+          <p:cNvSpPr>
+            <a:spLocks noGrp="1" noRot="1" noChangeAspect="1"/>
+          </p:cNvSpPr>
+          <p:nvPr>
+            <p:ph type="sldImg"/>
+          </p:nvPr>
+        </p:nvSpPr>
+        <p:spPr/>
+      </p:sp>
+      <p:sp>
+        <p:nvSpPr>
+          <p:cNvPr id="3" name="Notes Placeholder 2"/>
+          <p:cNvSpPr>
+            <a:spLocks noGrp="1"/>
+          </p:cNvSpPr>
+          <p:nvPr>
+            <p:ph type="body" idx="1"/>
+          </p:nvPr>
+        </p:nvSpPr>
+        <p:spPr/>
+        <p:txBody>
+          <a:bodyPr/>
+          <a:lstStyle/>
+          <a:p>
+            <a:endParaRPr lang="en-GB" dirty="0"/>
+          </a:p>
+        </p:txBody>
+      </p:sp>
+      <p:sp>
+        <p:nvSpPr>
+          <p:cNvPr id="4" name="Slide Number Placeholder 3"/>
+          <p:cNvSpPr>
+            <a:spLocks noGrp="1"/>
+          </p:cNvSpPr>
+          <p:nvPr>
+            <p:ph type="sldNum" sz="quarter" idx="10"/>
+          </p:nvPr>
+        </p:nvSpPr>
+        <p:spPr/>
+        <p:txBody>
+          <a:bodyPr/>
+          <a:lstStyle/>
+          <a:p>
+            <a:fld id="{E1C404CB-79B5-4CE3-A2B5-ED889D3C0A00}" type="slidenum">
+              <a:rPr lang="en-GB" smtClean="0"/>
+              <a:t>10</a:t>
+            </a:fld>
+            <a:endParaRPr lang="en-GB"/>
+          </a:p>
+        </p:txBody>
+      </p:sp>
+    </p:spTree>
+    <p:extLst>
+      <p:ext uri="{BB962C8B-B14F-4D97-AF65-F5344CB8AC3E}">
+        <p14:creationId xmlns:p14="http://schemas.microsoft.com/office/powerpoint/2010/main" val="3885848901"/>
+      </p:ext>
+    </p:extLst>
+  </p:cSld>
+  <p:clrMapOvr>
+    <a:masterClrMapping/>
+  </p:clrMapOvr>
+</p:notes>
+</file>
+
 <file path=ppt/slideLayouts/slideLayout1.xml><?xml version="1.0" encoding="utf-8"?>
 <p:sldLayout xmlns:a="http://schemas.openxmlformats.org/drawingml/2006/main" xmlns:r="http://schemas.openxmlformats.org/officeDocument/2006/relationships" xmlns:p="http://schemas.openxmlformats.org/presentationml/2006/main" type="title" preserve="1">
   <p:cSld name="Diapositiva de título">
@@ -770,7 +857,7 @@
           <a:p>
             <a:fld id="{7C809603-0A2B-4FAA-8CCA-C215CBD5387F}" type="datetimeFigureOut">
               <a:rPr lang="en-US" smtClean="0"/>
-              <a:t>1/23/2023</a:t>
+              <a:t>4/24/2023</a:t>
             </a:fld>
             <a:endParaRPr lang="en-US"/>
           </a:p>
@@ -940,7 +1027,7 @@
           <a:p>
             <a:fld id="{7C809603-0A2B-4FAA-8CCA-C215CBD5387F}" type="datetimeFigureOut">
               <a:rPr lang="en-US" smtClean="0"/>
-              <a:t>1/23/2023</a:t>
+              <a:t>4/24/2023</a:t>
             </a:fld>
             <a:endParaRPr lang="en-US"/>
           </a:p>
@@ -1120,7 +1207,7 @@
           <a:p>
             <a:fld id="{7C809603-0A2B-4FAA-8CCA-C215CBD5387F}" type="datetimeFigureOut">
               <a:rPr lang="en-US" smtClean="0"/>
-              <a:t>1/23/2023</a:t>
+              <a:t>4/24/2023</a:t>
             </a:fld>
             <a:endParaRPr lang="en-US"/>
           </a:p>
@@ -1290,7 +1377,7 @@
           <a:p>
             <a:fld id="{7C809603-0A2B-4FAA-8CCA-C215CBD5387F}" type="datetimeFigureOut">
               <a:rPr lang="en-US" smtClean="0"/>
-              <a:t>1/23/2023</a:t>
+              <a:t>4/24/2023</a:t>
             </a:fld>
             <a:endParaRPr lang="en-US"/>
           </a:p>
@@ -1534,7 +1621,7 @@
           <a:p>
             <a:fld id="{7C809603-0A2B-4FAA-8CCA-C215CBD5387F}" type="datetimeFigureOut">
               <a:rPr lang="en-US" smtClean="0"/>
-              <a:t>1/23/2023</a:t>
+              <a:t>4/24/2023</a:t>
             </a:fld>
             <a:endParaRPr lang="en-US"/>
           </a:p>
@@ -1766,7 +1853,7 @@
           <a:p>
             <a:fld id="{7C809603-0A2B-4FAA-8CCA-C215CBD5387F}" type="datetimeFigureOut">
               <a:rPr lang="en-US" smtClean="0"/>
-              <a:t>1/23/2023</a:t>
+              <a:t>4/24/2023</a:t>
             </a:fld>
             <a:endParaRPr lang="en-US"/>
           </a:p>
@@ -2133,7 +2220,7 @@
           <a:p>
             <a:fld id="{7C809603-0A2B-4FAA-8CCA-C215CBD5387F}" type="datetimeFigureOut">
               <a:rPr lang="en-US" smtClean="0"/>
-              <a:t>1/23/2023</a:t>
+              <a:t>4/24/2023</a:t>
             </a:fld>
             <a:endParaRPr lang="en-US"/>
           </a:p>
@@ -2251,7 +2338,7 @@
           <a:p>
             <a:fld id="{7C809603-0A2B-4FAA-8CCA-C215CBD5387F}" type="datetimeFigureOut">
               <a:rPr lang="en-US" smtClean="0"/>
-              <a:t>1/23/2023</a:t>
+              <a:t>4/24/2023</a:t>
             </a:fld>
             <a:endParaRPr lang="en-US"/>
           </a:p>
@@ -2346,7 +2433,7 @@
           <a:p>
             <a:fld id="{7C809603-0A2B-4FAA-8CCA-C215CBD5387F}" type="datetimeFigureOut">
               <a:rPr lang="en-US" smtClean="0"/>
-              <a:t>1/23/2023</a:t>
+              <a:t>4/24/2023</a:t>
             </a:fld>
             <a:endParaRPr lang="en-US"/>
           </a:p>
@@ -2623,7 +2710,7 @@
           <a:p>
             <a:fld id="{7C809603-0A2B-4FAA-8CCA-C215CBD5387F}" type="datetimeFigureOut">
               <a:rPr lang="en-US" smtClean="0"/>
-              <a:t>1/23/2023</a:t>
+              <a:t>4/24/2023</a:t>
             </a:fld>
             <a:endParaRPr lang="en-US"/>
           </a:p>
@@ -2880,7 +2967,7 @@
           <a:p>
             <a:fld id="{7C809603-0A2B-4FAA-8CCA-C215CBD5387F}" type="datetimeFigureOut">
               <a:rPr lang="en-US" smtClean="0"/>
-              <a:t>1/23/2023</a:t>
+              <a:t>4/24/2023</a:t>
             </a:fld>
             <a:endParaRPr lang="en-US"/>
           </a:p>
@@ -3093,7 +3180,7 @@
           <a:p>
             <a:fld id="{7C809603-0A2B-4FAA-8CCA-C215CBD5387F}" type="datetimeFigureOut">
               <a:rPr lang="en-US" smtClean="0"/>
-              <a:t>1/23/2023</a:t>
+              <a:t>4/24/2023</a:t>
             </a:fld>
             <a:endParaRPr lang="en-US"/>
           </a:p>
@@ -4192,6 +4279,969 @@
 </p:sld>
 </file>
 
+<file path=ppt/slides/slide10.xml><?xml version="1.0" encoding="utf-8"?>
+<p:sld xmlns:a="http://schemas.openxmlformats.org/drawingml/2006/main" xmlns:r="http://schemas.openxmlformats.org/officeDocument/2006/relationships" xmlns:p="http://schemas.openxmlformats.org/presentationml/2006/main">
+  <p:cSld>
+    <p:spTree>
+      <p:nvGrpSpPr>
+        <p:cNvPr id="1" name=""/>
+        <p:cNvGrpSpPr/>
+        <p:nvPr/>
+      </p:nvGrpSpPr>
+      <p:grpSpPr>
+        <a:xfrm>
+          <a:off x="0" y="0"/>
+          <a:ext cx="0" cy="0"/>
+          <a:chOff x="0" y="0"/>
+          <a:chExt cx="0" cy="0"/>
+        </a:xfrm>
+      </p:grpSpPr>
+      <p:sp>
+        <p:nvSpPr>
+          <p:cNvPr id="104" name="Rectángulo 3">
+            <a:extLst>
+              <a:ext uri="{FF2B5EF4-FFF2-40B4-BE49-F238E27FC236}">
+                <a16:creationId xmlns:a16="http://schemas.microsoft.com/office/drawing/2014/main" xmlns="" id="{70261B79-5D89-227D-9429-3BF0A8DD0692}"/>
+              </a:ext>
+            </a:extLst>
+          </p:cNvPr>
+          <p:cNvSpPr/>
+          <p:nvPr/>
+        </p:nvSpPr>
+        <p:spPr>
+          <a:xfrm>
+            <a:off x="2115535" y="1267808"/>
+            <a:ext cx="903351" cy="1231645"/>
+          </a:xfrm>
+          <a:prstGeom prst="rect">
+            <a:avLst/>
+          </a:prstGeom>
+        </p:spPr>
+        <p:style>
+          <a:lnRef idx="1">
+            <a:schemeClr val="accent3"/>
+          </a:lnRef>
+          <a:fillRef idx="2">
+            <a:schemeClr val="accent3"/>
+          </a:fillRef>
+          <a:effectRef idx="1">
+            <a:schemeClr val="accent3"/>
+          </a:effectRef>
+          <a:fontRef idx="minor">
+            <a:schemeClr val="dk1"/>
+          </a:fontRef>
+        </p:style>
+        <p:txBody>
+          <a:bodyPr rot="0" spcFirstLastPara="0" vertOverflow="overflow" horzOverflow="overflow" vert="horz" wrap="square" lIns="58852" tIns="29427" rIns="58852" bIns="29427" numCol="1" spcCol="0" rtlCol="0" fromWordArt="0" anchor="t" anchorCtr="0" forceAA="0" compatLnSpc="1">
+            <a:prstTxWarp prst="textNoShape">
+              <a:avLst/>
+            </a:prstTxWarp>
+            <a:noAutofit/>
+          </a:bodyPr>
+          <a:lstStyle/>
+          <a:p>
+            <a:pPr algn="ctr"/>
+            <a:r>
+              <a:rPr lang="en-US" sz="500" b="1" dirty="0" smtClean="0">
+                <a:latin typeface="Times New Roman" panose="02020603050405020304" pitchFamily="18" charset="0"/>
+                <a:cs typeface="Times New Roman" panose="02020603050405020304" pitchFamily="18" charset="0"/>
+              </a:rPr>
+              <a:t>Network structure</a:t>
+            </a:r>
+            <a:endParaRPr lang="en-US" sz="500" b="1" dirty="0">
+              <a:latin typeface="Times New Roman" panose="02020603050405020304" pitchFamily="18" charset="0"/>
+              <a:cs typeface="Times New Roman" panose="02020603050405020304" pitchFamily="18" charset="0"/>
+            </a:endParaRPr>
+          </a:p>
+        </p:txBody>
+      </p:sp>
+      <p:sp>
+        <p:nvSpPr>
+          <p:cNvPr id="30" name="Rectángulo 3">
+            <a:extLst>
+              <a:ext uri="{FF2B5EF4-FFF2-40B4-BE49-F238E27FC236}">
+                <a16:creationId xmlns:a16="http://schemas.microsoft.com/office/drawing/2014/main" xmlns="" id="{70261B79-5D89-227D-9429-3BF0A8DD0692}"/>
+              </a:ext>
+            </a:extLst>
+          </p:cNvPr>
+          <p:cNvSpPr/>
+          <p:nvPr/>
+        </p:nvSpPr>
+        <p:spPr>
+          <a:xfrm>
+            <a:off x="4510006" y="736598"/>
+            <a:ext cx="718353" cy="2294065"/>
+          </a:xfrm>
+          <a:prstGeom prst="rect">
+            <a:avLst/>
+          </a:prstGeom>
+        </p:spPr>
+        <p:style>
+          <a:lnRef idx="2">
+            <a:schemeClr val="dk1"/>
+          </a:lnRef>
+          <a:fillRef idx="1">
+            <a:schemeClr val="lt1"/>
+          </a:fillRef>
+          <a:effectRef idx="0">
+            <a:schemeClr val="dk1"/>
+          </a:effectRef>
+          <a:fontRef idx="minor">
+            <a:schemeClr val="dk1"/>
+          </a:fontRef>
+        </p:style>
+        <p:txBody>
+          <a:bodyPr rot="0" spcFirstLastPara="0" vertOverflow="overflow" horzOverflow="overflow" vert="horz" wrap="square" lIns="58852" tIns="29427" rIns="58852" bIns="29427" numCol="1" spcCol="0" rtlCol="0" fromWordArt="0" anchor="ctr" anchorCtr="0" forceAA="0" compatLnSpc="1">
+            <a:prstTxWarp prst="textNoShape">
+              <a:avLst/>
+            </a:prstTxWarp>
+            <a:noAutofit/>
+          </a:bodyPr>
+          <a:lstStyle/>
+          <a:p>
+            <a:pPr algn="ctr"/>
+            <a:r>
+              <a:rPr lang="en-GB" sz="800" dirty="0" smtClean="0">
+                <a:latin typeface="Times New Roman" panose="02020603050405020304" pitchFamily="18" charset="0"/>
+                <a:cs typeface="Times New Roman" panose="02020603050405020304" pitchFamily="18" charset="0"/>
+              </a:rPr>
+              <a:t>Redistributive</a:t>
+            </a:r>
+          </a:p>
+          <a:p>
+            <a:pPr algn="ctr"/>
+            <a:r>
+              <a:rPr lang="en-GB" sz="800" dirty="0" smtClean="0">
+                <a:latin typeface="Times New Roman" panose="02020603050405020304" pitchFamily="18" charset="0"/>
+                <a:cs typeface="Times New Roman" panose="02020603050405020304" pitchFamily="18" charset="0"/>
+              </a:rPr>
+              <a:t>preferences</a:t>
+            </a:r>
+            <a:endParaRPr lang="en-GB" sz="800" dirty="0">
+              <a:latin typeface="Times New Roman" panose="02020603050405020304" pitchFamily="18" charset="0"/>
+              <a:cs typeface="Times New Roman" panose="02020603050405020304" pitchFamily="18" charset="0"/>
+            </a:endParaRPr>
+          </a:p>
+        </p:txBody>
+      </p:sp>
+      <p:sp>
+        <p:nvSpPr>
+          <p:cNvPr id="29" name="Rectángulo 3">
+            <a:extLst>
+              <a:ext uri="{FF2B5EF4-FFF2-40B4-BE49-F238E27FC236}">
+                <a16:creationId xmlns:a16="http://schemas.microsoft.com/office/drawing/2014/main" xmlns="" id="{70261B79-5D89-227D-9429-3BF0A8DD0692}"/>
+              </a:ext>
+            </a:extLst>
+          </p:cNvPr>
+          <p:cNvSpPr/>
+          <p:nvPr/>
+        </p:nvSpPr>
+        <p:spPr>
+          <a:xfrm>
+            <a:off x="3357098" y="2277682"/>
+            <a:ext cx="822960" cy="274320"/>
+          </a:xfrm>
+          <a:prstGeom prst="rect">
+            <a:avLst/>
+          </a:prstGeom>
+        </p:spPr>
+        <p:style>
+          <a:lnRef idx="2">
+            <a:schemeClr val="dk1"/>
+          </a:lnRef>
+          <a:fillRef idx="1">
+            <a:schemeClr val="lt1"/>
+          </a:fillRef>
+          <a:effectRef idx="0">
+            <a:schemeClr val="dk1"/>
+          </a:effectRef>
+          <a:fontRef idx="minor">
+            <a:schemeClr val="dk1"/>
+          </a:fontRef>
+        </p:style>
+        <p:txBody>
+          <a:bodyPr rot="0" spcFirstLastPara="0" vertOverflow="overflow" horzOverflow="overflow" vert="horz" wrap="square" lIns="58852" tIns="29427" rIns="58852" bIns="29427" numCol="1" spcCol="0" rtlCol="0" fromWordArt="0" anchor="ctr" anchorCtr="0" forceAA="0" compatLnSpc="1">
+            <a:prstTxWarp prst="textNoShape">
+              <a:avLst/>
+            </a:prstTxWarp>
+            <a:noAutofit/>
+          </a:bodyPr>
+          <a:lstStyle/>
+          <a:p>
+            <a:pPr algn="ctr"/>
+            <a:r>
+              <a:rPr lang="en-US" sz="800" dirty="0" smtClean="0">
+                <a:latin typeface="Times New Roman" panose="02020603050405020304" pitchFamily="18" charset="0"/>
+                <a:cs typeface="Times New Roman" panose="02020603050405020304" pitchFamily="18" charset="0"/>
+              </a:rPr>
+              <a:t>Inequality Perception</a:t>
+            </a:r>
+            <a:endParaRPr lang="en-US" sz="800" dirty="0">
+              <a:latin typeface="Times New Roman" panose="02020603050405020304" pitchFamily="18" charset="0"/>
+              <a:cs typeface="Times New Roman" panose="02020603050405020304" pitchFamily="18" charset="0"/>
+            </a:endParaRPr>
+          </a:p>
+        </p:txBody>
+      </p:sp>
+      <p:sp>
+        <p:nvSpPr>
+          <p:cNvPr id="37" name="Rectángulo 3">
+            <a:extLst>
+              <a:ext uri="{FF2B5EF4-FFF2-40B4-BE49-F238E27FC236}">
+                <a16:creationId xmlns:a16="http://schemas.microsoft.com/office/drawing/2014/main" xmlns="" id="{70261B79-5D89-227D-9429-3BF0A8DD0692}"/>
+              </a:ext>
+            </a:extLst>
+          </p:cNvPr>
+          <p:cNvSpPr/>
+          <p:nvPr/>
+        </p:nvSpPr>
+        <p:spPr>
+          <a:xfrm>
+            <a:off x="3137811" y="2773221"/>
+            <a:ext cx="590001" cy="198436"/>
+          </a:xfrm>
+          <a:prstGeom prst="rect">
+            <a:avLst/>
+          </a:prstGeom>
+        </p:spPr>
+        <p:style>
+          <a:lnRef idx="2">
+            <a:schemeClr val="dk1"/>
+          </a:lnRef>
+          <a:fillRef idx="1">
+            <a:schemeClr val="lt1"/>
+          </a:fillRef>
+          <a:effectRef idx="0">
+            <a:schemeClr val="dk1"/>
+          </a:effectRef>
+          <a:fontRef idx="minor">
+            <a:schemeClr val="dk1"/>
+          </a:fontRef>
+        </p:style>
+        <p:txBody>
+          <a:bodyPr rot="0" spcFirstLastPara="0" vertOverflow="overflow" horzOverflow="overflow" vert="horz" wrap="square" lIns="58852" tIns="29427" rIns="58852" bIns="29427" numCol="1" spcCol="0" rtlCol="0" fromWordArt="0" anchor="ctr" anchorCtr="0" forceAA="0" compatLnSpc="1">
+            <a:prstTxWarp prst="textNoShape">
+              <a:avLst/>
+            </a:prstTxWarp>
+            <a:noAutofit/>
+          </a:bodyPr>
+          <a:lstStyle/>
+          <a:p>
+            <a:pPr algn="ctr"/>
+            <a:r>
+              <a:rPr lang="en-US" sz="800" dirty="0" smtClean="0">
+                <a:latin typeface="Times New Roman" panose="02020603050405020304" pitchFamily="18" charset="0"/>
+                <a:cs typeface="Times New Roman" panose="02020603050405020304" pitchFamily="18" charset="0"/>
+              </a:rPr>
+              <a:t>Individual</a:t>
+            </a:r>
+            <a:endParaRPr lang="en-US" sz="800" dirty="0">
+              <a:latin typeface="Times New Roman" panose="02020603050405020304" pitchFamily="18" charset="0"/>
+              <a:cs typeface="Times New Roman" panose="02020603050405020304" pitchFamily="18" charset="0"/>
+            </a:endParaRPr>
+          </a:p>
+        </p:txBody>
+      </p:sp>
+      <p:sp>
+        <p:nvSpPr>
+          <p:cNvPr id="39" name="Rectángulo 3">
+            <a:extLst>
+              <a:ext uri="{FF2B5EF4-FFF2-40B4-BE49-F238E27FC236}">
+                <a16:creationId xmlns:a16="http://schemas.microsoft.com/office/drawing/2014/main" xmlns="" id="{70261B79-5D89-227D-9429-3BF0A8DD0692}"/>
+              </a:ext>
+            </a:extLst>
+          </p:cNvPr>
+          <p:cNvSpPr/>
+          <p:nvPr/>
+        </p:nvSpPr>
+        <p:spPr>
+          <a:xfrm>
+            <a:off x="3844292" y="2773221"/>
+            <a:ext cx="541211" cy="202870"/>
+          </a:xfrm>
+          <a:prstGeom prst="rect">
+            <a:avLst/>
+          </a:prstGeom>
+        </p:spPr>
+        <p:style>
+          <a:lnRef idx="2">
+            <a:schemeClr val="dk1"/>
+          </a:lnRef>
+          <a:fillRef idx="1">
+            <a:schemeClr val="lt1"/>
+          </a:fillRef>
+          <a:effectRef idx="0">
+            <a:schemeClr val="dk1"/>
+          </a:effectRef>
+          <a:fontRef idx="minor">
+            <a:schemeClr val="dk1"/>
+          </a:fontRef>
+        </p:style>
+        <p:txBody>
+          <a:bodyPr rot="0" spcFirstLastPara="0" vertOverflow="overflow" horzOverflow="overflow" vert="horz" wrap="square" lIns="58852" tIns="29427" rIns="58852" bIns="29427" numCol="1" spcCol="0" rtlCol="0" fromWordArt="0" anchor="ctr" anchorCtr="0" forceAA="0" compatLnSpc="1">
+            <a:prstTxWarp prst="textNoShape">
+              <a:avLst/>
+            </a:prstTxWarp>
+            <a:noAutofit/>
+          </a:bodyPr>
+          <a:lstStyle/>
+          <a:p>
+            <a:pPr algn="ctr"/>
+            <a:r>
+              <a:rPr lang="en-US" sz="800" dirty="0" smtClean="0">
+                <a:latin typeface="Times New Roman" panose="02020603050405020304" pitchFamily="18" charset="0"/>
+                <a:cs typeface="Times New Roman" panose="02020603050405020304" pitchFamily="18" charset="0"/>
+              </a:rPr>
+              <a:t>Structural</a:t>
+            </a:r>
+            <a:endParaRPr lang="en-US" sz="800" dirty="0">
+              <a:latin typeface="Times New Roman" panose="02020603050405020304" pitchFamily="18" charset="0"/>
+              <a:cs typeface="Times New Roman" panose="02020603050405020304" pitchFamily="18" charset="0"/>
+            </a:endParaRPr>
+          </a:p>
+        </p:txBody>
+      </p:sp>
+      <p:cxnSp>
+        <p:nvCxnSpPr>
+          <p:cNvPr id="41" name="Straight Connector 40"/>
+          <p:cNvCxnSpPr>
+            <a:stCxn id="37" idx="0"/>
+            <a:endCxn id="29" idx="2"/>
+          </p:cNvCxnSpPr>
+          <p:nvPr/>
+        </p:nvCxnSpPr>
+        <p:spPr>
+          <a:xfrm flipV="1">
+            <a:off x="3432812" y="2552002"/>
+            <a:ext cx="335766" cy="221219"/>
+          </a:xfrm>
+          <a:prstGeom prst="line">
+            <a:avLst/>
+          </a:prstGeom>
+          <a:ln>
+            <a:headEnd type="triangle"/>
+          </a:ln>
+        </p:spPr>
+        <p:style>
+          <a:lnRef idx="2">
+            <a:schemeClr val="dk1"/>
+          </a:lnRef>
+          <a:fillRef idx="1">
+            <a:schemeClr val="lt1"/>
+          </a:fillRef>
+          <a:effectRef idx="0">
+            <a:schemeClr val="dk1"/>
+          </a:effectRef>
+          <a:fontRef idx="minor">
+            <a:schemeClr val="dk1"/>
+          </a:fontRef>
+        </p:style>
+      </p:cxnSp>
+      <p:cxnSp>
+        <p:nvCxnSpPr>
+          <p:cNvPr id="52" name="Straight Connector 51"/>
+          <p:cNvCxnSpPr>
+            <a:stCxn id="39" idx="0"/>
+            <a:endCxn id="29" idx="2"/>
+          </p:cNvCxnSpPr>
+          <p:nvPr/>
+        </p:nvCxnSpPr>
+        <p:spPr>
+          <a:xfrm flipH="1" flipV="1">
+            <a:off x="3768578" y="2552002"/>
+            <a:ext cx="346320" cy="221219"/>
+          </a:xfrm>
+          <a:prstGeom prst="line">
+            <a:avLst/>
+          </a:prstGeom>
+          <a:ln>
+            <a:headEnd type="triangle"/>
+          </a:ln>
+        </p:spPr>
+        <p:style>
+          <a:lnRef idx="2">
+            <a:schemeClr val="dk1"/>
+          </a:lnRef>
+          <a:fillRef idx="1">
+            <a:schemeClr val="lt1"/>
+          </a:fillRef>
+          <a:effectRef idx="0">
+            <a:schemeClr val="dk1"/>
+          </a:effectRef>
+          <a:fontRef idx="minor">
+            <a:schemeClr val="dk1"/>
+          </a:fontRef>
+        </p:style>
+      </p:cxnSp>
+      <p:sp>
+        <p:nvSpPr>
+          <p:cNvPr id="62" name="Rectángulo 3"/>
+          <p:cNvSpPr/>
+          <p:nvPr/>
+        </p:nvSpPr>
+        <p:spPr>
+          <a:xfrm>
+            <a:off x="1092718" y="1746470"/>
+            <a:ext cx="822960" cy="274320"/>
+          </a:xfrm>
+          <a:prstGeom prst="rect">
+            <a:avLst/>
+          </a:prstGeom>
+        </p:spPr>
+        <p:style>
+          <a:lnRef idx="2">
+            <a:schemeClr val="dk1"/>
+          </a:lnRef>
+          <a:fillRef idx="1">
+            <a:schemeClr val="lt1"/>
+          </a:fillRef>
+          <a:effectRef idx="0">
+            <a:schemeClr val="dk1"/>
+          </a:effectRef>
+          <a:fontRef idx="minor">
+            <a:schemeClr val="dk1"/>
+          </a:fontRef>
+        </p:style>
+        <p:txBody>
+          <a:bodyPr rot="0" spcFirstLastPara="0" vertOverflow="overflow" horzOverflow="overflow" vert="horz" wrap="square" lIns="58852" tIns="29427" rIns="58852" bIns="29427" numCol="1" spcCol="0" rtlCol="0" fromWordArt="0" anchor="ctr" anchorCtr="0" forceAA="0" compatLnSpc="1">
+            <a:prstTxWarp prst="textNoShape">
+              <a:avLst/>
+            </a:prstTxWarp>
+            <a:noAutofit/>
+          </a:bodyPr>
+          <a:lstStyle/>
+          <a:p>
+            <a:pPr algn="ctr"/>
+            <a:r>
+              <a:rPr lang="en-US" sz="800" dirty="0" smtClean="0">
+                <a:latin typeface="Times New Roman" panose="02020603050405020304" pitchFamily="18" charset="0"/>
+                <a:cs typeface="Times New Roman" panose="02020603050405020304" pitchFamily="18" charset="0"/>
+              </a:rPr>
+              <a:t>Social Class</a:t>
+            </a:r>
+          </a:p>
+          <a:p>
+            <a:pPr algn="ctr"/>
+            <a:r>
+              <a:rPr lang="en-US" sz="800" dirty="0" smtClean="0">
+                <a:latin typeface="Times New Roman" panose="02020603050405020304" pitchFamily="18" charset="0"/>
+                <a:cs typeface="Times New Roman" panose="02020603050405020304" pitchFamily="18" charset="0"/>
+              </a:rPr>
+              <a:t>(Segregation)</a:t>
+            </a:r>
+            <a:endParaRPr lang="en-US" sz="800" dirty="0" smtClean="0">
+              <a:latin typeface="Times New Roman" panose="02020603050405020304" pitchFamily="18" charset="0"/>
+              <a:cs typeface="Times New Roman" panose="02020603050405020304" pitchFamily="18" charset="0"/>
+            </a:endParaRPr>
+          </a:p>
+        </p:txBody>
+      </p:sp>
+      <p:sp>
+        <p:nvSpPr>
+          <p:cNvPr id="83" name="Rectángulo 3"/>
+          <p:cNvSpPr/>
+          <p:nvPr/>
+        </p:nvSpPr>
+        <p:spPr>
+          <a:xfrm>
+            <a:off x="2222551" y="1786521"/>
+            <a:ext cx="651041" cy="259420"/>
+          </a:xfrm>
+          <a:prstGeom prst="rect">
+            <a:avLst/>
+          </a:prstGeom>
+        </p:spPr>
+        <p:style>
+          <a:lnRef idx="2">
+            <a:schemeClr val="dk1"/>
+          </a:lnRef>
+          <a:fillRef idx="1">
+            <a:schemeClr val="lt1"/>
+          </a:fillRef>
+          <a:effectRef idx="0">
+            <a:schemeClr val="dk1"/>
+          </a:effectRef>
+          <a:fontRef idx="minor">
+            <a:schemeClr val="dk1"/>
+          </a:fontRef>
+        </p:style>
+        <p:txBody>
+          <a:bodyPr rot="0" spcFirstLastPara="0" vertOverflow="overflow" horzOverflow="overflow" vert="horz" wrap="square" lIns="58852" tIns="29427" rIns="58852" bIns="29427" numCol="1" spcCol="0" rtlCol="0" fromWordArt="0" anchor="ctr" anchorCtr="0" forceAA="0" compatLnSpc="1">
+            <a:prstTxWarp prst="textNoShape">
+              <a:avLst/>
+            </a:prstTxWarp>
+            <a:noAutofit/>
+          </a:bodyPr>
+          <a:lstStyle/>
+          <a:p>
+            <a:pPr algn="ctr"/>
+            <a:r>
+              <a:rPr lang="en-US" sz="800" dirty="0" smtClean="0">
+                <a:latin typeface="Times New Roman" panose="02020603050405020304" pitchFamily="18" charset="0"/>
+                <a:cs typeface="Times New Roman" panose="02020603050405020304" pitchFamily="18" charset="0"/>
+              </a:rPr>
+              <a:t>Social ties</a:t>
+            </a:r>
+            <a:endParaRPr lang="en-US" sz="800" dirty="0">
+              <a:latin typeface="Times New Roman" panose="02020603050405020304" pitchFamily="18" charset="0"/>
+              <a:cs typeface="Times New Roman" panose="02020603050405020304" pitchFamily="18" charset="0"/>
+            </a:endParaRPr>
+          </a:p>
+        </p:txBody>
+      </p:sp>
+      <p:sp>
+        <p:nvSpPr>
+          <p:cNvPr id="95" name="Rectángulo 3">
+            <a:extLst>
+              <a:ext uri="{FF2B5EF4-FFF2-40B4-BE49-F238E27FC236}">
+                <a16:creationId xmlns:a16="http://schemas.microsoft.com/office/drawing/2014/main" xmlns="" id="{70261B79-5D89-227D-9429-3BF0A8DD0692}"/>
+              </a:ext>
+            </a:extLst>
+          </p:cNvPr>
+          <p:cNvSpPr/>
+          <p:nvPr/>
+        </p:nvSpPr>
+        <p:spPr>
+          <a:xfrm>
+            <a:off x="2222552" y="1465316"/>
+            <a:ext cx="651041" cy="259420"/>
+          </a:xfrm>
+          <a:prstGeom prst="rect">
+            <a:avLst/>
+          </a:prstGeom>
+        </p:spPr>
+        <p:style>
+          <a:lnRef idx="2">
+            <a:schemeClr val="dk1"/>
+          </a:lnRef>
+          <a:fillRef idx="1">
+            <a:schemeClr val="lt1"/>
+          </a:fillRef>
+          <a:effectRef idx="0">
+            <a:schemeClr val="dk1"/>
+          </a:effectRef>
+          <a:fontRef idx="minor">
+            <a:schemeClr val="dk1"/>
+          </a:fontRef>
+        </p:style>
+        <p:txBody>
+          <a:bodyPr rot="0" spcFirstLastPara="0" vertOverflow="overflow" horzOverflow="overflow" vert="horz" wrap="square" lIns="58852" tIns="29427" rIns="58852" bIns="29427" numCol="1" spcCol="0" rtlCol="0" fromWordArt="0" anchor="ctr" anchorCtr="0" forceAA="0" compatLnSpc="1">
+            <a:prstTxWarp prst="textNoShape">
+              <a:avLst/>
+            </a:prstTxWarp>
+            <a:noAutofit/>
+          </a:bodyPr>
+          <a:lstStyle/>
+          <a:p>
+            <a:pPr algn="ctr"/>
+            <a:r>
+              <a:rPr lang="en-US" sz="800" dirty="0" smtClean="0">
+                <a:latin typeface="Times New Roman" panose="02020603050405020304" pitchFamily="18" charset="0"/>
+                <a:cs typeface="Times New Roman" panose="02020603050405020304" pitchFamily="18" charset="0"/>
+              </a:rPr>
+              <a:t>Social Resources</a:t>
+            </a:r>
+            <a:endParaRPr lang="en-US" sz="800" dirty="0">
+              <a:latin typeface="Times New Roman" panose="02020603050405020304" pitchFamily="18" charset="0"/>
+              <a:cs typeface="Times New Roman" panose="02020603050405020304" pitchFamily="18" charset="0"/>
+            </a:endParaRPr>
+          </a:p>
+        </p:txBody>
+      </p:sp>
+      <p:sp>
+        <p:nvSpPr>
+          <p:cNvPr id="102" name="Rectángulo 3">
+            <a:extLst>
+              <a:ext uri="{FF2B5EF4-FFF2-40B4-BE49-F238E27FC236}">
+                <a16:creationId xmlns:a16="http://schemas.microsoft.com/office/drawing/2014/main" xmlns="" id="{70261B79-5D89-227D-9429-3BF0A8DD0692}"/>
+              </a:ext>
+            </a:extLst>
+          </p:cNvPr>
+          <p:cNvSpPr/>
+          <p:nvPr/>
+        </p:nvSpPr>
+        <p:spPr>
+          <a:xfrm>
+            <a:off x="2222551" y="2114395"/>
+            <a:ext cx="651041" cy="259420"/>
+          </a:xfrm>
+          <a:prstGeom prst="rect">
+            <a:avLst/>
+          </a:prstGeom>
+        </p:spPr>
+        <p:style>
+          <a:lnRef idx="2">
+            <a:schemeClr val="dk1"/>
+          </a:lnRef>
+          <a:fillRef idx="1">
+            <a:schemeClr val="lt1"/>
+          </a:fillRef>
+          <a:effectRef idx="0">
+            <a:schemeClr val="dk1"/>
+          </a:effectRef>
+          <a:fontRef idx="minor">
+            <a:schemeClr val="dk1"/>
+          </a:fontRef>
+        </p:style>
+        <p:txBody>
+          <a:bodyPr rot="0" spcFirstLastPara="0" vertOverflow="overflow" horzOverflow="overflow" vert="horz" wrap="square" lIns="58852" tIns="29427" rIns="58852" bIns="29427" numCol="1" spcCol="0" rtlCol="0" fromWordArt="0" anchor="ctr" anchorCtr="0" forceAA="0" compatLnSpc="1">
+            <a:prstTxWarp prst="textNoShape">
+              <a:avLst/>
+            </a:prstTxWarp>
+            <a:noAutofit/>
+          </a:bodyPr>
+          <a:lstStyle/>
+          <a:p>
+            <a:pPr algn="ctr"/>
+            <a:r>
+              <a:rPr lang="en-US" sz="800" dirty="0" smtClean="0">
+                <a:latin typeface="Times New Roman" panose="02020603050405020304" pitchFamily="18" charset="0"/>
+                <a:cs typeface="Times New Roman" panose="02020603050405020304" pitchFamily="18" charset="0"/>
+              </a:rPr>
+              <a:t>Personal </a:t>
+            </a:r>
+          </a:p>
+          <a:p>
+            <a:pPr algn="ctr"/>
+            <a:r>
+              <a:rPr lang="en-US" sz="800" dirty="0" smtClean="0">
+                <a:latin typeface="Times New Roman" panose="02020603050405020304" pitchFamily="18" charset="0"/>
+                <a:cs typeface="Times New Roman" panose="02020603050405020304" pitchFamily="18" charset="0"/>
+              </a:rPr>
+              <a:t>resources</a:t>
+            </a:r>
+            <a:endParaRPr lang="en-US" sz="800" dirty="0">
+              <a:latin typeface="Times New Roman" panose="02020603050405020304" pitchFamily="18" charset="0"/>
+              <a:cs typeface="Times New Roman" panose="02020603050405020304" pitchFamily="18" charset="0"/>
+            </a:endParaRPr>
+          </a:p>
+        </p:txBody>
+      </p:sp>
+      <p:cxnSp>
+        <p:nvCxnSpPr>
+          <p:cNvPr id="114" name="Straight Connector 113"/>
+          <p:cNvCxnSpPr>
+            <a:stCxn id="104" idx="1"/>
+            <a:endCxn id="62" idx="3"/>
+          </p:cNvCxnSpPr>
+          <p:nvPr/>
+        </p:nvCxnSpPr>
+        <p:spPr>
+          <a:xfrm flipH="1" flipV="1">
+            <a:off x="1915678" y="1883630"/>
+            <a:ext cx="199857" cy="1"/>
+          </a:xfrm>
+          <a:prstGeom prst="line">
+            <a:avLst/>
+          </a:prstGeom>
+          <a:ln>
+            <a:headEnd type="triangle"/>
+          </a:ln>
+        </p:spPr>
+        <p:style>
+          <a:lnRef idx="2">
+            <a:schemeClr val="dk1"/>
+          </a:lnRef>
+          <a:fillRef idx="1">
+            <a:schemeClr val="lt1"/>
+          </a:fillRef>
+          <a:effectRef idx="0">
+            <a:schemeClr val="dk1"/>
+          </a:effectRef>
+          <a:fontRef idx="minor">
+            <a:schemeClr val="dk1"/>
+          </a:fontRef>
+        </p:style>
+      </p:cxnSp>
+      <p:cxnSp>
+        <p:nvCxnSpPr>
+          <p:cNvPr id="120" name="Straight Connector 119"/>
+          <p:cNvCxnSpPr>
+            <a:stCxn id="30" idx="1"/>
+            <a:endCxn id="104" idx="3"/>
+          </p:cNvCxnSpPr>
+          <p:nvPr/>
+        </p:nvCxnSpPr>
+        <p:spPr>
+          <a:xfrm flipH="1">
+            <a:off x="3018886" y="1883631"/>
+            <a:ext cx="1491120" cy="0"/>
+          </a:xfrm>
+          <a:prstGeom prst="line">
+            <a:avLst/>
+          </a:prstGeom>
+          <a:ln>
+            <a:headEnd type="triangle"/>
+          </a:ln>
+        </p:spPr>
+        <p:style>
+          <a:lnRef idx="2">
+            <a:schemeClr val="dk1"/>
+          </a:lnRef>
+          <a:fillRef idx="1">
+            <a:schemeClr val="lt1"/>
+          </a:fillRef>
+          <a:effectRef idx="0">
+            <a:schemeClr val="dk1"/>
+          </a:effectRef>
+          <a:fontRef idx="minor">
+            <a:schemeClr val="dk1"/>
+          </a:fontRef>
+        </p:style>
+      </p:cxnSp>
+      <p:cxnSp>
+        <p:nvCxnSpPr>
+          <p:cNvPr id="125" name="Straight Connector 124"/>
+          <p:cNvCxnSpPr>
+            <a:stCxn id="29" idx="1"/>
+            <a:endCxn id="104" idx="3"/>
+          </p:cNvCxnSpPr>
+          <p:nvPr/>
+        </p:nvCxnSpPr>
+        <p:spPr>
+          <a:xfrm flipH="1" flipV="1">
+            <a:off x="3018886" y="1883631"/>
+            <a:ext cx="338212" cy="531211"/>
+          </a:xfrm>
+          <a:prstGeom prst="line">
+            <a:avLst/>
+          </a:prstGeom>
+          <a:ln>
+            <a:headEnd type="triangle"/>
+          </a:ln>
+        </p:spPr>
+        <p:style>
+          <a:lnRef idx="2">
+            <a:schemeClr val="dk1"/>
+          </a:lnRef>
+          <a:fillRef idx="1">
+            <a:schemeClr val="lt1"/>
+          </a:fillRef>
+          <a:effectRef idx="0">
+            <a:schemeClr val="dk1"/>
+          </a:effectRef>
+          <a:fontRef idx="minor">
+            <a:schemeClr val="dk1"/>
+          </a:fontRef>
+        </p:style>
+      </p:cxnSp>
+      <p:cxnSp>
+        <p:nvCxnSpPr>
+          <p:cNvPr id="128" name="Straight Connector 127"/>
+          <p:cNvCxnSpPr>
+            <a:stCxn id="30" idx="1"/>
+            <a:endCxn id="29" idx="3"/>
+          </p:cNvCxnSpPr>
+          <p:nvPr/>
+        </p:nvCxnSpPr>
+        <p:spPr>
+          <a:xfrm flipH="1">
+            <a:off x="4180058" y="1883631"/>
+            <a:ext cx="329948" cy="531211"/>
+          </a:xfrm>
+          <a:prstGeom prst="line">
+            <a:avLst/>
+          </a:prstGeom>
+          <a:ln>
+            <a:headEnd type="triangle"/>
+          </a:ln>
+        </p:spPr>
+        <p:style>
+          <a:lnRef idx="2">
+            <a:schemeClr val="dk1"/>
+          </a:lnRef>
+          <a:fillRef idx="1">
+            <a:schemeClr val="lt1"/>
+          </a:fillRef>
+          <a:effectRef idx="0">
+            <a:schemeClr val="dk1"/>
+          </a:effectRef>
+          <a:fontRef idx="minor">
+            <a:schemeClr val="dk1"/>
+          </a:fontRef>
+        </p:style>
+      </p:cxnSp>
+      <p:sp>
+        <p:nvSpPr>
+          <p:cNvPr id="180" name="Rectángulo 3"/>
+          <p:cNvSpPr/>
+          <p:nvPr/>
+        </p:nvSpPr>
+        <p:spPr>
+          <a:xfrm>
+            <a:off x="191425" y="736599"/>
+            <a:ext cx="625758" cy="2294065"/>
+          </a:xfrm>
+          <a:prstGeom prst="rect">
+            <a:avLst/>
+          </a:prstGeom>
+        </p:spPr>
+        <p:style>
+          <a:lnRef idx="2">
+            <a:schemeClr val="dk1"/>
+          </a:lnRef>
+          <a:fillRef idx="1">
+            <a:schemeClr val="lt1"/>
+          </a:fillRef>
+          <a:effectRef idx="0">
+            <a:schemeClr val="dk1"/>
+          </a:effectRef>
+          <a:fontRef idx="minor">
+            <a:schemeClr val="dk1"/>
+          </a:fontRef>
+        </p:style>
+        <p:txBody>
+          <a:bodyPr rot="0" spcFirstLastPara="0" vertOverflow="overflow" horzOverflow="overflow" vert="horz" wrap="square" lIns="58852" tIns="29427" rIns="58852" bIns="29427" numCol="1" spcCol="0" rtlCol="0" fromWordArt="0" anchor="ctr" anchorCtr="0" forceAA="0" compatLnSpc="1">
+            <a:prstTxWarp prst="textNoShape">
+              <a:avLst/>
+            </a:prstTxWarp>
+            <a:noAutofit/>
+          </a:bodyPr>
+          <a:lstStyle/>
+          <a:p>
+            <a:pPr algn="ctr"/>
+            <a:r>
+              <a:rPr lang="en-US" sz="800" dirty="0" smtClean="0">
+                <a:latin typeface="Times New Roman" panose="02020603050405020304" pitchFamily="18" charset="0"/>
+                <a:cs typeface="Times New Roman" panose="02020603050405020304" pitchFamily="18" charset="0"/>
+              </a:rPr>
+              <a:t>Economic Inequality</a:t>
+            </a:r>
+          </a:p>
+        </p:txBody>
+      </p:sp>
+      <p:cxnSp>
+        <p:nvCxnSpPr>
+          <p:cNvPr id="207" name="Elbow Connector 206"/>
+          <p:cNvCxnSpPr>
+            <a:stCxn id="180" idx="2"/>
+            <a:endCxn id="30" idx="2"/>
+          </p:cNvCxnSpPr>
+          <p:nvPr/>
+        </p:nvCxnSpPr>
+        <p:spPr>
+          <a:xfrm rot="5400000" flipH="1" flipV="1">
+            <a:off x="2686742" y="848224"/>
+            <a:ext cx="1" cy="4364879"/>
+          </a:xfrm>
+          <a:prstGeom prst="bentConnector3">
+            <a:avLst>
+              <a:gd name="adj1" fmla="val -22860000000"/>
+            </a:avLst>
+          </a:prstGeom>
+          <a:ln w="12700">
+            <a:tailEnd type="triangle"/>
+          </a:ln>
+        </p:spPr>
+        <p:style>
+          <a:lnRef idx="3">
+            <a:schemeClr val="dk1"/>
+          </a:lnRef>
+          <a:fillRef idx="0">
+            <a:schemeClr val="dk1"/>
+          </a:fillRef>
+          <a:effectRef idx="2">
+            <a:schemeClr val="dk1"/>
+          </a:effectRef>
+          <a:fontRef idx="minor">
+            <a:schemeClr val="tx1"/>
+          </a:fontRef>
+        </p:style>
+      </p:cxnSp>
+      <p:cxnSp>
+        <p:nvCxnSpPr>
+          <p:cNvPr id="217" name="Straight Connector 216"/>
+          <p:cNvCxnSpPr>
+            <a:stCxn id="62" idx="1"/>
+            <a:endCxn id="180" idx="3"/>
+          </p:cNvCxnSpPr>
+          <p:nvPr/>
+        </p:nvCxnSpPr>
+        <p:spPr>
+          <a:xfrm flipH="1">
+            <a:off x="817183" y="1883630"/>
+            <a:ext cx="275535" cy="2"/>
+          </a:xfrm>
+          <a:prstGeom prst="line">
+            <a:avLst/>
+          </a:prstGeom>
+          <a:ln>
+            <a:headEnd type="triangle"/>
+          </a:ln>
+        </p:spPr>
+        <p:style>
+          <a:lnRef idx="2">
+            <a:schemeClr val="dk1"/>
+          </a:lnRef>
+          <a:fillRef idx="1">
+            <a:schemeClr val="lt1"/>
+          </a:fillRef>
+          <a:effectRef idx="0">
+            <a:schemeClr val="dk1"/>
+          </a:effectRef>
+          <a:fontRef idx="minor">
+            <a:schemeClr val="dk1"/>
+          </a:fontRef>
+        </p:style>
+      </p:cxnSp>
+      <p:cxnSp>
+        <p:nvCxnSpPr>
+          <p:cNvPr id="222" name="Elbow Connector 221"/>
+          <p:cNvCxnSpPr>
+            <a:stCxn id="30" idx="0"/>
+            <a:endCxn id="180" idx="0"/>
+          </p:cNvCxnSpPr>
+          <p:nvPr/>
+        </p:nvCxnSpPr>
+        <p:spPr>
+          <a:xfrm rot="16200000" flipH="1" flipV="1">
+            <a:off x="2686743" y="-1445842"/>
+            <a:ext cx="1" cy="4364879"/>
+          </a:xfrm>
+          <a:prstGeom prst="bentConnector3">
+            <a:avLst>
+              <a:gd name="adj1" fmla="val -22860000000"/>
+            </a:avLst>
+          </a:prstGeom>
+          <a:ln w="12700">
+            <a:tailEnd type="triangle"/>
+          </a:ln>
+        </p:spPr>
+        <p:style>
+          <a:lnRef idx="3">
+            <a:schemeClr val="dk1"/>
+          </a:lnRef>
+          <a:fillRef idx="0">
+            <a:schemeClr val="dk1"/>
+          </a:fillRef>
+          <a:effectRef idx="2">
+            <a:schemeClr val="dk1"/>
+          </a:effectRef>
+          <a:fontRef idx="minor">
+            <a:schemeClr val="tx1"/>
+          </a:fontRef>
+        </p:style>
+      </p:cxnSp>
+    </p:spTree>
+    <p:extLst>
+      <p:ext uri="{BB962C8B-B14F-4D97-AF65-F5344CB8AC3E}">
+        <p14:creationId xmlns:p14="http://schemas.microsoft.com/office/powerpoint/2010/main" val="3321077853"/>
+      </p:ext>
+    </p:extLst>
+  </p:cSld>
+  <p:clrMapOvr>
+    <a:masterClrMapping/>
+  </p:clrMapOvr>
+  <p:timing>
+    <p:tnLst>
+      <p:par>
+        <p:cTn id="1" dur="indefinite" restart="never" nodeType="tmRoot"/>
+      </p:par>
+    </p:tnLst>
+  </p:timing>
+</p:sld>
+</file>
+
 <file path=ppt/slides/slide2.xml><?xml version="1.0" encoding="utf-8"?>
 <p:sld xmlns:a="http://schemas.openxmlformats.org/drawingml/2006/main" xmlns:r="http://schemas.openxmlformats.org/officeDocument/2006/relationships" xmlns:p="http://schemas.openxmlformats.org/presentationml/2006/main">
   <p:cSld>
@@ -9403,19 +10453,8 @@
                 <a:latin typeface="Times New Roman" panose="02020603050405020304" pitchFamily="18" charset="0"/>
                 <a:cs typeface="Times New Roman" panose="02020603050405020304" pitchFamily="18" charset="0"/>
               </a:rPr>
-              <a:t> </a:t>
-            </a:r>
-            <a:r>
-              <a:rPr lang="es-CL" sz="800" dirty="0" smtClean="0">
-                <a:latin typeface="Times New Roman" panose="02020603050405020304" pitchFamily="18" charset="0"/>
-                <a:cs typeface="Times New Roman" panose="02020603050405020304" pitchFamily="18" charset="0"/>
-              </a:rPr>
-              <a:t>Social </a:t>
-            </a:r>
-            <a:endParaRPr lang="es-CL" sz="800" dirty="0" smtClean="0">
-              <a:latin typeface="Times New Roman" panose="02020603050405020304" pitchFamily="18" charset="0"/>
-              <a:cs typeface="Times New Roman" panose="02020603050405020304" pitchFamily="18" charset="0"/>
-            </a:endParaRPr>
+              <a:t> Social </a:t>
+            </a:r>
           </a:p>
           <a:p>
             <a:pPr algn="ctr"/>
@@ -10089,7 +11128,7 @@
           <a:p>
             <a:pPr algn="ctr"/>
             <a:r>
-              <a:rPr lang="en-GB" sz="500" i="1" dirty="0" smtClean="0">
+              <a:rPr lang="en-GB" sz="600" i="1" dirty="0" smtClean="0">
                 <a:latin typeface="Times New Roman" panose="02020603050405020304" pitchFamily="18" charset="0"/>
                 <a:cs typeface="Times New Roman" panose="02020603050405020304" pitchFamily="18" charset="0"/>
               </a:rPr>
@@ -10099,13 +11138,13 @@
           <a:p>
             <a:pPr algn="ctr"/>
             <a:r>
-              <a:rPr lang="en-GB" sz="500" i="1" dirty="0" smtClean="0">
+              <a:rPr lang="en-GB" sz="600" i="1" dirty="0" smtClean="0">
                 <a:latin typeface="Times New Roman" panose="02020603050405020304" pitchFamily="18" charset="0"/>
                 <a:cs typeface="Times New Roman" panose="02020603050405020304" pitchFamily="18" charset="0"/>
               </a:rPr>
               <a:t>Argument (-)</a:t>
             </a:r>
-            <a:endParaRPr lang="en-GB" sz="500" i="1" dirty="0">
+            <a:endParaRPr lang="en-GB" sz="600" i="1" dirty="0">
               <a:latin typeface="Times New Roman" panose="02020603050405020304" pitchFamily="18" charset="0"/>
               <a:cs typeface="Times New Roman" panose="02020603050405020304" pitchFamily="18" charset="0"/>
             </a:endParaRPr>
@@ -10161,7 +11200,7 @@
           <a:p>
             <a:pPr algn="ctr"/>
             <a:r>
-              <a:rPr lang="en-GB" sz="500" i="1" dirty="0" smtClean="0">
+              <a:rPr lang="en-GB" sz="600" i="1" dirty="0" smtClean="0">
                 <a:latin typeface="Times New Roman" panose="02020603050405020304" pitchFamily="18" charset="0"/>
                 <a:cs typeface="Times New Roman" panose="02020603050405020304" pitchFamily="18" charset="0"/>
               </a:rPr>
@@ -10171,13 +11210,13 @@
           <a:p>
             <a:pPr algn="ctr"/>
             <a:r>
-              <a:rPr lang="en-GB" sz="500" i="1" dirty="0" smtClean="0">
+              <a:rPr lang="en-GB" sz="600" i="1" dirty="0" smtClean="0">
                 <a:latin typeface="Times New Roman" panose="02020603050405020304" pitchFamily="18" charset="0"/>
                 <a:cs typeface="Times New Roman" panose="02020603050405020304" pitchFamily="18" charset="0"/>
               </a:rPr>
               <a:t>Argument (-)</a:t>
             </a:r>
-            <a:endParaRPr lang="en-GB" sz="500" i="1" dirty="0">
+            <a:endParaRPr lang="en-GB" sz="600" i="1" dirty="0">
               <a:latin typeface="Times New Roman" panose="02020603050405020304" pitchFamily="18" charset="0"/>
               <a:cs typeface="Times New Roman" panose="02020603050405020304" pitchFamily="18" charset="0"/>
             </a:endParaRPr>
@@ -10234,7 +11273,7 @@
           <a:p>
             <a:pPr algn="ctr"/>
             <a:r>
-              <a:rPr lang="en-GB" sz="500" i="1" dirty="0" smtClean="0">
+              <a:rPr lang="en-GB" sz="600" i="1" dirty="0" smtClean="0">
                 <a:latin typeface="Times New Roman" panose="02020603050405020304" pitchFamily="18" charset="0"/>
                 <a:cs typeface="Times New Roman" panose="02020603050405020304" pitchFamily="18" charset="0"/>
               </a:rPr>
@@ -10244,13 +11283,13 @@
           <a:p>
             <a:pPr algn="ctr"/>
             <a:r>
-              <a:rPr lang="en-GB" sz="500" i="1" dirty="0" smtClean="0">
+              <a:rPr lang="en-GB" sz="600" i="1" dirty="0" smtClean="0">
                 <a:latin typeface="Times New Roman" panose="02020603050405020304" pitchFamily="18" charset="0"/>
                 <a:cs typeface="Times New Roman" panose="02020603050405020304" pitchFamily="18" charset="0"/>
               </a:rPr>
               <a:t>Argument (-)</a:t>
             </a:r>
-            <a:endParaRPr lang="en-GB" sz="500" i="1" dirty="0">
+            <a:endParaRPr lang="en-GB" sz="600" i="1" dirty="0">
               <a:latin typeface="Times New Roman" panose="02020603050405020304" pitchFamily="18" charset="0"/>
               <a:cs typeface="Times New Roman" panose="02020603050405020304" pitchFamily="18" charset="0"/>
             </a:endParaRPr>
@@ -10261,6 +11300,2001 @@
     <p:extLst>
       <p:ext uri="{BB962C8B-B14F-4D97-AF65-F5344CB8AC3E}">
         <p14:creationId xmlns:p14="http://schemas.microsoft.com/office/powerpoint/2010/main" val="3082306094"/>
+      </p:ext>
+    </p:extLst>
+  </p:cSld>
+  <p:clrMapOvr>
+    <a:masterClrMapping/>
+  </p:clrMapOvr>
+  <p:timing>
+    <p:tnLst>
+      <p:par>
+        <p:cTn id="1" dur="indefinite" restart="never" nodeType="tmRoot"/>
+      </p:par>
+    </p:tnLst>
+  </p:timing>
+</p:sld>
+</file>
+
+<file path=ppt/slides/slide8.xml><?xml version="1.0" encoding="utf-8"?>
+<p:sld xmlns:a="http://schemas.openxmlformats.org/drawingml/2006/main" xmlns:r="http://schemas.openxmlformats.org/officeDocument/2006/relationships" xmlns:p="http://schemas.openxmlformats.org/presentationml/2006/main">
+  <p:cSld>
+    <p:spTree>
+      <p:nvGrpSpPr>
+        <p:cNvPr id="1" name=""/>
+        <p:cNvGrpSpPr/>
+        <p:nvPr/>
+      </p:nvGrpSpPr>
+      <p:grpSpPr>
+        <a:xfrm>
+          <a:off x="0" y="0"/>
+          <a:ext cx="0" cy="0"/>
+          <a:chOff x="0" y="0"/>
+          <a:chExt cx="0" cy="0"/>
+        </a:xfrm>
+      </p:grpSpPr>
+      <p:sp>
+        <p:nvSpPr>
+          <p:cNvPr id="73" name="Rectángulo 3">
+            <a:extLst>
+              <a:ext uri="{FF2B5EF4-FFF2-40B4-BE49-F238E27FC236}">
+                <a16:creationId xmlns:a16="http://schemas.microsoft.com/office/drawing/2014/main" xmlns="" id="{45F24945-A4EB-D27D-DEE6-909F68D05586}"/>
+              </a:ext>
+            </a:extLst>
+          </p:cNvPr>
+          <p:cNvSpPr/>
+          <p:nvPr/>
+        </p:nvSpPr>
+        <p:spPr>
+          <a:xfrm>
+            <a:off x="52128" y="374649"/>
+            <a:ext cx="5267430" cy="2413001"/>
+          </a:xfrm>
+          <a:prstGeom prst="rect">
+            <a:avLst/>
+          </a:prstGeom>
+          <a:noFill/>
+          <a:ln w="9525" cap="flat" cmpd="sng" algn="ctr">
+            <a:solidFill>
+              <a:schemeClr val="dk1"/>
+            </a:solidFill>
+            <a:prstDash val="solid"/>
+            <a:round/>
+            <a:headEnd type="none" w="med" len="med"/>
+            <a:tailEnd type="none" w="med" len="med"/>
+          </a:ln>
+        </p:spPr>
+        <p:style>
+          <a:lnRef idx="0">
+            <a:scrgbClr r="0" g="0" b="0"/>
+          </a:lnRef>
+          <a:fillRef idx="0">
+            <a:scrgbClr r="0" g="0" b="0"/>
+          </a:fillRef>
+          <a:effectRef idx="0">
+            <a:scrgbClr r="0" g="0" b="0"/>
+          </a:effectRef>
+          <a:fontRef idx="minor">
+            <a:schemeClr val="dk1"/>
+          </a:fontRef>
+        </p:style>
+        <p:txBody>
+          <a:bodyPr rot="0" spcFirstLastPara="0" vertOverflow="overflow" horzOverflow="overflow" vert="horz" wrap="square" lIns="58852" tIns="29427" rIns="58852" bIns="29427" numCol="1" spcCol="0" rtlCol="0" fromWordArt="0" anchor="ctr" anchorCtr="0" forceAA="0" compatLnSpc="1">
+            <a:prstTxWarp prst="textNoShape">
+              <a:avLst/>
+            </a:prstTxWarp>
+            <a:noAutofit/>
+          </a:bodyPr>
+          <a:lstStyle/>
+          <a:p>
+            <a:pPr algn="ctr"/>
+            <a:endParaRPr lang="es-CL" sz="800" dirty="0">
+              <a:latin typeface="Times New Roman" panose="02020603050405020304" pitchFamily="18" charset="0"/>
+              <a:cs typeface="Times New Roman" panose="02020603050405020304" pitchFamily="18" charset="0"/>
+            </a:endParaRPr>
+          </a:p>
+        </p:txBody>
+      </p:sp>
+      <p:sp>
+        <p:nvSpPr>
+          <p:cNvPr id="30" name="Rectángulo 3">
+            <a:extLst>
+              <a:ext uri="{FF2B5EF4-FFF2-40B4-BE49-F238E27FC236}">
+                <a16:creationId xmlns:a16="http://schemas.microsoft.com/office/drawing/2014/main" xmlns="" id="{70261B79-5D89-227D-9429-3BF0A8DD0692}"/>
+              </a:ext>
+            </a:extLst>
+          </p:cNvPr>
+          <p:cNvSpPr/>
+          <p:nvPr/>
+        </p:nvSpPr>
+        <p:spPr>
+          <a:xfrm>
+            <a:off x="509488" y="725600"/>
+            <a:ext cx="903558" cy="315211"/>
+          </a:xfrm>
+          <a:prstGeom prst="rect">
+            <a:avLst/>
+          </a:prstGeom>
+        </p:spPr>
+        <p:style>
+          <a:lnRef idx="2">
+            <a:schemeClr val="dk1"/>
+          </a:lnRef>
+          <a:fillRef idx="1">
+            <a:schemeClr val="lt1"/>
+          </a:fillRef>
+          <a:effectRef idx="0">
+            <a:schemeClr val="dk1"/>
+          </a:effectRef>
+          <a:fontRef idx="minor">
+            <a:schemeClr val="dk1"/>
+          </a:fontRef>
+        </p:style>
+        <p:txBody>
+          <a:bodyPr rot="0" spcFirstLastPara="0" vertOverflow="overflow" horzOverflow="overflow" vert="horz" wrap="square" lIns="58852" tIns="29427" rIns="58852" bIns="29427" numCol="1" spcCol="0" rtlCol="0" fromWordArt="0" anchor="ctr" anchorCtr="0" forceAA="0" compatLnSpc="1">
+            <a:prstTxWarp prst="textNoShape">
+              <a:avLst/>
+            </a:prstTxWarp>
+            <a:noAutofit/>
+          </a:bodyPr>
+          <a:lstStyle/>
+          <a:p>
+            <a:pPr algn="ctr"/>
+            <a:r>
+              <a:rPr lang="en-GB" sz="800" dirty="0" smtClean="0">
+                <a:latin typeface="Times New Roman" panose="02020603050405020304" pitchFamily="18" charset="0"/>
+                <a:cs typeface="Times New Roman" panose="02020603050405020304" pitchFamily="18" charset="0"/>
+              </a:rPr>
+              <a:t>Information</a:t>
+            </a:r>
+            <a:br>
+              <a:rPr lang="en-GB" sz="800" dirty="0" smtClean="0">
+                <a:latin typeface="Times New Roman" panose="02020603050405020304" pitchFamily="18" charset="0"/>
+                <a:cs typeface="Times New Roman" panose="02020603050405020304" pitchFamily="18" charset="0"/>
+              </a:rPr>
+            </a:br>
+            <a:r>
+              <a:rPr lang="en-GB" sz="800" dirty="0" smtClean="0">
+                <a:latin typeface="Times New Roman" panose="02020603050405020304" pitchFamily="18" charset="0"/>
+                <a:cs typeface="Times New Roman" panose="02020603050405020304" pitchFamily="18" charset="0"/>
+              </a:rPr>
+              <a:t>(Exposure)</a:t>
+            </a:r>
+            <a:endParaRPr lang="en-GB" sz="800" dirty="0">
+              <a:latin typeface="Times New Roman" panose="02020603050405020304" pitchFamily="18" charset="0"/>
+              <a:cs typeface="Times New Roman" panose="02020603050405020304" pitchFamily="18" charset="0"/>
+            </a:endParaRPr>
+          </a:p>
+        </p:txBody>
+      </p:sp>
+      <p:sp>
+        <p:nvSpPr>
+          <p:cNvPr id="19" name="Rectángulo 3">
+            <a:extLst>
+              <a:ext uri="{FF2B5EF4-FFF2-40B4-BE49-F238E27FC236}">
+                <a16:creationId xmlns:a16="http://schemas.microsoft.com/office/drawing/2014/main" xmlns="" id="{70261B79-5D89-227D-9429-3BF0A8DD0692}"/>
+              </a:ext>
+            </a:extLst>
+          </p:cNvPr>
+          <p:cNvSpPr/>
+          <p:nvPr/>
+        </p:nvSpPr>
+        <p:spPr>
+          <a:xfrm>
+            <a:off x="509488" y="1309101"/>
+            <a:ext cx="903558" cy="315211"/>
+          </a:xfrm>
+          <a:prstGeom prst="rect">
+            <a:avLst/>
+          </a:prstGeom>
+        </p:spPr>
+        <p:style>
+          <a:lnRef idx="2">
+            <a:schemeClr val="dk1"/>
+          </a:lnRef>
+          <a:fillRef idx="1">
+            <a:schemeClr val="lt1"/>
+          </a:fillRef>
+          <a:effectRef idx="0">
+            <a:schemeClr val="dk1"/>
+          </a:effectRef>
+          <a:fontRef idx="minor">
+            <a:schemeClr val="dk1"/>
+          </a:fontRef>
+        </p:style>
+        <p:txBody>
+          <a:bodyPr rot="0" spcFirstLastPara="0" vertOverflow="overflow" horzOverflow="overflow" vert="horz" wrap="square" lIns="58852" tIns="29427" rIns="58852" bIns="29427" numCol="1" spcCol="0" rtlCol="0" fromWordArt="0" anchor="ctr" anchorCtr="0" forceAA="0" compatLnSpc="1">
+            <a:prstTxWarp prst="textNoShape">
+              <a:avLst/>
+            </a:prstTxWarp>
+            <a:noAutofit/>
+          </a:bodyPr>
+          <a:lstStyle/>
+          <a:p>
+            <a:pPr algn="ctr"/>
+            <a:r>
+              <a:rPr lang="en-GB" sz="800" dirty="0">
+                <a:latin typeface="Times New Roman" panose="02020603050405020304" pitchFamily="18" charset="0"/>
+                <a:cs typeface="Times New Roman" panose="02020603050405020304" pitchFamily="18" charset="0"/>
+              </a:rPr>
+              <a:t>Perception</a:t>
+            </a:r>
+            <a:br>
+              <a:rPr lang="en-GB" sz="800" dirty="0">
+                <a:latin typeface="Times New Roman" panose="02020603050405020304" pitchFamily="18" charset="0"/>
+                <a:cs typeface="Times New Roman" panose="02020603050405020304" pitchFamily="18" charset="0"/>
+              </a:rPr>
+            </a:br>
+            <a:r>
+              <a:rPr lang="en-GB" sz="800" dirty="0">
+                <a:latin typeface="Times New Roman" panose="02020603050405020304" pitchFamily="18" charset="0"/>
+                <a:cs typeface="Times New Roman" panose="02020603050405020304" pitchFamily="18" charset="0"/>
+              </a:rPr>
+              <a:t>(</a:t>
+            </a:r>
+            <a:r>
+              <a:rPr lang="en-GB" sz="800" dirty="0" smtClean="0">
+                <a:latin typeface="Times New Roman" panose="02020603050405020304" pitchFamily="18" charset="0"/>
+                <a:cs typeface="Times New Roman" panose="02020603050405020304" pitchFamily="18" charset="0"/>
+              </a:rPr>
+              <a:t>Descriptive)</a:t>
+            </a:r>
+            <a:endParaRPr lang="en-GB" sz="800" dirty="0">
+              <a:latin typeface="Times New Roman" panose="02020603050405020304" pitchFamily="18" charset="0"/>
+              <a:cs typeface="Times New Roman" panose="02020603050405020304" pitchFamily="18" charset="0"/>
+            </a:endParaRPr>
+          </a:p>
+        </p:txBody>
+      </p:sp>
+      <p:sp>
+        <p:nvSpPr>
+          <p:cNvPr id="20" name="Rectángulo 3">
+            <a:extLst>
+              <a:ext uri="{FF2B5EF4-FFF2-40B4-BE49-F238E27FC236}">
+                <a16:creationId xmlns:a16="http://schemas.microsoft.com/office/drawing/2014/main" xmlns="" id="{70261B79-5D89-227D-9429-3BF0A8DD0692}"/>
+              </a:ext>
+            </a:extLst>
+          </p:cNvPr>
+          <p:cNvSpPr/>
+          <p:nvPr/>
+        </p:nvSpPr>
+        <p:spPr>
+          <a:xfrm>
+            <a:off x="509488" y="2028220"/>
+            <a:ext cx="903558" cy="315211"/>
+          </a:xfrm>
+          <a:prstGeom prst="rect">
+            <a:avLst/>
+          </a:prstGeom>
+        </p:spPr>
+        <p:style>
+          <a:lnRef idx="2">
+            <a:schemeClr val="dk1"/>
+          </a:lnRef>
+          <a:fillRef idx="1">
+            <a:schemeClr val="lt1"/>
+          </a:fillRef>
+          <a:effectRef idx="0">
+            <a:schemeClr val="dk1"/>
+          </a:effectRef>
+          <a:fontRef idx="minor">
+            <a:schemeClr val="dk1"/>
+          </a:fontRef>
+        </p:style>
+        <p:txBody>
+          <a:bodyPr rot="0" spcFirstLastPara="0" vertOverflow="overflow" horzOverflow="overflow" vert="horz" wrap="square" lIns="58852" tIns="29427" rIns="58852" bIns="29427" numCol="1" spcCol="0" rtlCol="0" fromWordArt="0" anchor="ctr" anchorCtr="0" forceAA="0" compatLnSpc="1">
+            <a:prstTxWarp prst="textNoShape">
+              <a:avLst/>
+            </a:prstTxWarp>
+            <a:noAutofit/>
+          </a:bodyPr>
+          <a:lstStyle/>
+          <a:p>
+            <a:pPr algn="ctr"/>
+            <a:r>
+              <a:rPr lang="en-GB" sz="800" dirty="0" smtClean="0">
+                <a:latin typeface="Times New Roman" panose="02020603050405020304" pitchFamily="18" charset="0"/>
+                <a:cs typeface="Times New Roman" panose="02020603050405020304" pitchFamily="18" charset="0"/>
+              </a:rPr>
+              <a:t>Values</a:t>
+            </a:r>
+          </a:p>
+          <a:p>
+            <a:pPr algn="ctr"/>
+            <a:r>
+              <a:rPr lang="en-GB" sz="800" dirty="0">
+                <a:latin typeface="Times New Roman" panose="02020603050405020304" pitchFamily="18" charset="0"/>
+                <a:cs typeface="Times New Roman" panose="02020603050405020304" pitchFamily="18" charset="0"/>
+              </a:rPr>
+              <a:t>(</a:t>
+            </a:r>
+            <a:r>
+              <a:rPr lang="en-GB" sz="800" dirty="0" smtClean="0">
+                <a:latin typeface="Times New Roman" panose="02020603050405020304" pitchFamily="18" charset="0"/>
+                <a:cs typeface="Times New Roman" panose="02020603050405020304" pitchFamily="18" charset="0"/>
+              </a:rPr>
+              <a:t>Normative)</a:t>
+            </a:r>
+            <a:endParaRPr lang="en-GB" sz="800" dirty="0">
+              <a:latin typeface="Times New Roman" panose="02020603050405020304" pitchFamily="18" charset="0"/>
+              <a:cs typeface="Times New Roman" panose="02020603050405020304" pitchFamily="18" charset="0"/>
+            </a:endParaRPr>
+          </a:p>
+        </p:txBody>
+      </p:sp>
+      <p:sp>
+        <p:nvSpPr>
+          <p:cNvPr id="21" name="Rectángulo 3">
+            <a:extLst>
+              <a:ext uri="{FF2B5EF4-FFF2-40B4-BE49-F238E27FC236}">
+                <a16:creationId xmlns:a16="http://schemas.microsoft.com/office/drawing/2014/main" xmlns="" id="{70261B79-5D89-227D-9429-3BF0A8DD0692}"/>
+              </a:ext>
+            </a:extLst>
+          </p:cNvPr>
+          <p:cNvSpPr/>
+          <p:nvPr/>
+        </p:nvSpPr>
+        <p:spPr>
+          <a:xfrm>
+            <a:off x="1870129" y="1444718"/>
+            <a:ext cx="903558" cy="315211"/>
+          </a:xfrm>
+          <a:prstGeom prst="rect">
+            <a:avLst/>
+          </a:prstGeom>
+        </p:spPr>
+        <p:style>
+          <a:lnRef idx="2">
+            <a:schemeClr val="dk1"/>
+          </a:lnRef>
+          <a:fillRef idx="1">
+            <a:schemeClr val="lt1"/>
+          </a:fillRef>
+          <a:effectRef idx="0">
+            <a:schemeClr val="dk1"/>
+          </a:effectRef>
+          <a:fontRef idx="minor">
+            <a:schemeClr val="dk1"/>
+          </a:fontRef>
+        </p:style>
+        <p:txBody>
+          <a:bodyPr rot="0" spcFirstLastPara="0" vertOverflow="overflow" horzOverflow="overflow" vert="horz" wrap="square" lIns="58852" tIns="29427" rIns="58852" bIns="29427" numCol="1" spcCol="0" rtlCol="0" fromWordArt="0" anchor="ctr" anchorCtr="0" forceAA="0" compatLnSpc="1">
+            <a:prstTxWarp prst="textNoShape">
+              <a:avLst/>
+            </a:prstTxWarp>
+            <a:noAutofit/>
+          </a:bodyPr>
+          <a:lstStyle/>
+          <a:p>
+            <a:pPr algn="ctr"/>
+            <a:r>
+              <a:rPr lang="en-GB" sz="800" dirty="0" smtClean="0">
+                <a:latin typeface="Times New Roman" panose="02020603050405020304" pitchFamily="18" charset="0"/>
+                <a:cs typeface="Times New Roman" panose="02020603050405020304" pitchFamily="18" charset="0"/>
+              </a:rPr>
+              <a:t>Judgment</a:t>
+            </a:r>
+            <a:endParaRPr lang="en-GB" sz="800" dirty="0">
+              <a:latin typeface="Times New Roman" panose="02020603050405020304" pitchFamily="18" charset="0"/>
+              <a:cs typeface="Times New Roman" panose="02020603050405020304" pitchFamily="18" charset="0"/>
+            </a:endParaRPr>
+          </a:p>
+          <a:p>
+            <a:pPr algn="ctr"/>
+            <a:r>
+              <a:rPr lang="en-GB" sz="800" dirty="0" smtClean="0">
+                <a:latin typeface="Times New Roman" panose="02020603050405020304" pitchFamily="18" charset="0"/>
+                <a:cs typeface="Times New Roman" panose="02020603050405020304" pitchFamily="18" charset="0"/>
+              </a:rPr>
+              <a:t>(Evaluative)</a:t>
+            </a:r>
+            <a:endParaRPr lang="en-GB" sz="800" dirty="0">
+              <a:latin typeface="Times New Roman" panose="02020603050405020304" pitchFamily="18" charset="0"/>
+              <a:cs typeface="Times New Roman" panose="02020603050405020304" pitchFamily="18" charset="0"/>
+            </a:endParaRPr>
+          </a:p>
+        </p:txBody>
+      </p:sp>
+      <p:sp>
+        <p:nvSpPr>
+          <p:cNvPr id="22" name="Rectángulo 3">
+            <a:extLst>
+              <a:ext uri="{FF2B5EF4-FFF2-40B4-BE49-F238E27FC236}">
+                <a16:creationId xmlns:a16="http://schemas.microsoft.com/office/drawing/2014/main" xmlns="" id="{70261B79-5D89-227D-9429-3BF0A8DD0692}"/>
+              </a:ext>
+            </a:extLst>
+          </p:cNvPr>
+          <p:cNvSpPr/>
+          <p:nvPr/>
+        </p:nvSpPr>
+        <p:spPr>
+          <a:xfrm>
+            <a:off x="3090321" y="1439682"/>
+            <a:ext cx="903558" cy="326236"/>
+          </a:xfrm>
+          <a:prstGeom prst="rect">
+            <a:avLst/>
+          </a:prstGeom>
+        </p:spPr>
+        <p:style>
+          <a:lnRef idx="2">
+            <a:schemeClr val="dk1"/>
+          </a:lnRef>
+          <a:fillRef idx="1">
+            <a:schemeClr val="lt1"/>
+          </a:fillRef>
+          <a:effectRef idx="0">
+            <a:schemeClr val="dk1"/>
+          </a:effectRef>
+          <a:fontRef idx="minor">
+            <a:schemeClr val="dk1"/>
+          </a:fontRef>
+        </p:style>
+        <p:txBody>
+          <a:bodyPr rot="0" spcFirstLastPara="0" vertOverflow="overflow" horzOverflow="overflow" vert="horz" wrap="square" lIns="58852" tIns="29427" rIns="58852" bIns="29427" numCol="1" spcCol="0" rtlCol="0" fromWordArt="0" anchor="ctr" anchorCtr="0" forceAA="0" compatLnSpc="1">
+            <a:prstTxWarp prst="textNoShape">
+              <a:avLst/>
+            </a:prstTxWarp>
+            <a:noAutofit/>
+          </a:bodyPr>
+          <a:lstStyle/>
+          <a:p>
+            <a:pPr algn="ctr"/>
+            <a:r>
+              <a:rPr lang="en-GB" sz="800" dirty="0" smtClean="0">
+                <a:latin typeface="Times New Roman" panose="02020603050405020304" pitchFamily="18" charset="0"/>
+                <a:cs typeface="Times New Roman" panose="02020603050405020304" pitchFamily="18" charset="0"/>
+              </a:rPr>
+              <a:t>Preference</a:t>
+            </a:r>
+            <a:endParaRPr lang="en-GB" sz="800" dirty="0">
+              <a:latin typeface="Times New Roman" panose="02020603050405020304" pitchFamily="18" charset="0"/>
+              <a:cs typeface="Times New Roman" panose="02020603050405020304" pitchFamily="18" charset="0"/>
+            </a:endParaRPr>
+          </a:p>
+        </p:txBody>
+      </p:sp>
+      <p:sp>
+        <p:nvSpPr>
+          <p:cNvPr id="23" name="Rectángulo 3">
+            <a:extLst>
+              <a:ext uri="{FF2B5EF4-FFF2-40B4-BE49-F238E27FC236}">
+                <a16:creationId xmlns:a16="http://schemas.microsoft.com/office/drawing/2014/main" xmlns="" id="{70261B79-5D89-227D-9429-3BF0A8DD0692}"/>
+              </a:ext>
+            </a:extLst>
+          </p:cNvPr>
+          <p:cNvSpPr/>
+          <p:nvPr/>
+        </p:nvSpPr>
+        <p:spPr>
+          <a:xfrm>
+            <a:off x="4276791" y="1439683"/>
+            <a:ext cx="903558" cy="326236"/>
+          </a:xfrm>
+          <a:prstGeom prst="rect">
+            <a:avLst/>
+          </a:prstGeom>
+          <a:ln>
+            <a:solidFill>
+              <a:schemeClr val="bg2">
+                <a:lumMod val="90000"/>
+              </a:schemeClr>
+            </a:solidFill>
+            <a:prstDash val="sysDash"/>
+          </a:ln>
+        </p:spPr>
+        <p:style>
+          <a:lnRef idx="2">
+            <a:schemeClr val="dk1"/>
+          </a:lnRef>
+          <a:fillRef idx="1">
+            <a:schemeClr val="lt1"/>
+          </a:fillRef>
+          <a:effectRef idx="0">
+            <a:schemeClr val="dk1"/>
+          </a:effectRef>
+          <a:fontRef idx="minor">
+            <a:schemeClr val="dk1"/>
+          </a:fontRef>
+        </p:style>
+        <p:txBody>
+          <a:bodyPr rot="0" spcFirstLastPara="0" vertOverflow="overflow" horzOverflow="overflow" vert="horz" wrap="square" lIns="58852" tIns="29427" rIns="58852" bIns="29427" numCol="1" spcCol="0" rtlCol="0" fromWordArt="0" anchor="ctr" anchorCtr="0" forceAA="0" compatLnSpc="1">
+            <a:prstTxWarp prst="textNoShape">
+              <a:avLst/>
+            </a:prstTxWarp>
+            <a:noAutofit/>
+          </a:bodyPr>
+          <a:lstStyle/>
+          <a:p>
+            <a:pPr algn="ctr"/>
+            <a:r>
+              <a:rPr lang="en-GB" sz="800" dirty="0" smtClean="0">
+                <a:latin typeface="Times New Roman" panose="02020603050405020304" pitchFamily="18" charset="0"/>
+                <a:cs typeface="Times New Roman" panose="02020603050405020304" pitchFamily="18" charset="0"/>
+              </a:rPr>
+              <a:t>Decision</a:t>
+            </a:r>
+          </a:p>
+          <a:p>
+            <a:pPr algn="ctr"/>
+            <a:r>
+              <a:rPr lang="en-GB" sz="800" smtClean="0">
+                <a:latin typeface="Times New Roman" panose="02020603050405020304" pitchFamily="18" charset="0"/>
+                <a:cs typeface="Times New Roman" panose="02020603050405020304" pitchFamily="18" charset="0"/>
+              </a:rPr>
+              <a:t>(Action)</a:t>
+            </a:r>
+            <a:endParaRPr lang="en-GB" sz="800" dirty="0">
+              <a:latin typeface="Times New Roman" panose="02020603050405020304" pitchFamily="18" charset="0"/>
+              <a:cs typeface="Times New Roman" panose="02020603050405020304" pitchFamily="18" charset="0"/>
+            </a:endParaRPr>
+          </a:p>
+        </p:txBody>
+      </p:sp>
+      <p:cxnSp>
+        <p:nvCxnSpPr>
+          <p:cNvPr id="32" name="Straight Connector 31"/>
+          <p:cNvCxnSpPr>
+            <a:stCxn id="22" idx="1"/>
+            <a:endCxn id="21" idx="3"/>
+          </p:cNvCxnSpPr>
+          <p:nvPr/>
+        </p:nvCxnSpPr>
+        <p:spPr>
+          <a:xfrm flipH="1" flipV="1">
+            <a:off x="2773687" y="1602324"/>
+            <a:ext cx="316634" cy="476"/>
+          </a:xfrm>
+          <a:prstGeom prst="line">
+            <a:avLst/>
+          </a:prstGeom>
+          <a:ln>
+            <a:headEnd type="triangle"/>
+          </a:ln>
+        </p:spPr>
+        <p:style>
+          <a:lnRef idx="2">
+            <a:schemeClr val="dk1"/>
+          </a:lnRef>
+          <a:fillRef idx="1">
+            <a:schemeClr val="lt1"/>
+          </a:fillRef>
+          <a:effectRef idx="0">
+            <a:schemeClr val="dk1"/>
+          </a:effectRef>
+          <a:fontRef idx="minor">
+            <a:schemeClr val="dk1"/>
+          </a:fontRef>
+        </p:style>
+      </p:cxnSp>
+      <p:cxnSp>
+        <p:nvCxnSpPr>
+          <p:cNvPr id="34" name="Straight Connector 33"/>
+          <p:cNvCxnSpPr>
+            <a:stCxn id="23" idx="1"/>
+            <a:endCxn id="22" idx="3"/>
+          </p:cNvCxnSpPr>
+          <p:nvPr/>
+        </p:nvCxnSpPr>
+        <p:spPr>
+          <a:xfrm flipH="1" flipV="1">
+            <a:off x="3993879" y="1602800"/>
+            <a:ext cx="282912" cy="1"/>
+          </a:xfrm>
+          <a:prstGeom prst="line">
+            <a:avLst/>
+          </a:prstGeom>
+          <a:ln>
+            <a:solidFill>
+              <a:schemeClr val="bg2">
+                <a:lumMod val="90000"/>
+              </a:schemeClr>
+            </a:solidFill>
+            <a:prstDash val="sysDash"/>
+            <a:headEnd type="triangle"/>
+          </a:ln>
+        </p:spPr>
+        <p:style>
+          <a:lnRef idx="2">
+            <a:schemeClr val="dk1"/>
+          </a:lnRef>
+          <a:fillRef idx="1">
+            <a:schemeClr val="lt1"/>
+          </a:fillRef>
+          <a:effectRef idx="0">
+            <a:schemeClr val="dk1"/>
+          </a:effectRef>
+          <a:fontRef idx="minor">
+            <a:schemeClr val="dk1"/>
+          </a:fontRef>
+        </p:style>
+      </p:cxnSp>
+      <p:sp>
+        <p:nvSpPr>
+          <p:cNvPr id="29" name="Rectangle 28"/>
+          <p:cNvSpPr/>
+          <p:nvPr/>
+        </p:nvSpPr>
+        <p:spPr>
+          <a:xfrm>
+            <a:off x="279400" y="551688"/>
+            <a:ext cx="1363735" cy="1208242"/>
+          </a:xfrm>
+          <a:prstGeom prst="rect">
+            <a:avLst/>
+          </a:prstGeom>
+          <a:noFill/>
+          <a:ln>
+            <a:solidFill>
+              <a:schemeClr val="tx1"/>
+            </a:solidFill>
+          </a:ln>
+        </p:spPr>
+        <p:style>
+          <a:lnRef idx="2">
+            <a:schemeClr val="accent1">
+              <a:shade val="50000"/>
+            </a:schemeClr>
+          </a:lnRef>
+          <a:fillRef idx="1">
+            <a:schemeClr val="accent1"/>
+          </a:fillRef>
+          <a:effectRef idx="0">
+            <a:schemeClr val="accent1"/>
+          </a:effectRef>
+          <a:fontRef idx="minor">
+            <a:schemeClr val="lt1"/>
+          </a:fontRef>
+        </p:style>
+        <p:txBody>
+          <a:bodyPr rtlCol="0" anchor="ctr"/>
+          <a:lstStyle/>
+          <a:p>
+            <a:pPr algn="ctr"/>
+            <a:endParaRPr lang="en-GB"/>
+          </a:p>
+        </p:txBody>
+      </p:sp>
+      <p:cxnSp>
+        <p:nvCxnSpPr>
+          <p:cNvPr id="59" name="Straight Connector 58"/>
+          <p:cNvCxnSpPr>
+            <a:stCxn id="21" idx="1"/>
+            <a:endCxn id="29" idx="3"/>
+          </p:cNvCxnSpPr>
+          <p:nvPr/>
+        </p:nvCxnSpPr>
+        <p:spPr>
+          <a:xfrm flipH="1" flipV="1">
+            <a:off x="1643135" y="1155809"/>
+            <a:ext cx="226994" cy="446515"/>
+          </a:xfrm>
+          <a:prstGeom prst="line">
+            <a:avLst/>
+          </a:prstGeom>
+          <a:ln>
+            <a:headEnd type="triangle"/>
+          </a:ln>
+        </p:spPr>
+        <p:style>
+          <a:lnRef idx="2">
+            <a:schemeClr val="dk1"/>
+          </a:lnRef>
+          <a:fillRef idx="1">
+            <a:schemeClr val="lt1"/>
+          </a:fillRef>
+          <a:effectRef idx="0">
+            <a:schemeClr val="dk1"/>
+          </a:effectRef>
+          <a:fontRef idx="minor">
+            <a:schemeClr val="dk1"/>
+          </a:fontRef>
+        </p:style>
+      </p:cxnSp>
+      <p:cxnSp>
+        <p:nvCxnSpPr>
+          <p:cNvPr id="115" name="Straight Connector 114"/>
+          <p:cNvCxnSpPr>
+            <a:stCxn id="21" idx="1"/>
+            <a:endCxn id="20" idx="3"/>
+          </p:cNvCxnSpPr>
+          <p:nvPr/>
+        </p:nvCxnSpPr>
+        <p:spPr>
+          <a:xfrm flipH="1">
+            <a:off x="1413046" y="1602324"/>
+            <a:ext cx="457083" cy="583502"/>
+          </a:xfrm>
+          <a:prstGeom prst="line">
+            <a:avLst/>
+          </a:prstGeom>
+          <a:ln>
+            <a:headEnd type="triangle"/>
+          </a:ln>
+        </p:spPr>
+        <p:style>
+          <a:lnRef idx="2">
+            <a:schemeClr val="dk1"/>
+          </a:lnRef>
+          <a:fillRef idx="1">
+            <a:schemeClr val="lt1"/>
+          </a:fillRef>
+          <a:effectRef idx="0">
+            <a:schemeClr val="dk1"/>
+          </a:effectRef>
+          <a:fontRef idx="minor">
+            <a:schemeClr val="dk1"/>
+          </a:fontRef>
+        </p:style>
+      </p:cxnSp>
+      <p:pic>
+        <p:nvPicPr>
+          <p:cNvPr id="4" name="Picture 3"/>
+          <p:cNvPicPr>
+            <a:picLocks noChangeAspect="1"/>
+          </p:cNvPicPr>
+          <p:nvPr/>
+        </p:nvPicPr>
+        <p:blipFill>
+          <a:blip r:embed="rId2" cstate="print">
+            <a:extLst>
+              <a:ext uri="{28A0092B-C50C-407E-A947-70E740481C1C}">
+                <a14:useLocalDpi xmlns:a14="http://schemas.microsoft.com/office/drawing/2010/main" val="0"/>
+              </a:ext>
+            </a:extLst>
+          </a:blip>
+          <a:stretch>
+            <a:fillRect/>
+          </a:stretch>
+        </p:blipFill>
+        <p:spPr>
+          <a:xfrm>
+            <a:off x="1315365" y="754175"/>
+            <a:ext cx="76250" cy="76328"/>
+          </a:xfrm>
+          <a:prstGeom prst="rect">
+            <a:avLst/>
+          </a:prstGeom>
+        </p:spPr>
+      </p:pic>
+      <p:pic>
+        <p:nvPicPr>
+          <p:cNvPr id="24" name="Picture 23"/>
+          <p:cNvPicPr>
+            <a:picLocks noChangeAspect="1"/>
+          </p:cNvPicPr>
+          <p:nvPr/>
+        </p:nvPicPr>
+        <p:blipFill>
+          <a:blip r:embed="rId2" cstate="print">
+            <a:extLst>
+              <a:ext uri="{28A0092B-C50C-407E-A947-70E740481C1C}">
+                <a14:useLocalDpi xmlns:a14="http://schemas.microsoft.com/office/drawing/2010/main" val="0"/>
+              </a:ext>
+            </a:extLst>
+          </a:blip>
+          <a:stretch>
+            <a:fillRect/>
+          </a:stretch>
+        </p:blipFill>
+        <p:spPr>
+          <a:xfrm>
+            <a:off x="1315365" y="1340902"/>
+            <a:ext cx="76250" cy="76328"/>
+          </a:xfrm>
+          <a:prstGeom prst="rect">
+            <a:avLst/>
+          </a:prstGeom>
+        </p:spPr>
+      </p:pic>
+      <p:cxnSp>
+        <p:nvCxnSpPr>
+          <p:cNvPr id="25" name="Straight Connector 24"/>
+          <p:cNvCxnSpPr>
+            <a:stCxn id="19" idx="0"/>
+            <a:endCxn id="30" idx="2"/>
+          </p:cNvCxnSpPr>
+          <p:nvPr/>
+        </p:nvCxnSpPr>
+        <p:spPr>
+          <a:xfrm flipV="1">
+            <a:off x="961267" y="1040811"/>
+            <a:ext cx="0" cy="268290"/>
+          </a:xfrm>
+          <a:prstGeom prst="line">
+            <a:avLst/>
+          </a:prstGeom>
+          <a:ln>
+            <a:headEnd type="triangle"/>
+          </a:ln>
+        </p:spPr>
+        <p:style>
+          <a:lnRef idx="2">
+            <a:schemeClr val="dk1"/>
+          </a:lnRef>
+          <a:fillRef idx="1">
+            <a:schemeClr val="lt1"/>
+          </a:fillRef>
+          <a:effectRef idx="0">
+            <a:schemeClr val="dk1"/>
+          </a:effectRef>
+          <a:fontRef idx="minor">
+            <a:schemeClr val="dk1"/>
+          </a:fontRef>
+        </p:style>
+      </p:cxnSp>
+      <p:sp>
+        <p:nvSpPr>
+          <p:cNvPr id="28" name="Rectángulo 3">
+            <a:extLst>
+              <a:ext uri="{FF2B5EF4-FFF2-40B4-BE49-F238E27FC236}">
+                <a16:creationId xmlns:a16="http://schemas.microsoft.com/office/drawing/2014/main" xmlns="" id="{70261B79-5D89-227D-9429-3BF0A8DD0692}"/>
+              </a:ext>
+            </a:extLst>
+          </p:cNvPr>
+          <p:cNvSpPr/>
+          <p:nvPr/>
+        </p:nvSpPr>
+        <p:spPr>
+          <a:xfrm>
+            <a:off x="523055" y="737229"/>
+            <a:ext cx="131068" cy="110219"/>
+          </a:xfrm>
+          <a:prstGeom prst="rect">
+            <a:avLst/>
+          </a:prstGeom>
+          <a:ln>
+            <a:noFill/>
+          </a:ln>
+        </p:spPr>
+        <p:style>
+          <a:lnRef idx="2">
+            <a:schemeClr val="dk1"/>
+          </a:lnRef>
+          <a:fillRef idx="1">
+            <a:schemeClr val="lt1"/>
+          </a:fillRef>
+          <a:effectRef idx="0">
+            <a:schemeClr val="dk1"/>
+          </a:effectRef>
+          <a:fontRef idx="minor">
+            <a:schemeClr val="dk1"/>
+          </a:fontRef>
+        </p:style>
+        <p:txBody>
+          <a:bodyPr rot="0" spcFirstLastPara="0" vertOverflow="overflow" horzOverflow="overflow" vert="horz" wrap="square" lIns="58852" tIns="29427" rIns="58852" bIns="29427" numCol="1" spcCol="0" rtlCol="0" fromWordArt="0" anchor="ctr" anchorCtr="0" forceAA="0" compatLnSpc="1">
+            <a:prstTxWarp prst="textNoShape">
+              <a:avLst/>
+            </a:prstTxWarp>
+            <a:noAutofit/>
+          </a:bodyPr>
+          <a:lstStyle/>
+          <a:p>
+            <a:pPr algn="ctr"/>
+            <a:r>
+              <a:rPr lang="en-GB" sz="800" dirty="0" smtClean="0">
+                <a:latin typeface="Times New Roman" panose="02020603050405020304" pitchFamily="18" charset="0"/>
+                <a:cs typeface="Times New Roman" panose="02020603050405020304" pitchFamily="18" charset="0"/>
+              </a:rPr>
+              <a:t>1</a:t>
+            </a:r>
+            <a:endParaRPr lang="en-GB" sz="800" dirty="0">
+              <a:latin typeface="Times New Roman" panose="02020603050405020304" pitchFamily="18" charset="0"/>
+              <a:cs typeface="Times New Roman" panose="02020603050405020304" pitchFamily="18" charset="0"/>
+            </a:endParaRPr>
+          </a:p>
+        </p:txBody>
+      </p:sp>
+      <p:sp>
+        <p:nvSpPr>
+          <p:cNvPr id="31" name="Rectángulo 3">
+            <a:extLst>
+              <a:ext uri="{FF2B5EF4-FFF2-40B4-BE49-F238E27FC236}">
+                <a16:creationId xmlns:a16="http://schemas.microsoft.com/office/drawing/2014/main" xmlns="" id="{70261B79-5D89-227D-9429-3BF0A8DD0692}"/>
+              </a:ext>
+            </a:extLst>
+          </p:cNvPr>
+          <p:cNvSpPr/>
+          <p:nvPr/>
+        </p:nvSpPr>
+        <p:spPr>
+          <a:xfrm>
+            <a:off x="527779" y="1323956"/>
+            <a:ext cx="131068" cy="110219"/>
+          </a:xfrm>
+          <a:prstGeom prst="rect">
+            <a:avLst/>
+          </a:prstGeom>
+          <a:ln>
+            <a:noFill/>
+          </a:ln>
+        </p:spPr>
+        <p:style>
+          <a:lnRef idx="2">
+            <a:schemeClr val="dk1"/>
+          </a:lnRef>
+          <a:fillRef idx="1">
+            <a:schemeClr val="lt1"/>
+          </a:fillRef>
+          <a:effectRef idx="0">
+            <a:schemeClr val="dk1"/>
+          </a:effectRef>
+          <a:fontRef idx="minor">
+            <a:schemeClr val="dk1"/>
+          </a:fontRef>
+        </p:style>
+        <p:txBody>
+          <a:bodyPr rot="0" spcFirstLastPara="0" vertOverflow="overflow" horzOverflow="overflow" vert="horz" wrap="square" lIns="58852" tIns="29427" rIns="58852" bIns="29427" numCol="1" spcCol="0" rtlCol="0" fromWordArt="0" anchor="ctr" anchorCtr="0" forceAA="0" compatLnSpc="1">
+            <a:prstTxWarp prst="textNoShape">
+              <a:avLst/>
+            </a:prstTxWarp>
+            <a:noAutofit/>
+          </a:bodyPr>
+          <a:lstStyle/>
+          <a:p>
+            <a:pPr algn="ctr"/>
+            <a:r>
+              <a:rPr lang="en-GB" sz="800" dirty="0" smtClean="0">
+                <a:latin typeface="Times New Roman" panose="02020603050405020304" pitchFamily="18" charset="0"/>
+                <a:cs typeface="Times New Roman" panose="02020603050405020304" pitchFamily="18" charset="0"/>
+              </a:rPr>
+              <a:t>2</a:t>
+            </a:r>
+            <a:endParaRPr lang="en-GB" sz="800" dirty="0">
+              <a:latin typeface="Times New Roman" panose="02020603050405020304" pitchFamily="18" charset="0"/>
+              <a:cs typeface="Times New Roman" panose="02020603050405020304" pitchFamily="18" charset="0"/>
+            </a:endParaRPr>
+          </a:p>
+        </p:txBody>
+      </p:sp>
+      <p:sp>
+        <p:nvSpPr>
+          <p:cNvPr id="33" name="Rectángulo 3">
+            <a:extLst>
+              <a:ext uri="{FF2B5EF4-FFF2-40B4-BE49-F238E27FC236}">
+                <a16:creationId xmlns:a16="http://schemas.microsoft.com/office/drawing/2014/main" xmlns="" id="{70261B79-5D89-227D-9429-3BF0A8DD0692}"/>
+              </a:ext>
+            </a:extLst>
+          </p:cNvPr>
+          <p:cNvSpPr/>
+          <p:nvPr/>
+        </p:nvSpPr>
+        <p:spPr>
+          <a:xfrm>
+            <a:off x="523055" y="2051530"/>
+            <a:ext cx="131068" cy="110219"/>
+          </a:xfrm>
+          <a:prstGeom prst="rect">
+            <a:avLst/>
+          </a:prstGeom>
+          <a:ln>
+            <a:noFill/>
+          </a:ln>
+        </p:spPr>
+        <p:style>
+          <a:lnRef idx="2">
+            <a:schemeClr val="dk1"/>
+          </a:lnRef>
+          <a:fillRef idx="1">
+            <a:schemeClr val="lt1"/>
+          </a:fillRef>
+          <a:effectRef idx="0">
+            <a:schemeClr val="dk1"/>
+          </a:effectRef>
+          <a:fontRef idx="minor">
+            <a:schemeClr val="dk1"/>
+          </a:fontRef>
+        </p:style>
+        <p:txBody>
+          <a:bodyPr rot="0" spcFirstLastPara="0" vertOverflow="overflow" horzOverflow="overflow" vert="horz" wrap="square" lIns="58852" tIns="29427" rIns="58852" bIns="29427" numCol="1" spcCol="0" rtlCol="0" fromWordArt="0" anchor="ctr" anchorCtr="0" forceAA="0" compatLnSpc="1">
+            <a:prstTxWarp prst="textNoShape">
+              <a:avLst/>
+            </a:prstTxWarp>
+            <a:noAutofit/>
+          </a:bodyPr>
+          <a:lstStyle/>
+          <a:p>
+            <a:pPr algn="ctr"/>
+            <a:r>
+              <a:rPr lang="en-GB" sz="800" dirty="0" smtClean="0">
+                <a:latin typeface="Times New Roman" panose="02020603050405020304" pitchFamily="18" charset="0"/>
+                <a:cs typeface="Times New Roman" panose="02020603050405020304" pitchFamily="18" charset="0"/>
+              </a:rPr>
+              <a:t>3</a:t>
+            </a:r>
+            <a:endParaRPr lang="en-GB" sz="800" dirty="0">
+              <a:latin typeface="Times New Roman" panose="02020603050405020304" pitchFamily="18" charset="0"/>
+              <a:cs typeface="Times New Roman" panose="02020603050405020304" pitchFamily="18" charset="0"/>
+            </a:endParaRPr>
+          </a:p>
+        </p:txBody>
+      </p:sp>
+      <p:sp>
+        <p:nvSpPr>
+          <p:cNvPr id="35" name="Rectángulo 3">
+            <a:extLst>
+              <a:ext uri="{FF2B5EF4-FFF2-40B4-BE49-F238E27FC236}">
+                <a16:creationId xmlns:a16="http://schemas.microsoft.com/office/drawing/2014/main" xmlns="" id="{70261B79-5D89-227D-9429-3BF0A8DD0692}"/>
+              </a:ext>
+            </a:extLst>
+          </p:cNvPr>
+          <p:cNvSpPr/>
+          <p:nvPr/>
+        </p:nvSpPr>
+        <p:spPr>
+          <a:xfrm>
+            <a:off x="1880517" y="1466850"/>
+            <a:ext cx="131068" cy="106899"/>
+          </a:xfrm>
+          <a:prstGeom prst="rect">
+            <a:avLst/>
+          </a:prstGeom>
+          <a:ln>
+            <a:noFill/>
+          </a:ln>
+        </p:spPr>
+        <p:style>
+          <a:lnRef idx="2">
+            <a:schemeClr val="dk1"/>
+          </a:lnRef>
+          <a:fillRef idx="1">
+            <a:schemeClr val="lt1"/>
+          </a:fillRef>
+          <a:effectRef idx="0">
+            <a:schemeClr val="dk1"/>
+          </a:effectRef>
+          <a:fontRef idx="minor">
+            <a:schemeClr val="dk1"/>
+          </a:fontRef>
+        </p:style>
+        <p:txBody>
+          <a:bodyPr rot="0" spcFirstLastPara="0" vertOverflow="overflow" horzOverflow="overflow" vert="horz" wrap="square" lIns="58852" tIns="29427" rIns="58852" bIns="29427" numCol="1" spcCol="0" rtlCol="0" fromWordArt="0" anchor="ctr" anchorCtr="0" forceAA="0" compatLnSpc="1">
+            <a:prstTxWarp prst="textNoShape">
+              <a:avLst/>
+            </a:prstTxWarp>
+            <a:noAutofit/>
+          </a:bodyPr>
+          <a:lstStyle/>
+          <a:p>
+            <a:pPr algn="ctr"/>
+            <a:r>
+              <a:rPr lang="en-GB" sz="800" dirty="0" smtClean="0">
+                <a:latin typeface="Times New Roman" panose="02020603050405020304" pitchFamily="18" charset="0"/>
+                <a:cs typeface="Times New Roman" panose="02020603050405020304" pitchFamily="18" charset="0"/>
+              </a:rPr>
+              <a:t>4</a:t>
+            </a:r>
+            <a:endParaRPr lang="en-GB" sz="800" dirty="0">
+              <a:latin typeface="Times New Roman" panose="02020603050405020304" pitchFamily="18" charset="0"/>
+              <a:cs typeface="Times New Roman" panose="02020603050405020304" pitchFamily="18" charset="0"/>
+            </a:endParaRPr>
+          </a:p>
+        </p:txBody>
+      </p:sp>
+      <p:sp>
+        <p:nvSpPr>
+          <p:cNvPr id="36" name="Rectángulo 3">
+            <a:extLst>
+              <a:ext uri="{FF2B5EF4-FFF2-40B4-BE49-F238E27FC236}">
+                <a16:creationId xmlns:a16="http://schemas.microsoft.com/office/drawing/2014/main" xmlns="" id="{70261B79-5D89-227D-9429-3BF0A8DD0692}"/>
+              </a:ext>
+            </a:extLst>
+          </p:cNvPr>
+          <p:cNvSpPr/>
+          <p:nvPr/>
+        </p:nvSpPr>
+        <p:spPr>
+          <a:xfrm>
+            <a:off x="3100709" y="1459829"/>
+            <a:ext cx="131068" cy="110219"/>
+          </a:xfrm>
+          <a:prstGeom prst="rect">
+            <a:avLst/>
+          </a:prstGeom>
+          <a:ln>
+            <a:noFill/>
+          </a:ln>
+        </p:spPr>
+        <p:style>
+          <a:lnRef idx="2">
+            <a:schemeClr val="dk1"/>
+          </a:lnRef>
+          <a:fillRef idx="1">
+            <a:schemeClr val="lt1"/>
+          </a:fillRef>
+          <a:effectRef idx="0">
+            <a:schemeClr val="dk1"/>
+          </a:effectRef>
+          <a:fontRef idx="minor">
+            <a:schemeClr val="dk1"/>
+          </a:fontRef>
+        </p:style>
+        <p:txBody>
+          <a:bodyPr rot="0" spcFirstLastPara="0" vertOverflow="overflow" horzOverflow="overflow" vert="horz" wrap="square" lIns="58852" tIns="29427" rIns="58852" bIns="29427" numCol="1" spcCol="0" rtlCol="0" fromWordArt="0" anchor="ctr" anchorCtr="0" forceAA="0" compatLnSpc="1">
+            <a:prstTxWarp prst="textNoShape">
+              <a:avLst/>
+            </a:prstTxWarp>
+            <a:noAutofit/>
+          </a:bodyPr>
+          <a:lstStyle/>
+          <a:p>
+            <a:pPr algn="ctr"/>
+            <a:r>
+              <a:rPr lang="en-GB" sz="800" dirty="0" smtClean="0">
+                <a:latin typeface="Times New Roman" panose="02020603050405020304" pitchFamily="18" charset="0"/>
+                <a:cs typeface="Times New Roman" panose="02020603050405020304" pitchFamily="18" charset="0"/>
+              </a:rPr>
+              <a:t>5</a:t>
+            </a:r>
+            <a:endParaRPr lang="en-GB" sz="800" dirty="0">
+              <a:latin typeface="Times New Roman" panose="02020603050405020304" pitchFamily="18" charset="0"/>
+              <a:cs typeface="Times New Roman" panose="02020603050405020304" pitchFamily="18" charset="0"/>
+            </a:endParaRPr>
+          </a:p>
+        </p:txBody>
+      </p:sp>
+    </p:spTree>
+    <p:extLst>
+      <p:ext uri="{BB962C8B-B14F-4D97-AF65-F5344CB8AC3E}">
+        <p14:creationId xmlns:p14="http://schemas.microsoft.com/office/powerpoint/2010/main" val="763283282"/>
+      </p:ext>
+    </p:extLst>
+  </p:cSld>
+  <p:clrMapOvr>
+    <a:masterClrMapping/>
+  </p:clrMapOvr>
+  <p:timing>
+    <p:tnLst>
+      <p:par>
+        <p:cTn id="1" dur="indefinite" restart="never" nodeType="tmRoot"/>
+      </p:par>
+    </p:tnLst>
+  </p:timing>
+</p:sld>
+</file>
+
+<file path=ppt/slides/slide9.xml><?xml version="1.0" encoding="utf-8"?>
+<p:sld xmlns:a="http://schemas.openxmlformats.org/drawingml/2006/main" xmlns:r="http://schemas.openxmlformats.org/officeDocument/2006/relationships" xmlns:p="http://schemas.openxmlformats.org/presentationml/2006/main">
+  <p:cSld>
+    <p:spTree>
+      <p:nvGrpSpPr>
+        <p:cNvPr id="1" name=""/>
+        <p:cNvGrpSpPr/>
+        <p:nvPr/>
+      </p:nvGrpSpPr>
+      <p:grpSpPr>
+        <a:xfrm>
+          <a:off x="0" y="0"/>
+          <a:ext cx="0" cy="0"/>
+          <a:chOff x="0" y="0"/>
+          <a:chExt cx="0" cy="0"/>
+        </a:xfrm>
+      </p:grpSpPr>
+      <p:sp>
+        <p:nvSpPr>
+          <p:cNvPr id="4" name="Rectángulo 3"/>
+          <p:cNvSpPr/>
+          <p:nvPr/>
+        </p:nvSpPr>
+        <p:spPr>
+          <a:xfrm>
+            <a:off x="906261" y="1774042"/>
+            <a:ext cx="903558" cy="315211"/>
+          </a:xfrm>
+          <a:prstGeom prst="rect">
+            <a:avLst/>
+          </a:prstGeom>
+        </p:spPr>
+        <p:style>
+          <a:lnRef idx="2">
+            <a:schemeClr val="dk1"/>
+          </a:lnRef>
+          <a:fillRef idx="1">
+            <a:schemeClr val="lt1"/>
+          </a:fillRef>
+          <a:effectRef idx="0">
+            <a:schemeClr val="dk1"/>
+          </a:effectRef>
+          <a:fontRef idx="minor">
+            <a:schemeClr val="dk1"/>
+          </a:fontRef>
+        </p:style>
+        <p:txBody>
+          <a:bodyPr rot="0" spcFirstLastPara="0" vertOverflow="overflow" horzOverflow="overflow" vert="horz" wrap="square" lIns="58852" tIns="29427" rIns="58852" bIns="29427" numCol="1" spcCol="0" rtlCol="0" fromWordArt="0" anchor="ctr" anchorCtr="0" forceAA="0" compatLnSpc="1">
+            <a:prstTxWarp prst="textNoShape">
+              <a:avLst/>
+            </a:prstTxWarp>
+            <a:noAutofit/>
+          </a:bodyPr>
+          <a:lstStyle/>
+          <a:p>
+            <a:pPr algn="ctr"/>
+            <a:r>
+              <a:rPr lang="en-US" sz="800" dirty="0" err="1" smtClean="0">
+                <a:latin typeface="Times New Roman" panose="02020603050405020304" pitchFamily="18" charset="0"/>
+                <a:cs typeface="Times New Roman" panose="02020603050405020304" pitchFamily="18" charset="0"/>
+              </a:rPr>
+              <a:t>Homophily</a:t>
+            </a:r>
+            <a:endParaRPr lang="en-US" sz="800" dirty="0" smtClean="0">
+              <a:latin typeface="Times New Roman" panose="02020603050405020304" pitchFamily="18" charset="0"/>
+              <a:cs typeface="Times New Roman" panose="02020603050405020304" pitchFamily="18" charset="0"/>
+            </a:endParaRPr>
+          </a:p>
+          <a:p>
+            <a:pPr algn="ctr"/>
+            <a:r>
+              <a:rPr lang="en-US" sz="800" dirty="0" smtClean="0">
+                <a:latin typeface="Times New Roman" panose="02020603050405020304" pitchFamily="18" charset="0"/>
+                <a:cs typeface="Times New Roman" panose="02020603050405020304" pitchFamily="18" charset="0"/>
+              </a:rPr>
+              <a:t>(Similarity)</a:t>
+            </a:r>
+            <a:endParaRPr lang="en-US" sz="800" dirty="0">
+              <a:latin typeface="Times New Roman" panose="02020603050405020304" pitchFamily="18" charset="0"/>
+              <a:cs typeface="Times New Roman" panose="02020603050405020304" pitchFamily="18" charset="0"/>
+            </a:endParaRPr>
+          </a:p>
+        </p:txBody>
+      </p:sp>
+      <p:sp>
+        <p:nvSpPr>
+          <p:cNvPr id="73" name="Rectángulo 3">
+            <a:extLst>
+              <a:ext uri="{FF2B5EF4-FFF2-40B4-BE49-F238E27FC236}">
+                <a16:creationId xmlns:a16="http://schemas.microsoft.com/office/drawing/2014/main" xmlns="" id="{45F24945-A4EB-D27D-DEE6-909F68D05586}"/>
+              </a:ext>
+            </a:extLst>
+          </p:cNvPr>
+          <p:cNvSpPr/>
+          <p:nvPr/>
+        </p:nvSpPr>
+        <p:spPr>
+          <a:xfrm>
+            <a:off x="73394" y="242334"/>
+            <a:ext cx="5267430" cy="3159641"/>
+          </a:xfrm>
+          <a:prstGeom prst="rect">
+            <a:avLst/>
+          </a:prstGeom>
+          <a:noFill/>
+          <a:ln w="9525" cap="flat" cmpd="sng" algn="ctr">
+            <a:solidFill>
+              <a:schemeClr val="dk1"/>
+            </a:solidFill>
+            <a:prstDash val="solid"/>
+            <a:round/>
+            <a:headEnd type="none" w="med" len="med"/>
+            <a:tailEnd type="none" w="med" len="med"/>
+          </a:ln>
+        </p:spPr>
+        <p:style>
+          <a:lnRef idx="0">
+            <a:scrgbClr r="0" g="0" b="0"/>
+          </a:lnRef>
+          <a:fillRef idx="0">
+            <a:scrgbClr r="0" g="0" b="0"/>
+          </a:fillRef>
+          <a:effectRef idx="0">
+            <a:scrgbClr r="0" g="0" b="0"/>
+          </a:effectRef>
+          <a:fontRef idx="minor">
+            <a:schemeClr val="dk1"/>
+          </a:fontRef>
+        </p:style>
+        <p:txBody>
+          <a:bodyPr rot="0" spcFirstLastPara="0" vertOverflow="overflow" horzOverflow="overflow" vert="horz" wrap="square" lIns="58852" tIns="29427" rIns="58852" bIns="29427" numCol="1" spcCol="0" rtlCol="0" fromWordArt="0" anchor="ctr" anchorCtr="0" forceAA="0" compatLnSpc="1">
+            <a:prstTxWarp prst="textNoShape">
+              <a:avLst/>
+            </a:prstTxWarp>
+            <a:noAutofit/>
+          </a:bodyPr>
+          <a:lstStyle/>
+          <a:p>
+            <a:pPr algn="ctr"/>
+            <a:endParaRPr lang="es-CL" sz="800" dirty="0">
+              <a:latin typeface="Times New Roman" panose="02020603050405020304" pitchFamily="18" charset="0"/>
+              <a:cs typeface="Times New Roman" panose="02020603050405020304" pitchFamily="18" charset="0"/>
+            </a:endParaRPr>
+          </a:p>
+        </p:txBody>
+      </p:sp>
+      <p:sp>
+        <p:nvSpPr>
+          <p:cNvPr id="30" name="Rectángulo 3">
+            <a:extLst>
+              <a:ext uri="{FF2B5EF4-FFF2-40B4-BE49-F238E27FC236}">
+                <a16:creationId xmlns:a16="http://schemas.microsoft.com/office/drawing/2014/main" xmlns="" id="{70261B79-5D89-227D-9429-3BF0A8DD0692}"/>
+              </a:ext>
+            </a:extLst>
+          </p:cNvPr>
+          <p:cNvSpPr/>
+          <p:nvPr/>
+        </p:nvSpPr>
+        <p:spPr>
+          <a:xfrm>
+            <a:off x="3867716" y="1762947"/>
+            <a:ext cx="903558" cy="315211"/>
+          </a:xfrm>
+          <a:prstGeom prst="rect">
+            <a:avLst/>
+          </a:prstGeom>
+        </p:spPr>
+        <p:style>
+          <a:lnRef idx="2">
+            <a:schemeClr val="dk1"/>
+          </a:lnRef>
+          <a:fillRef idx="1">
+            <a:schemeClr val="lt1"/>
+          </a:fillRef>
+          <a:effectRef idx="0">
+            <a:schemeClr val="dk1"/>
+          </a:effectRef>
+          <a:fontRef idx="minor">
+            <a:schemeClr val="dk1"/>
+          </a:fontRef>
+        </p:style>
+        <p:txBody>
+          <a:bodyPr rot="0" spcFirstLastPara="0" vertOverflow="overflow" horzOverflow="overflow" vert="horz" wrap="square" lIns="58852" tIns="29427" rIns="58852" bIns="29427" numCol="1" spcCol="0" rtlCol="0" fromWordArt="0" anchor="ctr" anchorCtr="0" forceAA="0" compatLnSpc="1">
+            <a:prstTxWarp prst="textNoShape">
+              <a:avLst/>
+            </a:prstTxWarp>
+            <a:noAutofit/>
+          </a:bodyPr>
+          <a:lstStyle/>
+          <a:p>
+            <a:pPr algn="ctr"/>
+            <a:r>
+              <a:rPr lang="en-GB" sz="800" dirty="0" smtClean="0">
+                <a:latin typeface="Times New Roman" panose="02020603050405020304" pitchFamily="18" charset="0"/>
+                <a:cs typeface="Times New Roman" panose="02020603050405020304" pitchFamily="18" charset="0"/>
+              </a:rPr>
+              <a:t>Redistributive</a:t>
+            </a:r>
+          </a:p>
+          <a:p>
+            <a:pPr algn="ctr"/>
+            <a:r>
+              <a:rPr lang="en-GB" sz="800" dirty="0" smtClean="0">
+                <a:latin typeface="Times New Roman" panose="02020603050405020304" pitchFamily="18" charset="0"/>
+                <a:cs typeface="Times New Roman" panose="02020603050405020304" pitchFamily="18" charset="0"/>
+              </a:rPr>
+              <a:t>preferences</a:t>
+            </a:r>
+            <a:endParaRPr lang="en-GB" sz="800" dirty="0">
+              <a:latin typeface="Times New Roman" panose="02020603050405020304" pitchFamily="18" charset="0"/>
+              <a:cs typeface="Times New Roman" panose="02020603050405020304" pitchFamily="18" charset="0"/>
+            </a:endParaRPr>
+          </a:p>
+        </p:txBody>
+      </p:sp>
+      <p:sp>
+        <p:nvSpPr>
+          <p:cNvPr id="76" name="TextBox 75"/>
+          <p:cNvSpPr txBox="1"/>
+          <p:nvPr/>
+        </p:nvSpPr>
+        <p:spPr>
+          <a:xfrm>
+            <a:off x="4441664" y="237018"/>
+            <a:ext cx="899160" cy="215444"/>
+          </a:xfrm>
+          <a:prstGeom prst="rect">
+            <a:avLst/>
+          </a:prstGeom>
+        </p:spPr>
+        <p:style>
+          <a:lnRef idx="2">
+            <a:schemeClr val="dk1"/>
+          </a:lnRef>
+          <a:fillRef idx="1">
+            <a:schemeClr val="lt1"/>
+          </a:fillRef>
+          <a:effectRef idx="0">
+            <a:schemeClr val="dk1"/>
+          </a:effectRef>
+          <a:fontRef idx="minor">
+            <a:schemeClr val="dk1"/>
+          </a:fontRef>
+        </p:style>
+        <p:txBody>
+          <a:bodyPr wrap="square" rtlCol="0">
+            <a:spAutoFit/>
+          </a:bodyPr>
+          <a:lstStyle/>
+          <a:p>
+            <a:pPr algn="ctr"/>
+            <a:r>
+              <a:rPr lang="en-GB" sz="800" dirty="0" smtClean="0">
+                <a:latin typeface="Times New Roman" panose="02020603050405020304" pitchFamily="18" charset="0"/>
+                <a:cs typeface="Times New Roman" panose="02020603050405020304" pitchFamily="18" charset="0"/>
+              </a:rPr>
+              <a:t>Paper 1</a:t>
+            </a:r>
+            <a:endParaRPr lang="en-GB" sz="800" dirty="0">
+              <a:latin typeface="Times New Roman" panose="02020603050405020304" pitchFamily="18" charset="0"/>
+              <a:cs typeface="Times New Roman" panose="02020603050405020304" pitchFamily="18" charset="0"/>
+            </a:endParaRPr>
+          </a:p>
+        </p:txBody>
+      </p:sp>
+      <p:sp>
+        <p:nvSpPr>
+          <p:cNvPr id="29" name="Rectángulo 3">
+            <a:extLst>
+              <a:ext uri="{FF2B5EF4-FFF2-40B4-BE49-F238E27FC236}">
+                <a16:creationId xmlns:a16="http://schemas.microsoft.com/office/drawing/2014/main" xmlns="" id="{70261B79-5D89-227D-9429-3BF0A8DD0692}"/>
+              </a:ext>
+            </a:extLst>
+          </p:cNvPr>
+          <p:cNvSpPr/>
+          <p:nvPr/>
+        </p:nvSpPr>
+        <p:spPr>
+          <a:xfrm>
+            <a:off x="906261" y="2345169"/>
+            <a:ext cx="903558" cy="315211"/>
+          </a:xfrm>
+          <a:prstGeom prst="rect">
+            <a:avLst/>
+          </a:prstGeom>
+        </p:spPr>
+        <p:style>
+          <a:lnRef idx="2">
+            <a:schemeClr val="dk1"/>
+          </a:lnRef>
+          <a:fillRef idx="1">
+            <a:schemeClr val="lt1"/>
+          </a:fillRef>
+          <a:effectRef idx="0">
+            <a:schemeClr val="dk1"/>
+          </a:effectRef>
+          <a:fontRef idx="minor">
+            <a:schemeClr val="dk1"/>
+          </a:fontRef>
+        </p:style>
+        <p:txBody>
+          <a:bodyPr rot="0" spcFirstLastPara="0" vertOverflow="overflow" horzOverflow="overflow" vert="horz" wrap="square" lIns="58852" tIns="29427" rIns="58852" bIns="29427" numCol="1" spcCol="0" rtlCol="0" fromWordArt="0" anchor="ctr" anchorCtr="0" forceAA="0" compatLnSpc="1">
+            <a:prstTxWarp prst="textNoShape">
+              <a:avLst/>
+            </a:prstTxWarp>
+            <a:noAutofit/>
+          </a:bodyPr>
+          <a:lstStyle/>
+          <a:p>
+            <a:pPr algn="ctr"/>
+            <a:r>
+              <a:rPr lang="en-US" sz="800" dirty="0" smtClean="0">
+                <a:latin typeface="Times New Roman" panose="02020603050405020304" pitchFamily="18" charset="0"/>
+                <a:cs typeface="Times New Roman" panose="02020603050405020304" pitchFamily="18" charset="0"/>
+              </a:rPr>
+              <a:t>Perceived Inequality</a:t>
+            </a:r>
+            <a:endParaRPr lang="en-US" sz="800" dirty="0">
+              <a:latin typeface="Times New Roman" panose="02020603050405020304" pitchFamily="18" charset="0"/>
+              <a:cs typeface="Times New Roman" panose="02020603050405020304" pitchFamily="18" charset="0"/>
+            </a:endParaRPr>
+          </a:p>
+        </p:txBody>
+      </p:sp>
+      <p:cxnSp>
+        <p:nvCxnSpPr>
+          <p:cNvPr id="34" name="Straight Connector 33"/>
+          <p:cNvCxnSpPr>
+            <a:stCxn id="30" idx="1"/>
+            <a:endCxn id="4" idx="3"/>
+          </p:cNvCxnSpPr>
+          <p:nvPr/>
+        </p:nvCxnSpPr>
+        <p:spPr>
+          <a:xfrm flipH="1">
+            <a:off x="1809819" y="1920553"/>
+            <a:ext cx="2057897" cy="11095"/>
+          </a:xfrm>
+          <a:prstGeom prst="line">
+            <a:avLst/>
+          </a:prstGeom>
+          <a:ln>
+            <a:headEnd type="triangle"/>
+          </a:ln>
+        </p:spPr>
+        <p:style>
+          <a:lnRef idx="2">
+            <a:schemeClr val="dk1"/>
+          </a:lnRef>
+          <a:fillRef idx="1">
+            <a:schemeClr val="lt1"/>
+          </a:fillRef>
+          <a:effectRef idx="0">
+            <a:schemeClr val="dk1"/>
+          </a:effectRef>
+          <a:fontRef idx="minor">
+            <a:schemeClr val="dk1"/>
+          </a:fontRef>
+        </p:style>
+      </p:cxnSp>
+      <p:cxnSp>
+        <p:nvCxnSpPr>
+          <p:cNvPr id="59" name="Straight Connector 58"/>
+          <p:cNvCxnSpPr>
+            <a:endCxn id="29" idx="3"/>
+          </p:cNvCxnSpPr>
+          <p:nvPr/>
+        </p:nvCxnSpPr>
+        <p:spPr>
+          <a:xfrm flipH="1">
+            <a:off x="1809819" y="1955335"/>
+            <a:ext cx="1253739" cy="547440"/>
+          </a:xfrm>
+          <a:prstGeom prst="line">
+            <a:avLst/>
+          </a:prstGeom>
+          <a:ln>
+            <a:headEnd type="triangle"/>
+          </a:ln>
+        </p:spPr>
+        <p:style>
+          <a:lnRef idx="2">
+            <a:schemeClr val="dk1"/>
+          </a:lnRef>
+          <a:fillRef idx="1">
+            <a:schemeClr val="lt1"/>
+          </a:fillRef>
+          <a:effectRef idx="0">
+            <a:schemeClr val="dk1"/>
+          </a:effectRef>
+          <a:fontRef idx="minor">
+            <a:schemeClr val="dk1"/>
+          </a:fontRef>
+        </p:style>
+      </p:cxnSp>
+      <p:sp>
+        <p:nvSpPr>
+          <p:cNvPr id="50" name="TextBox 49"/>
+          <p:cNvSpPr txBox="1"/>
+          <p:nvPr/>
+        </p:nvSpPr>
+        <p:spPr>
+          <a:xfrm>
+            <a:off x="2205100" y="1338331"/>
+            <a:ext cx="436338" cy="215444"/>
+          </a:xfrm>
+          <a:prstGeom prst="rect">
+            <a:avLst/>
+          </a:prstGeom>
+          <a:noFill/>
+        </p:spPr>
+        <p:txBody>
+          <a:bodyPr wrap="none" rtlCol="0">
+            <a:spAutoFit/>
+          </a:bodyPr>
+          <a:lstStyle/>
+          <a:p>
+            <a:r>
+              <a:rPr lang="en-GB" sz="800" dirty="0" smtClean="0">
+                <a:latin typeface="Times New Roman" panose="02020603050405020304" pitchFamily="18" charset="0"/>
+                <a:cs typeface="Times New Roman" panose="02020603050405020304" pitchFamily="18" charset="0"/>
+              </a:rPr>
+              <a:t>H2 (-)</a:t>
+            </a:r>
+            <a:endParaRPr lang="en-GB" sz="800" dirty="0">
+              <a:latin typeface="Times New Roman" panose="02020603050405020304" pitchFamily="18" charset="0"/>
+              <a:cs typeface="Times New Roman" panose="02020603050405020304" pitchFamily="18" charset="0"/>
+            </a:endParaRPr>
+          </a:p>
+        </p:txBody>
+      </p:sp>
+      <p:sp>
+        <p:nvSpPr>
+          <p:cNvPr id="64" name="TextBox 63"/>
+          <p:cNvSpPr txBox="1"/>
+          <p:nvPr/>
+        </p:nvSpPr>
+        <p:spPr>
+          <a:xfrm>
+            <a:off x="2243582" y="2333209"/>
+            <a:ext cx="460382" cy="215444"/>
+          </a:xfrm>
+          <a:prstGeom prst="rect">
+            <a:avLst/>
+          </a:prstGeom>
+          <a:noFill/>
+        </p:spPr>
+        <p:txBody>
+          <a:bodyPr wrap="none" rtlCol="0">
+            <a:spAutoFit/>
+          </a:bodyPr>
+          <a:lstStyle/>
+          <a:p>
+            <a:r>
+              <a:rPr lang="en-GB" sz="800" dirty="0" smtClean="0">
+                <a:latin typeface="Times New Roman" panose="02020603050405020304" pitchFamily="18" charset="0"/>
+                <a:cs typeface="Times New Roman" panose="02020603050405020304" pitchFamily="18" charset="0"/>
+              </a:rPr>
+              <a:t>H3 (+)</a:t>
+            </a:r>
+            <a:endParaRPr lang="en-GB" sz="800" dirty="0">
+              <a:latin typeface="Times New Roman" panose="02020603050405020304" pitchFamily="18" charset="0"/>
+              <a:cs typeface="Times New Roman" panose="02020603050405020304" pitchFamily="18" charset="0"/>
+            </a:endParaRPr>
+          </a:p>
+        </p:txBody>
+      </p:sp>
+      <p:sp>
+        <p:nvSpPr>
+          <p:cNvPr id="65" name="Rectángulo 3">
+            <a:extLst>
+              <a:ext uri="{FF2B5EF4-FFF2-40B4-BE49-F238E27FC236}">
+                <a16:creationId xmlns:a16="http://schemas.microsoft.com/office/drawing/2014/main" xmlns="" id="{70261B79-5D89-227D-9429-3BF0A8DD0692}"/>
+              </a:ext>
+            </a:extLst>
+          </p:cNvPr>
+          <p:cNvSpPr/>
+          <p:nvPr/>
+        </p:nvSpPr>
+        <p:spPr>
+          <a:xfrm>
+            <a:off x="906261" y="1194056"/>
+            <a:ext cx="903558" cy="315211"/>
+          </a:xfrm>
+          <a:prstGeom prst="rect">
+            <a:avLst/>
+          </a:prstGeom>
+        </p:spPr>
+        <p:style>
+          <a:lnRef idx="2">
+            <a:schemeClr val="dk1"/>
+          </a:lnRef>
+          <a:fillRef idx="1">
+            <a:schemeClr val="lt1"/>
+          </a:fillRef>
+          <a:effectRef idx="0">
+            <a:schemeClr val="dk1"/>
+          </a:effectRef>
+          <a:fontRef idx="minor">
+            <a:schemeClr val="dk1"/>
+          </a:fontRef>
+        </p:style>
+        <p:txBody>
+          <a:bodyPr rot="0" spcFirstLastPara="0" vertOverflow="overflow" horzOverflow="overflow" vert="horz" wrap="square" lIns="58852" tIns="29427" rIns="58852" bIns="29427" numCol="1" spcCol="0" rtlCol="0" fromWordArt="0" anchor="ctr" anchorCtr="0" forceAA="0" compatLnSpc="1">
+            <a:prstTxWarp prst="textNoShape">
+              <a:avLst/>
+            </a:prstTxWarp>
+            <a:noAutofit/>
+          </a:bodyPr>
+          <a:lstStyle/>
+          <a:p>
+            <a:pPr algn="ctr"/>
+            <a:r>
+              <a:rPr lang="en-US" sz="800" dirty="0" smtClean="0">
+                <a:latin typeface="Times New Roman" panose="02020603050405020304" pitchFamily="18" charset="0"/>
+                <a:cs typeface="Times New Roman" panose="02020603050405020304" pitchFamily="18" charset="0"/>
+              </a:rPr>
+              <a:t>Subjective Status</a:t>
+            </a:r>
+            <a:endParaRPr lang="en-US" sz="800" dirty="0">
+              <a:latin typeface="Times New Roman" panose="02020603050405020304" pitchFamily="18" charset="0"/>
+              <a:cs typeface="Times New Roman" panose="02020603050405020304" pitchFamily="18" charset="0"/>
+            </a:endParaRPr>
+          </a:p>
+        </p:txBody>
+      </p:sp>
+      <p:cxnSp>
+        <p:nvCxnSpPr>
+          <p:cNvPr id="67" name="Straight Connector 66"/>
+          <p:cNvCxnSpPr>
+            <a:endCxn id="65" idx="3"/>
+          </p:cNvCxnSpPr>
+          <p:nvPr/>
+        </p:nvCxnSpPr>
+        <p:spPr>
+          <a:xfrm flipH="1" flipV="1">
+            <a:off x="1809819" y="1351662"/>
+            <a:ext cx="1253739" cy="556300"/>
+          </a:xfrm>
+          <a:prstGeom prst="line">
+            <a:avLst/>
+          </a:prstGeom>
+          <a:ln>
+            <a:headEnd type="triangle"/>
+          </a:ln>
+        </p:spPr>
+        <p:style>
+          <a:lnRef idx="2">
+            <a:schemeClr val="dk1"/>
+          </a:lnRef>
+          <a:fillRef idx="1">
+            <a:schemeClr val="lt1"/>
+          </a:fillRef>
+          <a:effectRef idx="0">
+            <a:schemeClr val="dk1"/>
+          </a:effectRef>
+          <a:fontRef idx="minor">
+            <a:schemeClr val="dk1"/>
+          </a:fontRef>
+        </p:style>
+      </p:cxnSp>
+      <p:sp>
+        <p:nvSpPr>
+          <p:cNvPr id="71" name="TextBox 70"/>
+          <p:cNvSpPr txBox="1"/>
+          <p:nvPr/>
+        </p:nvSpPr>
+        <p:spPr>
+          <a:xfrm>
+            <a:off x="1850744" y="1723618"/>
+            <a:ext cx="436338" cy="215444"/>
+          </a:xfrm>
+          <a:prstGeom prst="rect">
+            <a:avLst/>
+          </a:prstGeom>
+          <a:noFill/>
+        </p:spPr>
+        <p:txBody>
+          <a:bodyPr wrap="none" rtlCol="0">
+            <a:spAutoFit/>
+          </a:bodyPr>
+          <a:lstStyle/>
+          <a:p>
+            <a:r>
+              <a:rPr lang="en-GB" sz="800" dirty="0" smtClean="0">
+                <a:latin typeface="Times New Roman" panose="02020603050405020304" pitchFamily="18" charset="0"/>
+                <a:cs typeface="Times New Roman" panose="02020603050405020304" pitchFamily="18" charset="0"/>
+              </a:rPr>
+              <a:t>H1 (-)</a:t>
+            </a:r>
+            <a:endParaRPr lang="en-GB" sz="800" dirty="0">
+              <a:latin typeface="Times New Roman" panose="02020603050405020304" pitchFamily="18" charset="0"/>
+              <a:cs typeface="Times New Roman" panose="02020603050405020304" pitchFamily="18" charset="0"/>
+            </a:endParaRPr>
+          </a:p>
+        </p:txBody>
+      </p:sp>
+      <p:sp>
+        <p:nvSpPr>
+          <p:cNvPr id="82" name="Left Bracket 81"/>
+          <p:cNvSpPr/>
+          <p:nvPr/>
+        </p:nvSpPr>
+        <p:spPr>
+          <a:xfrm>
+            <a:off x="297196" y="1338331"/>
+            <a:ext cx="609066" cy="1164444"/>
+          </a:xfrm>
+          <a:prstGeom prst="leftBracket">
+            <a:avLst>
+              <a:gd name="adj" fmla="val 203516"/>
+            </a:avLst>
+          </a:prstGeom>
+          <a:ln w="12700">
+            <a:solidFill>
+              <a:schemeClr val="tx1"/>
+            </a:solidFill>
+            <a:headEnd type="triangle"/>
+            <a:tailEnd type="triangle"/>
+          </a:ln>
+        </p:spPr>
+        <p:style>
+          <a:lnRef idx="1">
+            <a:schemeClr val="accent1"/>
+          </a:lnRef>
+          <a:fillRef idx="0">
+            <a:schemeClr val="accent1"/>
+          </a:fillRef>
+          <a:effectRef idx="0">
+            <a:schemeClr val="accent1"/>
+          </a:effectRef>
+          <a:fontRef idx="minor">
+            <a:schemeClr val="tx1"/>
+          </a:fontRef>
+        </p:style>
+        <p:txBody>
+          <a:bodyPr rtlCol="0" anchor="ctr"/>
+          <a:lstStyle/>
+          <a:p>
+            <a:pPr algn="ctr"/>
+            <a:endParaRPr lang="en-GB"/>
+          </a:p>
+        </p:txBody>
+      </p:sp>
+      <p:sp>
+        <p:nvSpPr>
+          <p:cNvPr id="84" name="TextBox 83"/>
+          <p:cNvSpPr txBox="1"/>
+          <p:nvPr/>
+        </p:nvSpPr>
+        <p:spPr>
+          <a:xfrm>
+            <a:off x="218526" y="1774042"/>
+            <a:ext cx="285656" cy="215444"/>
+          </a:xfrm>
+          <a:prstGeom prst="rect">
+            <a:avLst/>
+          </a:prstGeom>
+          <a:noFill/>
+        </p:spPr>
+        <p:txBody>
+          <a:bodyPr wrap="none" rtlCol="0">
+            <a:spAutoFit/>
+          </a:bodyPr>
+          <a:lstStyle/>
+          <a:p>
+            <a:r>
+              <a:rPr lang="en-GB" sz="800" dirty="0">
+                <a:latin typeface="Times New Roman" panose="02020603050405020304" pitchFamily="18" charset="0"/>
+                <a:cs typeface="Times New Roman" panose="02020603050405020304" pitchFamily="18" charset="0"/>
+              </a:rPr>
+              <a:t>(-)</a:t>
+            </a:r>
+          </a:p>
+        </p:txBody>
+      </p:sp>
+      <p:sp>
+        <p:nvSpPr>
+          <p:cNvPr id="87" name="Left Bracket 86"/>
+          <p:cNvSpPr/>
+          <p:nvPr/>
+        </p:nvSpPr>
+        <p:spPr>
+          <a:xfrm>
+            <a:off x="607472" y="1338331"/>
+            <a:ext cx="291991" cy="593317"/>
+          </a:xfrm>
+          <a:prstGeom prst="leftBracket">
+            <a:avLst>
+              <a:gd name="adj" fmla="val 203516"/>
+            </a:avLst>
+          </a:prstGeom>
+          <a:ln w="12700">
+            <a:solidFill>
+              <a:schemeClr val="tx1"/>
+            </a:solidFill>
+            <a:headEnd type="triangle"/>
+            <a:tailEnd type="triangle"/>
+          </a:ln>
+        </p:spPr>
+        <p:style>
+          <a:lnRef idx="1">
+            <a:schemeClr val="accent1"/>
+          </a:lnRef>
+          <a:fillRef idx="0">
+            <a:schemeClr val="accent1"/>
+          </a:fillRef>
+          <a:effectRef idx="0">
+            <a:schemeClr val="accent1"/>
+          </a:effectRef>
+          <a:fontRef idx="minor">
+            <a:schemeClr val="tx1"/>
+          </a:fontRef>
+        </p:style>
+        <p:txBody>
+          <a:bodyPr rtlCol="0" anchor="ctr"/>
+          <a:lstStyle/>
+          <a:p>
+            <a:pPr algn="ctr"/>
+            <a:endParaRPr lang="en-GB"/>
+          </a:p>
+        </p:txBody>
+      </p:sp>
+      <p:sp>
+        <p:nvSpPr>
+          <p:cNvPr id="89" name="Left Bracket 88"/>
+          <p:cNvSpPr/>
+          <p:nvPr/>
+        </p:nvSpPr>
+        <p:spPr>
+          <a:xfrm>
+            <a:off x="600673" y="1927219"/>
+            <a:ext cx="291991" cy="579985"/>
+          </a:xfrm>
+          <a:prstGeom prst="leftBracket">
+            <a:avLst>
+              <a:gd name="adj" fmla="val 203516"/>
+            </a:avLst>
+          </a:prstGeom>
+          <a:ln w="12700">
+            <a:solidFill>
+              <a:schemeClr val="tx1"/>
+            </a:solidFill>
+            <a:headEnd type="triangle"/>
+            <a:tailEnd type="triangle"/>
+          </a:ln>
+        </p:spPr>
+        <p:style>
+          <a:lnRef idx="1">
+            <a:schemeClr val="accent1"/>
+          </a:lnRef>
+          <a:fillRef idx="0">
+            <a:schemeClr val="accent1"/>
+          </a:fillRef>
+          <a:effectRef idx="0">
+            <a:schemeClr val="accent1"/>
+          </a:effectRef>
+          <a:fontRef idx="minor">
+            <a:schemeClr val="tx1"/>
+          </a:fontRef>
+        </p:style>
+        <p:txBody>
+          <a:bodyPr rtlCol="0" anchor="ctr"/>
+          <a:lstStyle/>
+          <a:p>
+            <a:pPr algn="ctr"/>
+            <a:endParaRPr lang="en-GB"/>
+          </a:p>
+        </p:txBody>
+      </p:sp>
+      <p:sp>
+        <p:nvSpPr>
+          <p:cNvPr id="90" name="TextBox 89"/>
+          <p:cNvSpPr txBox="1"/>
+          <p:nvPr/>
+        </p:nvSpPr>
+        <p:spPr>
+          <a:xfrm>
+            <a:off x="532851" y="2087782"/>
+            <a:ext cx="285656" cy="215444"/>
+          </a:xfrm>
+          <a:prstGeom prst="rect">
+            <a:avLst/>
+          </a:prstGeom>
+          <a:noFill/>
+        </p:spPr>
+        <p:txBody>
+          <a:bodyPr wrap="none" rtlCol="0">
+            <a:spAutoFit/>
+          </a:bodyPr>
+          <a:lstStyle/>
+          <a:p>
+            <a:r>
+              <a:rPr lang="en-GB" sz="800" dirty="0">
+                <a:latin typeface="Times New Roman" panose="02020603050405020304" pitchFamily="18" charset="0"/>
+                <a:cs typeface="Times New Roman" panose="02020603050405020304" pitchFamily="18" charset="0"/>
+              </a:rPr>
+              <a:t>(-)</a:t>
+            </a:r>
+          </a:p>
+        </p:txBody>
+      </p:sp>
+      <p:sp>
+        <p:nvSpPr>
+          <p:cNvPr id="91" name="TextBox 90"/>
+          <p:cNvSpPr txBox="1"/>
+          <p:nvPr/>
+        </p:nvSpPr>
+        <p:spPr>
+          <a:xfrm>
+            <a:off x="565793" y="1497613"/>
+            <a:ext cx="309700" cy="215444"/>
+          </a:xfrm>
+          <a:prstGeom prst="rect">
+            <a:avLst/>
+          </a:prstGeom>
+          <a:noFill/>
+        </p:spPr>
+        <p:txBody>
+          <a:bodyPr wrap="none" rtlCol="0">
+            <a:spAutoFit/>
+          </a:bodyPr>
+          <a:lstStyle/>
+          <a:p>
+            <a:r>
+              <a:rPr lang="en-GB" sz="800" dirty="0" smtClean="0">
+                <a:latin typeface="Times New Roman" panose="02020603050405020304" pitchFamily="18" charset="0"/>
+                <a:cs typeface="Times New Roman" panose="02020603050405020304" pitchFamily="18" charset="0"/>
+              </a:rPr>
+              <a:t>(+)</a:t>
+            </a:r>
+            <a:endParaRPr lang="en-GB" sz="800" dirty="0">
+              <a:latin typeface="Times New Roman" panose="02020603050405020304" pitchFamily="18" charset="0"/>
+              <a:cs typeface="Times New Roman" panose="02020603050405020304" pitchFamily="18" charset="0"/>
+            </a:endParaRPr>
+          </a:p>
+        </p:txBody>
+      </p:sp>
+    </p:spTree>
+    <p:extLst>
+      <p:ext uri="{BB962C8B-B14F-4D97-AF65-F5344CB8AC3E}">
+        <p14:creationId xmlns:p14="http://schemas.microsoft.com/office/powerpoint/2010/main" val="1509609271"/>
       </p:ext>
     </p:extLst>
   </p:cSld>
